--- a/GitHub.pptx
+++ b/GitHub.pptx
@@ -6,6 +6,7 @@
   </p:sldMasterIdLst>
   <p:sldIdLst>
     <p:sldId id="260" r:id="rId3"/>
+    <p:sldId id="261" r:id="rId4"/>
   </p:sldIdLst>
   <p:sldSz cx="12192000" cy="6858000"/>
   <p:notesSz cx="6858000" cy="9144000"/>
@@ -3104,6 +3105,168 @@
 </p:sld>
 </file>
 
+<file path=ppt/slides/slide2.xml><?xml version="1.0" encoding="utf-8"?>
+<p:sld xmlns:a="http://schemas.openxmlformats.org/drawingml/2006/main" xmlns:r="http://schemas.openxmlformats.org/officeDocument/2006/relationships" xmlns:p="http://schemas.openxmlformats.org/presentationml/2006/main">
+  <p:cSld>
+    <p:spTree>
+      <p:nvGrpSpPr>
+        <p:cNvPr id="1" name=""/>
+        <p:cNvGrpSpPr/>
+        <p:nvPr/>
+      </p:nvGrpSpPr>
+      <p:grpSpPr/>
+      <p:sp>
+        <p:nvSpPr>
+          <p:cNvPr id="6" name="Title 5"/>
+          <p:cNvSpPr>
+            <a:spLocks noGrp="1"/>
+          </p:cNvSpPr>
+          <p:nvPr>
+            <p:ph type="ctrTitle"/>
+          </p:nvPr>
+        </p:nvSpPr>
+        <p:spPr/>
+        <p:txBody>
+          <a:bodyPr/>
+          <a:p>
+            <a:endParaRPr lang="en-US"/>
+          </a:p>
+        </p:txBody>
+      </p:sp>
+      <p:sp>
+        <p:nvSpPr>
+          <p:cNvPr id="7" name="Subtitle 6"/>
+          <p:cNvSpPr>
+            <a:spLocks noGrp="1"/>
+          </p:cNvSpPr>
+          <p:nvPr>
+            <p:ph type="subTitle" idx="1"/>
+          </p:nvPr>
+        </p:nvSpPr>
+        <p:spPr>
+          <a:xfrm>
+            <a:off x="836930" y="655955"/>
+            <a:ext cx="10546080" cy="5687060"/>
+          </a:xfrm>
+          <a:solidFill>
+            <a:schemeClr val="bg2">
+              <a:lumMod val="25000"/>
+            </a:schemeClr>
+          </a:solidFill>
+        </p:spPr>
+        <p:txBody>
+          <a:bodyPr>
+            <a:normAutofit lnSpcReduction="10000"/>
+          </a:bodyPr>
+          <a:p>
+            <a:pPr algn="l">
+              <a:buFont typeface="Arial" panose="020B0604020202020204" pitchFamily="34" charset="0"/>
+            </a:pPr>
+            <a:r>
+              <a:rPr lang="en-IN" altLang="en-US" b="1">
+                <a:solidFill>
+                  <a:schemeClr val="bg1"/>
+                </a:solidFill>
+              </a:rPr>
+              <a:t>					</a:t>
+            </a:r>
+            <a:endParaRPr lang="en-IN" altLang="en-US" b="1">
+              <a:solidFill>
+                <a:schemeClr val="bg1"/>
+              </a:solidFill>
+            </a:endParaRPr>
+          </a:p>
+          <a:p>
+            <a:pPr algn="l">
+              <a:buFont typeface="Arial" panose="020B0604020202020204" pitchFamily="34" charset="0"/>
+            </a:pPr>
+            <a:r>
+              <a:rPr lang="en-IN" altLang="en-US" b="1">
+                <a:solidFill>
+                  <a:schemeClr val="bg1"/>
+                </a:solidFill>
+              </a:rPr>
+              <a:t>				              </a:t>
+            </a:r>
+            <a:r>
+              <a:rPr lang="en-IN" altLang="en-US" sz="3600" b="1" u="sng">
+                <a:solidFill>
+                  <a:schemeClr val="bg1"/>
+                </a:solidFill>
+              </a:rPr>
+              <a:t>TOPIC</a:t>
+            </a:r>
+            <a:endParaRPr lang="en-IN" altLang="en-US" b="1" u="sng">
+              <a:solidFill>
+                <a:schemeClr val="bg1"/>
+              </a:solidFill>
+            </a:endParaRPr>
+          </a:p>
+          <a:p>
+            <a:pPr algn="l">
+              <a:lnSpc>
+                <a:spcPct val="150000"/>
+              </a:lnSpc>
+              <a:buFont typeface="Arial" panose="020B0604020202020204" pitchFamily="34" charset="0"/>
+            </a:pPr>
+            <a:endParaRPr lang="en-IN" altLang="en-US" sz="2800" b="1">
+              <a:solidFill>
+                <a:schemeClr val="bg1"/>
+              </a:solidFill>
+            </a:endParaRPr>
+          </a:p>
+          <a:p>
+            <a:pPr algn="l">
+              <a:buFont typeface="Arial" panose="020B0604020202020204" pitchFamily="34" charset="0"/>
+            </a:pPr>
+            <a:r>
+              <a:rPr lang="en-IN" altLang="en-US" sz="2800" b="1">
+                <a:solidFill>
+                  <a:schemeClr val="bg1"/>
+                </a:solidFill>
+              </a:rPr>
+              <a:t>				</a:t>
+            </a:r>
+            <a:endParaRPr lang="en-IN" altLang="en-US" sz="3600" b="1">
+              <a:solidFill>
+                <a:schemeClr val="bg1"/>
+              </a:solidFill>
+            </a:endParaRPr>
+          </a:p>
+        </p:txBody>
+      </p:sp>
+      <p:pic>
+        <p:nvPicPr>
+          <p:cNvPr id="3" name="Picture 2"/>
+          <p:cNvPicPr>
+            <a:picLocks noChangeAspect="1"/>
+          </p:cNvPicPr>
+          <p:nvPr/>
+        </p:nvPicPr>
+        <p:blipFill>
+          <a:blip r:embed="rId1"/>
+          <a:stretch>
+            <a:fillRect/>
+          </a:stretch>
+        </p:blipFill>
+        <p:spPr>
+          <a:xfrm>
+            <a:off x="3465830" y="2435225"/>
+            <a:ext cx="5259705" cy="2279650"/>
+          </a:xfrm>
+          <a:prstGeom prst="rect">
+            <a:avLst/>
+          </a:prstGeom>
+        </p:spPr>
+      </p:pic>
+    </p:spTree>
+  </p:cSld>
+  <p:clrMapOvr>
+    <a:masterClrMapping/>
+  </p:clrMapOvr>
+</p:sld>
+</file>
+
 <file path=ppt/theme/theme1.xml><?xml version="1.0" encoding="utf-8"?>
 <a:theme xmlns:a="http://schemas.openxmlformats.org/drawingml/2006/main" name="Office Theme">
   <a:themeElements>

--- a/GitHub.pptx
+++ b/GitHub.pptx
@@ -7,6 +7,7 @@
   <p:sldIdLst>
     <p:sldId id="260" r:id="rId3"/>
     <p:sldId id="261" r:id="rId4"/>
+    <p:sldId id="262" r:id="rId5"/>
   </p:sldIdLst>
   <p:sldSz cx="12192000" cy="6858000"/>
   <p:notesSz cx="6858000" cy="9144000"/>
@@ -3267,6 +3268,210 @@
 </p:sld>
 </file>
 
+<file path=ppt/slides/slide3.xml><?xml version="1.0" encoding="utf-8"?>
+<p:sld xmlns:a="http://schemas.openxmlformats.org/drawingml/2006/main" xmlns:r="http://schemas.openxmlformats.org/officeDocument/2006/relationships" xmlns:p="http://schemas.openxmlformats.org/presentationml/2006/main">
+  <p:cSld>
+    <p:spTree>
+      <p:nvGrpSpPr>
+        <p:cNvPr id="1" name=""/>
+        <p:cNvGrpSpPr/>
+        <p:nvPr/>
+      </p:nvGrpSpPr>
+      <p:grpSpPr/>
+      <p:sp>
+        <p:nvSpPr>
+          <p:cNvPr id="6" name="Title 5"/>
+          <p:cNvSpPr>
+            <a:spLocks noGrp="1"/>
+          </p:cNvSpPr>
+          <p:nvPr>
+            <p:ph type="ctrTitle"/>
+          </p:nvPr>
+        </p:nvSpPr>
+        <p:spPr/>
+        <p:txBody>
+          <a:bodyPr/>
+          <a:p>
+            <a:endParaRPr lang="en-US"/>
+          </a:p>
+        </p:txBody>
+      </p:sp>
+      <p:sp>
+        <p:nvSpPr>
+          <p:cNvPr id="7" name="Subtitle 6"/>
+          <p:cNvSpPr>
+            <a:spLocks noGrp="1"/>
+          </p:cNvSpPr>
+          <p:nvPr>
+            <p:ph type="subTitle" idx="1"/>
+          </p:nvPr>
+        </p:nvSpPr>
+        <p:spPr>
+          <a:xfrm>
+            <a:off x="836930" y="655955"/>
+            <a:ext cx="10546080" cy="5687060"/>
+          </a:xfrm>
+          <a:solidFill>
+            <a:schemeClr val="bg2">
+              <a:lumMod val="25000"/>
+            </a:schemeClr>
+          </a:solidFill>
+        </p:spPr>
+        <p:txBody>
+          <a:bodyPr>
+            <a:normAutofit lnSpcReduction="10000"/>
+          </a:bodyPr>
+          <a:p>
+            <a:pPr algn="l">
+              <a:buFont typeface="Arial" panose="020B0604020202020204" pitchFamily="34" charset="0"/>
+            </a:pPr>
+            <a:r>
+              <a:rPr lang="en-IN" altLang="en-US" b="1">
+                <a:solidFill>
+                  <a:schemeClr val="bg1"/>
+                </a:solidFill>
+              </a:rPr>
+              <a:t>					</a:t>
+            </a:r>
+            <a:endParaRPr lang="en-IN" altLang="en-US" b="1">
+              <a:solidFill>
+                <a:schemeClr val="bg1"/>
+              </a:solidFill>
+            </a:endParaRPr>
+          </a:p>
+          <a:p>
+            <a:pPr algn="l">
+              <a:buFont typeface="Arial" panose="020B0604020202020204" pitchFamily="34" charset="0"/>
+            </a:pPr>
+            <a:r>
+              <a:rPr lang="en-IN" altLang="en-US" b="1">
+                <a:solidFill>
+                  <a:schemeClr val="bg1"/>
+                </a:solidFill>
+              </a:rPr>
+              <a:t>				          </a:t>
+            </a:r>
+            <a:r>
+              <a:rPr lang="en-IN" altLang="en-US" sz="3600" b="1" u="sng">
+                <a:solidFill>
+                  <a:schemeClr val="bg1"/>
+                </a:solidFill>
+              </a:rPr>
+              <a:t>AGENDA</a:t>
+            </a:r>
+            <a:endParaRPr lang="en-IN" altLang="en-US" b="1" u="sng">
+              <a:solidFill>
+                <a:schemeClr val="bg1"/>
+              </a:solidFill>
+            </a:endParaRPr>
+          </a:p>
+          <a:p>
+            <a:pPr algn="l">
+              <a:lnSpc>
+                <a:spcPct val="150000"/>
+              </a:lnSpc>
+              <a:buFont typeface="Arial" panose="020B0604020202020204" pitchFamily="34" charset="0"/>
+            </a:pPr>
+            <a:endParaRPr lang="en-IN" altLang="en-US" sz="2800" b="1">
+              <a:solidFill>
+                <a:schemeClr val="bg1"/>
+              </a:solidFill>
+            </a:endParaRPr>
+          </a:p>
+          <a:p>
+            <a:pPr algn="l">
+              <a:lnSpc>
+                <a:spcPct val="150000"/>
+              </a:lnSpc>
+              <a:buFont typeface="Arial" panose="020B0604020202020204" pitchFamily="34" charset="0"/>
+            </a:pPr>
+            <a:r>
+              <a:rPr lang="en-IN" altLang="en-US" sz="2800" b="1">
+                <a:solidFill>
+                  <a:schemeClr val="bg1"/>
+                </a:solidFill>
+              </a:rPr>
+              <a:t>	1.  Regular faced problems regarding file management</a:t>
+            </a:r>
+            <a:endParaRPr lang="en-IN" altLang="en-US" sz="2800" b="1">
+              <a:solidFill>
+                <a:schemeClr val="bg1"/>
+              </a:solidFill>
+            </a:endParaRPr>
+          </a:p>
+          <a:p>
+            <a:pPr algn="l">
+              <a:lnSpc>
+                <a:spcPct val="150000"/>
+              </a:lnSpc>
+              <a:buFont typeface="Arial" panose="020B0604020202020204" pitchFamily="34" charset="0"/>
+            </a:pPr>
+            <a:r>
+              <a:rPr lang="en-IN" altLang="en-US" sz="2800" b="1">
+                <a:solidFill>
+                  <a:schemeClr val="bg1"/>
+                </a:solidFill>
+              </a:rPr>
+              <a:t>	2.  GitHub - Introduction, Features, Terminologies</a:t>
+            </a:r>
+            <a:endParaRPr lang="en-IN" altLang="en-US" sz="2800" b="1">
+              <a:solidFill>
+                <a:schemeClr val="bg1"/>
+              </a:solidFill>
+            </a:endParaRPr>
+          </a:p>
+          <a:p>
+            <a:pPr algn="l">
+              <a:lnSpc>
+                <a:spcPct val="150000"/>
+              </a:lnSpc>
+              <a:buFont typeface="Arial" panose="020B0604020202020204" pitchFamily="34" charset="0"/>
+            </a:pPr>
+            <a:r>
+              <a:rPr lang="en-IN" altLang="en-US" sz="2800" b="1">
+                <a:solidFill>
+                  <a:schemeClr val="bg1"/>
+                </a:solidFill>
+              </a:rPr>
+              <a:t>	3.  Every process in the Github</a:t>
+            </a:r>
+            <a:endParaRPr lang="en-IN" altLang="en-US" sz="2800" b="1">
+              <a:solidFill>
+                <a:schemeClr val="bg1"/>
+              </a:solidFill>
+            </a:endParaRPr>
+          </a:p>
+          <a:p>
+            <a:pPr algn="l">
+              <a:lnSpc>
+                <a:spcPct val="150000"/>
+              </a:lnSpc>
+              <a:buFont typeface="Arial" panose="020B0604020202020204" pitchFamily="34" charset="0"/>
+            </a:pPr>
+            <a:r>
+              <a:rPr lang="en-IN" altLang="en-US" sz="2800" b="1">
+                <a:solidFill>
+                  <a:schemeClr val="bg1"/>
+                </a:solidFill>
+              </a:rPr>
+              <a:t>	4.  Real time Examples				</a:t>
+            </a:r>
+            <a:endParaRPr lang="en-IN" altLang="en-US" sz="3600" b="1">
+              <a:solidFill>
+                <a:schemeClr val="bg1"/>
+              </a:solidFill>
+            </a:endParaRPr>
+          </a:p>
+        </p:txBody>
+      </p:sp>
+    </p:spTree>
+  </p:cSld>
+  <p:clrMapOvr>
+    <a:masterClrMapping/>
+  </p:clrMapOvr>
+</p:sld>
+</file>
+
 <file path=ppt/theme/theme1.xml><?xml version="1.0" encoding="utf-8"?>
 <a:theme xmlns:a="http://schemas.openxmlformats.org/drawingml/2006/main" name="Office Theme">
   <a:themeElements>

--- a/GitHub.pptx
+++ b/GitHub.pptx
@@ -8,6 +8,7 @@
     <p:sldId id="260" r:id="rId3"/>
     <p:sldId id="261" r:id="rId4"/>
     <p:sldId id="262" r:id="rId5"/>
+    <p:sldId id="263" r:id="rId6"/>
   </p:sldIdLst>
   <p:sldSz cx="12192000" cy="6858000"/>
   <p:notesSz cx="6858000" cy="9144000"/>
@@ -3472,6 +3473,223 @@
 </p:sld>
 </file>
 
+<file path=ppt/slides/slide4.xml><?xml version="1.0" encoding="utf-8"?>
+<p:sld xmlns:a="http://schemas.openxmlformats.org/drawingml/2006/main" xmlns:r="http://schemas.openxmlformats.org/officeDocument/2006/relationships" xmlns:p="http://schemas.openxmlformats.org/presentationml/2006/main">
+  <p:cSld>
+    <p:spTree>
+      <p:nvGrpSpPr>
+        <p:cNvPr id="1" name=""/>
+        <p:cNvGrpSpPr/>
+        <p:nvPr/>
+      </p:nvGrpSpPr>
+      <p:grpSpPr/>
+      <p:sp>
+        <p:nvSpPr>
+          <p:cNvPr id="6" name="Title 5"/>
+          <p:cNvSpPr>
+            <a:spLocks noGrp="1"/>
+          </p:cNvSpPr>
+          <p:nvPr>
+            <p:ph type="ctrTitle"/>
+          </p:nvPr>
+        </p:nvSpPr>
+        <p:spPr/>
+        <p:txBody>
+          <a:bodyPr/>
+          <a:p>
+            <a:endParaRPr lang="en-US"/>
+          </a:p>
+        </p:txBody>
+      </p:sp>
+      <p:sp>
+        <p:nvSpPr>
+          <p:cNvPr id="7" name="Subtitle 6"/>
+          <p:cNvSpPr>
+            <a:spLocks noGrp="1"/>
+          </p:cNvSpPr>
+          <p:nvPr>
+            <p:ph type="subTitle" idx="1"/>
+          </p:nvPr>
+        </p:nvSpPr>
+        <p:spPr>
+          <a:xfrm>
+            <a:off x="836930" y="655955"/>
+            <a:ext cx="10546080" cy="5687060"/>
+          </a:xfrm>
+          <a:solidFill>
+            <a:schemeClr val="bg2">
+              <a:lumMod val="25000"/>
+            </a:schemeClr>
+          </a:solidFill>
+        </p:spPr>
+        <p:txBody>
+          <a:bodyPr>
+            <a:normAutofit lnSpcReduction="10000"/>
+          </a:bodyPr>
+          <a:p>
+            <a:pPr algn="l">
+              <a:buFont typeface="Arial" panose="020B0604020202020204" pitchFamily="34" charset="0"/>
+            </a:pPr>
+            <a:r>
+              <a:rPr lang="en-IN" altLang="en-US" b="1">
+                <a:solidFill>
+                  <a:schemeClr val="bg1"/>
+                </a:solidFill>
+              </a:rPr>
+              <a:t>					</a:t>
+            </a:r>
+            <a:endParaRPr lang="en-IN" altLang="en-US" b="1">
+              <a:solidFill>
+                <a:schemeClr val="bg1"/>
+              </a:solidFill>
+            </a:endParaRPr>
+          </a:p>
+          <a:p>
+            <a:pPr algn="ctr">
+              <a:buFont typeface="Arial" panose="020B0604020202020204" pitchFamily="34" charset="0"/>
+            </a:pPr>
+            <a:r>
+              <a:rPr lang="en-IN" altLang="en-US" sz="3600" b="1" u="sng">
+                <a:solidFill>
+                  <a:schemeClr val="bg1"/>
+                </a:solidFill>
+              </a:rPr>
+              <a:t>Regular Problems and it’s solution</a:t>
+            </a:r>
+            <a:endParaRPr lang="en-IN" altLang="en-US" b="1" u="sng">
+              <a:solidFill>
+                <a:schemeClr val="bg1"/>
+              </a:solidFill>
+            </a:endParaRPr>
+          </a:p>
+          <a:p>
+            <a:pPr algn="l">
+              <a:lnSpc>
+                <a:spcPct val="150000"/>
+              </a:lnSpc>
+              <a:buFont typeface="Arial" panose="020B0604020202020204" pitchFamily="34" charset="0"/>
+            </a:pPr>
+            <a:endParaRPr lang="en-IN" altLang="en-US" sz="2800" b="1">
+              <a:solidFill>
+                <a:schemeClr val="bg1"/>
+              </a:solidFill>
+            </a:endParaRPr>
+          </a:p>
+          <a:p>
+            <a:pPr algn="l">
+              <a:lnSpc>
+                <a:spcPct val="150000"/>
+              </a:lnSpc>
+              <a:buFont typeface="Arial" panose="020B0604020202020204" pitchFamily="34" charset="0"/>
+            </a:pPr>
+            <a:r>
+              <a:rPr lang="en-IN" altLang="en-US" sz="2800" b="1">
+                <a:solidFill>
+                  <a:schemeClr val="bg1"/>
+                </a:solidFill>
+              </a:rPr>
+              <a:t>	1.  Recovering the deleted documents and damaged system.</a:t>
+            </a:r>
+            <a:endParaRPr lang="en-IN" altLang="en-US" sz="2800" b="1">
+              <a:solidFill>
+                <a:schemeClr val="bg1"/>
+              </a:solidFill>
+            </a:endParaRPr>
+          </a:p>
+          <a:p>
+            <a:pPr algn="l">
+              <a:lnSpc>
+                <a:spcPct val="150000"/>
+              </a:lnSpc>
+              <a:buFont typeface="Arial" panose="020B0604020202020204" pitchFamily="34" charset="0"/>
+            </a:pPr>
+            <a:r>
+              <a:rPr lang="en-IN" altLang="en-US" sz="2800" b="1">
+                <a:solidFill>
+                  <a:schemeClr val="bg1"/>
+                </a:solidFill>
+              </a:rPr>
+              <a:t>	2.  Recovering the document with old content.</a:t>
+            </a:r>
+            <a:endParaRPr lang="en-IN" altLang="en-US" sz="2800" b="1">
+              <a:solidFill>
+                <a:schemeClr val="bg1"/>
+              </a:solidFill>
+            </a:endParaRPr>
+          </a:p>
+          <a:p>
+            <a:pPr algn="l">
+              <a:lnSpc>
+                <a:spcPct val="150000"/>
+              </a:lnSpc>
+              <a:buFont typeface="Arial" panose="020B0604020202020204" pitchFamily="34" charset="0"/>
+            </a:pPr>
+            <a:r>
+              <a:rPr lang="en-IN" altLang="en-US" sz="2800" b="1">
+                <a:solidFill>
+                  <a:schemeClr val="bg1"/>
+                </a:solidFill>
+              </a:rPr>
+              <a:t>	3.  Unknown details of the users who made the changes.</a:t>
+            </a:r>
+            <a:endParaRPr lang="en-IN" altLang="en-US" sz="2800" b="1">
+              <a:solidFill>
+                <a:schemeClr val="bg1"/>
+              </a:solidFill>
+            </a:endParaRPr>
+          </a:p>
+          <a:p>
+            <a:pPr algn="l">
+              <a:lnSpc>
+                <a:spcPct val="150000"/>
+              </a:lnSpc>
+              <a:buFont typeface="Arial" panose="020B0604020202020204" pitchFamily="34" charset="0"/>
+            </a:pPr>
+            <a:r>
+              <a:rPr lang="en-IN" altLang="en-US" sz="2800" b="1">
+                <a:solidFill>
+                  <a:schemeClr val="bg1"/>
+                </a:solidFill>
+              </a:rPr>
+              <a:t> 	4.  Unknown details of time details to the changes in the file.</a:t>
+            </a:r>
+            <a:endParaRPr lang="en-IN" altLang="en-US" sz="2800" b="1">
+              <a:solidFill>
+                <a:schemeClr val="bg1"/>
+              </a:solidFill>
+            </a:endParaRPr>
+          </a:p>
+          <a:p>
+            <a:pPr algn="l">
+              <a:lnSpc>
+                <a:spcPct val="150000"/>
+              </a:lnSpc>
+              <a:buFont typeface="Arial" panose="020B0604020202020204" pitchFamily="34" charset="0"/>
+            </a:pPr>
+            <a:r>
+              <a:rPr lang="en-IN" altLang="en-US" sz="2800" b="1">
+                <a:solidFill>
+                  <a:schemeClr val="bg1"/>
+                </a:solidFill>
+              </a:rPr>
+              <a:t>			</a:t>
+            </a:r>
+            <a:endParaRPr lang="en-IN" altLang="en-US" sz="3600" b="1">
+              <a:solidFill>
+                <a:schemeClr val="bg1"/>
+              </a:solidFill>
+            </a:endParaRPr>
+          </a:p>
+        </p:txBody>
+      </p:sp>
+    </p:spTree>
+  </p:cSld>
+  <p:clrMapOvr>
+    <a:masterClrMapping/>
+  </p:clrMapOvr>
+</p:sld>
+</file>
+
 <file path=ppt/theme/theme1.xml><?xml version="1.0" encoding="utf-8"?>
 <a:theme xmlns:a="http://schemas.openxmlformats.org/drawingml/2006/main" name="Office Theme">
   <a:themeElements>

--- a/GitHub.pptx
+++ b/GitHub.pptx
@@ -9,6 +9,7 @@
     <p:sldId id="261" r:id="rId4"/>
     <p:sldId id="262" r:id="rId5"/>
     <p:sldId id="263" r:id="rId6"/>
+    <p:sldId id="264" r:id="rId7"/>
   </p:sldIdLst>
   <p:sldSz cx="12192000" cy="6858000"/>
   <p:notesSz cx="6858000" cy="9144000"/>
@@ -3690,6 +3691,314 @@
 </p:sld>
 </file>
 
+<file path=ppt/slides/slide5.xml><?xml version="1.0" encoding="utf-8"?>
+<p:sld xmlns:a="http://schemas.openxmlformats.org/drawingml/2006/main" xmlns:r="http://schemas.openxmlformats.org/officeDocument/2006/relationships" xmlns:p="http://schemas.openxmlformats.org/presentationml/2006/main">
+  <p:cSld>
+    <p:spTree>
+      <p:nvGrpSpPr>
+        <p:cNvPr id="1" name=""/>
+        <p:cNvGrpSpPr/>
+        <p:nvPr/>
+      </p:nvGrpSpPr>
+      <p:grpSpPr/>
+      <p:sp>
+        <p:nvSpPr>
+          <p:cNvPr id="6" name="Title 5"/>
+          <p:cNvSpPr>
+            <a:spLocks noGrp="1"/>
+          </p:cNvSpPr>
+          <p:nvPr>
+            <p:ph type="ctrTitle"/>
+          </p:nvPr>
+        </p:nvSpPr>
+        <p:spPr/>
+        <p:txBody>
+          <a:bodyPr/>
+          <a:p>
+            <a:endParaRPr lang="en-US"/>
+          </a:p>
+        </p:txBody>
+      </p:sp>
+      <p:sp>
+        <p:nvSpPr>
+          <p:cNvPr id="7" name="Subtitle 6"/>
+          <p:cNvSpPr>
+            <a:spLocks noGrp="1"/>
+          </p:cNvSpPr>
+          <p:nvPr>
+            <p:ph type="subTitle" idx="1"/>
+          </p:nvPr>
+        </p:nvSpPr>
+        <p:spPr>
+          <a:xfrm>
+            <a:off x="836930" y="1475105"/>
+            <a:ext cx="7074535" cy="4494530"/>
+          </a:xfrm>
+          <a:solidFill>
+            <a:schemeClr val="bg2">
+              <a:lumMod val="25000"/>
+            </a:schemeClr>
+          </a:solidFill>
+        </p:spPr>
+        <p:txBody>
+          <a:bodyPr>
+            <a:normAutofit fontScale="90000" lnSpcReduction="10000"/>
+          </a:bodyPr>
+          <a:p>
+            <a:pPr algn="l">
+              <a:buFont typeface="Arial" panose="020B0604020202020204" pitchFamily="34" charset="0"/>
+            </a:pPr>
+            <a:endParaRPr lang="en-IN" altLang="en-US">
+              <a:solidFill>
+                <a:schemeClr val="bg1"/>
+              </a:solidFill>
+            </a:endParaRPr>
+          </a:p>
+          <a:p>
+            <a:pPr marL="342900" indent="-342900" algn="l">
+              <a:lnSpc>
+                <a:spcPct val="150000"/>
+              </a:lnSpc>
+              <a:buFont typeface="Arial" panose="020B0604020202020204" pitchFamily="34" charset="0"/>
+              <a:buChar char="•"/>
+            </a:pPr>
+            <a:r>
+              <a:rPr lang="en-IN" altLang="en-US" sz="2800">
+                <a:solidFill>
+                  <a:schemeClr val="bg1"/>
+                </a:solidFill>
+              </a:rPr>
+              <a:t>GitHub is a Version Controling System</a:t>
+            </a:r>
+            <a:endParaRPr lang="en-IN" altLang="en-US" sz="2800">
+              <a:solidFill>
+                <a:schemeClr val="bg1"/>
+              </a:solidFill>
+            </a:endParaRPr>
+          </a:p>
+          <a:p>
+            <a:pPr marL="342900" indent="-342900" algn="l">
+              <a:lnSpc>
+                <a:spcPct val="150000"/>
+              </a:lnSpc>
+              <a:buFont typeface="Arial" panose="020B0604020202020204" pitchFamily="34" charset="0"/>
+              <a:buChar char="•"/>
+            </a:pPr>
+            <a:r>
+              <a:rPr lang="en-IN" altLang="en-US" sz="2800">
+                <a:solidFill>
+                  <a:schemeClr val="bg1"/>
+                </a:solidFill>
+              </a:rPr>
+              <a:t>Centralised file management system</a:t>
+            </a:r>
+            <a:endParaRPr lang="en-IN" altLang="en-US" sz="2800">
+              <a:solidFill>
+                <a:schemeClr val="bg1"/>
+              </a:solidFill>
+            </a:endParaRPr>
+          </a:p>
+          <a:p>
+            <a:pPr marL="342900" indent="-342900" algn="l">
+              <a:lnSpc>
+                <a:spcPct val="150000"/>
+              </a:lnSpc>
+              <a:buFont typeface="Arial" panose="020B0604020202020204" pitchFamily="34" charset="0"/>
+              <a:buChar char="•"/>
+            </a:pPr>
+            <a:r>
+              <a:rPr lang="en-IN" altLang="en-US" sz="2800">
+                <a:solidFill>
+                  <a:schemeClr val="bg1"/>
+                </a:solidFill>
+              </a:rPr>
+              <a:t>It used to maintain the proper documentation</a:t>
+            </a:r>
+            <a:endParaRPr lang="en-IN" altLang="en-US" sz="2800">
+              <a:solidFill>
+                <a:schemeClr val="bg1"/>
+              </a:solidFill>
+            </a:endParaRPr>
+          </a:p>
+          <a:p>
+            <a:pPr marL="342900" indent="-342900" algn="l">
+              <a:lnSpc>
+                <a:spcPct val="150000"/>
+              </a:lnSpc>
+              <a:buFont typeface="Arial" panose="020B0604020202020204" pitchFamily="34" charset="0"/>
+              <a:buChar char="•"/>
+            </a:pPr>
+            <a:r>
+              <a:rPr lang="en-IN" altLang="en-US" sz="2800">
+                <a:solidFill>
+                  <a:schemeClr val="bg1"/>
+                </a:solidFill>
+              </a:rPr>
+              <a:t>GitHub allows multiple members to work </a:t>
+            </a:r>
+            <a:endParaRPr lang="en-IN" altLang="en-US" sz="2800">
+              <a:solidFill>
+                <a:schemeClr val="bg1"/>
+              </a:solidFill>
+            </a:endParaRPr>
+          </a:p>
+          <a:p>
+            <a:pPr algn="l">
+              <a:lnSpc>
+                <a:spcPct val="150000"/>
+              </a:lnSpc>
+              <a:buFont typeface="Arial" panose="020B0604020202020204" pitchFamily="34" charset="0"/>
+            </a:pPr>
+            <a:r>
+              <a:rPr lang="en-IN" altLang="en-US" sz="2800">
+                <a:solidFill>
+                  <a:schemeClr val="bg1"/>
+                </a:solidFill>
+              </a:rPr>
+              <a:t>     on a single project at the same time without </a:t>
+            </a:r>
+            <a:endParaRPr lang="en-IN" altLang="en-US" sz="2800">
+              <a:solidFill>
+                <a:schemeClr val="bg1"/>
+              </a:solidFill>
+            </a:endParaRPr>
+          </a:p>
+          <a:p>
+            <a:pPr algn="l">
+              <a:lnSpc>
+                <a:spcPct val="150000"/>
+              </a:lnSpc>
+              <a:buFont typeface="Arial" panose="020B0604020202020204" pitchFamily="34" charset="0"/>
+            </a:pPr>
+            <a:r>
+              <a:rPr lang="en-IN" altLang="en-US" sz="2800">
+                <a:solidFill>
+                  <a:schemeClr val="bg1"/>
+                </a:solidFill>
+              </a:rPr>
+              <a:t>     much difficulties</a:t>
+            </a:r>
+            <a:endParaRPr lang="en-IN" altLang="en-US" sz="2800">
+              <a:solidFill>
+                <a:schemeClr val="bg1"/>
+              </a:solidFill>
+            </a:endParaRPr>
+          </a:p>
+          <a:p>
+            <a:pPr marL="342900" indent="-342900" algn="l">
+              <a:lnSpc>
+                <a:spcPct val="150000"/>
+              </a:lnSpc>
+              <a:buFont typeface="Arial" panose="020B0604020202020204" pitchFamily="34" charset="0"/>
+              <a:buChar char="•"/>
+            </a:pPr>
+            <a:endParaRPr lang="en-IN" altLang="en-US" sz="2800" b="1">
+              <a:solidFill>
+                <a:schemeClr val="bg1"/>
+              </a:solidFill>
+            </a:endParaRPr>
+          </a:p>
+          <a:p>
+            <a:pPr marL="342900" indent="-342900" algn="l">
+              <a:buFont typeface="Arial" panose="020B0604020202020204" pitchFamily="34" charset="0"/>
+              <a:buChar char="•"/>
+            </a:pPr>
+            <a:endParaRPr lang="en-IN" altLang="en-US" sz="2800" b="1">
+              <a:solidFill>
+                <a:schemeClr val="bg1"/>
+              </a:solidFill>
+            </a:endParaRPr>
+          </a:p>
+        </p:txBody>
+      </p:sp>
+      <p:sp>
+        <p:nvSpPr>
+          <p:cNvPr id="4" name="Rectangles 3"/>
+          <p:cNvSpPr/>
+          <p:nvPr/>
+        </p:nvSpPr>
+        <p:spPr>
+          <a:xfrm>
+            <a:off x="837565" y="581025"/>
+            <a:ext cx="10545445" cy="894080"/>
+          </a:xfrm>
+          <a:prstGeom prst="rect">
+            <a:avLst/>
+          </a:prstGeom>
+          <a:solidFill>
+            <a:schemeClr val="bg2">
+              <a:lumMod val="25000"/>
+            </a:schemeClr>
+          </a:solidFill>
+        </p:spPr>
+        <p:style>
+          <a:lnRef idx="2">
+            <a:schemeClr val="dk1">
+              <a:shade val="50000"/>
+            </a:schemeClr>
+          </a:lnRef>
+          <a:fillRef idx="1">
+            <a:schemeClr val="dk1"/>
+          </a:fillRef>
+          <a:effectRef idx="0">
+            <a:schemeClr val="dk1"/>
+          </a:effectRef>
+          <a:fontRef idx="minor">
+            <a:schemeClr val="lt1"/>
+          </a:fontRef>
+        </p:style>
+        <p:txBody>
+          <a:bodyPr rtlCol="0" anchor="ctr"/>
+          <a:p>
+            <a:pPr algn="ctr"/>
+            <a:r>
+              <a:rPr lang="en-IN" altLang="en-US" sz="4000" b="1" u="sng">
+                <a:solidFill>
+                  <a:schemeClr val="bg1"/>
+                </a:solidFill>
+              </a:rPr>
+              <a:t>GitHub</a:t>
+            </a:r>
+            <a:endParaRPr lang="en-IN" altLang="en-US" sz="4000" b="1" u="sng">
+              <a:solidFill>
+                <a:schemeClr val="bg1"/>
+              </a:solidFill>
+            </a:endParaRPr>
+          </a:p>
+        </p:txBody>
+      </p:sp>
+      <p:pic>
+        <p:nvPicPr>
+          <p:cNvPr id="2" name="Picture 1"/>
+          <p:cNvPicPr>
+            <a:picLocks noChangeAspect="1"/>
+          </p:cNvPicPr>
+          <p:nvPr/>
+        </p:nvPicPr>
+        <p:blipFill>
+          <a:blip r:embed="rId1"/>
+          <a:stretch>
+            <a:fillRect/>
+          </a:stretch>
+        </p:blipFill>
+        <p:spPr>
+          <a:xfrm>
+            <a:off x="7666355" y="1475105"/>
+            <a:ext cx="3716655" cy="4494530"/>
+          </a:xfrm>
+          <a:prstGeom prst="rect">
+            <a:avLst/>
+          </a:prstGeom>
+        </p:spPr>
+      </p:pic>
+    </p:spTree>
+  </p:cSld>
+  <p:clrMapOvr>
+    <a:masterClrMapping/>
+  </p:clrMapOvr>
+</p:sld>
+</file>
+
 <file path=ppt/theme/theme1.xml><?xml version="1.0" encoding="utf-8"?>
 <a:theme xmlns:a="http://schemas.openxmlformats.org/drawingml/2006/main" name="Office Theme">
   <a:themeElements>

--- a/GitHub.pptx
+++ b/GitHub.pptx
@@ -10,6 +10,7 @@
     <p:sldId id="262" r:id="rId5"/>
     <p:sldId id="263" r:id="rId6"/>
     <p:sldId id="264" r:id="rId7"/>
+    <p:sldId id="265" r:id="rId8"/>
   </p:sldIdLst>
   <p:sldSz cx="12192000" cy="6858000"/>
   <p:notesSz cx="6858000" cy="9144000"/>
@@ -3999,6 +4000,384 @@
 </p:sld>
 </file>
 
+<file path=ppt/slides/slide6.xml><?xml version="1.0" encoding="utf-8"?>
+<p:sld xmlns:a="http://schemas.openxmlformats.org/drawingml/2006/main" xmlns:r="http://schemas.openxmlformats.org/officeDocument/2006/relationships" xmlns:p="http://schemas.openxmlformats.org/presentationml/2006/main">
+  <p:cSld>
+    <p:spTree>
+      <p:nvGrpSpPr>
+        <p:cNvPr id="1" name=""/>
+        <p:cNvGrpSpPr/>
+        <p:nvPr/>
+      </p:nvGrpSpPr>
+      <p:grpSpPr/>
+      <p:sp>
+        <p:nvSpPr>
+          <p:cNvPr id="6" name="Title 5"/>
+          <p:cNvSpPr>
+            <a:spLocks noGrp="1"/>
+          </p:cNvSpPr>
+          <p:nvPr>
+            <p:ph type="ctrTitle"/>
+          </p:nvPr>
+        </p:nvSpPr>
+        <p:spPr/>
+        <p:txBody>
+          <a:bodyPr/>
+          <a:p>
+            <a:endParaRPr lang="en-US"/>
+          </a:p>
+        </p:txBody>
+      </p:sp>
+      <p:sp>
+        <p:nvSpPr>
+          <p:cNvPr id="7" name="Subtitle 6"/>
+          <p:cNvSpPr>
+            <a:spLocks noGrp="1"/>
+          </p:cNvSpPr>
+          <p:nvPr>
+            <p:ph type="subTitle" idx="1"/>
+          </p:nvPr>
+        </p:nvSpPr>
+        <p:spPr>
+          <a:xfrm>
+            <a:off x="836930" y="1475105"/>
+            <a:ext cx="7084695" cy="4494530"/>
+          </a:xfrm>
+          <a:solidFill>
+            <a:schemeClr val="bg2">
+              <a:lumMod val="25000"/>
+            </a:schemeClr>
+          </a:solidFill>
+        </p:spPr>
+        <p:txBody>
+          <a:bodyPr>
+            <a:normAutofit fontScale="80000"/>
+          </a:bodyPr>
+          <a:p>
+            <a:pPr algn="l">
+              <a:buFont typeface="Arial" panose="020B0604020202020204" pitchFamily="34" charset="0"/>
+            </a:pPr>
+            <a:endParaRPr lang="en-IN" altLang="en-US">
+              <a:solidFill>
+                <a:schemeClr val="bg1"/>
+              </a:solidFill>
+            </a:endParaRPr>
+          </a:p>
+          <a:p>
+            <a:pPr marL="342900" indent="-342900" algn="l">
+              <a:lnSpc>
+                <a:spcPct val="150000"/>
+              </a:lnSpc>
+              <a:buFont typeface="Arial" panose="020B0604020202020204" pitchFamily="34" charset="0"/>
+              <a:buChar char="•"/>
+            </a:pPr>
+            <a:r>
+              <a:rPr lang="en-IN" altLang="en-US" sz="2800" b="1">
+                <a:solidFill>
+                  <a:schemeClr val="bg1"/>
+                </a:solidFill>
+              </a:rPr>
+              <a:t>The Git is invented by </a:t>
+            </a:r>
+            <a:r>
+              <a:rPr lang="en-IN" altLang="en-US" sz="2800" b="1">
+                <a:solidFill>
+                  <a:schemeClr val="bg1"/>
+                </a:solidFill>
+              </a:rPr>
+              <a:t>Linus Torvalds</a:t>
+            </a:r>
+            <a:endParaRPr lang="en-IN" altLang="en-US" sz="2800" b="1">
+              <a:solidFill>
+                <a:schemeClr val="bg1"/>
+              </a:solidFill>
+            </a:endParaRPr>
+          </a:p>
+          <a:p>
+            <a:pPr marL="342900" indent="-342900" algn="l">
+              <a:lnSpc>
+                <a:spcPct val="150000"/>
+              </a:lnSpc>
+              <a:buFont typeface="Arial" panose="020B0604020202020204" pitchFamily="34" charset="0"/>
+              <a:buChar char="•"/>
+            </a:pPr>
+            <a:r>
+              <a:rPr lang="en-IN" altLang="en-US" sz="2800" b="1">
+                <a:solidFill>
+                  <a:schemeClr val="bg1"/>
+                </a:solidFill>
+              </a:rPr>
+              <a:t>He also core engineer of the Linux OS</a:t>
+            </a:r>
+            <a:endParaRPr lang="en-IN" altLang="en-US" sz="2800" b="1">
+              <a:solidFill>
+                <a:schemeClr val="bg1"/>
+              </a:solidFill>
+            </a:endParaRPr>
+          </a:p>
+          <a:p>
+            <a:pPr marL="342900" indent="-342900" algn="l">
+              <a:lnSpc>
+                <a:spcPct val="150000"/>
+              </a:lnSpc>
+              <a:buFont typeface="Arial" panose="020B0604020202020204" pitchFamily="34" charset="0"/>
+              <a:buChar char="•"/>
+            </a:pPr>
+            <a:r>
+              <a:rPr lang="en-IN" altLang="en-US" sz="2800" b="1">
+                <a:solidFill>
+                  <a:schemeClr val="bg1"/>
+                </a:solidFill>
+              </a:rPr>
+              <a:t>He developed Git to manage the version  of the Linux OS.</a:t>
+            </a:r>
+            <a:endParaRPr lang="en-IN" altLang="en-US" sz="2800" b="1">
+              <a:solidFill>
+                <a:schemeClr val="bg1"/>
+              </a:solidFill>
+            </a:endParaRPr>
+          </a:p>
+          <a:p>
+            <a:pPr marL="342900" indent="-342900" algn="l">
+              <a:lnSpc>
+                <a:spcPct val="150000"/>
+              </a:lnSpc>
+              <a:buFont typeface="Arial" panose="020B0604020202020204" pitchFamily="34" charset="0"/>
+              <a:buChar char="•"/>
+            </a:pPr>
+            <a:r>
+              <a:rPr lang="en-IN" altLang="en-US" sz="2800" b="1">
+                <a:solidFill>
+                  <a:schemeClr val="bg1"/>
+                </a:solidFill>
+              </a:rPr>
+              <a:t>When Linux get popular on the same time Git also get popular in the Market.</a:t>
+            </a:r>
+            <a:endParaRPr lang="en-IN" altLang="en-US" sz="2800" b="1">
+              <a:solidFill>
+                <a:schemeClr val="bg1"/>
+              </a:solidFill>
+            </a:endParaRPr>
+          </a:p>
+          <a:p>
+            <a:pPr marL="342900" indent="-342900" algn="l">
+              <a:lnSpc>
+                <a:spcPct val="150000"/>
+              </a:lnSpc>
+              <a:buFont typeface="Arial" panose="020B0604020202020204" pitchFamily="34" charset="0"/>
+              <a:buChar char="•"/>
+            </a:pPr>
+            <a:r>
+              <a:rPr lang="en-IN" altLang="en-US" sz="2800" b="1">
+                <a:solidFill>
+                  <a:schemeClr val="bg1"/>
+                </a:solidFill>
+              </a:rPr>
+              <a:t>GitHub is the Support provider for the Git.</a:t>
+            </a:r>
+            <a:endParaRPr lang="en-IN" altLang="en-US" sz="2800" b="1">
+              <a:solidFill>
+                <a:schemeClr val="bg1"/>
+              </a:solidFill>
+            </a:endParaRPr>
+          </a:p>
+          <a:p>
+            <a:pPr marL="342900" indent="-342900" algn="l">
+              <a:buFont typeface="Arial" panose="020B0604020202020204" pitchFamily="34" charset="0"/>
+              <a:buChar char="•"/>
+            </a:pPr>
+            <a:endParaRPr lang="en-IN" altLang="en-US" sz="2800" b="1">
+              <a:solidFill>
+                <a:schemeClr val="bg1"/>
+              </a:solidFill>
+            </a:endParaRPr>
+          </a:p>
+        </p:txBody>
+      </p:sp>
+      <p:sp>
+        <p:nvSpPr>
+          <p:cNvPr id="4" name="Rectangles 3"/>
+          <p:cNvSpPr/>
+          <p:nvPr/>
+        </p:nvSpPr>
+        <p:spPr>
+          <a:xfrm>
+            <a:off x="837565" y="581025"/>
+            <a:ext cx="10545445" cy="894080"/>
+          </a:xfrm>
+          <a:prstGeom prst="rect">
+            <a:avLst/>
+          </a:prstGeom>
+          <a:solidFill>
+            <a:schemeClr val="bg2">
+              <a:lumMod val="25000"/>
+            </a:schemeClr>
+          </a:solidFill>
+        </p:spPr>
+        <p:style>
+          <a:lnRef idx="2">
+            <a:schemeClr val="dk1">
+              <a:shade val="50000"/>
+            </a:schemeClr>
+          </a:lnRef>
+          <a:fillRef idx="1">
+            <a:schemeClr val="dk1"/>
+          </a:fillRef>
+          <a:effectRef idx="0">
+            <a:schemeClr val="dk1"/>
+          </a:effectRef>
+          <a:fontRef idx="minor">
+            <a:schemeClr val="lt1"/>
+          </a:fontRef>
+        </p:style>
+        <p:txBody>
+          <a:bodyPr rtlCol="0" anchor="ctr"/>
+          <a:p>
+            <a:pPr algn="ctr"/>
+            <a:r>
+              <a:rPr lang="en-IN" altLang="en-US" sz="4000" b="1" u="sng">
+                <a:solidFill>
+                  <a:schemeClr val="bg1"/>
+                </a:solidFill>
+              </a:rPr>
+              <a:t>History Behind Github</a:t>
+            </a:r>
+            <a:endParaRPr lang="en-IN" altLang="en-US" sz="4000" b="1" u="sng">
+              <a:solidFill>
+                <a:schemeClr val="bg1"/>
+              </a:solidFill>
+            </a:endParaRPr>
+          </a:p>
+        </p:txBody>
+      </p:sp>
+      <p:pic>
+        <p:nvPicPr>
+          <p:cNvPr id="5" name="Picture 4"/>
+          <p:cNvPicPr>
+            <a:picLocks noChangeAspect="1"/>
+          </p:cNvPicPr>
+          <p:nvPr/>
+        </p:nvPicPr>
+        <p:blipFill>
+          <a:blip r:embed="rId1"/>
+          <a:stretch>
+            <a:fillRect/>
+          </a:stretch>
+        </p:blipFill>
+        <p:spPr>
+          <a:xfrm>
+            <a:off x="7934325" y="1475105"/>
+            <a:ext cx="3190240" cy="4494530"/>
+          </a:xfrm>
+          <a:prstGeom prst="rect">
+            <a:avLst/>
+          </a:prstGeom>
+        </p:spPr>
+      </p:pic>
+      <p:sp>
+        <p:nvSpPr>
+          <p:cNvPr id="8" name="Rectangles 7"/>
+          <p:cNvSpPr/>
+          <p:nvPr/>
+        </p:nvSpPr>
+        <p:spPr>
+          <a:xfrm>
+            <a:off x="11200765" y="1475105"/>
+            <a:ext cx="181610" cy="4495165"/>
+          </a:xfrm>
+          <a:prstGeom prst="rect">
+            <a:avLst/>
+          </a:prstGeom>
+          <a:solidFill>
+            <a:schemeClr val="bg2">
+              <a:lumMod val="25000"/>
+            </a:schemeClr>
+          </a:solidFill>
+        </p:spPr>
+        <p:style>
+          <a:lnRef idx="2">
+            <a:schemeClr val="dk1">
+              <a:shade val="50000"/>
+            </a:schemeClr>
+          </a:lnRef>
+          <a:fillRef idx="1">
+            <a:schemeClr val="dk1"/>
+          </a:fillRef>
+          <a:effectRef idx="0">
+            <a:schemeClr val="dk1"/>
+          </a:effectRef>
+          <a:fontRef idx="minor">
+            <a:schemeClr val="lt1"/>
+          </a:fontRef>
+        </p:style>
+        <p:txBody>
+          <a:bodyPr rtlCol="0" anchor="ctr"/>
+          <a:p>
+            <a:pPr algn="ctr"/>
+            <a:endParaRPr lang="en-IN" altLang="en-US" sz="4000" b="1" u="sng">
+              <a:solidFill>
+                <a:schemeClr val="bg1"/>
+              </a:solidFill>
+            </a:endParaRPr>
+          </a:p>
+        </p:txBody>
+      </p:sp>
+      <p:sp>
+        <p:nvSpPr>
+          <p:cNvPr id="9" name="Rectangles 8"/>
+          <p:cNvSpPr/>
+          <p:nvPr/>
+        </p:nvSpPr>
+        <p:spPr>
+          <a:xfrm>
+            <a:off x="7921625" y="5803900"/>
+            <a:ext cx="3279140" cy="166370"/>
+          </a:xfrm>
+          <a:prstGeom prst="rect">
+            <a:avLst/>
+          </a:prstGeom>
+          <a:solidFill>
+            <a:schemeClr val="bg2">
+              <a:lumMod val="25000"/>
+            </a:schemeClr>
+          </a:solidFill>
+        </p:spPr>
+        <p:style>
+          <a:lnRef idx="2">
+            <a:schemeClr val="dk1">
+              <a:shade val="50000"/>
+            </a:schemeClr>
+          </a:lnRef>
+          <a:fillRef idx="1">
+            <a:schemeClr val="dk1"/>
+          </a:fillRef>
+          <a:effectRef idx="0">
+            <a:schemeClr val="dk1"/>
+          </a:effectRef>
+          <a:fontRef idx="minor">
+            <a:schemeClr val="lt1"/>
+          </a:fontRef>
+        </p:style>
+        <p:txBody>
+          <a:bodyPr rtlCol="0" anchor="ctr"/>
+          <a:p>
+            <a:pPr algn="ctr"/>
+            <a:endParaRPr lang="en-IN" altLang="en-US" sz="4000" b="1" u="sng">
+              <a:solidFill>
+                <a:schemeClr val="bg1"/>
+              </a:solidFill>
+            </a:endParaRPr>
+          </a:p>
+        </p:txBody>
+      </p:sp>
+    </p:spTree>
+  </p:cSld>
+  <p:clrMapOvr>
+    <a:masterClrMapping/>
+  </p:clrMapOvr>
+</p:sld>
+</file>
+
 <file path=ppt/theme/theme1.xml><?xml version="1.0" encoding="utf-8"?>
 <a:theme xmlns:a="http://schemas.openxmlformats.org/drawingml/2006/main" name="Office Theme">
   <a:themeElements>

--- a/GitHub.pptx
+++ b/GitHub.pptx
@@ -11,6 +11,7 @@
     <p:sldId id="263" r:id="rId6"/>
     <p:sldId id="264" r:id="rId7"/>
     <p:sldId id="265" r:id="rId8"/>
+    <p:sldId id="266" r:id="rId9"/>
   </p:sldIdLst>
   <p:sldSz cx="12192000" cy="6858000"/>
   <p:notesSz cx="6858000" cy="9144000"/>
@@ -4378,6 +4379,355 @@
 </p:sld>
 </file>
 
+<file path=ppt/slides/slide7.xml><?xml version="1.0" encoding="utf-8"?>
+<p:sld xmlns:a="http://schemas.openxmlformats.org/drawingml/2006/main" xmlns:r="http://schemas.openxmlformats.org/officeDocument/2006/relationships" xmlns:p="http://schemas.openxmlformats.org/presentationml/2006/main">
+  <p:cSld>
+    <p:spTree>
+      <p:nvGrpSpPr>
+        <p:cNvPr id="1" name=""/>
+        <p:cNvGrpSpPr/>
+        <p:nvPr/>
+      </p:nvGrpSpPr>
+      <p:grpSpPr/>
+      <p:sp>
+        <p:nvSpPr>
+          <p:cNvPr id="6" name="Title 5"/>
+          <p:cNvSpPr>
+            <a:spLocks noGrp="1"/>
+          </p:cNvSpPr>
+          <p:nvPr>
+            <p:ph type="ctrTitle"/>
+          </p:nvPr>
+        </p:nvSpPr>
+        <p:spPr/>
+        <p:txBody>
+          <a:bodyPr/>
+          <a:p>
+            <a:endParaRPr lang="en-US"/>
+          </a:p>
+        </p:txBody>
+      </p:sp>
+      <p:sp>
+        <p:nvSpPr>
+          <p:cNvPr id="7" name="Subtitle 6"/>
+          <p:cNvSpPr>
+            <a:spLocks noGrp="1"/>
+          </p:cNvSpPr>
+          <p:nvPr>
+            <p:ph type="subTitle" idx="1"/>
+          </p:nvPr>
+        </p:nvSpPr>
+        <p:spPr>
+          <a:xfrm>
+            <a:off x="836930" y="1570355"/>
+            <a:ext cx="10546080" cy="4772660"/>
+          </a:xfrm>
+          <a:solidFill>
+            <a:schemeClr val="bg2">
+              <a:lumMod val="25000"/>
+            </a:schemeClr>
+          </a:solidFill>
+        </p:spPr>
+        <p:txBody>
+          <a:bodyPr>
+            <a:normAutofit lnSpcReduction="10000"/>
+          </a:bodyPr>
+          <a:p>
+            <a:pPr algn="l">
+              <a:buFont typeface="Arial" panose="020B0604020202020204" pitchFamily="34" charset="0"/>
+            </a:pPr>
+            <a:endParaRPr lang="en-IN" altLang="en-US">
+              <a:solidFill>
+                <a:schemeClr val="bg1"/>
+              </a:solidFill>
+            </a:endParaRPr>
+          </a:p>
+          <a:p>
+            <a:pPr algn="l">
+              <a:lnSpc>
+                <a:spcPct val="150000"/>
+              </a:lnSpc>
+              <a:buFont typeface="Arial" panose="020B0604020202020204" pitchFamily="34" charset="0"/>
+            </a:pPr>
+            <a:r>
+              <a:rPr lang="en-IN" altLang="en-US" sz="2800">
+                <a:solidFill>
+                  <a:schemeClr val="bg1"/>
+                </a:solidFill>
+              </a:rPr>
+              <a:t> </a:t>
+            </a:r>
+            <a:r>
+              <a:rPr lang="en-IN" altLang="en-US" sz="2800" b="1" u="sng">
+                <a:solidFill>
+                  <a:schemeClr val="bg1"/>
+                </a:solidFill>
+              </a:rPr>
+              <a:t>Developer</a:t>
+            </a:r>
+            <a:r>
+              <a:rPr lang="en-IN" altLang="en-US" sz="2800" b="1">
+                <a:solidFill>
+                  <a:schemeClr val="bg1"/>
+                </a:solidFill>
+              </a:rPr>
+              <a:t> --&gt;</a:t>
+            </a:r>
+            <a:r>
+              <a:rPr lang="en-IN" altLang="en-US" sz="2800">
+                <a:solidFill>
+                  <a:schemeClr val="bg1"/>
+                </a:solidFill>
+              </a:rPr>
+              <a:t>  To maintain the Source Code and Build</a:t>
+            </a:r>
+            <a:endParaRPr lang="en-IN" altLang="en-US" sz="2800">
+              <a:solidFill>
+                <a:schemeClr val="bg1"/>
+              </a:solidFill>
+            </a:endParaRPr>
+          </a:p>
+          <a:p>
+            <a:pPr algn="l">
+              <a:lnSpc>
+                <a:spcPct val="150000"/>
+              </a:lnSpc>
+              <a:buFont typeface="Arial" panose="020B0604020202020204" pitchFamily="34" charset="0"/>
+            </a:pPr>
+            <a:r>
+              <a:rPr lang="en-IN" altLang="en-US" sz="2800">
+                <a:solidFill>
+                  <a:schemeClr val="bg1"/>
+                </a:solidFill>
+              </a:rPr>
+              <a:t> </a:t>
+            </a:r>
+            <a:r>
+              <a:rPr lang="en-IN" altLang="en-US" sz="2800" b="1" u="sng">
+                <a:solidFill>
+                  <a:schemeClr val="bg1"/>
+                </a:solidFill>
+              </a:rPr>
+              <a:t>Tester</a:t>
+            </a:r>
+            <a:r>
+              <a:rPr lang="en-IN" altLang="en-US" sz="2800">
+                <a:solidFill>
+                  <a:schemeClr val="bg1"/>
+                </a:solidFill>
+              </a:rPr>
+              <a:t> --&gt; To maintain the TestCases and Automation script</a:t>
+            </a:r>
+            <a:endParaRPr lang="en-IN" altLang="en-US" sz="2800">
+              <a:solidFill>
+                <a:schemeClr val="bg1"/>
+              </a:solidFill>
+            </a:endParaRPr>
+          </a:p>
+          <a:p>
+            <a:pPr algn="l">
+              <a:lnSpc>
+                <a:spcPct val="150000"/>
+              </a:lnSpc>
+              <a:buFont typeface="Arial" panose="020B0604020202020204" pitchFamily="34" charset="0"/>
+            </a:pPr>
+            <a:r>
+              <a:rPr lang="en-IN" altLang="en-US" sz="2800">
+                <a:solidFill>
+                  <a:schemeClr val="bg1"/>
+                </a:solidFill>
+              </a:rPr>
+              <a:t> </a:t>
+            </a:r>
+            <a:r>
+              <a:rPr lang="en-IN" altLang="en-US" sz="2800" b="1" u="sng">
+                <a:solidFill>
+                  <a:schemeClr val="bg1"/>
+                </a:solidFill>
+              </a:rPr>
+              <a:t>Documentation Team</a:t>
+            </a:r>
+            <a:r>
+              <a:rPr lang="en-IN" altLang="en-US" sz="2800">
+                <a:solidFill>
+                  <a:schemeClr val="bg1"/>
+                </a:solidFill>
+              </a:rPr>
+              <a:t> --&gt; To maintain the Documantation for project</a:t>
+            </a:r>
+            <a:endParaRPr lang="en-IN" altLang="en-US" sz="2800">
+              <a:solidFill>
+                <a:schemeClr val="bg1"/>
+              </a:solidFill>
+            </a:endParaRPr>
+          </a:p>
+          <a:p>
+            <a:pPr algn="l">
+              <a:lnSpc>
+                <a:spcPct val="150000"/>
+              </a:lnSpc>
+              <a:buFont typeface="Arial" panose="020B0604020202020204" pitchFamily="34" charset="0"/>
+            </a:pPr>
+            <a:r>
+              <a:rPr lang="en-IN" altLang="en-US" sz="2800" b="1" u="sng">
+                <a:solidFill>
+                  <a:schemeClr val="bg1"/>
+                </a:solidFill>
+              </a:rPr>
+              <a:t> Implementation Team</a:t>
+            </a:r>
+            <a:r>
+              <a:rPr lang="en-IN" altLang="en-US" sz="2800" b="1">
+                <a:solidFill>
+                  <a:schemeClr val="bg1"/>
+                </a:solidFill>
+              </a:rPr>
+              <a:t> </a:t>
+            </a:r>
+            <a:r>
+              <a:rPr lang="en-IN" altLang="en-US" sz="2800">
+                <a:solidFill>
+                  <a:schemeClr val="bg1"/>
+                </a:solidFill>
+              </a:rPr>
+              <a:t>--&gt; To maintain FRS and CR document</a:t>
+            </a:r>
+            <a:endParaRPr lang="en-IN" altLang="en-US" sz="2800">
+              <a:solidFill>
+                <a:schemeClr val="bg1"/>
+              </a:solidFill>
+            </a:endParaRPr>
+          </a:p>
+          <a:p>
+            <a:pPr algn="l">
+              <a:lnSpc>
+                <a:spcPct val="150000"/>
+              </a:lnSpc>
+              <a:buFont typeface="Arial" panose="020B0604020202020204" pitchFamily="34" charset="0"/>
+            </a:pPr>
+            <a:r>
+              <a:rPr lang="en-IN" altLang="en-US" sz="2800" b="1" u="sng">
+                <a:solidFill>
+                  <a:schemeClr val="bg1"/>
+                </a:solidFill>
+                <a:sym typeface="+mn-ea"/>
+              </a:rPr>
+              <a:t> Support Team</a:t>
+            </a:r>
+            <a:r>
+              <a:rPr lang="en-IN" altLang="en-US" sz="2800" b="1">
+                <a:solidFill>
+                  <a:schemeClr val="bg1"/>
+                </a:solidFill>
+                <a:sym typeface="+mn-ea"/>
+              </a:rPr>
+              <a:t> --&gt; </a:t>
+            </a:r>
+            <a:r>
+              <a:rPr lang="en-IN" altLang="en-US" sz="2800">
+                <a:solidFill>
+                  <a:schemeClr val="bg1"/>
+                </a:solidFill>
+                <a:sym typeface="+mn-ea"/>
+              </a:rPr>
+              <a:t>To maintain the support tickets document</a:t>
+            </a:r>
+            <a:endParaRPr lang="en-IN" altLang="en-US" sz="2800">
+              <a:solidFill>
+                <a:schemeClr val="bg1"/>
+              </a:solidFill>
+            </a:endParaRPr>
+          </a:p>
+          <a:p>
+            <a:pPr algn="l">
+              <a:lnSpc>
+                <a:spcPct val="150000"/>
+              </a:lnSpc>
+              <a:buFont typeface="Arial" panose="020B0604020202020204" pitchFamily="34" charset="0"/>
+            </a:pPr>
+            <a:endParaRPr lang="en-IN" altLang="en-US" sz="2800" b="1">
+              <a:solidFill>
+                <a:schemeClr val="bg1"/>
+              </a:solidFill>
+            </a:endParaRPr>
+          </a:p>
+          <a:p>
+            <a:pPr marL="342900" indent="-342900" algn="l">
+              <a:buFont typeface="Arial" panose="020B0604020202020204" pitchFamily="34" charset="0"/>
+              <a:buChar char="•"/>
+            </a:pPr>
+            <a:endParaRPr lang="en-IN" altLang="en-US" sz="2800" b="1">
+              <a:solidFill>
+                <a:schemeClr val="bg1"/>
+              </a:solidFill>
+            </a:endParaRPr>
+          </a:p>
+        </p:txBody>
+      </p:sp>
+      <p:sp>
+        <p:nvSpPr>
+          <p:cNvPr id="4" name="Rectangles 3"/>
+          <p:cNvSpPr/>
+          <p:nvPr/>
+        </p:nvSpPr>
+        <p:spPr>
+          <a:xfrm>
+            <a:off x="837565" y="581025"/>
+            <a:ext cx="10545445" cy="894080"/>
+          </a:xfrm>
+          <a:prstGeom prst="rect">
+            <a:avLst/>
+          </a:prstGeom>
+          <a:solidFill>
+            <a:schemeClr val="bg2">
+              <a:lumMod val="25000"/>
+            </a:schemeClr>
+          </a:solidFill>
+        </p:spPr>
+        <p:style>
+          <a:lnRef idx="2">
+            <a:schemeClr val="dk1">
+              <a:shade val="50000"/>
+            </a:schemeClr>
+          </a:lnRef>
+          <a:fillRef idx="1">
+            <a:schemeClr val="dk1"/>
+          </a:fillRef>
+          <a:effectRef idx="0">
+            <a:schemeClr val="dk1"/>
+          </a:effectRef>
+          <a:fontRef idx="minor">
+            <a:schemeClr val="lt1"/>
+          </a:fontRef>
+        </p:style>
+        <p:txBody>
+          <a:bodyPr rtlCol="0" anchor="ctr"/>
+          <a:p>
+            <a:pPr algn="ctr"/>
+            <a:r>
+              <a:rPr lang="en-IN" altLang="en-US" sz="4000" b="1" u="sng">
+                <a:solidFill>
+                  <a:schemeClr val="bg1"/>
+                </a:solidFill>
+              </a:rPr>
+              <a:t>Who can use...?</a:t>
+            </a:r>
+            <a:endParaRPr lang="en-IN" altLang="en-US" sz="4000" b="1" u="sng">
+              <a:solidFill>
+                <a:schemeClr val="bg1"/>
+              </a:solidFill>
+            </a:endParaRPr>
+          </a:p>
+        </p:txBody>
+      </p:sp>
+    </p:spTree>
+  </p:cSld>
+  <p:clrMapOvr>
+    <a:masterClrMapping/>
+  </p:clrMapOvr>
+</p:sld>
+</file>
+
 <file path=ppt/theme/theme1.xml><?xml version="1.0" encoding="utf-8"?>
 <a:theme xmlns:a="http://schemas.openxmlformats.org/drawingml/2006/main" name="Office Theme">
   <a:themeElements>

--- a/GitHub.pptx
+++ b/GitHub.pptx
@@ -12,6 +12,7 @@
     <p:sldId id="264" r:id="rId7"/>
     <p:sldId id="265" r:id="rId8"/>
     <p:sldId id="266" r:id="rId9"/>
+    <p:sldId id="267" r:id="rId10"/>
   </p:sldIdLst>
   <p:sldSz cx="12192000" cy="6858000"/>
   <p:notesSz cx="6858000" cy="9144000"/>
@@ -4728,6 +4729,315 @@
 </p:sld>
 </file>
 
+<file path=ppt/slides/slide8.xml><?xml version="1.0" encoding="utf-8"?>
+<p:sld xmlns:a="http://schemas.openxmlformats.org/drawingml/2006/main" xmlns:r="http://schemas.openxmlformats.org/officeDocument/2006/relationships" xmlns:p="http://schemas.openxmlformats.org/presentationml/2006/main">
+  <p:cSld>
+    <p:spTree>
+      <p:nvGrpSpPr>
+        <p:cNvPr id="1" name=""/>
+        <p:cNvGrpSpPr/>
+        <p:nvPr/>
+      </p:nvGrpSpPr>
+      <p:grpSpPr/>
+      <p:sp>
+        <p:nvSpPr>
+          <p:cNvPr id="6" name="Title 5"/>
+          <p:cNvSpPr>
+            <a:spLocks noGrp="1"/>
+          </p:cNvSpPr>
+          <p:nvPr>
+            <p:ph type="ctrTitle"/>
+          </p:nvPr>
+        </p:nvSpPr>
+        <p:spPr/>
+        <p:txBody>
+          <a:bodyPr/>
+          <a:p>
+            <a:endParaRPr lang="en-US"/>
+          </a:p>
+        </p:txBody>
+      </p:sp>
+      <p:sp>
+        <p:nvSpPr>
+          <p:cNvPr id="7" name="Subtitle 6"/>
+          <p:cNvSpPr>
+            <a:spLocks noGrp="1"/>
+          </p:cNvSpPr>
+          <p:nvPr>
+            <p:ph type="subTitle" idx="1"/>
+          </p:nvPr>
+        </p:nvSpPr>
+        <p:spPr>
+          <a:xfrm>
+            <a:off x="836930" y="1570355"/>
+            <a:ext cx="10546080" cy="4772660"/>
+          </a:xfrm>
+          <a:solidFill>
+            <a:schemeClr val="bg2">
+              <a:lumMod val="25000"/>
+            </a:schemeClr>
+          </a:solidFill>
+        </p:spPr>
+        <p:txBody>
+          <a:bodyPr>
+            <a:normAutofit lnSpcReduction="20000"/>
+          </a:bodyPr>
+          <a:p>
+            <a:pPr algn="l">
+              <a:buFont typeface="Arial" panose="020B0604020202020204" pitchFamily="34" charset="0"/>
+            </a:pPr>
+            <a:endParaRPr lang="en-IN" altLang="en-US">
+              <a:solidFill>
+                <a:schemeClr val="bg1"/>
+              </a:solidFill>
+            </a:endParaRPr>
+          </a:p>
+          <a:p>
+            <a:pPr marL="457200" indent="-457200" algn="l">
+              <a:lnSpc>
+                <a:spcPct val="150000"/>
+              </a:lnSpc>
+              <a:buFont typeface="Arial" panose="020B0604020202020204" pitchFamily="34" charset="0"/>
+              <a:buChar char="•"/>
+            </a:pPr>
+            <a:r>
+              <a:rPr lang="en-IN" altLang="en-US" sz="2800" b="1">
+                <a:solidFill>
+                  <a:schemeClr val="bg1"/>
+                </a:solidFill>
+              </a:rPr>
+              <a:t>Collaboration</a:t>
+            </a:r>
+            <a:r>
+              <a:rPr lang="en-US" altLang="en-IN" sz="2800" b="1">
+                <a:solidFill>
+                  <a:schemeClr val="bg1"/>
+                </a:solidFill>
+              </a:rPr>
+              <a:t> with multiple members</a:t>
+            </a:r>
+            <a:endParaRPr lang="en-US" altLang="en-IN" sz="2800" b="1">
+              <a:solidFill>
+                <a:schemeClr val="bg1"/>
+              </a:solidFill>
+            </a:endParaRPr>
+          </a:p>
+          <a:p>
+            <a:pPr marL="457200" indent="-457200" algn="l">
+              <a:lnSpc>
+                <a:spcPct val="150000"/>
+              </a:lnSpc>
+              <a:buFont typeface="Arial" panose="020B0604020202020204" pitchFamily="34" charset="0"/>
+              <a:buChar char="•"/>
+            </a:pPr>
+            <a:r>
+              <a:rPr lang="en-IN" altLang="en-US" sz="2800" b="1">
+                <a:solidFill>
+                  <a:schemeClr val="bg1"/>
+                </a:solidFill>
+              </a:rPr>
+              <a:t>Integrated issue and bug tracking</a:t>
+            </a:r>
+            <a:endParaRPr lang="en-US" altLang="en-IN" sz="2800" b="1">
+              <a:solidFill>
+                <a:schemeClr val="bg1"/>
+              </a:solidFill>
+            </a:endParaRPr>
+          </a:p>
+          <a:p>
+            <a:pPr marL="457200" indent="-457200" algn="l">
+              <a:lnSpc>
+                <a:spcPct val="150000"/>
+              </a:lnSpc>
+              <a:buFont typeface="Arial" panose="020B0604020202020204" pitchFamily="34" charset="0"/>
+              <a:buChar char="•"/>
+            </a:pPr>
+            <a:r>
+              <a:rPr lang="en-IN" altLang="en-US" sz="2800" b="1">
+                <a:solidFill>
+                  <a:schemeClr val="bg1"/>
+                </a:solidFill>
+              </a:rPr>
+              <a:t>Project </a:t>
+            </a:r>
+            <a:r>
+              <a:rPr lang="en-US" altLang="en-IN" sz="2800" b="1">
+                <a:solidFill>
+                  <a:schemeClr val="bg1"/>
+                </a:solidFill>
+              </a:rPr>
+              <a:t>M</a:t>
+            </a:r>
+            <a:r>
+              <a:rPr lang="en-IN" altLang="en-US" sz="2800" b="1">
+                <a:solidFill>
+                  <a:schemeClr val="bg1"/>
+                </a:solidFill>
+              </a:rPr>
+              <a:t>anagement</a:t>
+            </a:r>
+            <a:endParaRPr lang="en-US" altLang="en-IN" sz="2800" b="1">
+              <a:solidFill>
+                <a:schemeClr val="bg1"/>
+              </a:solidFill>
+            </a:endParaRPr>
+          </a:p>
+          <a:p>
+            <a:pPr marL="457200" indent="-457200" algn="l">
+              <a:lnSpc>
+                <a:spcPct val="150000"/>
+              </a:lnSpc>
+              <a:buFont typeface="Arial" panose="020B0604020202020204" pitchFamily="34" charset="0"/>
+              <a:buChar char="•"/>
+            </a:pPr>
+            <a:r>
+              <a:rPr lang="en-US" altLang="en-IN" sz="2800" b="1">
+                <a:solidFill>
+                  <a:schemeClr val="bg1"/>
+                </a:solidFill>
+              </a:rPr>
+              <a:t>User Management</a:t>
+            </a:r>
+            <a:endParaRPr lang="en-US" altLang="en-IN" sz="2800" b="1">
+              <a:solidFill>
+                <a:schemeClr val="bg1"/>
+              </a:solidFill>
+            </a:endParaRPr>
+          </a:p>
+          <a:p>
+            <a:pPr marL="457200" indent="-457200" algn="l">
+              <a:lnSpc>
+                <a:spcPct val="150000"/>
+              </a:lnSpc>
+              <a:buFont typeface="Arial" panose="020B0604020202020204" pitchFamily="34" charset="0"/>
+              <a:buChar char="•"/>
+            </a:pPr>
+            <a:r>
+              <a:rPr lang="en-IN" altLang="en-US" sz="2800" b="1">
+                <a:solidFill>
+                  <a:schemeClr val="bg1"/>
+                </a:solidFill>
+              </a:rPr>
+              <a:t>Track and assign tasks</a:t>
+            </a:r>
+            <a:endParaRPr lang="en-IN" altLang="en-US" sz="2800" b="1">
+              <a:solidFill>
+                <a:schemeClr val="bg1"/>
+              </a:solidFill>
+            </a:endParaRPr>
+          </a:p>
+          <a:p>
+            <a:pPr marL="457200" indent="-457200" algn="l">
+              <a:lnSpc>
+                <a:spcPct val="150000"/>
+              </a:lnSpc>
+              <a:buFont typeface="Arial" panose="020B0604020202020204" pitchFamily="34" charset="0"/>
+              <a:buChar char="•"/>
+            </a:pPr>
+            <a:r>
+              <a:rPr lang="en-IN" altLang="en-US" sz="2800" b="1">
+                <a:solidFill>
+                  <a:schemeClr val="bg1"/>
+                </a:solidFill>
+              </a:rPr>
+              <a:t>We can Manage the Releases</a:t>
+            </a:r>
+            <a:endParaRPr lang="en-US" altLang="en-IN" sz="2800" b="1">
+              <a:solidFill>
+                <a:schemeClr val="bg1"/>
+              </a:solidFill>
+            </a:endParaRPr>
+          </a:p>
+          <a:p>
+            <a:pPr algn="l">
+              <a:lnSpc>
+                <a:spcPct val="150000"/>
+              </a:lnSpc>
+              <a:buFont typeface="Arial" panose="020B0604020202020204" pitchFamily="34" charset="0"/>
+            </a:pPr>
+            <a:endParaRPr lang="en-IN" altLang="en-US" sz="2800" b="1">
+              <a:solidFill>
+                <a:schemeClr val="bg1"/>
+              </a:solidFill>
+            </a:endParaRPr>
+          </a:p>
+          <a:p>
+            <a:pPr marL="342900" indent="-342900" algn="l">
+              <a:buFont typeface="Arial" panose="020B0604020202020204" pitchFamily="34" charset="0"/>
+              <a:buChar char="•"/>
+            </a:pPr>
+            <a:endParaRPr lang="en-IN" altLang="en-US" sz="2800" b="1">
+              <a:solidFill>
+                <a:schemeClr val="bg1"/>
+              </a:solidFill>
+            </a:endParaRPr>
+          </a:p>
+        </p:txBody>
+      </p:sp>
+      <p:sp>
+        <p:nvSpPr>
+          <p:cNvPr id="4" name="Rectangles 3"/>
+          <p:cNvSpPr/>
+          <p:nvPr/>
+        </p:nvSpPr>
+        <p:spPr>
+          <a:xfrm>
+            <a:off x="837565" y="581025"/>
+            <a:ext cx="10545445" cy="894080"/>
+          </a:xfrm>
+          <a:prstGeom prst="rect">
+            <a:avLst/>
+          </a:prstGeom>
+          <a:solidFill>
+            <a:schemeClr val="bg2">
+              <a:lumMod val="25000"/>
+            </a:schemeClr>
+          </a:solidFill>
+        </p:spPr>
+        <p:style>
+          <a:lnRef idx="2">
+            <a:schemeClr val="dk1">
+              <a:shade val="50000"/>
+            </a:schemeClr>
+          </a:lnRef>
+          <a:fillRef idx="1">
+            <a:schemeClr val="dk1"/>
+          </a:fillRef>
+          <a:effectRef idx="0">
+            <a:schemeClr val="dk1"/>
+          </a:effectRef>
+          <a:fontRef idx="minor">
+            <a:schemeClr val="lt1"/>
+          </a:fontRef>
+        </p:style>
+        <p:txBody>
+          <a:bodyPr rtlCol="0" anchor="ctr"/>
+          <a:p>
+            <a:pPr algn="ctr"/>
+            <a:r>
+              <a:rPr lang="en-US" altLang="en-IN" sz="4000" b="1" u="sng">
+                <a:solidFill>
+                  <a:schemeClr val="bg1"/>
+                </a:solidFill>
+              </a:rPr>
+              <a:t>Features</a:t>
+            </a:r>
+            <a:endParaRPr lang="en-US" altLang="en-IN" sz="4000" b="1" u="sng">
+              <a:solidFill>
+                <a:schemeClr val="bg1"/>
+              </a:solidFill>
+            </a:endParaRPr>
+          </a:p>
+        </p:txBody>
+      </p:sp>
+    </p:spTree>
+  </p:cSld>
+  <p:clrMapOvr>
+    <a:masterClrMapping/>
+  </p:clrMapOvr>
+</p:sld>
+</file>
+
 <file path=ppt/theme/theme1.xml><?xml version="1.0" encoding="utf-8"?>
 <a:theme xmlns:a="http://schemas.openxmlformats.org/drawingml/2006/main" name="Office Theme">
   <a:themeElements>

--- a/GitHub.pptx
+++ b/GitHub.pptx
@@ -13,6 +13,7 @@
     <p:sldId id="265" r:id="rId8"/>
     <p:sldId id="266" r:id="rId9"/>
     <p:sldId id="267" r:id="rId10"/>
+    <p:sldId id="268" r:id="rId11"/>
   </p:sldIdLst>
   <p:sldSz cx="12192000" cy="6858000"/>
   <p:notesSz cx="6858000" cy="9144000"/>
@@ -5038,6 +5039,1102 @@
 </p:sld>
 </file>
 
+<file path=ppt/slides/slide9.xml><?xml version="1.0" encoding="utf-8"?>
+<p:sld xmlns:a="http://schemas.openxmlformats.org/drawingml/2006/main" xmlns:r="http://schemas.openxmlformats.org/officeDocument/2006/relationships" xmlns:p="http://schemas.openxmlformats.org/presentationml/2006/main">
+  <p:cSld>
+    <p:spTree>
+      <p:nvGrpSpPr>
+        <p:cNvPr id="1" name=""/>
+        <p:cNvGrpSpPr/>
+        <p:nvPr/>
+      </p:nvGrpSpPr>
+      <p:grpSpPr/>
+      <p:sp>
+        <p:nvSpPr>
+          <p:cNvPr id="2" name="Title 1"/>
+          <p:cNvSpPr>
+            <a:spLocks noGrp="1"/>
+          </p:cNvSpPr>
+          <p:nvPr>
+            <p:ph type="title"/>
+          </p:nvPr>
+        </p:nvSpPr>
+        <p:spPr/>
+        <p:txBody>
+          <a:bodyPr/>
+          <a:p>
+            <a:endParaRPr lang="en-US"/>
+          </a:p>
+        </p:txBody>
+      </p:sp>
+      <p:sp>
+        <p:nvSpPr>
+          <p:cNvPr id="7" name="Content Placeholder 6"/>
+          <p:cNvSpPr>
+            <a:spLocks noGrp="1"/>
+          </p:cNvSpPr>
+          <p:nvPr>
+            <p:ph sz="half" idx="1"/>
+          </p:nvPr>
+        </p:nvSpPr>
+        <p:spPr>
+          <a:xfrm>
+            <a:off x="838200" y="1625600"/>
+            <a:ext cx="3439160" cy="4551680"/>
+          </a:xfrm>
+          <a:solidFill>
+            <a:schemeClr val="bg2">
+              <a:lumMod val="25000"/>
+            </a:schemeClr>
+          </a:solidFill>
+        </p:spPr>
+        <p:txBody>
+          <a:bodyPr>
+            <a:normAutofit/>
+          </a:bodyPr>
+          <a:p>
+            <a:pPr algn="l">
+              <a:buFont typeface="Arial" panose="020B0604020202020204" pitchFamily="34" charset="0"/>
+            </a:pPr>
+            <a:endParaRPr lang="en-IN" altLang="en-US">
+              <a:solidFill>
+                <a:schemeClr val="bg1"/>
+              </a:solidFill>
+            </a:endParaRPr>
+          </a:p>
+          <a:p>
+            <a:pPr marL="0" indent="0" algn="l">
+              <a:lnSpc>
+                <a:spcPct val="150000"/>
+              </a:lnSpc>
+              <a:buFont typeface="Arial" panose="020B0604020202020204" pitchFamily="34" charset="0"/>
+              <a:buNone/>
+            </a:pPr>
+            <a:r>
+              <a:rPr lang="en-IN" altLang="en-US" sz="3200" b="1">
+                <a:solidFill>
+                  <a:schemeClr val="bg1"/>
+                </a:solidFill>
+              </a:rPr>
+              <a:t>  </a:t>
+            </a:r>
+            <a:r>
+              <a:rPr lang="en-IN" altLang="en-US" sz="3200">
+                <a:solidFill>
+                  <a:schemeClr val="bg1"/>
+                </a:solidFill>
+              </a:rPr>
+              <a:t> 1.</a:t>
+            </a:r>
+            <a:r>
+              <a:rPr lang="en-IN" altLang="en-US" sz="3200" b="1">
+                <a:solidFill>
+                  <a:schemeClr val="bg1"/>
+                </a:solidFill>
+              </a:rPr>
+              <a:t> </a:t>
+            </a:r>
+            <a:r>
+              <a:rPr lang="en-IN" altLang="en-US" sz="3200">
+                <a:solidFill>
+                  <a:schemeClr val="bg1"/>
+                </a:solidFill>
+              </a:rPr>
+              <a:t> </a:t>
+            </a:r>
+            <a:r>
+              <a:rPr lang="en-US" altLang="en-IN" sz="3200">
+                <a:solidFill>
+                  <a:schemeClr val="bg1"/>
+                </a:solidFill>
+              </a:rPr>
+              <a:t>Repository</a:t>
+            </a:r>
+            <a:endParaRPr lang="en-US" altLang="en-IN" sz="3200">
+              <a:solidFill>
+                <a:schemeClr val="bg1"/>
+              </a:solidFill>
+            </a:endParaRPr>
+          </a:p>
+          <a:p>
+            <a:pPr marL="0" indent="0" algn="l">
+              <a:lnSpc>
+                <a:spcPct val="150000"/>
+              </a:lnSpc>
+              <a:buFont typeface="Arial" panose="020B0604020202020204" pitchFamily="34" charset="0"/>
+              <a:buNone/>
+            </a:pPr>
+            <a:r>
+              <a:rPr lang="en-IN" altLang="en-US" sz="3200">
+                <a:solidFill>
+                  <a:schemeClr val="bg1"/>
+                </a:solidFill>
+              </a:rPr>
+              <a:t>   2.  </a:t>
+            </a:r>
+            <a:r>
+              <a:rPr lang="en-US" altLang="en-IN" sz="3200">
+                <a:solidFill>
+                  <a:schemeClr val="bg1"/>
+                </a:solidFill>
+              </a:rPr>
+              <a:t>Commit</a:t>
+            </a:r>
+            <a:endParaRPr lang="en-US" altLang="en-IN" sz="3200">
+              <a:solidFill>
+                <a:schemeClr val="bg1"/>
+              </a:solidFill>
+            </a:endParaRPr>
+          </a:p>
+          <a:p>
+            <a:pPr marL="0" indent="0" algn="l">
+              <a:lnSpc>
+                <a:spcPct val="150000"/>
+              </a:lnSpc>
+              <a:buFont typeface="Arial" panose="020B0604020202020204" pitchFamily="34" charset="0"/>
+              <a:buNone/>
+            </a:pPr>
+            <a:r>
+              <a:rPr lang="en-IN" altLang="en-US" sz="3200">
+                <a:solidFill>
+                  <a:schemeClr val="bg1"/>
+                </a:solidFill>
+              </a:rPr>
+              <a:t>   3.  </a:t>
+            </a:r>
+            <a:r>
+              <a:rPr lang="en-US" altLang="en-IN" sz="3200">
+                <a:solidFill>
+                  <a:schemeClr val="bg1"/>
+                </a:solidFill>
+              </a:rPr>
+              <a:t>Branch</a:t>
+            </a:r>
+            <a:r>
+              <a:rPr lang="en-IN" altLang="en-US" sz="3200">
+                <a:solidFill>
+                  <a:schemeClr val="bg1"/>
+                </a:solidFill>
+              </a:rPr>
+              <a:t> </a:t>
+            </a:r>
+            <a:endParaRPr lang="en-IN" altLang="en-US" sz="3200">
+              <a:solidFill>
+                <a:schemeClr val="bg1"/>
+              </a:solidFill>
+            </a:endParaRPr>
+          </a:p>
+          <a:p>
+            <a:pPr marL="0" indent="0" algn="l">
+              <a:lnSpc>
+                <a:spcPct val="150000"/>
+              </a:lnSpc>
+              <a:buFont typeface="Arial" panose="020B0604020202020204" pitchFamily="34" charset="0"/>
+              <a:buNone/>
+            </a:pPr>
+            <a:r>
+              <a:rPr lang="en-IN" altLang="en-US" sz="3200">
+                <a:solidFill>
+                  <a:schemeClr val="bg1"/>
+                </a:solidFill>
+              </a:rPr>
+              <a:t>   4.  </a:t>
+            </a:r>
+            <a:r>
+              <a:rPr lang="en-US" altLang="en-IN" sz="3200">
+                <a:solidFill>
+                  <a:schemeClr val="bg1"/>
+                </a:solidFill>
+              </a:rPr>
+              <a:t>Merge</a:t>
+            </a:r>
+            <a:endParaRPr lang="en-US" altLang="en-IN" sz="3200">
+              <a:solidFill>
+                <a:schemeClr val="bg1"/>
+              </a:solidFill>
+            </a:endParaRPr>
+          </a:p>
+          <a:p>
+            <a:pPr marL="0" indent="0" algn="l">
+              <a:lnSpc>
+                <a:spcPct val="150000"/>
+              </a:lnSpc>
+              <a:buFont typeface="Arial" panose="020B0604020202020204" pitchFamily="34" charset="0"/>
+              <a:buNone/>
+            </a:pPr>
+            <a:endParaRPr lang="en-US" altLang="en-IN" sz="2800" b="1">
+              <a:solidFill>
+                <a:schemeClr val="bg1"/>
+              </a:solidFill>
+            </a:endParaRPr>
+          </a:p>
+          <a:p>
+            <a:pPr marL="457200" indent="-457200" algn="l">
+              <a:lnSpc>
+                <a:spcPct val="150000"/>
+              </a:lnSpc>
+              <a:buFont typeface="Arial" panose="020B0604020202020204" pitchFamily="34" charset="0"/>
+              <a:buChar char="•"/>
+            </a:pPr>
+            <a:endParaRPr lang="en-IN" altLang="en-US" sz="2800" b="1">
+              <a:solidFill>
+                <a:schemeClr val="bg1"/>
+              </a:solidFill>
+            </a:endParaRPr>
+          </a:p>
+          <a:p>
+            <a:pPr marL="342900" indent="-342900" algn="l">
+              <a:buFont typeface="Arial" panose="020B0604020202020204" pitchFamily="34" charset="0"/>
+              <a:buChar char="•"/>
+            </a:pPr>
+            <a:endParaRPr lang="en-IN" altLang="en-US" sz="2800" b="1">
+              <a:solidFill>
+                <a:schemeClr val="bg1"/>
+              </a:solidFill>
+            </a:endParaRPr>
+          </a:p>
+        </p:txBody>
+      </p:sp>
+      <p:sp>
+        <p:nvSpPr>
+          <p:cNvPr id="3" name="Content Placeholder 2"/>
+          <p:cNvSpPr>
+            <a:spLocks noGrp="1"/>
+          </p:cNvSpPr>
+          <p:nvPr>
+            <p:ph sz="half" idx="2"/>
+          </p:nvPr>
+        </p:nvSpPr>
+        <p:spPr/>
+        <p:txBody>
+          <a:bodyPr/>
+          <a:p>
+            <a:endParaRPr lang="en-US"/>
+          </a:p>
+        </p:txBody>
+      </p:sp>
+      <p:sp>
+        <p:nvSpPr>
+          <p:cNvPr id="4" name="Rectangles 3"/>
+          <p:cNvSpPr/>
+          <p:nvPr/>
+        </p:nvSpPr>
+        <p:spPr>
+          <a:xfrm>
+            <a:off x="837565" y="581025"/>
+            <a:ext cx="10545445" cy="894080"/>
+          </a:xfrm>
+          <a:prstGeom prst="rect">
+            <a:avLst/>
+          </a:prstGeom>
+          <a:solidFill>
+            <a:schemeClr val="bg2">
+              <a:lumMod val="25000"/>
+            </a:schemeClr>
+          </a:solidFill>
+        </p:spPr>
+        <p:style>
+          <a:lnRef idx="2">
+            <a:schemeClr val="dk1">
+              <a:shade val="50000"/>
+            </a:schemeClr>
+          </a:lnRef>
+          <a:fillRef idx="1">
+            <a:schemeClr val="dk1"/>
+          </a:fillRef>
+          <a:effectRef idx="0">
+            <a:schemeClr val="dk1"/>
+          </a:effectRef>
+          <a:fontRef idx="minor">
+            <a:schemeClr val="lt1"/>
+          </a:fontRef>
+        </p:style>
+        <p:txBody>
+          <a:bodyPr rtlCol="0" anchor="ctr">
+            <a:scene3d>
+              <a:camera prst="orthographicFront"/>
+              <a:lightRig rig="threePt" dir="t"/>
+            </a:scene3d>
+          </a:bodyPr>
+          <a:p>
+            <a:pPr algn="ctr"/>
+            <a:r>
+              <a:rPr lang="en-IN" altLang="en-US" sz="4400" b="1">
+                <a:solidFill>
+                  <a:schemeClr val="bg1"/>
+                </a:solidFill>
+                <a:sym typeface="+mn-ea"/>
+              </a:rPr>
+              <a:t>Important Terminologies</a:t>
+            </a:r>
+            <a:endParaRPr lang="en-IN" altLang="en-US" sz="4400" b="1" u="sng">
+              <a:ln w="10160">
+                <a:solidFill>
+                  <a:schemeClr val="accent5"/>
+                </a:solidFill>
+                <a:prstDash val="solid"/>
+              </a:ln>
+              <a:solidFill>
+                <a:schemeClr val="bg1"/>
+              </a:solidFill>
+              <a:effectLst>
+                <a:outerShdw blurRad="38100" dist="22860" dir="5400000" algn="tl" rotWithShape="0">
+                  <a:srgbClr val="000000">
+                    <a:alpha val="30000"/>
+                  </a:srgbClr>
+                </a:outerShdw>
+              </a:effectLst>
+              <a:latin typeface="Times New Roman" panose="02020603050405020304" charset="0"/>
+              <a:cs typeface="Times New Roman" panose="02020603050405020304" charset="0"/>
+              <a:sym typeface="+mn-ea"/>
+            </a:endParaRPr>
+          </a:p>
+        </p:txBody>
+      </p:sp>
+      <p:sp>
+        <p:nvSpPr>
+          <p:cNvPr id="5" name="Content Placeholder 6"/>
+          <p:cNvSpPr>
+            <a:spLocks noGrp="1"/>
+          </p:cNvSpPr>
+          <p:nvPr/>
+        </p:nvSpPr>
+        <p:spPr>
+          <a:xfrm>
+            <a:off x="4373880" y="1625600"/>
+            <a:ext cx="3366135" cy="4551680"/>
+          </a:xfrm>
+          <a:prstGeom prst="rect">
+            <a:avLst/>
+          </a:prstGeom>
+          <a:solidFill>
+            <a:schemeClr val="bg2">
+              <a:lumMod val="25000"/>
+            </a:schemeClr>
+          </a:solidFill>
+        </p:spPr>
+        <p:txBody>
+          <a:bodyPr vert="horz" lIns="91440" tIns="45720" rIns="91440" bIns="45720" rtlCol="0">
+            <a:normAutofit/>
+          </a:bodyPr>
+          <a:lstStyle>
+            <a:lvl1pPr marL="228600" indent="-228600" algn="l" defTabSz="914400" rtl="0" eaLnBrk="1" latinLnBrk="0" hangingPunct="1">
+              <a:lnSpc>
+                <a:spcPct val="90000"/>
+              </a:lnSpc>
+              <a:spcBef>
+                <a:spcPts val="1000"/>
+              </a:spcBef>
+              <a:buFont typeface="Arial" panose="020B0604020202020204" pitchFamily="34" charset="0"/>
+              <a:buChar char="•"/>
+              <a:defRPr sz="2800" kern="1200">
+                <a:solidFill>
+                  <a:schemeClr val="tx1"/>
+                </a:solidFill>
+                <a:latin typeface="+mn-lt"/>
+                <a:ea typeface="+mn-ea"/>
+                <a:cs typeface="+mn-cs"/>
+              </a:defRPr>
+            </a:lvl1pPr>
+            <a:lvl2pPr marL="685800" indent="-228600" algn="l" defTabSz="914400" rtl="0" eaLnBrk="1" latinLnBrk="0" hangingPunct="1">
+              <a:lnSpc>
+                <a:spcPct val="90000"/>
+              </a:lnSpc>
+              <a:spcBef>
+                <a:spcPts val="500"/>
+              </a:spcBef>
+              <a:buFont typeface="Arial" panose="020B0604020202020204" pitchFamily="34" charset="0"/>
+              <a:buChar char="•"/>
+              <a:defRPr sz="2400" kern="1200">
+                <a:solidFill>
+                  <a:schemeClr val="tx1"/>
+                </a:solidFill>
+                <a:latin typeface="+mn-lt"/>
+                <a:ea typeface="+mn-ea"/>
+                <a:cs typeface="+mn-cs"/>
+              </a:defRPr>
+            </a:lvl2pPr>
+            <a:lvl3pPr marL="1143000" indent="-228600" algn="l" defTabSz="914400" rtl="0" eaLnBrk="1" latinLnBrk="0" hangingPunct="1">
+              <a:lnSpc>
+                <a:spcPct val="90000"/>
+              </a:lnSpc>
+              <a:spcBef>
+                <a:spcPts val="500"/>
+              </a:spcBef>
+              <a:buFont typeface="Arial" panose="020B0604020202020204" pitchFamily="34" charset="0"/>
+              <a:buChar char="•"/>
+              <a:defRPr sz="2000" kern="1200">
+                <a:solidFill>
+                  <a:schemeClr val="tx1"/>
+                </a:solidFill>
+                <a:latin typeface="+mn-lt"/>
+                <a:ea typeface="+mn-ea"/>
+                <a:cs typeface="+mn-cs"/>
+              </a:defRPr>
+            </a:lvl3pPr>
+            <a:lvl4pPr marL="1600200" indent="-228600" algn="l" defTabSz="914400" rtl="0" eaLnBrk="1" latinLnBrk="0" hangingPunct="1">
+              <a:lnSpc>
+                <a:spcPct val="90000"/>
+              </a:lnSpc>
+              <a:spcBef>
+                <a:spcPts val="500"/>
+              </a:spcBef>
+              <a:buFont typeface="Arial" panose="020B0604020202020204" pitchFamily="34" charset="0"/>
+              <a:buChar char="•"/>
+              <a:defRPr sz="1800" kern="1200">
+                <a:solidFill>
+                  <a:schemeClr val="tx1"/>
+                </a:solidFill>
+                <a:latin typeface="+mn-lt"/>
+                <a:ea typeface="+mn-ea"/>
+                <a:cs typeface="+mn-cs"/>
+              </a:defRPr>
+            </a:lvl4pPr>
+            <a:lvl5pPr marL="2057400" indent="-228600" algn="l" defTabSz="914400" rtl="0" eaLnBrk="1" latinLnBrk="0" hangingPunct="1">
+              <a:lnSpc>
+                <a:spcPct val="90000"/>
+              </a:lnSpc>
+              <a:spcBef>
+                <a:spcPts val="500"/>
+              </a:spcBef>
+              <a:buFont typeface="Arial" panose="020B0604020202020204" pitchFamily="34" charset="0"/>
+              <a:buChar char="•"/>
+              <a:defRPr sz="1800" kern="1200">
+                <a:solidFill>
+                  <a:schemeClr val="tx1"/>
+                </a:solidFill>
+                <a:latin typeface="+mn-lt"/>
+                <a:ea typeface="+mn-ea"/>
+                <a:cs typeface="+mn-cs"/>
+              </a:defRPr>
+            </a:lvl5pPr>
+            <a:lvl6pPr marL="2514600" indent="-228600" algn="l" defTabSz="914400" rtl="0" eaLnBrk="1" latinLnBrk="0" hangingPunct="1">
+              <a:lnSpc>
+                <a:spcPct val="90000"/>
+              </a:lnSpc>
+              <a:spcBef>
+                <a:spcPts val="500"/>
+              </a:spcBef>
+              <a:buFont typeface="Arial" panose="020B0604020202020204" pitchFamily="34" charset="0"/>
+              <a:buChar char="•"/>
+              <a:defRPr sz="1800" kern="1200">
+                <a:solidFill>
+                  <a:schemeClr val="tx1"/>
+                </a:solidFill>
+                <a:latin typeface="+mn-lt"/>
+                <a:ea typeface="+mn-ea"/>
+                <a:cs typeface="+mn-cs"/>
+              </a:defRPr>
+            </a:lvl6pPr>
+            <a:lvl7pPr marL="2971800" indent="-228600" algn="l" defTabSz="914400" rtl="0" eaLnBrk="1" latinLnBrk="0" hangingPunct="1">
+              <a:lnSpc>
+                <a:spcPct val="90000"/>
+              </a:lnSpc>
+              <a:spcBef>
+                <a:spcPts val="500"/>
+              </a:spcBef>
+              <a:buFont typeface="Arial" panose="020B0604020202020204" pitchFamily="34" charset="0"/>
+              <a:buChar char="•"/>
+              <a:defRPr sz="1800" kern="1200">
+                <a:solidFill>
+                  <a:schemeClr val="tx1"/>
+                </a:solidFill>
+                <a:latin typeface="+mn-lt"/>
+                <a:ea typeface="+mn-ea"/>
+                <a:cs typeface="+mn-cs"/>
+              </a:defRPr>
+            </a:lvl7pPr>
+            <a:lvl8pPr marL="3429000" indent="-228600" algn="l" defTabSz="914400" rtl="0" eaLnBrk="1" latinLnBrk="0" hangingPunct="1">
+              <a:lnSpc>
+                <a:spcPct val="90000"/>
+              </a:lnSpc>
+              <a:spcBef>
+                <a:spcPts val="500"/>
+              </a:spcBef>
+              <a:buFont typeface="Arial" panose="020B0604020202020204" pitchFamily="34" charset="0"/>
+              <a:buChar char="•"/>
+              <a:defRPr sz="1800" kern="1200">
+                <a:solidFill>
+                  <a:schemeClr val="tx1"/>
+                </a:solidFill>
+                <a:latin typeface="+mn-lt"/>
+                <a:ea typeface="+mn-ea"/>
+                <a:cs typeface="+mn-cs"/>
+              </a:defRPr>
+            </a:lvl8pPr>
+            <a:lvl9pPr marL="3886200" indent="-228600" algn="l" defTabSz="914400" rtl="0" eaLnBrk="1" latinLnBrk="0" hangingPunct="1">
+              <a:lnSpc>
+                <a:spcPct val="90000"/>
+              </a:lnSpc>
+              <a:spcBef>
+                <a:spcPts val="500"/>
+              </a:spcBef>
+              <a:buFont typeface="Arial" panose="020B0604020202020204" pitchFamily="34" charset="0"/>
+              <a:buChar char="•"/>
+              <a:defRPr sz="1800" kern="1200">
+                <a:solidFill>
+                  <a:schemeClr val="tx1"/>
+                </a:solidFill>
+                <a:latin typeface="+mn-lt"/>
+                <a:ea typeface="+mn-ea"/>
+                <a:cs typeface="+mn-cs"/>
+              </a:defRPr>
+            </a:lvl9pPr>
+          </a:lstStyle>
+          <a:p>
+            <a:pPr marL="0" indent="0" algn="l">
+              <a:buFont typeface="Arial" panose="020B0604020202020204" pitchFamily="34" charset="0"/>
+              <a:buNone/>
+            </a:pPr>
+            <a:endParaRPr lang="en-US" altLang="en-IN" sz="2800" b="1">
+              <a:solidFill>
+                <a:schemeClr val="bg1"/>
+              </a:solidFill>
+            </a:endParaRPr>
+          </a:p>
+          <a:p>
+            <a:pPr marL="0" indent="0" algn="l">
+              <a:lnSpc>
+                <a:spcPct val="150000"/>
+              </a:lnSpc>
+              <a:buFont typeface="Arial" panose="020B0604020202020204" pitchFamily="34" charset="0"/>
+              <a:buNone/>
+            </a:pPr>
+            <a:r>
+              <a:rPr lang="en-IN" altLang="en-US" sz="3200">
+                <a:solidFill>
+                  <a:schemeClr val="bg1"/>
+                </a:solidFill>
+              </a:rPr>
+              <a:t>   5. </a:t>
+            </a:r>
+            <a:r>
+              <a:rPr lang="en-US" altLang="en-IN" sz="3200">
+                <a:solidFill>
+                  <a:schemeClr val="bg1"/>
+                </a:solidFill>
+              </a:rPr>
+              <a:t>Push</a:t>
+            </a:r>
+            <a:endParaRPr lang="en-US" altLang="en-IN" sz="3200">
+              <a:solidFill>
+                <a:schemeClr val="bg1"/>
+              </a:solidFill>
+            </a:endParaRPr>
+          </a:p>
+          <a:p>
+            <a:pPr marL="0" indent="0" algn="l">
+              <a:lnSpc>
+                <a:spcPct val="150000"/>
+              </a:lnSpc>
+              <a:buFont typeface="Arial" panose="020B0604020202020204" pitchFamily="34" charset="0"/>
+              <a:buNone/>
+            </a:pPr>
+            <a:r>
+              <a:rPr lang="en-IN" altLang="en-US" sz="3200">
+                <a:solidFill>
+                  <a:schemeClr val="bg1"/>
+                </a:solidFill>
+              </a:rPr>
+              <a:t>   6. </a:t>
+            </a:r>
+            <a:r>
+              <a:rPr lang="en-US" altLang="en-IN" sz="3200">
+                <a:solidFill>
+                  <a:schemeClr val="bg1"/>
+                </a:solidFill>
+              </a:rPr>
+              <a:t>Fetch</a:t>
+            </a:r>
+            <a:endParaRPr lang="en-US" altLang="en-IN" sz="3200">
+              <a:solidFill>
+                <a:schemeClr val="bg1"/>
+              </a:solidFill>
+            </a:endParaRPr>
+          </a:p>
+          <a:p>
+            <a:pPr marL="0" indent="0" algn="l">
+              <a:lnSpc>
+                <a:spcPct val="150000"/>
+              </a:lnSpc>
+              <a:buFont typeface="Arial" panose="020B0604020202020204" pitchFamily="34" charset="0"/>
+              <a:buNone/>
+            </a:pPr>
+            <a:r>
+              <a:rPr lang="en-IN" altLang="en-US" sz="3200">
+                <a:solidFill>
+                  <a:schemeClr val="bg1"/>
+                </a:solidFill>
+              </a:rPr>
+              <a:t>   7. </a:t>
+            </a:r>
+            <a:r>
+              <a:rPr lang="en-US" altLang="en-IN" sz="3200">
+                <a:solidFill>
+                  <a:schemeClr val="bg1"/>
+                </a:solidFill>
+              </a:rPr>
+              <a:t>Revert</a:t>
+            </a:r>
+            <a:endParaRPr lang="en-US" altLang="en-IN" sz="3200">
+              <a:solidFill>
+                <a:schemeClr val="bg1"/>
+              </a:solidFill>
+            </a:endParaRPr>
+          </a:p>
+          <a:p>
+            <a:pPr marL="0" indent="0" algn="l">
+              <a:lnSpc>
+                <a:spcPct val="150000"/>
+              </a:lnSpc>
+              <a:buFont typeface="Arial" panose="020B0604020202020204" pitchFamily="34" charset="0"/>
+              <a:buNone/>
+            </a:pPr>
+            <a:r>
+              <a:rPr lang="en-IN" altLang="en-US" sz="3200">
+                <a:solidFill>
+                  <a:schemeClr val="bg1"/>
+                </a:solidFill>
+              </a:rPr>
+              <a:t>   8.</a:t>
+            </a:r>
+            <a:r>
+              <a:rPr lang="en-US" altLang="en-IN" sz="3200">
+                <a:solidFill>
+                  <a:schemeClr val="bg1"/>
+                </a:solidFill>
+              </a:rPr>
+              <a:t> Fork</a:t>
+            </a:r>
+            <a:endParaRPr lang="en-US" altLang="en-IN" sz="3200">
+              <a:solidFill>
+                <a:schemeClr val="bg1"/>
+              </a:solidFill>
+            </a:endParaRPr>
+          </a:p>
+          <a:p>
+            <a:pPr marL="457200" indent="-457200" algn="l">
+              <a:lnSpc>
+                <a:spcPct val="150000"/>
+              </a:lnSpc>
+              <a:buFont typeface="Arial" panose="020B0604020202020204" pitchFamily="34" charset="0"/>
+              <a:buChar char="•"/>
+            </a:pPr>
+            <a:endParaRPr lang="en-US" altLang="en-IN" sz="2800" b="1">
+              <a:solidFill>
+                <a:schemeClr val="bg1"/>
+              </a:solidFill>
+            </a:endParaRPr>
+          </a:p>
+          <a:p>
+            <a:pPr marL="457200" indent="-457200" algn="l">
+              <a:lnSpc>
+                <a:spcPct val="150000"/>
+              </a:lnSpc>
+              <a:buFont typeface="Arial" panose="020B0604020202020204" pitchFamily="34" charset="0"/>
+              <a:buChar char="•"/>
+            </a:pPr>
+            <a:endParaRPr lang="en-US" altLang="en-IN" sz="2800" b="1">
+              <a:solidFill>
+                <a:schemeClr val="bg1"/>
+              </a:solidFill>
+            </a:endParaRPr>
+          </a:p>
+          <a:p>
+            <a:pPr marL="457200" indent="-457200" algn="l">
+              <a:lnSpc>
+                <a:spcPct val="150000"/>
+              </a:lnSpc>
+              <a:buFont typeface="Arial" panose="020B0604020202020204" pitchFamily="34" charset="0"/>
+              <a:buChar char="•"/>
+            </a:pPr>
+            <a:endParaRPr lang="en-IN" altLang="en-US" sz="2800" b="1">
+              <a:solidFill>
+                <a:schemeClr val="bg1"/>
+              </a:solidFill>
+            </a:endParaRPr>
+          </a:p>
+          <a:p>
+            <a:pPr marL="342900" indent="-342900" algn="l">
+              <a:buFont typeface="Arial" panose="020B0604020202020204" pitchFamily="34" charset="0"/>
+              <a:buChar char="•"/>
+            </a:pPr>
+            <a:endParaRPr lang="en-IN" altLang="en-US" sz="2800" b="1">
+              <a:solidFill>
+                <a:schemeClr val="bg1"/>
+              </a:solidFill>
+            </a:endParaRPr>
+          </a:p>
+        </p:txBody>
+      </p:sp>
+      <p:sp>
+        <p:nvSpPr>
+          <p:cNvPr id="6" name="Content Placeholder 6"/>
+          <p:cNvSpPr>
+            <a:spLocks noGrp="1"/>
+          </p:cNvSpPr>
+          <p:nvPr/>
+        </p:nvSpPr>
+        <p:spPr>
+          <a:xfrm>
+            <a:off x="7924165" y="1625600"/>
+            <a:ext cx="3429635" cy="4551680"/>
+          </a:xfrm>
+          <a:prstGeom prst="rect">
+            <a:avLst/>
+          </a:prstGeom>
+          <a:solidFill>
+            <a:schemeClr val="bg2">
+              <a:lumMod val="25000"/>
+            </a:schemeClr>
+          </a:solidFill>
+        </p:spPr>
+        <p:txBody>
+          <a:bodyPr vert="horz" lIns="91440" tIns="45720" rIns="91440" bIns="45720" rtlCol="0">
+            <a:normAutofit/>
+          </a:bodyPr>
+          <a:lstStyle>
+            <a:lvl1pPr marL="228600" indent="-228600" algn="l" defTabSz="914400" rtl="0" eaLnBrk="1" latinLnBrk="0" hangingPunct="1">
+              <a:lnSpc>
+                <a:spcPct val="90000"/>
+              </a:lnSpc>
+              <a:spcBef>
+                <a:spcPts val="1000"/>
+              </a:spcBef>
+              <a:buFont typeface="Arial" panose="020B0604020202020204" pitchFamily="34" charset="0"/>
+              <a:buChar char="•"/>
+              <a:defRPr sz="2800" kern="1200">
+                <a:solidFill>
+                  <a:schemeClr val="tx1"/>
+                </a:solidFill>
+                <a:latin typeface="+mn-lt"/>
+                <a:ea typeface="+mn-ea"/>
+                <a:cs typeface="+mn-cs"/>
+              </a:defRPr>
+            </a:lvl1pPr>
+            <a:lvl2pPr marL="685800" indent="-228600" algn="l" defTabSz="914400" rtl="0" eaLnBrk="1" latinLnBrk="0" hangingPunct="1">
+              <a:lnSpc>
+                <a:spcPct val="90000"/>
+              </a:lnSpc>
+              <a:spcBef>
+                <a:spcPts val="500"/>
+              </a:spcBef>
+              <a:buFont typeface="Arial" panose="020B0604020202020204" pitchFamily="34" charset="0"/>
+              <a:buChar char="•"/>
+              <a:defRPr sz="2400" kern="1200">
+                <a:solidFill>
+                  <a:schemeClr val="tx1"/>
+                </a:solidFill>
+                <a:latin typeface="+mn-lt"/>
+                <a:ea typeface="+mn-ea"/>
+                <a:cs typeface="+mn-cs"/>
+              </a:defRPr>
+            </a:lvl2pPr>
+            <a:lvl3pPr marL="1143000" indent="-228600" algn="l" defTabSz="914400" rtl="0" eaLnBrk="1" latinLnBrk="0" hangingPunct="1">
+              <a:lnSpc>
+                <a:spcPct val="90000"/>
+              </a:lnSpc>
+              <a:spcBef>
+                <a:spcPts val="500"/>
+              </a:spcBef>
+              <a:buFont typeface="Arial" panose="020B0604020202020204" pitchFamily="34" charset="0"/>
+              <a:buChar char="•"/>
+              <a:defRPr sz="2000" kern="1200">
+                <a:solidFill>
+                  <a:schemeClr val="tx1"/>
+                </a:solidFill>
+                <a:latin typeface="+mn-lt"/>
+                <a:ea typeface="+mn-ea"/>
+                <a:cs typeface="+mn-cs"/>
+              </a:defRPr>
+            </a:lvl3pPr>
+            <a:lvl4pPr marL="1600200" indent="-228600" algn="l" defTabSz="914400" rtl="0" eaLnBrk="1" latinLnBrk="0" hangingPunct="1">
+              <a:lnSpc>
+                <a:spcPct val="90000"/>
+              </a:lnSpc>
+              <a:spcBef>
+                <a:spcPts val="500"/>
+              </a:spcBef>
+              <a:buFont typeface="Arial" panose="020B0604020202020204" pitchFamily="34" charset="0"/>
+              <a:buChar char="•"/>
+              <a:defRPr sz="1800" kern="1200">
+                <a:solidFill>
+                  <a:schemeClr val="tx1"/>
+                </a:solidFill>
+                <a:latin typeface="+mn-lt"/>
+                <a:ea typeface="+mn-ea"/>
+                <a:cs typeface="+mn-cs"/>
+              </a:defRPr>
+            </a:lvl4pPr>
+            <a:lvl5pPr marL="2057400" indent="-228600" algn="l" defTabSz="914400" rtl="0" eaLnBrk="1" latinLnBrk="0" hangingPunct="1">
+              <a:lnSpc>
+                <a:spcPct val="90000"/>
+              </a:lnSpc>
+              <a:spcBef>
+                <a:spcPts val="500"/>
+              </a:spcBef>
+              <a:buFont typeface="Arial" panose="020B0604020202020204" pitchFamily="34" charset="0"/>
+              <a:buChar char="•"/>
+              <a:defRPr sz="1800" kern="1200">
+                <a:solidFill>
+                  <a:schemeClr val="tx1"/>
+                </a:solidFill>
+                <a:latin typeface="+mn-lt"/>
+                <a:ea typeface="+mn-ea"/>
+                <a:cs typeface="+mn-cs"/>
+              </a:defRPr>
+            </a:lvl5pPr>
+            <a:lvl6pPr marL="2514600" indent="-228600" algn="l" defTabSz="914400" rtl="0" eaLnBrk="1" latinLnBrk="0" hangingPunct="1">
+              <a:lnSpc>
+                <a:spcPct val="90000"/>
+              </a:lnSpc>
+              <a:spcBef>
+                <a:spcPts val="500"/>
+              </a:spcBef>
+              <a:buFont typeface="Arial" panose="020B0604020202020204" pitchFamily="34" charset="0"/>
+              <a:buChar char="•"/>
+              <a:defRPr sz="1800" kern="1200">
+                <a:solidFill>
+                  <a:schemeClr val="tx1"/>
+                </a:solidFill>
+                <a:latin typeface="+mn-lt"/>
+                <a:ea typeface="+mn-ea"/>
+                <a:cs typeface="+mn-cs"/>
+              </a:defRPr>
+            </a:lvl6pPr>
+            <a:lvl7pPr marL="2971800" indent="-228600" algn="l" defTabSz="914400" rtl="0" eaLnBrk="1" latinLnBrk="0" hangingPunct="1">
+              <a:lnSpc>
+                <a:spcPct val="90000"/>
+              </a:lnSpc>
+              <a:spcBef>
+                <a:spcPts val="500"/>
+              </a:spcBef>
+              <a:buFont typeface="Arial" panose="020B0604020202020204" pitchFamily="34" charset="0"/>
+              <a:buChar char="•"/>
+              <a:defRPr sz="1800" kern="1200">
+                <a:solidFill>
+                  <a:schemeClr val="tx1"/>
+                </a:solidFill>
+                <a:latin typeface="+mn-lt"/>
+                <a:ea typeface="+mn-ea"/>
+                <a:cs typeface="+mn-cs"/>
+              </a:defRPr>
+            </a:lvl7pPr>
+            <a:lvl8pPr marL="3429000" indent="-228600" algn="l" defTabSz="914400" rtl="0" eaLnBrk="1" latinLnBrk="0" hangingPunct="1">
+              <a:lnSpc>
+                <a:spcPct val="90000"/>
+              </a:lnSpc>
+              <a:spcBef>
+                <a:spcPts val="500"/>
+              </a:spcBef>
+              <a:buFont typeface="Arial" panose="020B0604020202020204" pitchFamily="34" charset="0"/>
+              <a:buChar char="•"/>
+              <a:defRPr sz="1800" kern="1200">
+                <a:solidFill>
+                  <a:schemeClr val="tx1"/>
+                </a:solidFill>
+                <a:latin typeface="+mn-lt"/>
+                <a:ea typeface="+mn-ea"/>
+                <a:cs typeface="+mn-cs"/>
+              </a:defRPr>
+            </a:lvl8pPr>
+            <a:lvl9pPr marL="3886200" indent="-228600" algn="l" defTabSz="914400" rtl="0" eaLnBrk="1" latinLnBrk="0" hangingPunct="1">
+              <a:lnSpc>
+                <a:spcPct val="90000"/>
+              </a:lnSpc>
+              <a:spcBef>
+                <a:spcPts val="500"/>
+              </a:spcBef>
+              <a:buFont typeface="Arial" panose="020B0604020202020204" pitchFamily="34" charset="0"/>
+              <a:buChar char="•"/>
+              <a:defRPr sz="1800" kern="1200">
+                <a:solidFill>
+                  <a:schemeClr val="tx1"/>
+                </a:solidFill>
+                <a:latin typeface="+mn-lt"/>
+                <a:ea typeface="+mn-ea"/>
+                <a:cs typeface="+mn-cs"/>
+              </a:defRPr>
+            </a:lvl9pPr>
+          </a:lstStyle>
+          <a:p>
+            <a:pPr marL="0" indent="0" algn="l">
+              <a:buFont typeface="Arial" panose="020B0604020202020204" pitchFamily="34" charset="0"/>
+              <a:buNone/>
+            </a:pPr>
+            <a:endParaRPr lang="en-US" altLang="en-IN" sz="2800" b="1">
+              <a:solidFill>
+                <a:schemeClr val="bg1"/>
+              </a:solidFill>
+            </a:endParaRPr>
+          </a:p>
+          <a:p>
+            <a:pPr marL="0" indent="0" algn="l">
+              <a:lnSpc>
+                <a:spcPct val="150000"/>
+              </a:lnSpc>
+              <a:buFont typeface="Arial" panose="020B0604020202020204" pitchFamily="34" charset="0"/>
+              <a:buNone/>
+            </a:pPr>
+            <a:r>
+              <a:rPr lang="en-IN" altLang="en-US" sz="3200">
+                <a:solidFill>
+                  <a:schemeClr val="bg1"/>
+                </a:solidFill>
+              </a:rPr>
+              <a:t>   9. Release</a:t>
+            </a:r>
+            <a:endParaRPr lang="en-IN" altLang="en-US" sz="3200">
+              <a:solidFill>
+                <a:schemeClr val="bg1"/>
+              </a:solidFill>
+            </a:endParaRPr>
+          </a:p>
+          <a:p>
+            <a:pPr marL="0" indent="0" algn="l">
+              <a:lnSpc>
+                <a:spcPct val="150000"/>
+              </a:lnSpc>
+              <a:buFont typeface="Arial" panose="020B0604020202020204" pitchFamily="34" charset="0"/>
+              <a:buNone/>
+            </a:pPr>
+            <a:r>
+              <a:rPr lang="en-IN" altLang="en-US" sz="3200">
+                <a:solidFill>
+                  <a:schemeClr val="bg1"/>
+                </a:solidFill>
+              </a:rPr>
+              <a:t>   10. Read me</a:t>
+            </a:r>
+            <a:endParaRPr lang="en-IN" altLang="en-US" sz="3200">
+              <a:solidFill>
+                <a:schemeClr val="bg1"/>
+              </a:solidFill>
+            </a:endParaRPr>
+          </a:p>
+          <a:p>
+            <a:pPr marL="0" indent="0" algn="l">
+              <a:lnSpc>
+                <a:spcPct val="150000"/>
+              </a:lnSpc>
+              <a:buFont typeface="Arial" panose="020B0604020202020204" pitchFamily="34" charset="0"/>
+              <a:buNone/>
+            </a:pPr>
+            <a:r>
+              <a:rPr lang="en-IN" altLang="en-US" sz="3200">
+                <a:solidFill>
+                  <a:schemeClr val="bg1"/>
+                </a:solidFill>
+              </a:rPr>
+              <a:t>   11. </a:t>
+            </a:r>
+            <a:r>
+              <a:rPr lang="en-US" altLang="en-IN" sz="3200">
+                <a:solidFill>
+                  <a:schemeClr val="bg1"/>
+                </a:solidFill>
+              </a:rPr>
+              <a:t>Revert</a:t>
+            </a:r>
+            <a:endParaRPr lang="en-US" altLang="en-IN" sz="3200">
+              <a:solidFill>
+                <a:schemeClr val="bg1"/>
+              </a:solidFill>
+            </a:endParaRPr>
+          </a:p>
+          <a:p>
+            <a:pPr marL="0" indent="0" algn="l">
+              <a:lnSpc>
+                <a:spcPct val="150000"/>
+              </a:lnSpc>
+              <a:buFont typeface="Arial" panose="020B0604020202020204" pitchFamily="34" charset="0"/>
+              <a:buNone/>
+            </a:pPr>
+            <a:r>
+              <a:rPr lang="en-IN" altLang="en-US" sz="3200">
+                <a:solidFill>
+                  <a:schemeClr val="bg1"/>
+                </a:solidFill>
+              </a:rPr>
+              <a:t>   12.</a:t>
+            </a:r>
+            <a:r>
+              <a:rPr lang="en-US" altLang="en-IN" sz="3200">
+                <a:solidFill>
+                  <a:schemeClr val="bg1"/>
+                </a:solidFill>
+              </a:rPr>
+              <a:t> Fork</a:t>
+            </a:r>
+            <a:endParaRPr lang="en-US" altLang="en-IN" sz="3200">
+              <a:solidFill>
+                <a:schemeClr val="bg1"/>
+              </a:solidFill>
+            </a:endParaRPr>
+          </a:p>
+          <a:p>
+            <a:pPr marL="457200" indent="-457200" algn="l">
+              <a:lnSpc>
+                <a:spcPct val="150000"/>
+              </a:lnSpc>
+              <a:buFont typeface="Arial" panose="020B0604020202020204" pitchFamily="34" charset="0"/>
+              <a:buChar char="•"/>
+            </a:pPr>
+            <a:endParaRPr lang="en-US" altLang="en-IN" sz="2800" b="1">
+              <a:solidFill>
+                <a:schemeClr val="bg1"/>
+              </a:solidFill>
+            </a:endParaRPr>
+          </a:p>
+          <a:p>
+            <a:pPr marL="457200" indent="-457200" algn="l">
+              <a:lnSpc>
+                <a:spcPct val="150000"/>
+              </a:lnSpc>
+              <a:buFont typeface="Arial" panose="020B0604020202020204" pitchFamily="34" charset="0"/>
+              <a:buChar char="•"/>
+            </a:pPr>
+            <a:endParaRPr lang="en-US" altLang="en-IN" sz="2800" b="1">
+              <a:solidFill>
+                <a:schemeClr val="bg1"/>
+              </a:solidFill>
+            </a:endParaRPr>
+          </a:p>
+          <a:p>
+            <a:pPr marL="457200" indent="-457200" algn="l">
+              <a:lnSpc>
+                <a:spcPct val="150000"/>
+              </a:lnSpc>
+              <a:buFont typeface="Arial" panose="020B0604020202020204" pitchFamily="34" charset="0"/>
+              <a:buChar char="•"/>
+            </a:pPr>
+            <a:endParaRPr lang="en-IN" altLang="en-US" sz="2800" b="1">
+              <a:solidFill>
+                <a:schemeClr val="bg1"/>
+              </a:solidFill>
+            </a:endParaRPr>
+          </a:p>
+          <a:p>
+            <a:pPr marL="342900" indent="-342900" algn="l">
+              <a:buFont typeface="Arial" panose="020B0604020202020204" pitchFamily="34" charset="0"/>
+              <a:buChar char="•"/>
+            </a:pPr>
+            <a:endParaRPr lang="en-IN" altLang="en-US" sz="2800" b="1">
+              <a:solidFill>
+                <a:schemeClr val="bg1"/>
+              </a:solidFill>
+            </a:endParaRPr>
+          </a:p>
+        </p:txBody>
+      </p:sp>
+    </p:spTree>
+  </p:cSld>
+  <p:clrMapOvr>
+    <a:masterClrMapping/>
+  </p:clrMapOvr>
+</p:sld>
+</file>
+
 <file path=ppt/theme/theme1.xml><?xml version="1.0" encoding="utf-8"?>
 <a:theme xmlns:a="http://schemas.openxmlformats.org/drawingml/2006/main" name="Office Theme">
   <a:themeElements>

--- a/GitHub.pptx
+++ b/GitHub.pptx
@@ -14,6 +14,7 @@
     <p:sldId id="266" r:id="rId9"/>
     <p:sldId id="267" r:id="rId10"/>
     <p:sldId id="268" r:id="rId11"/>
+    <p:sldId id="269" r:id="rId12"/>
   </p:sldIdLst>
   <p:sldSz cx="12192000" cy="6858000"/>
   <p:notesSz cx="6858000" cy="9144000"/>
@@ -3112,6 +3113,509 @@
 </p:sld>
 </file>
 
+<file path=ppt/slides/slide10.xml><?xml version="1.0" encoding="utf-8"?>
+<p:sld xmlns:a="http://schemas.openxmlformats.org/drawingml/2006/main" xmlns:r="http://schemas.openxmlformats.org/officeDocument/2006/relationships" xmlns:p="http://schemas.openxmlformats.org/presentationml/2006/main">
+  <p:cSld>
+    <p:spTree>
+      <p:nvGrpSpPr>
+        <p:cNvPr id="1" name=""/>
+        <p:cNvGrpSpPr/>
+        <p:nvPr/>
+      </p:nvGrpSpPr>
+      <p:grpSpPr/>
+      <p:sp>
+        <p:nvSpPr>
+          <p:cNvPr id="6" name="Title 5"/>
+          <p:cNvSpPr>
+            <a:spLocks noGrp="1"/>
+          </p:cNvSpPr>
+          <p:nvPr>
+            <p:ph type="ctrTitle"/>
+          </p:nvPr>
+        </p:nvSpPr>
+        <p:spPr/>
+        <p:txBody>
+          <a:bodyPr/>
+          <a:p>
+            <a:endParaRPr lang="en-US"/>
+          </a:p>
+        </p:txBody>
+      </p:sp>
+      <p:sp>
+        <p:nvSpPr>
+          <p:cNvPr id="7" name="Subtitle 6"/>
+          <p:cNvSpPr>
+            <a:spLocks noGrp="1"/>
+          </p:cNvSpPr>
+          <p:nvPr>
+            <p:ph type="subTitle" idx="1"/>
+          </p:nvPr>
+        </p:nvSpPr>
+        <p:spPr>
+          <a:xfrm>
+            <a:off x="904240" y="2025650"/>
+            <a:ext cx="10546080" cy="4487545"/>
+          </a:xfrm>
+          <a:solidFill>
+            <a:schemeClr val="bg2">
+              <a:lumMod val="25000"/>
+            </a:schemeClr>
+          </a:solidFill>
+        </p:spPr>
+        <p:txBody>
+          <a:bodyPr>
+            <a:normAutofit/>
+          </a:bodyPr>
+          <a:p>
+            <a:pPr algn="l">
+              <a:buFont typeface="Arial" panose="020B0604020202020204" pitchFamily="34" charset="0"/>
+            </a:pPr>
+            <a:r>
+              <a:rPr lang="en-IN" altLang="en-US" b="1">
+                <a:solidFill>
+                  <a:schemeClr val="bg1"/>
+                </a:solidFill>
+              </a:rPr>
+              <a:t>					</a:t>
+            </a:r>
+            <a:endParaRPr lang="en-IN" altLang="en-US" sz="2800" b="1">
+              <a:solidFill>
+                <a:schemeClr val="bg1"/>
+              </a:solidFill>
+            </a:endParaRPr>
+          </a:p>
+          <a:p>
+            <a:pPr marL="914400" lvl="1" indent="-457200" algn="l">
+              <a:lnSpc>
+                <a:spcPct val="150000"/>
+              </a:lnSpc>
+              <a:buFont typeface="Arial" panose="020B0604020202020204" pitchFamily="34" charset="0"/>
+              <a:buChar char="•"/>
+            </a:pPr>
+            <a:r>
+              <a:rPr lang="en-US" sz="2800">
+                <a:solidFill>
+                  <a:schemeClr val="bg1"/>
+                </a:solidFill>
+                <a:latin typeface="Calibri" panose="020F0502020204030204" charset="0"/>
+                <a:cs typeface="Calibri" panose="020F0502020204030204" charset="0"/>
+                <a:sym typeface="+mn-ea"/>
+              </a:rPr>
+              <a:t>A Repository is a container which contains all of your project's files and each file's revision history.</a:t>
+            </a:r>
+            <a:endParaRPr lang="en-US" sz="2800">
+              <a:solidFill>
+                <a:schemeClr val="bg1"/>
+              </a:solidFill>
+              <a:latin typeface="Calibri" panose="020F0502020204030204" charset="0"/>
+              <a:cs typeface="Calibri" panose="020F0502020204030204" charset="0"/>
+            </a:endParaRPr>
+          </a:p>
+          <a:p>
+            <a:pPr marL="914400" lvl="1" indent="-457200" algn="l">
+              <a:lnSpc>
+                <a:spcPct val="150000"/>
+              </a:lnSpc>
+              <a:buFont typeface="Arial" panose="020B0604020202020204" pitchFamily="34" charset="0"/>
+              <a:buChar char="•"/>
+            </a:pPr>
+            <a:r>
+              <a:rPr lang="en-US" sz="2800">
+                <a:solidFill>
+                  <a:schemeClr val="bg1"/>
+                </a:solidFill>
+                <a:latin typeface="Calibri" panose="020F0502020204030204" charset="0"/>
+                <a:cs typeface="Calibri" panose="020F0502020204030204" charset="0"/>
+              </a:rPr>
+              <a:t>A Repository is classified into 2 types</a:t>
+            </a:r>
+            <a:endParaRPr lang="en-IN" altLang="en-US" sz="2330">
+              <a:solidFill>
+                <a:schemeClr val="bg1"/>
+              </a:solidFill>
+              <a:latin typeface="Calibri" panose="020F0502020204030204" charset="0"/>
+              <a:cs typeface="Calibri" panose="020F0502020204030204" charset="0"/>
+            </a:endParaRPr>
+          </a:p>
+          <a:p>
+            <a:pPr marL="1371600" lvl="2" indent="-457200" algn="l">
+              <a:lnSpc>
+                <a:spcPct val="150000"/>
+              </a:lnSpc>
+              <a:buFont typeface="Arial" panose="020B0604020202020204" pitchFamily="34" charset="0"/>
+              <a:buAutoNum type="arabicPeriod"/>
+            </a:pPr>
+            <a:r>
+              <a:rPr lang="en-IN" altLang="en-US" sz="2095">
+                <a:solidFill>
+                  <a:schemeClr val="bg1"/>
+                </a:solidFill>
+                <a:latin typeface="Calibri" panose="020F0502020204030204" charset="0"/>
+                <a:cs typeface="Calibri" panose="020F0502020204030204" charset="0"/>
+              </a:rPr>
+              <a:t>Public - A</a:t>
+            </a:r>
+            <a:r>
+              <a:rPr lang="en-IN" altLang="en-US" sz="2095">
+                <a:solidFill>
+                  <a:schemeClr val="bg1"/>
+                </a:solidFill>
+                <a:latin typeface="Calibri" panose="020F0502020204030204" charset="0"/>
+                <a:cs typeface="Calibri" panose="020F0502020204030204" charset="0"/>
+                <a:sym typeface="+mn-ea"/>
+              </a:rPr>
+              <a:t>nybody can access the Repository and it is a free of cost</a:t>
+            </a:r>
+            <a:endParaRPr lang="en-IN" altLang="en-US" sz="2095">
+              <a:solidFill>
+                <a:schemeClr val="bg1"/>
+              </a:solidFill>
+              <a:latin typeface="Calibri" panose="020F0502020204030204" charset="0"/>
+              <a:cs typeface="Calibri" panose="020F0502020204030204" charset="0"/>
+            </a:endParaRPr>
+          </a:p>
+          <a:p>
+            <a:pPr marL="1371600" lvl="2" indent="-457200" algn="l">
+              <a:lnSpc>
+                <a:spcPct val="150000"/>
+              </a:lnSpc>
+              <a:buFont typeface="Arial" panose="020B0604020202020204" pitchFamily="34" charset="0"/>
+              <a:buAutoNum type="arabicPeriod"/>
+            </a:pPr>
+            <a:r>
+              <a:rPr lang="en-IN" altLang="en-US" sz="2095">
+                <a:solidFill>
+                  <a:schemeClr val="bg1"/>
+                </a:solidFill>
+                <a:latin typeface="Calibri" panose="020F0502020204030204" charset="0"/>
+                <a:cs typeface="Calibri" panose="020F0502020204030204" charset="0"/>
+              </a:rPr>
+              <a:t>Private</a:t>
+            </a:r>
+            <a:r>
+              <a:rPr lang="en-IN" altLang="en-US" sz="2095">
+                <a:solidFill>
+                  <a:schemeClr val="bg1"/>
+                </a:solidFill>
+                <a:latin typeface="Calibri" panose="020F0502020204030204" charset="0"/>
+                <a:cs typeface="Calibri" panose="020F0502020204030204" charset="0"/>
+              </a:rPr>
+              <a:t> - R</a:t>
+            </a:r>
+            <a:r>
+              <a:rPr lang="en-IN" altLang="en-US" sz="2095">
+                <a:solidFill>
+                  <a:schemeClr val="bg1"/>
+                </a:solidFill>
+                <a:latin typeface="Calibri" panose="020F0502020204030204" charset="0"/>
+                <a:cs typeface="Calibri" panose="020F0502020204030204" charset="0"/>
+                <a:sym typeface="+mn-ea"/>
+              </a:rPr>
+              <a:t>estricted person only can access the Repository and it is a paid version</a:t>
+            </a:r>
+            <a:endParaRPr lang="en-IN" altLang="en-US" sz="2095">
+              <a:solidFill>
+                <a:schemeClr val="bg1"/>
+              </a:solidFill>
+              <a:latin typeface="Calibri" panose="020F0502020204030204" charset="0"/>
+              <a:cs typeface="Calibri" panose="020F0502020204030204" charset="0"/>
+              <a:sym typeface="+mn-ea"/>
+            </a:endParaRPr>
+          </a:p>
+        </p:txBody>
+      </p:sp>
+      <p:sp>
+        <p:nvSpPr>
+          <p:cNvPr id="3" name="Subtitle 6"/>
+          <p:cNvSpPr>
+            <a:spLocks noGrp="1"/>
+          </p:cNvSpPr>
+          <p:nvPr/>
+        </p:nvSpPr>
+        <p:spPr>
+          <a:xfrm>
+            <a:off x="904240" y="855345"/>
+            <a:ext cx="10545445" cy="1082675"/>
+          </a:xfrm>
+          <a:prstGeom prst="rect">
+            <a:avLst/>
+          </a:prstGeom>
+          <a:solidFill>
+            <a:schemeClr val="bg2">
+              <a:lumMod val="25000"/>
+            </a:schemeClr>
+          </a:solidFill>
+        </p:spPr>
+        <p:txBody>
+          <a:bodyPr vert="horz" lIns="91440" tIns="45720" rIns="91440" bIns="45720" rtlCol="0">
+            <a:normAutofit/>
+          </a:bodyPr>
+          <a:lstStyle>
+            <a:lvl1pPr marL="0" indent="0" algn="ctr" defTabSz="914400" rtl="0" eaLnBrk="1" latinLnBrk="0" hangingPunct="1">
+              <a:lnSpc>
+                <a:spcPct val="90000"/>
+              </a:lnSpc>
+              <a:spcBef>
+                <a:spcPts val="1000"/>
+              </a:spcBef>
+              <a:buFont typeface="Arial" panose="020B0604020202020204" pitchFamily="34" charset="0"/>
+              <a:buNone/>
+              <a:defRPr sz="2400" kern="1200">
+                <a:solidFill>
+                  <a:schemeClr val="tx1"/>
+                </a:solidFill>
+                <a:latin typeface="+mn-lt"/>
+                <a:ea typeface="+mn-ea"/>
+                <a:cs typeface="+mn-cs"/>
+              </a:defRPr>
+            </a:lvl1pPr>
+            <a:lvl2pPr marL="457200" indent="0" algn="ctr" defTabSz="914400" rtl="0" eaLnBrk="1" latinLnBrk="0" hangingPunct="1">
+              <a:lnSpc>
+                <a:spcPct val="90000"/>
+              </a:lnSpc>
+              <a:spcBef>
+                <a:spcPts val="500"/>
+              </a:spcBef>
+              <a:buFont typeface="Arial" panose="020B0604020202020204" pitchFamily="34" charset="0"/>
+              <a:buNone/>
+              <a:defRPr sz="2000" kern="1200">
+                <a:solidFill>
+                  <a:schemeClr val="tx1"/>
+                </a:solidFill>
+                <a:latin typeface="+mn-lt"/>
+                <a:ea typeface="+mn-ea"/>
+                <a:cs typeface="+mn-cs"/>
+              </a:defRPr>
+            </a:lvl2pPr>
+            <a:lvl3pPr marL="914400" indent="0" algn="ctr" defTabSz="914400" rtl="0" eaLnBrk="1" latinLnBrk="0" hangingPunct="1">
+              <a:lnSpc>
+                <a:spcPct val="90000"/>
+              </a:lnSpc>
+              <a:spcBef>
+                <a:spcPts val="500"/>
+              </a:spcBef>
+              <a:buFont typeface="Arial" panose="020B0604020202020204" pitchFamily="34" charset="0"/>
+              <a:buNone/>
+              <a:defRPr sz="1800" kern="1200">
+                <a:solidFill>
+                  <a:schemeClr val="tx1"/>
+                </a:solidFill>
+                <a:latin typeface="+mn-lt"/>
+                <a:ea typeface="+mn-ea"/>
+                <a:cs typeface="+mn-cs"/>
+              </a:defRPr>
+            </a:lvl3pPr>
+            <a:lvl4pPr marL="1371600" indent="0" algn="ctr" defTabSz="914400" rtl="0" eaLnBrk="1" latinLnBrk="0" hangingPunct="1">
+              <a:lnSpc>
+                <a:spcPct val="90000"/>
+              </a:lnSpc>
+              <a:spcBef>
+                <a:spcPts val="500"/>
+              </a:spcBef>
+              <a:buFont typeface="Arial" panose="020B0604020202020204" pitchFamily="34" charset="0"/>
+              <a:buNone/>
+              <a:defRPr sz="1600" kern="1200">
+                <a:solidFill>
+                  <a:schemeClr val="tx1"/>
+                </a:solidFill>
+                <a:latin typeface="+mn-lt"/>
+                <a:ea typeface="+mn-ea"/>
+                <a:cs typeface="+mn-cs"/>
+              </a:defRPr>
+            </a:lvl4pPr>
+            <a:lvl5pPr marL="1828800" indent="0" algn="ctr" defTabSz="914400" rtl="0" eaLnBrk="1" latinLnBrk="0" hangingPunct="1">
+              <a:lnSpc>
+                <a:spcPct val="90000"/>
+              </a:lnSpc>
+              <a:spcBef>
+                <a:spcPts val="500"/>
+              </a:spcBef>
+              <a:buFont typeface="Arial" panose="020B0604020202020204" pitchFamily="34" charset="0"/>
+              <a:buNone/>
+              <a:defRPr sz="1600" kern="1200">
+                <a:solidFill>
+                  <a:schemeClr val="tx1"/>
+                </a:solidFill>
+                <a:latin typeface="+mn-lt"/>
+                <a:ea typeface="+mn-ea"/>
+                <a:cs typeface="+mn-cs"/>
+              </a:defRPr>
+            </a:lvl5pPr>
+            <a:lvl6pPr marL="2286000" indent="0" algn="ctr" defTabSz="914400" rtl="0" eaLnBrk="1" latinLnBrk="0" hangingPunct="1">
+              <a:lnSpc>
+                <a:spcPct val="90000"/>
+              </a:lnSpc>
+              <a:spcBef>
+                <a:spcPts val="500"/>
+              </a:spcBef>
+              <a:buFont typeface="Arial" panose="020B0604020202020204" pitchFamily="34" charset="0"/>
+              <a:buNone/>
+              <a:defRPr sz="1600" kern="1200">
+                <a:solidFill>
+                  <a:schemeClr val="tx1"/>
+                </a:solidFill>
+                <a:latin typeface="+mn-lt"/>
+                <a:ea typeface="+mn-ea"/>
+                <a:cs typeface="+mn-cs"/>
+              </a:defRPr>
+            </a:lvl6pPr>
+            <a:lvl7pPr marL="2743200" indent="0" algn="ctr" defTabSz="914400" rtl="0" eaLnBrk="1" latinLnBrk="0" hangingPunct="1">
+              <a:lnSpc>
+                <a:spcPct val="90000"/>
+              </a:lnSpc>
+              <a:spcBef>
+                <a:spcPts val="500"/>
+              </a:spcBef>
+              <a:buFont typeface="Arial" panose="020B0604020202020204" pitchFamily="34" charset="0"/>
+              <a:buNone/>
+              <a:defRPr sz="1600" kern="1200">
+                <a:solidFill>
+                  <a:schemeClr val="tx1"/>
+                </a:solidFill>
+                <a:latin typeface="+mn-lt"/>
+                <a:ea typeface="+mn-ea"/>
+                <a:cs typeface="+mn-cs"/>
+              </a:defRPr>
+            </a:lvl7pPr>
+            <a:lvl8pPr marL="3200400" indent="0" algn="ctr" defTabSz="914400" rtl="0" eaLnBrk="1" latinLnBrk="0" hangingPunct="1">
+              <a:lnSpc>
+                <a:spcPct val="90000"/>
+              </a:lnSpc>
+              <a:spcBef>
+                <a:spcPts val="500"/>
+              </a:spcBef>
+              <a:buFont typeface="Arial" panose="020B0604020202020204" pitchFamily="34" charset="0"/>
+              <a:buNone/>
+              <a:defRPr sz="1600" kern="1200">
+                <a:solidFill>
+                  <a:schemeClr val="tx1"/>
+                </a:solidFill>
+                <a:latin typeface="+mn-lt"/>
+                <a:ea typeface="+mn-ea"/>
+                <a:cs typeface="+mn-cs"/>
+              </a:defRPr>
+            </a:lvl8pPr>
+            <a:lvl9pPr marL="3657600" indent="0" algn="ctr" defTabSz="914400" rtl="0" eaLnBrk="1" latinLnBrk="0" hangingPunct="1">
+              <a:lnSpc>
+                <a:spcPct val="90000"/>
+              </a:lnSpc>
+              <a:spcBef>
+                <a:spcPts val="500"/>
+              </a:spcBef>
+              <a:buFont typeface="Arial" panose="020B0604020202020204" pitchFamily="34" charset="0"/>
+              <a:buNone/>
+              <a:defRPr sz="1600" kern="1200">
+                <a:solidFill>
+                  <a:schemeClr val="tx1"/>
+                </a:solidFill>
+                <a:latin typeface="+mn-lt"/>
+                <a:ea typeface="+mn-ea"/>
+                <a:cs typeface="+mn-cs"/>
+              </a:defRPr>
+            </a:lvl9pPr>
+          </a:lstStyle>
+          <a:p>
+            <a:pPr algn="l">
+              <a:buFont typeface="Arial" panose="020B0604020202020204" pitchFamily="34" charset="0"/>
+            </a:pPr>
+            <a:r>
+              <a:rPr lang="en-IN" altLang="en-US" sz="2095">
+                <a:solidFill>
+                  <a:schemeClr val="bg1"/>
+                </a:solidFill>
+                <a:latin typeface="Times New Roman" panose="02020603050405020304" charset="0"/>
+                <a:cs typeface="Times New Roman" panose="02020603050405020304" charset="0"/>
+                <a:sym typeface="+mn-ea"/>
+              </a:rPr>
+              <a:t>	</a:t>
+            </a:r>
+            <a:endParaRPr lang="en-IN" altLang="en-US" sz="2095">
+              <a:solidFill>
+                <a:schemeClr val="bg1"/>
+              </a:solidFill>
+              <a:latin typeface="Times New Roman" panose="02020603050405020304" charset="0"/>
+              <a:cs typeface="Times New Roman" panose="02020603050405020304" charset="0"/>
+              <a:sym typeface="+mn-ea"/>
+            </a:endParaRPr>
+          </a:p>
+          <a:p>
+            <a:pPr algn="l">
+              <a:buFont typeface="Arial" panose="020B0604020202020204" pitchFamily="34" charset="0"/>
+            </a:pPr>
+            <a:r>
+              <a:rPr lang="en-IN" altLang="en-US" sz="2095">
+                <a:solidFill>
+                  <a:schemeClr val="bg1"/>
+                </a:solidFill>
+                <a:latin typeface="Times New Roman" panose="02020603050405020304" charset="0"/>
+                <a:cs typeface="Times New Roman" panose="02020603050405020304" charset="0"/>
+                <a:sym typeface="+mn-ea"/>
+              </a:rPr>
+              <a:t>				      </a:t>
+            </a:r>
+            <a:r>
+              <a:rPr lang="en-IN" altLang="en-US">
+                <a:ln w="22225">
+                  <a:solidFill>
+                    <a:schemeClr val="accent2"/>
+                  </a:solidFill>
+                  <a:prstDash val="solid"/>
+                </a:ln>
+                <a:solidFill>
+                  <a:schemeClr val="accent2">
+                    <a:lumMod val="40000"/>
+                    <a:lumOff val="60000"/>
+                  </a:schemeClr>
+                </a:solidFill>
+                <a:effectLst/>
+                <a:latin typeface="Times New Roman" panose="02020603050405020304" charset="0"/>
+                <a:cs typeface="Times New Roman" panose="02020603050405020304" charset="0"/>
+                <a:sym typeface="+mn-ea"/>
+              </a:rPr>
+              <a:t> </a:t>
+            </a:r>
+            <a:r>
+              <a:rPr lang="en-IN" altLang="en-US" sz="3600" b="1">
+                <a:solidFill>
+                  <a:schemeClr val="accent1"/>
+                </a:solidFill>
+                <a:effectLst>
+                  <a:outerShdw blurRad="38100" dist="25400" dir="5400000" algn="ctr" rotWithShape="0">
+                    <a:srgbClr val="6E747A">
+                      <a:alpha val="43000"/>
+                    </a:srgbClr>
+                  </a:outerShdw>
+                </a:effectLst>
+                <a:cs typeface="+mn-lt"/>
+                <a:sym typeface="+mn-ea"/>
+              </a:rPr>
+              <a:t>REPOSITORY</a:t>
+            </a:r>
+            <a:endParaRPr lang="en-IN" altLang="en-US" sz="3600" b="1">
+              <a:solidFill>
+                <a:schemeClr val="accent1"/>
+              </a:solidFill>
+              <a:effectLst>
+                <a:outerShdw blurRad="38100" dist="25400" dir="5400000" algn="ctr" rotWithShape="0">
+                  <a:srgbClr val="6E747A">
+                    <a:alpha val="43000"/>
+                  </a:srgbClr>
+                </a:outerShdw>
+              </a:effectLst>
+              <a:cs typeface="+mn-lt"/>
+              <a:sym typeface="+mn-ea"/>
+            </a:endParaRPr>
+          </a:p>
+        </p:txBody>
+      </p:sp>
+    </p:spTree>
+  </p:cSld>
+  <p:clrMapOvr>
+    <a:masterClrMapping/>
+  </p:clrMapOvr>
+</p:sld>
+</file>
+
 <file path=ppt/slides/slide2.xml><?xml version="1.0" encoding="utf-8"?>
 <p:sld xmlns:a="http://schemas.openxmlformats.org/drawingml/2006/main" xmlns:r="http://schemas.openxmlformats.org/officeDocument/2006/relationships" xmlns:p="http://schemas.openxmlformats.org/presentationml/2006/main">
   <p:cSld>

--- a/GitHub.pptx
+++ b/GitHub.pptx
@@ -7,14 +7,14 @@
   <p:sldIdLst>
     <p:sldId id="260" r:id="rId3"/>
     <p:sldId id="261" r:id="rId4"/>
-    <p:sldId id="262" r:id="rId5"/>
-    <p:sldId id="263" r:id="rId6"/>
-    <p:sldId id="264" r:id="rId7"/>
-    <p:sldId id="265" r:id="rId8"/>
-    <p:sldId id="266" r:id="rId9"/>
-    <p:sldId id="267" r:id="rId10"/>
-    <p:sldId id="268" r:id="rId11"/>
-    <p:sldId id="269" r:id="rId12"/>
+    <p:sldId id="267" r:id="rId5"/>
+    <p:sldId id="272" r:id="rId6"/>
+    <p:sldId id="257" r:id="rId7"/>
+    <p:sldId id="277" r:id="rId8"/>
+    <p:sldId id="259" r:id="rId9"/>
+    <p:sldId id="264" r:id="rId10"/>
+    <p:sldId id="266" r:id="rId11"/>
+    <p:sldId id="281" r:id="rId12"/>
   </p:sldIdLst>
   <p:sldSz cx="12192000" cy="6858000"/>
   <p:notesSz cx="6858000" cy="9144000"/>
@@ -3586,10 +3586,11 @@
                     </a:srgbClr>
                   </a:outerShdw>
                 </a:effectLst>
-                <a:cs typeface="+mn-lt"/>
+                <a:latin typeface="Times New Roman" panose="02020603050405020304" charset="0"/>
+                <a:cs typeface="Times New Roman" panose="02020603050405020304" charset="0"/>
                 <a:sym typeface="+mn-ea"/>
               </a:rPr>
-              <a:t>REPOSITORY</a:t>
+              <a:t>Repository</a:t>
             </a:r>
             <a:endParaRPr lang="en-IN" altLang="en-US" sz="3600" b="1">
               <a:solidFill>
@@ -3602,7 +3603,8 @@
                   </a:srgbClr>
                 </a:outerShdw>
               </a:effectLst>
-              <a:cs typeface="+mn-lt"/>
+              <a:latin typeface="Times New Roman" panose="02020603050405020304" charset="0"/>
+              <a:cs typeface="Times New Roman" panose="02020603050405020304" charset="0"/>
               <a:sym typeface="+mn-ea"/>
             </a:endParaRPr>
           </a:p>
@@ -3697,29 +3699,34 @@
                   <a:schemeClr val="bg1"/>
                 </a:solidFill>
               </a:rPr>
-              <a:t>				              </a:t>
+              <a:t>				             </a:t>
+            </a:r>
+            <a:r>
+              <a:rPr lang="en-IN" altLang="en-US" b="1" u="sng">
+                <a:solidFill>
+                  <a:schemeClr val="bg1"/>
+                </a:solidFill>
+              </a:rPr>
+              <a:t> </a:t>
             </a:r>
             <a:r>
               <a:rPr lang="en-IN" altLang="en-US" sz="3600" b="1" u="sng">
                 <a:solidFill>
-                  <a:schemeClr val="bg1"/>
-                </a:solidFill>
+                  <a:schemeClr val="accent1"/>
+                </a:solidFill>
+                <a:effectLst>
+                  <a:outerShdw blurRad="38100" dist="25400" dir="5400000" algn="ctr" rotWithShape="0">
+                    <a:srgbClr val="6E747A">
+                      <a:alpha val="43000"/>
+                    </a:srgbClr>
+                  </a:outerShdw>
+                </a:effectLst>
+                <a:latin typeface="Times New Roman" panose="02020603050405020304" charset="0"/>
+                <a:cs typeface="Times New Roman" panose="02020603050405020304" charset="0"/>
+                <a:sym typeface="+mn-ea"/>
               </a:rPr>
               <a:t>TOPIC</a:t>
             </a:r>
-            <a:endParaRPr lang="en-IN" altLang="en-US" b="1" u="sng">
-              <a:solidFill>
-                <a:schemeClr val="bg1"/>
-              </a:solidFill>
-            </a:endParaRPr>
-          </a:p>
-          <a:p>
-            <a:pPr algn="l">
-              <a:lnSpc>
-                <a:spcPct val="150000"/>
-              </a:lnSpc>
-              <a:buFont typeface="Arial" panose="020B0604020202020204" pitchFamily="34" charset="0"/>
-            </a:pPr>
             <a:endParaRPr lang="en-IN" altLang="en-US" sz="2800" b="1">
               <a:solidFill>
                 <a:schemeClr val="bg1"/>
@@ -3818,8 +3825,8 @@
         </p:nvSpPr>
         <p:spPr>
           <a:xfrm>
-            <a:off x="836930" y="655955"/>
-            <a:ext cx="10546080" cy="5687060"/>
+            <a:off x="836930" y="1851660"/>
+            <a:ext cx="10546080" cy="4491355"/>
           </a:xfrm>
           <a:solidFill>
             <a:schemeClr val="bg2">
@@ -3859,114 +3866,159 @@
                   <a:schemeClr val="bg1"/>
                 </a:solidFill>
               </a:rPr>
-              <a:t>				          </a:t>
-            </a:r>
-            <a:r>
-              <a:rPr lang="en-IN" altLang="en-US" sz="3600" b="1" u="sng">
-                <a:solidFill>
-                  <a:schemeClr val="bg1"/>
-                </a:solidFill>
+              <a:t>				         </a:t>
+            </a:r>
+            <a:endParaRPr lang="en-IN" altLang="en-US" sz="2800" b="1">
+              <a:solidFill>
+                <a:schemeClr val="bg1"/>
+              </a:solidFill>
+            </a:endParaRPr>
+          </a:p>
+          <a:p>
+            <a:pPr algn="l">
+              <a:lnSpc>
+                <a:spcPct val="150000"/>
+              </a:lnSpc>
+              <a:buFont typeface="Arial" panose="020B0604020202020204" pitchFamily="34" charset="0"/>
+            </a:pPr>
+            <a:r>
+              <a:rPr lang="en-IN" altLang="en-US" sz="2800" b="1">
+                <a:solidFill>
+                  <a:schemeClr val="bg1"/>
+                </a:solidFill>
+              </a:rPr>
+              <a:t>	1.  Regular faced problems regarding file management</a:t>
+            </a:r>
+            <a:endParaRPr lang="en-IN" altLang="en-US" sz="2800" b="1">
+              <a:solidFill>
+                <a:schemeClr val="bg1"/>
+              </a:solidFill>
+            </a:endParaRPr>
+          </a:p>
+          <a:p>
+            <a:pPr algn="l">
+              <a:lnSpc>
+                <a:spcPct val="150000"/>
+              </a:lnSpc>
+              <a:buFont typeface="Arial" panose="020B0604020202020204" pitchFamily="34" charset="0"/>
+            </a:pPr>
+            <a:r>
+              <a:rPr lang="en-IN" altLang="en-US" sz="2800" b="1">
+                <a:solidFill>
+                  <a:schemeClr val="bg1"/>
+                </a:solidFill>
+              </a:rPr>
+              <a:t>	2.  GitHub - Introduction, Features, Terminologies</a:t>
+            </a:r>
+            <a:endParaRPr lang="en-IN" altLang="en-US" sz="2800" b="1">
+              <a:solidFill>
+                <a:schemeClr val="bg1"/>
+              </a:solidFill>
+            </a:endParaRPr>
+          </a:p>
+          <a:p>
+            <a:pPr algn="l">
+              <a:lnSpc>
+                <a:spcPct val="150000"/>
+              </a:lnSpc>
+              <a:buFont typeface="Arial" panose="020B0604020202020204" pitchFamily="34" charset="0"/>
+            </a:pPr>
+            <a:r>
+              <a:rPr lang="en-IN" altLang="en-US" sz="2800" b="1">
+                <a:solidFill>
+                  <a:schemeClr val="bg1"/>
+                </a:solidFill>
+              </a:rPr>
+              <a:t>	3.  Every process in the Github</a:t>
+            </a:r>
+            <a:endParaRPr lang="en-IN" altLang="en-US" sz="2800" b="1">
+              <a:solidFill>
+                <a:schemeClr val="bg1"/>
+              </a:solidFill>
+            </a:endParaRPr>
+          </a:p>
+          <a:p>
+            <a:pPr algn="l">
+              <a:lnSpc>
+                <a:spcPct val="150000"/>
+              </a:lnSpc>
+              <a:buFont typeface="Arial" panose="020B0604020202020204" pitchFamily="34" charset="0"/>
+            </a:pPr>
+            <a:r>
+              <a:rPr lang="en-IN" altLang="en-US" sz="2800" b="1">
+                <a:solidFill>
+                  <a:schemeClr val="bg1"/>
+                </a:solidFill>
+              </a:rPr>
+              <a:t>	4.  Real time Examples				</a:t>
+            </a:r>
+            <a:endParaRPr lang="en-IN" altLang="en-US" sz="3600" b="1">
+              <a:solidFill>
+                <a:schemeClr val="bg1"/>
+              </a:solidFill>
+            </a:endParaRPr>
+          </a:p>
+        </p:txBody>
+      </p:sp>
+      <p:sp>
+        <p:nvSpPr>
+          <p:cNvPr id="4" name="Rectangles 3"/>
+          <p:cNvSpPr/>
+          <p:nvPr/>
+        </p:nvSpPr>
+        <p:spPr>
+          <a:xfrm>
+            <a:off x="837565" y="581025"/>
+            <a:ext cx="10545445" cy="1055370"/>
+          </a:xfrm>
+          <a:prstGeom prst="rect">
+            <a:avLst/>
+          </a:prstGeom>
+          <a:solidFill>
+            <a:schemeClr val="bg2">
+              <a:lumMod val="25000"/>
+            </a:schemeClr>
+          </a:solidFill>
+        </p:spPr>
+        <p:style>
+          <a:lnRef idx="2">
+            <a:schemeClr val="dk1">
+              <a:shade val="50000"/>
+            </a:schemeClr>
+          </a:lnRef>
+          <a:fillRef idx="1">
+            <a:schemeClr val="dk1"/>
+          </a:fillRef>
+          <a:effectRef idx="0">
+            <a:schemeClr val="dk1"/>
+          </a:effectRef>
+          <a:fontRef idx="minor">
+            <a:schemeClr val="lt1"/>
+          </a:fontRef>
+        </p:style>
+        <p:txBody>
+          <a:bodyPr rtlCol="0" anchor="ctr"/>
+          <a:p>
+            <a:pPr algn="ctr"/>
+            <a:r>
+              <a:rPr lang="en-IN" altLang="en-US" sz="4000" b="1">
+                <a:solidFill>
+                  <a:schemeClr val="accent1"/>
+                </a:solidFill>
+                <a:effectLst>
+                  <a:outerShdw blurRad="38100" dist="25400" dir="5400000" algn="ctr" rotWithShape="0">
+                    <a:srgbClr val="6E747A">
+                      <a:alpha val="43000"/>
+                    </a:srgbClr>
+                  </a:outerShdw>
+                </a:effectLst>
+                <a:latin typeface="Times New Roman" panose="02020603050405020304" charset="0"/>
+                <a:cs typeface="Times New Roman" panose="02020603050405020304" charset="0"/>
+                <a:sym typeface="+mn-ea"/>
               </a:rPr>
               <a:t>AGENDA</a:t>
             </a:r>
-            <a:endParaRPr lang="en-IN" altLang="en-US" b="1" u="sng">
-              <a:solidFill>
-                <a:schemeClr val="bg1"/>
-              </a:solidFill>
-            </a:endParaRPr>
-          </a:p>
-          <a:p>
-            <a:pPr algn="l">
-              <a:lnSpc>
-                <a:spcPct val="150000"/>
-              </a:lnSpc>
-              <a:buFont typeface="Arial" panose="020B0604020202020204" pitchFamily="34" charset="0"/>
-            </a:pPr>
-            <a:endParaRPr lang="en-IN" altLang="en-US" sz="2800" b="1">
-              <a:solidFill>
-                <a:schemeClr val="bg1"/>
-              </a:solidFill>
-            </a:endParaRPr>
-          </a:p>
-          <a:p>
-            <a:pPr algn="l">
-              <a:lnSpc>
-                <a:spcPct val="150000"/>
-              </a:lnSpc>
-              <a:buFont typeface="Arial" panose="020B0604020202020204" pitchFamily="34" charset="0"/>
-            </a:pPr>
-            <a:r>
-              <a:rPr lang="en-IN" altLang="en-US" sz="2800" b="1">
-                <a:solidFill>
-                  <a:schemeClr val="bg1"/>
-                </a:solidFill>
-              </a:rPr>
-              <a:t>	1.  Regular faced problems regarding file management</a:t>
-            </a:r>
-            <a:endParaRPr lang="en-IN" altLang="en-US" sz="2800" b="1">
-              <a:solidFill>
-                <a:schemeClr val="bg1"/>
-              </a:solidFill>
-            </a:endParaRPr>
-          </a:p>
-          <a:p>
-            <a:pPr algn="l">
-              <a:lnSpc>
-                <a:spcPct val="150000"/>
-              </a:lnSpc>
-              <a:buFont typeface="Arial" panose="020B0604020202020204" pitchFamily="34" charset="0"/>
-            </a:pPr>
-            <a:r>
-              <a:rPr lang="en-IN" altLang="en-US" sz="2800" b="1">
-                <a:solidFill>
-                  <a:schemeClr val="bg1"/>
-                </a:solidFill>
-              </a:rPr>
-              <a:t>	2.  GitHub - Introduction, Features, Terminologies</a:t>
-            </a:r>
-            <a:endParaRPr lang="en-IN" altLang="en-US" sz="2800" b="1">
-              <a:solidFill>
-                <a:schemeClr val="bg1"/>
-              </a:solidFill>
-            </a:endParaRPr>
-          </a:p>
-          <a:p>
-            <a:pPr algn="l">
-              <a:lnSpc>
-                <a:spcPct val="150000"/>
-              </a:lnSpc>
-              <a:buFont typeface="Arial" panose="020B0604020202020204" pitchFamily="34" charset="0"/>
-            </a:pPr>
-            <a:r>
-              <a:rPr lang="en-IN" altLang="en-US" sz="2800" b="1">
-                <a:solidFill>
-                  <a:schemeClr val="bg1"/>
-                </a:solidFill>
-              </a:rPr>
-              <a:t>	3.  Every process in the Github</a:t>
-            </a:r>
-            <a:endParaRPr lang="en-IN" altLang="en-US" sz="2800" b="1">
-              <a:solidFill>
-                <a:schemeClr val="bg1"/>
-              </a:solidFill>
-            </a:endParaRPr>
-          </a:p>
-          <a:p>
-            <a:pPr algn="l">
-              <a:lnSpc>
-                <a:spcPct val="150000"/>
-              </a:lnSpc>
-              <a:buFont typeface="Arial" panose="020B0604020202020204" pitchFamily="34" charset="0"/>
-            </a:pPr>
-            <a:r>
-              <a:rPr lang="en-IN" altLang="en-US" sz="2800" b="1">
-                <a:solidFill>
-                  <a:schemeClr val="bg1"/>
-                </a:solidFill>
-              </a:rPr>
-              <a:t>	4.  Real time Examples				</a:t>
-            </a:r>
-            <a:endParaRPr lang="en-IN" altLang="en-US" sz="3600" b="1">
+            <a:endParaRPr lang="en-IN" altLang="en-US" sz="4000" b="1" u="sng">
               <a:solidFill>
                 <a:schemeClr val="bg1"/>
               </a:solidFill>
@@ -4022,8 +4074,8 @@
         </p:nvSpPr>
         <p:spPr>
           <a:xfrm>
-            <a:off x="836930" y="655955"/>
-            <a:ext cx="10546080" cy="5687060"/>
+            <a:off x="836930" y="1723390"/>
+            <a:ext cx="10546080" cy="4619625"/>
           </a:xfrm>
           <a:solidFill>
             <a:schemeClr val="bg2">
@@ -4033,7 +4085,7 @@
         </p:spPr>
         <p:txBody>
           <a:bodyPr>
-            <a:normAutofit lnSpcReduction="10000"/>
+            <a:normAutofit lnSpcReduction="20000"/>
           </a:bodyPr>
           <a:p>
             <a:pPr algn="l">
@@ -4057,15 +4109,7 @@
             <a:pPr algn="ctr">
               <a:buFont typeface="Arial" panose="020B0604020202020204" pitchFamily="34" charset="0"/>
             </a:pPr>
-            <a:r>
-              <a:rPr lang="en-IN" altLang="en-US" sz="3600" b="1" u="sng">
-                <a:solidFill>
-                  <a:schemeClr val="bg1"/>
-                </a:solidFill>
-              </a:rPr>
-              <a:t>Regular Problems and it’s solution</a:t>
-            </a:r>
-            <a:endParaRPr lang="en-IN" altLang="en-US" b="1" u="sng">
+            <a:endParaRPr lang="en-IN" altLang="en-US" sz="2800" b="1">
               <a:solidFill>
                 <a:schemeClr val="bg1"/>
               </a:solidFill>
@@ -4078,6 +4122,14 @@
               </a:lnSpc>
               <a:buFont typeface="Arial" panose="020B0604020202020204" pitchFamily="34" charset="0"/>
             </a:pPr>
+            <a:r>
+              <a:rPr lang="en-IN" altLang="en-US" sz="2800" b="1">
+                <a:solidFill>
+                  <a:schemeClr val="bg1"/>
+                </a:solidFill>
+              </a:rPr>
+              <a:t>	1.  Recovering the deleted documents and damaged system.</a:t>
+            </a:r>
             <a:endParaRPr lang="en-IN" altLang="en-US" sz="2800" b="1">
               <a:solidFill>
                 <a:schemeClr val="bg1"/>
@@ -4097,7 +4149,7 @@
                   <a:schemeClr val="bg1"/>
                 </a:solidFill>
               </a:rPr>
-              <a:t>	1.  Recovering the deleted documents and damaged system.</a:t>
+              <a:t>	2.  Recovering the document with old content.</a:t>
             </a:r>
             <a:endParaRPr lang="en-IN" altLang="en-US" sz="2800" b="1">
               <a:solidFill>
@@ -4118,7 +4170,7 @@
                   <a:schemeClr val="bg1"/>
                 </a:solidFill>
               </a:rPr>
-              <a:t>	2.  Recovering the document with old content.</a:t>
+              <a:t>	3.  Unknown details of the users who made the changes.</a:t>
             </a:r>
             <a:endParaRPr lang="en-IN" altLang="en-US" sz="2800" b="1">
               <a:solidFill>
@@ -4139,7 +4191,7 @@
                   <a:schemeClr val="bg1"/>
                 </a:solidFill>
               </a:rPr>
-              <a:t>	3.  Unknown details of the users who made the changes.</a:t>
+              <a:t> 	4.  Unknown details of time details to the changes in the file.</a:t>
             </a:r>
             <a:endParaRPr lang="en-IN" altLang="en-US" sz="2800" b="1">
               <a:solidFill>
@@ -4160,30 +4212,75 @@
                   <a:schemeClr val="bg1"/>
                 </a:solidFill>
               </a:rPr>
-              <a:t> 	4.  Unknown details of time details to the changes in the file.</a:t>
-            </a:r>
-            <a:endParaRPr lang="en-IN" altLang="en-US" sz="2800" b="1">
-              <a:solidFill>
-                <a:schemeClr val="bg1"/>
-              </a:solidFill>
-            </a:endParaRPr>
-          </a:p>
-          <a:p>
-            <a:pPr algn="l">
-              <a:lnSpc>
-                <a:spcPct val="150000"/>
-              </a:lnSpc>
-              <a:buFont typeface="Arial" panose="020B0604020202020204" pitchFamily="34" charset="0"/>
-            </a:pPr>
-            <a:r>
-              <a:rPr lang="en-IN" altLang="en-US" sz="2800" b="1">
-                <a:solidFill>
-                  <a:schemeClr val="bg1"/>
-                </a:solidFill>
-              </a:rPr>
               <a:t>			</a:t>
             </a:r>
             <a:endParaRPr lang="en-IN" altLang="en-US" sz="3600" b="1">
+              <a:solidFill>
+                <a:schemeClr val="bg1"/>
+              </a:solidFill>
+            </a:endParaRPr>
+          </a:p>
+        </p:txBody>
+      </p:sp>
+      <p:sp>
+        <p:nvSpPr>
+          <p:cNvPr id="4" name="Rectangles 3"/>
+          <p:cNvSpPr/>
+          <p:nvPr/>
+        </p:nvSpPr>
+        <p:spPr>
+          <a:xfrm>
+            <a:off x="837565" y="581025"/>
+            <a:ext cx="10545445" cy="1055370"/>
+          </a:xfrm>
+          <a:prstGeom prst="rect">
+            <a:avLst/>
+          </a:prstGeom>
+          <a:solidFill>
+            <a:schemeClr val="bg2">
+              <a:lumMod val="25000"/>
+            </a:schemeClr>
+          </a:solidFill>
+        </p:spPr>
+        <p:style>
+          <a:lnRef idx="2">
+            <a:schemeClr val="dk1">
+              <a:shade val="50000"/>
+            </a:schemeClr>
+          </a:lnRef>
+          <a:fillRef idx="1">
+            <a:schemeClr val="dk1"/>
+          </a:fillRef>
+          <a:effectRef idx="0">
+            <a:schemeClr val="dk1"/>
+          </a:effectRef>
+          <a:fontRef idx="minor">
+            <a:schemeClr val="lt1"/>
+          </a:fontRef>
+        </p:style>
+        <p:txBody>
+          <a:bodyPr rtlCol="0" anchor="ctr"/>
+          <a:p>
+            <a:pPr algn="ctr"/>
+            <a:r>
+              <a:rPr lang="en-IN" altLang="en-US" sz="4000" b="1">
+                <a:solidFill>
+                  <a:schemeClr val="accent1"/>
+                </a:solidFill>
+                <a:effectLst>
+                  <a:outerShdw blurRad="38100" dist="25400" dir="5400000" algn="ctr" rotWithShape="0">
+                    <a:srgbClr val="6E747A">
+                      <a:alpha val="43000"/>
+                    </a:srgbClr>
+                  </a:outerShdw>
+                </a:effectLst>
+                <a:latin typeface="Times New Roman" panose="02020603050405020304" charset="0"/>
+                <a:cs typeface="Times New Roman" panose="02020603050405020304" charset="0"/>
+                <a:sym typeface="+mn-ea"/>
+              </a:rPr>
+              <a:t>Regular Problems and It’s Solution</a:t>
+            </a:r>
+            <a:endParaRPr lang="en-IN" altLang="en-US" sz="4000" b="1" u="sng">
               <a:solidFill>
                 <a:schemeClr val="bg1"/>
               </a:solidFill>
@@ -4460,10 +4557,20 @@
           <a:p>
             <a:pPr algn="ctr"/>
             <a:r>
-              <a:rPr lang="en-IN" altLang="en-US" sz="4000" b="1" u="sng">
-                <a:solidFill>
-                  <a:schemeClr val="bg1"/>
-                </a:solidFill>
+              <a:rPr lang="en-IN" altLang="en-US" sz="4000" b="1">
+                <a:solidFill>
+                  <a:schemeClr val="accent1"/>
+                </a:solidFill>
+                <a:effectLst>
+                  <a:outerShdw blurRad="38100" dist="25400" dir="5400000" algn="ctr" rotWithShape="0">
+                    <a:srgbClr val="6E747A">
+                      <a:alpha val="43000"/>
+                    </a:srgbClr>
+                  </a:outerShdw>
+                </a:effectLst>
+                <a:latin typeface="Times New Roman" panose="02020603050405020304" charset="0"/>
+                <a:cs typeface="Times New Roman" panose="02020603050405020304" charset="0"/>
+                <a:sym typeface="+mn-ea"/>
               </a:rPr>
               <a:t>GitHub</a:t>
             </a:r>
@@ -4742,10 +4849,20 @@
           <a:p>
             <a:pPr algn="ctr"/>
             <a:r>
-              <a:rPr lang="en-IN" altLang="en-US" sz="4000" b="1" u="sng">
-                <a:solidFill>
-                  <a:schemeClr val="bg1"/>
-                </a:solidFill>
+              <a:rPr lang="en-IN" altLang="en-US" sz="4000" b="1">
+                <a:solidFill>
+                  <a:schemeClr val="accent1"/>
+                </a:solidFill>
+                <a:effectLst>
+                  <a:outerShdw blurRad="38100" dist="25400" dir="5400000" algn="ctr" rotWithShape="0">
+                    <a:srgbClr val="6E747A">
+                      <a:alpha val="43000"/>
+                    </a:srgbClr>
+                  </a:outerShdw>
+                </a:effectLst>
+                <a:latin typeface="Times New Roman" panose="02020603050405020304" charset="0"/>
+                <a:cs typeface="Times New Roman" panose="02020603050405020304" charset="0"/>
+                <a:sym typeface="+mn-ea"/>
               </a:rPr>
               <a:t>History Behind Github</a:t>
             </a:r>
@@ -5211,12 +5328,22 @@
           <a:p>
             <a:pPr algn="ctr"/>
             <a:r>
-              <a:rPr lang="en-IN" altLang="en-US" sz="4000" b="1" u="sng">
-                <a:solidFill>
-                  <a:schemeClr val="bg1"/>
-                </a:solidFill>
-              </a:rPr>
-              <a:t>Who can use...?</a:t>
+              <a:rPr lang="en-IN" altLang="en-US" sz="4000" b="1">
+                <a:solidFill>
+                  <a:schemeClr val="accent1"/>
+                </a:solidFill>
+                <a:effectLst>
+                  <a:outerShdw blurRad="38100" dist="25400" dir="5400000" algn="ctr" rotWithShape="0">
+                    <a:srgbClr val="6E747A">
+                      <a:alpha val="43000"/>
+                    </a:srgbClr>
+                  </a:outerShdw>
+                </a:effectLst>
+                <a:latin typeface="Times New Roman" panose="02020603050405020304" charset="0"/>
+                <a:cs typeface="Times New Roman" panose="02020603050405020304" charset="0"/>
+                <a:sym typeface="+mn-ea"/>
+              </a:rPr>
+              <a:t>Who Can Use..?</a:t>
             </a:r>
             <a:endParaRPr lang="en-IN" altLang="en-US" sz="4000" b="1" u="sng">
               <a:solidFill>
@@ -5520,10 +5647,20 @@
           <a:p>
             <a:pPr algn="ctr"/>
             <a:r>
-              <a:rPr lang="en-US" altLang="en-IN" sz="4000" b="1" u="sng">
-                <a:solidFill>
-                  <a:schemeClr val="bg1"/>
-                </a:solidFill>
+              <a:rPr lang="en-IN" altLang="en-US" sz="4000" b="1">
+                <a:solidFill>
+                  <a:schemeClr val="accent1"/>
+                </a:solidFill>
+                <a:effectLst>
+                  <a:outerShdw blurRad="38100" dist="25400" dir="5400000" algn="ctr" rotWithShape="0">
+                    <a:srgbClr val="6E747A">
+                      <a:alpha val="43000"/>
+                    </a:srgbClr>
+                  </a:outerShdw>
+                </a:effectLst>
+                <a:latin typeface="Times New Roman" panose="02020603050405020304" charset="0"/>
+                <a:cs typeface="Times New Roman" panose="02020603050405020304" charset="0"/>
+                <a:sym typeface="+mn-ea"/>
               </a:rPr>
               <a:t>Features</a:t>
             </a:r>
@@ -5583,8 +5720,8 @@
         </p:nvSpPr>
         <p:spPr>
           <a:xfrm>
-            <a:off x="838200" y="1625600"/>
-            <a:ext cx="3439160" cy="4551680"/>
+            <a:off x="838200" y="1992630"/>
+            <a:ext cx="3439160" cy="4550410"/>
           </a:xfrm>
           <a:solidFill>
             <a:schemeClr val="bg2">
@@ -5826,7 +5963,7 @@
         <p:spPr>
           <a:xfrm>
             <a:off x="837565" y="581025"/>
-            <a:ext cx="10545445" cy="894080"/>
+            <a:ext cx="10545445" cy="1244600"/>
           </a:xfrm>
           <a:prstGeom prst="rect">
             <a:avLst/>
@@ -5865,8 +6002,17 @@
             <a:r>
               <a:rPr lang="en-IN" altLang="en-US" sz="4400" b="1">
                 <a:solidFill>
-                  <a:schemeClr val="bg1"/>
-                </a:solidFill>
+                  <a:schemeClr val="accent1"/>
+                </a:solidFill>
+                <a:effectLst>
+                  <a:outerShdw blurRad="38100" dist="25400" dir="5400000" algn="ctr" rotWithShape="0">
+                    <a:srgbClr val="6E747A">
+                      <a:alpha val="43000"/>
+                    </a:srgbClr>
+                  </a:outerShdw>
+                </a:effectLst>
+                <a:latin typeface="Times New Roman" panose="02020603050405020304" charset="0"/>
+                <a:cs typeface="Times New Roman" panose="02020603050405020304" charset="0"/>
                 <a:sym typeface="+mn-ea"/>
               </a:rPr>
               <a:t>Important Terminologies</a:t>
@@ -5905,7 +6051,7 @@
         </p:nvSpPr>
         <p:spPr>
           <a:xfrm>
-            <a:off x="4373880" y="1625600"/>
+            <a:off x="4373880" y="1991995"/>
             <a:ext cx="3366135" cy="4551680"/>
           </a:xfrm>
           <a:prstGeom prst="rect">
@@ -6281,8 +6427,8 @@
         </p:nvSpPr>
         <p:spPr>
           <a:xfrm>
-            <a:off x="7924165" y="1625600"/>
-            <a:ext cx="3429635" cy="4551680"/>
+            <a:off x="7924165" y="1992630"/>
+            <a:ext cx="3429635" cy="4549775"/>
           </a:xfrm>
           <a:prstGeom prst="rect">
             <a:avLst/>

--- a/GitHub.pptx
+++ b/GitHub.pptx
@@ -15,6 +15,7 @@
     <p:sldId id="264" r:id="rId10"/>
     <p:sldId id="266" r:id="rId11"/>
     <p:sldId id="281" r:id="rId12"/>
+    <p:sldId id="283" r:id="rId13"/>
   </p:sldIdLst>
   <p:sldSz cx="12192000" cy="6858000"/>
   <p:notesSz cx="6858000" cy="9144000"/>
@@ -3618,6 +3619,536 @@
 </p:sld>
 </file>
 
+<file path=ppt/slides/slide11.xml><?xml version="1.0" encoding="utf-8"?>
+<p:sld xmlns:a="http://schemas.openxmlformats.org/drawingml/2006/main" xmlns:r="http://schemas.openxmlformats.org/officeDocument/2006/relationships" xmlns:p="http://schemas.openxmlformats.org/presentationml/2006/main">
+  <p:cSld>
+    <p:spTree>
+      <p:nvGrpSpPr>
+        <p:cNvPr id="1" name=""/>
+        <p:cNvGrpSpPr/>
+        <p:nvPr/>
+      </p:nvGrpSpPr>
+      <p:grpSpPr/>
+      <p:sp>
+        <p:nvSpPr>
+          <p:cNvPr id="6" name="Title 5"/>
+          <p:cNvSpPr>
+            <a:spLocks noGrp="1"/>
+          </p:cNvSpPr>
+          <p:nvPr>
+            <p:ph type="ctrTitle"/>
+          </p:nvPr>
+        </p:nvSpPr>
+        <p:spPr/>
+        <p:txBody>
+          <a:bodyPr/>
+          <a:p>
+            <a:endParaRPr lang="en-US"/>
+          </a:p>
+        </p:txBody>
+      </p:sp>
+      <p:sp>
+        <p:nvSpPr>
+          <p:cNvPr id="7" name="Subtitle 6"/>
+          <p:cNvSpPr>
+            <a:spLocks noGrp="1"/>
+          </p:cNvSpPr>
+          <p:nvPr>
+            <p:ph type="subTitle" idx="1"/>
+          </p:nvPr>
+        </p:nvSpPr>
+        <p:spPr>
+          <a:xfrm>
+            <a:off x="904240" y="2025650"/>
+            <a:ext cx="10546080" cy="4487545"/>
+          </a:xfrm>
+          <a:solidFill>
+            <a:schemeClr val="bg2">
+              <a:lumMod val="25000"/>
+            </a:schemeClr>
+          </a:solidFill>
+        </p:spPr>
+        <p:txBody>
+          <a:bodyPr>
+            <a:normAutofit/>
+          </a:bodyPr>
+          <a:p>
+            <a:pPr algn="l">
+              <a:buFont typeface="Arial" panose="020B0604020202020204" pitchFamily="34" charset="0"/>
+            </a:pPr>
+            <a:r>
+              <a:rPr lang="en-IN" altLang="en-US" b="1">
+                <a:solidFill>
+                  <a:schemeClr val="bg1"/>
+                </a:solidFill>
+              </a:rPr>
+              <a:t>					</a:t>
+            </a:r>
+            <a:endParaRPr lang="en-IN" altLang="en-US" sz="2800" b="1">
+              <a:solidFill>
+                <a:schemeClr val="bg1"/>
+              </a:solidFill>
+            </a:endParaRPr>
+          </a:p>
+          <a:p>
+            <a:pPr marL="914400" lvl="1" indent="-457200" algn="l">
+              <a:lnSpc>
+                <a:spcPct val="150000"/>
+              </a:lnSpc>
+              <a:buFont typeface="Arial" panose="020B0604020202020204" pitchFamily="34" charset="0"/>
+              <a:buChar char="•"/>
+            </a:pPr>
+            <a:r>
+              <a:rPr lang="en-IN" altLang="en-US" sz="2800">
+                <a:solidFill>
+                  <a:schemeClr val="bg1"/>
+                </a:solidFill>
+                <a:latin typeface="Calibri" panose="020F0502020204030204" charset="0"/>
+                <a:cs typeface="Calibri" panose="020F0502020204030204" charset="0"/>
+              </a:rPr>
+              <a:t>Email Notifications</a:t>
+            </a:r>
+            <a:endParaRPr lang="en-IN" altLang="en-US" sz="2800">
+              <a:solidFill>
+                <a:schemeClr val="bg1"/>
+              </a:solidFill>
+              <a:latin typeface="Calibri" panose="020F0502020204030204" charset="0"/>
+              <a:cs typeface="Calibri" panose="020F0502020204030204" charset="0"/>
+            </a:endParaRPr>
+          </a:p>
+          <a:p>
+            <a:pPr marL="914400" lvl="1" indent="-457200" algn="l">
+              <a:lnSpc>
+                <a:spcPct val="150000"/>
+              </a:lnSpc>
+              <a:buFont typeface="Arial" panose="020B0604020202020204" pitchFamily="34" charset="0"/>
+              <a:buChar char="•"/>
+            </a:pPr>
+            <a:r>
+              <a:rPr lang="en-IN" altLang="en-US" sz="2800">
+                <a:solidFill>
+                  <a:schemeClr val="bg1"/>
+                </a:solidFill>
+                <a:latin typeface="Calibri" panose="020F0502020204030204" charset="0"/>
+                <a:cs typeface="Calibri" panose="020F0502020204030204" charset="0"/>
+              </a:rPr>
+              <a:t>Mobile Application</a:t>
+            </a:r>
+            <a:endParaRPr lang="en-US" sz="2800">
+              <a:solidFill>
+                <a:schemeClr val="bg1"/>
+              </a:solidFill>
+              <a:latin typeface="Calibri" panose="020F0502020204030204" charset="0"/>
+              <a:cs typeface="Calibri" panose="020F0502020204030204" charset="0"/>
+            </a:endParaRPr>
+          </a:p>
+          <a:p>
+            <a:pPr marL="914400" lvl="1" indent="-457200" algn="l">
+              <a:lnSpc>
+                <a:spcPct val="150000"/>
+              </a:lnSpc>
+              <a:buFont typeface="Arial" panose="020B0604020202020204" pitchFamily="34" charset="0"/>
+              <a:buChar char="•"/>
+            </a:pPr>
+            <a:r>
+              <a:rPr lang="en-US" sz="2800">
+                <a:solidFill>
+                  <a:schemeClr val="bg1"/>
+                </a:solidFill>
+                <a:latin typeface="Calibri" panose="020F0502020204030204" charset="0"/>
+                <a:cs typeface="Calibri" panose="020F0502020204030204" charset="0"/>
+              </a:rPr>
+              <a:t>A Repository is classified into 2 types</a:t>
+            </a:r>
+            <a:endParaRPr lang="en-IN" altLang="en-US" sz="2330">
+              <a:solidFill>
+                <a:schemeClr val="bg1"/>
+              </a:solidFill>
+              <a:latin typeface="Calibri" panose="020F0502020204030204" charset="0"/>
+              <a:cs typeface="Calibri" panose="020F0502020204030204" charset="0"/>
+            </a:endParaRPr>
+          </a:p>
+          <a:p>
+            <a:pPr marL="1371600" lvl="2" indent="-457200" algn="l">
+              <a:lnSpc>
+                <a:spcPct val="150000"/>
+              </a:lnSpc>
+              <a:buFont typeface="Arial" panose="020B0604020202020204" pitchFamily="34" charset="0"/>
+              <a:buAutoNum type="arabicPeriod"/>
+            </a:pPr>
+            <a:r>
+              <a:rPr lang="en-IN" altLang="en-US" sz="2095">
+                <a:solidFill>
+                  <a:schemeClr val="bg1"/>
+                </a:solidFill>
+                <a:latin typeface="Calibri" panose="020F0502020204030204" charset="0"/>
+                <a:cs typeface="Calibri" panose="020F0502020204030204" charset="0"/>
+              </a:rPr>
+              <a:t>Public - A</a:t>
+            </a:r>
+            <a:r>
+              <a:rPr lang="en-IN" altLang="en-US" sz="2095">
+                <a:solidFill>
+                  <a:schemeClr val="bg1"/>
+                </a:solidFill>
+                <a:latin typeface="Calibri" panose="020F0502020204030204" charset="0"/>
+                <a:cs typeface="Calibri" panose="020F0502020204030204" charset="0"/>
+                <a:sym typeface="+mn-ea"/>
+              </a:rPr>
+              <a:t>nybody can access the Repository and it is a free of cost</a:t>
+            </a:r>
+            <a:endParaRPr lang="en-IN" altLang="en-US" sz="2095">
+              <a:solidFill>
+                <a:schemeClr val="bg1"/>
+              </a:solidFill>
+              <a:latin typeface="Calibri" panose="020F0502020204030204" charset="0"/>
+              <a:cs typeface="Calibri" panose="020F0502020204030204" charset="0"/>
+            </a:endParaRPr>
+          </a:p>
+          <a:p>
+            <a:pPr marL="1371600" lvl="2" indent="-457200" algn="l">
+              <a:lnSpc>
+                <a:spcPct val="150000"/>
+              </a:lnSpc>
+              <a:buFont typeface="Arial" panose="020B0604020202020204" pitchFamily="34" charset="0"/>
+              <a:buAutoNum type="arabicPeriod"/>
+            </a:pPr>
+            <a:r>
+              <a:rPr lang="en-IN" altLang="en-US" sz="2095">
+                <a:solidFill>
+                  <a:schemeClr val="bg1"/>
+                </a:solidFill>
+                <a:latin typeface="Calibri" panose="020F0502020204030204" charset="0"/>
+                <a:cs typeface="Calibri" panose="020F0502020204030204" charset="0"/>
+              </a:rPr>
+              <a:t>Private</a:t>
+            </a:r>
+            <a:r>
+              <a:rPr lang="en-IN" altLang="en-US" sz="2095">
+                <a:solidFill>
+                  <a:schemeClr val="bg1"/>
+                </a:solidFill>
+                <a:latin typeface="Calibri" panose="020F0502020204030204" charset="0"/>
+                <a:cs typeface="Calibri" panose="020F0502020204030204" charset="0"/>
+              </a:rPr>
+              <a:t> - R</a:t>
+            </a:r>
+            <a:r>
+              <a:rPr lang="en-IN" altLang="en-US" sz="2095">
+                <a:solidFill>
+                  <a:schemeClr val="bg1"/>
+                </a:solidFill>
+                <a:latin typeface="Calibri" panose="020F0502020204030204" charset="0"/>
+                <a:cs typeface="Calibri" panose="020F0502020204030204" charset="0"/>
+                <a:sym typeface="+mn-ea"/>
+              </a:rPr>
+              <a:t>estricted person only can access the Repository and it is a paid version</a:t>
+            </a:r>
+            <a:endParaRPr lang="en-IN" altLang="en-US" sz="2095">
+              <a:solidFill>
+                <a:schemeClr val="bg1"/>
+              </a:solidFill>
+              <a:latin typeface="Calibri" panose="020F0502020204030204" charset="0"/>
+              <a:cs typeface="Calibri" panose="020F0502020204030204" charset="0"/>
+              <a:sym typeface="+mn-ea"/>
+            </a:endParaRPr>
+          </a:p>
+        </p:txBody>
+      </p:sp>
+      <p:sp>
+        <p:nvSpPr>
+          <p:cNvPr id="3" name="Subtitle 6"/>
+          <p:cNvSpPr>
+            <a:spLocks noGrp="1"/>
+          </p:cNvSpPr>
+          <p:nvPr/>
+        </p:nvSpPr>
+        <p:spPr>
+          <a:xfrm>
+            <a:off x="904240" y="855345"/>
+            <a:ext cx="10545445" cy="1082675"/>
+          </a:xfrm>
+          <a:prstGeom prst="rect">
+            <a:avLst/>
+          </a:prstGeom>
+          <a:solidFill>
+            <a:schemeClr val="bg2">
+              <a:lumMod val="25000"/>
+            </a:schemeClr>
+          </a:solidFill>
+        </p:spPr>
+        <p:txBody>
+          <a:bodyPr vert="horz" lIns="91440" tIns="45720" rIns="91440" bIns="45720" rtlCol="0">
+            <a:normAutofit/>
+          </a:bodyPr>
+          <a:lstStyle>
+            <a:lvl1pPr marL="0" indent="0" algn="ctr" defTabSz="914400" rtl="0" eaLnBrk="1" latinLnBrk="0" hangingPunct="1">
+              <a:lnSpc>
+                <a:spcPct val="90000"/>
+              </a:lnSpc>
+              <a:spcBef>
+                <a:spcPts val="1000"/>
+              </a:spcBef>
+              <a:buFont typeface="Arial" panose="020B0604020202020204" pitchFamily="34" charset="0"/>
+              <a:buNone/>
+              <a:defRPr sz="2400" kern="1200">
+                <a:solidFill>
+                  <a:schemeClr val="tx1"/>
+                </a:solidFill>
+                <a:latin typeface="+mn-lt"/>
+                <a:ea typeface="+mn-ea"/>
+                <a:cs typeface="+mn-cs"/>
+              </a:defRPr>
+            </a:lvl1pPr>
+            <a:lvl2pPr marL="457200" indent="0" algn="ctr" defTabSz="914400" rtl="0" eaLnBrk="1" latinLnBrk="0" hangingPunct="1">
+              <a:lnSpc>
+                <a:spcPct val="90000"/>
+              </a:lnSpc>
+              <a:spcBef>
+                <a:spcPts val="500"/>
+              </a:spcBef>
+              <a:buFont typeface="Arial" panose="020B0604020202020204" pitchFamily="34" charset="0"/>
+              <a:buNone/>
+              <a:defRPr sz="2000" kern="1200">
+                <a:solidFill>
+                  <a:schemeClr val="tx1"/>
+                </a:solidFill>
+                <a:latin typeface="+mn-lt"/>
+                <a:ea typeface="+mn-ea"/>
+                <a:cs typeface="+mn-cs"/>
+              </a:defRPr>
+            </a:lvl2pPr>
+            <a:lvl3pPr marL="914400" indent="0" algn="ctr" defTabSz="914400" rtl="0" eaLnBrk="1" latinLnBrk="0" hangingPunct="1">
+              <a:lnSpc>
+                <a:spcPct val="90000"/>
+              </a:lnSpc>
+              <a:spcBef>
+                <a:spcPts val="500"/>
+              </a:spcBef>
+              <a:buFont typeface="Arial" panose="020B0604020202020204" pitchFamily="34" charset="0"/>
+              <a:buNone/>
+              <a:defRPr sz="1800" kern="1200">
+                <a:solidFill>
+                  <a:schemeClr val="tx1"/>
+                </a:solidFill>
+                <a:latin typeface="+mn-lt"/>
+                <a:ea typeface="+mn-ea"/>
+                <a:cs typeface="+mn-cs"/>
+              </a:defRPr>
+            </a:lvl3pPr>
+            <a:lvl4pPr marL="1371600" indent="0" algn="ctr" defTabSz="914400" rtl="0" eaLnBrk="1" latinLnBrk="0" hangingPunct="1">
+              <a:lnSpc>
+                <a:spcPct val="90000"/>
+              </a:lnSpc>
+              <a:spcBef>
+                <a:spcPts val="500"/>
+              </a:spcBef>
+              <a:buFont typeface="Arial" panose="020B0604020202020204" pitchFamily="34" charset="0"/>
+              <a:buNone/>
+              <a:defRPr sz="1600" kern="1200">
+                <a:solidFill>
+                  <a:schemeClr val="tx1"/>
+                </a:solidFill>
+                <a:latin typeface="+mn-lt"/>
+                <a:ea typeface="+mn-ea"/>
+                <a:cs typeface="+mn-cs"/>
+              </a:defRPr>
+            </a:lvl4pPr>
+            <a:lvl5pPr marL="1828800" indent="0" algn="ctr" defTabSz="914400" rtl="0" eaLnBrk="1" latinLnBrk="0" hangingPunct="1">
+              <a:lnSpc>
+                <a:spcPct val="90000"/>
+              </a:lnSpc>
+              <a:spcBef>
+                <a:spcPts val="500"/>
+              </a:spcBef>
+              <a:buFont typeface="Arial" panose="020B0604020202020204" pitchFamily="34" charset="0"/>
+              <a:buNone/>
+              <a:defRPr sz="1600" kern="1200">
+                <a:solidFill>
+                  <a:schemeClr val="tx1"/>
+                </a:solidFill>
+                <a:latin typeface="+mn-lt"/>
+                <a:ea typeface="+mn-ea"/>
+                <a:cs typeface="+mn-cs"/>
+              </a:defRPr>
+            </a:lvl5pPr>
+            <a:lvl6pPr marL="2286000" indent="0" algn="ctr" defTabSz="914400" rtl="0" eaLnBrk="1" latinLnBrk="0" hangingPunct="1">
+              <a:lnSpc>
+                <a:spcPct val="90000"/>
+              </a:lnSpc>
+              <a:spcBef>
+                <a:spcPts val="500"/>
+              </a:spcBef>
+              <a:buFont typeface="Arial" panose="020B0604020202020204" pitchFamily="34" charset="0"/>
+              <a:buNone/>
+              <a:defRPr sz="1600" kern="1200">
+                <a:solidFill>
+                  <a:schemeClr val="tx1"/>
+                </a:solidFill>
+                <a:latin typeface="+mn-lt"/>
+                <a:ea typeface="+mn-ea"/>
+                <a:cs typeface="+mn-cs"/>
+              </a:defRPr>
+            </a:lvl6pPr>
+            <a:lvl7pPr marL="2743200" indent="0" algn="ctr" defTabSz="914400" rtl="0" eaLnBrk="1" latinLnBrk="0" hangingPunct="1">
+              <a:lnSpc>
+                <a:spcPct val="90000"/>
+              </a:lnSpc>
+              <a:spcBef>
+                <a:spcPts val="500"/>
+              </a:spcBef>
+              <a:buFont typeface="Arial" panose="020B0604020202020204" pitchFamily="34" charset="0"/>
+              <a:buNone/>
+              <a:defRPr sz="1600" kern="1200">
+                <a:solidFill>
+                  <a:schemeClr val="tx1"/>
+                </a:solidFill>
+                <a:latin typeface="+mn-lt"/>
+                <a:ea typeface="+mn-ea"/>
+                <a:cs typeface="+mn-cs"/>
+              </a:defRPr>
+            </a:lvl7pPr>
+            <a:lvl8pPr marL="3200400" indent="0" algn="ctr" defTabSz="914400" rtl="0" eaLnBrk="1" latinLnBrk="0" hangingPunct="1">
+              <a:lnSpc>
+                <a:spcPct val="90000"/>
+              </a:lnSpc>
+              <a:spcBef>
+                <a:spcPts val="500"/>
+              </a:spcBef>
+              <a:buFont typeface="Arial" panose="020B0604020202020204" pitchFamily="34" charset="0"/>
+              <a:buNone/>
+              <a:defRPr sz="1600" kern="1200">
+                <a:solidFill>
+                  <a:schemeClr val="tx1"/>
+                </a:solidFill>
+                <a:latin typeface="+mn-lt"/>
+                <a:ea typeface="+mn-ea"/>
+                <a:cs typeface="+mn-cs"/>
+              </a:defRPr>
+            </a:lvl8pPr>
+            <a:lvl9pPr marL="3657600" indent="0" algn="ctr" defTabSz="914400" rtl="0" eaLnBrk="1" latinLnBrk="0" hangingPunct="1">
+              <a:lnSpc>
+                <a:spcPct val="90000"/>
+              </a:lnSpc>
+              <a:spcBef>
+                <a:spcPts val="500"/>
+              </a:spcBef>
+              <a:buFont typeface="Arial" panose="020B0604020202020204" pitchFamily="34" charset="0"/>
+              <a:buNone/>
+              <a:defRPr sz="1600" kern="1200">
+                <a:solidFill>
+                  <a:schemeClr val="tx1"/>
+                </a:solidFill>
+                <a:latin typeface="+mn-lt"/>
+                <a:ea typeface="+mn-ea"/>
+                <a:cs typeface="+mn-cs"/>
+              </a:defRPr>
+            </a:lvl9pPr>
+          </a:lstStyle>
+          <a:p>
+            <a:pPr algn="l">
+              <a:buFont typeface="Arial" panose="020B0604020202020204" pitchFamily="34" charset="0"/>
+            </a:pPr>
+            <a:r>
+              <a:rPr lang="en-IN" altLang="en-US" sz="2095">
+                <a:solidFill>
+                  <a:schemeClr val="bg1"/>
+                </a:solidFill>
+                <a:latin typeface="Times New Roman" panose="02020603050405020304" charset="0"/>
+                <a:cs typeface="Times New Roman" panose="02020603050405020304" charset="0"/>
+                <a:sym typeface="+mn-ea"/>
+              </a:rPr>
+              <a:t>	</a:t>
+            </a:r>
+            <a:endParaRPr lang="en-IN" altLang="en-US" sz="2095">
+              <a:solidFill>
+                <a:schemeClr val="bg1"/>
+              </a:solidFill>
+              <a:latin typeface="Times New Roman" panose="02020603050405020304" charset="0"/>
+              <a:cs typeface="Times New Roman" panose="02020603050405020304" charset="0"/>
+              <a:sym typeface="+mn-ea"/>
+            </a:endParaRPr>
+          </a:p>
+          <a:p>
+            <a:pPr algn="l">
+              <a:buFont typeface="Arial" panose="020B0604020202020204" pitchFamily="34" charset="0"/>
+            </a:pPr>
+            <a:r>
+              <a:rPr lang="en-IN" altLang="en-US" sz="2095">
+                <a:solidFill>
+                  <a:schemeClr val="bg1"/>
+                </a:solidFill>
+                <a:latin typeface="Times New Roman" panose="02020603050405020304" charset="0"/>
+                <a:cs typeface="Times New Roman" panose="02020603050405020304" charset="0"/>
+                <a:sym typeface="+mn-ea"/>
+              </a:rPr>
+              <a:t>				      </a:t>
+            </a:r>
+            <a:r>
+              <a:rPr lang="en-IN" altLang="en-US">
+                <a:ln w="22225">
+                  <a:solidFill>
+                    <a:schemeClr val="accent2"/>
+                  </a:solidFill>
+                  <a:prstDash val="solid"/>
+                </a:ln>
+                <a:solidFill>
+                  <a:schemeClr val="accent2">
+                    <a:lumMod val="40000"/>
+                    <a:lumOff val="60000"/>
+                  </a:schemeClr>
+                </a:solidFill>
+                <a:effectLst/>
+                <a:latin typeface="Times New Roman" panose="02020603050405020304" charset="0"/>
+                <a:cs typeface="Times New Roman" panose="02020603050405020304" charset="0"/>
+                <a:sym typeface="+mn-ea"/>
+              </a:rPr>
+              <a:t> </a:t>
+            </a:r>
+            <a:r>
+              <a:rPr lang="en-IN" altLang="en-US" sz="3600" b="1">
+                <a:solidFill>
+                  <a:schemeClr val="accent1"/>
+                </a:solidFill>
+                <a:effectLst>
+                  <a:outerShdw blurRad="38100" dist="25400" dir="5400000" algn="ctr" rotWithShape="0">
+                    <a:srgbClr val="6E747A">
+                      <a:alpha val="43000"/>
+                    </a:srgbClr>
+                  </a:outerShdw>
+                </a:effectLst>
+                <a:latin typeface="Times New Roman" panose="02020603050405020304" charset="0"/>
+                <a:cs typeface="Times New Roman" panose="02020603050405020304" charset="0"/>
+                <a:sym typeface="+mn-ea"/>
+              </a:rPr>
+              <a:t>Special Feature</a:t>
+            </a:r>
+            <a:endParaRPr lang="en-IN" altLang="en-US" sz="3600" b="1">
+              <a:solidFill>
+                <a:schemeClr val="accent1"/>
+              </a:solidFill>
+              <a:effectLst>
+                <a:outerShdw blurRad="38100" dist="25400" dir="5400000" algn="ctr" rotWithShape="0">
+                  <a:srgbClr val="6E747A">
+                    <a:alpha val="43000"/>
+                  </a:srgbClr>
+                </a:outerShdw>
+              </a:effectLst>
+              <a:latin typeface="Times New Roman" panose="02020603050405020304" charset="0"/>
+              <a:cs typeface="Times New Roman" panose="02020603050405020304" charset="0"/>
+              <a:sym typeface="+mn-ea"/>
+            </a:endParaRPr>
+          </a:p>
+        </p:txBody>
+      </p:sp>
+    </p:spTree>
+  </p:cSld>
+  <p:clrMapOvr>
+    <a:masterClrMapping/>
+  </p:clrMapOvr>
+</p:sld>
+</file>
+
 <file path=ppt/slides/slide2.xml><?xml version="1.0" encoding="utf-8"?>
 <p:sld xmlns:a="http://schemas.openxmlformats.org/drawingml/2006/main" xmlns:r="http://schemas.openxmlformats.org/officeDocument/2006/relationships" xmlns:p="http://schemas.openxmlformats.org/presentationml/2006/main">
   <p:cSld>

--- a/GitHub.pptx
+++ b/GitHub.pptx
@@ -3670,7 +3670,7 @@
         </p:spPr>
         <p:txBody>
           <a:bodyPr>
-            <a:normAutofit/>
+            <a:normAutofit lnSpcReduction="20000"/>
           </a:bodyPr>
           <a:p>
             <a:pPr algn="l">
@@ -3682,7 +3682,25 @@
                   <a:schemeClr val="bg1"/>
                 </a:solidFill>
               </a:rPr>
-              <a:t>					</a:t>
+              <a:t>		</a:t>
+            </a:r>
+            <a:endParaRPr lang="en-IN" altLang="en-US" b="1">
+              <a:solidFill>
+                <a:schemeClr val="bg1"/>
+              </a:solidFill>
+            </a:endParaRPr>
+          </a:p>
+          <a:p>
+            <a:pPr algn="l">
+              <a:buFont typeface="Arial" panose="020B0604020202020204" pitchFamily="34" charset="0"/>
+            </a:pPr>
+            <a:r>
+              <a:rPr lang="en-IN" altLang="en-US" b="1">
+                <a:solidFill>
+                  <a:schemeClr val="bg1"/>
+                </a:solidFill>
+              </a:rPr>
+              <a:t>			</a:t>
             </a:r>
             <a:endParaRPr lang="en-IN" altLang="en-US" sz="2800" b="1">
               <a:solidFill>
@@ -3700,94 +3718,6 @@
             </a:pPr>
             <a:r>
               <a:rPr lang="en-IN" altLang="en-US" sz="2800">
-                <a:solidFill>
-                  <a:schemeClr val="bg1"/>
-                </a:solidFill>
-                <a:latin typeface="Calibri" panose="020F0502020204030204" charset="0"/>
-                <a:cs typeface="Calibri" panose="020F0502020204030204" charset="0"/>
-              </a:rPr>
-              <a:t>Email Notifications</a:t>
-            </a:r>
-            <a:endParaRPr lang="en-IN" altLang="en-US" sz="2800">
-              <a:solidFill>
-                <a:schemeClr val="bg1"/>
-              </a:solidFill>
-              <a:latin typeface="Calibri" panose="020F0502020204030204" charset="0"/>
-              <a:cs typeface="Calibri" panose="020F0502020204030204" charset="0"/>
-            </a:endParaRPr>
-          </a:p>
-          <a:p>
-            <a:pPr marL="914400" lvl="1" indent="-457200" algn="l">
-              <a:lnSpc>
-                <a:spcPct val="150000"/>
-              </a:lnSpc>
-              <a:buFont typeface="Arial" panose="020B0604020202020204" pitchFamily="34" charset="0"/>
-              <a:buChar char="•"/>
-            </a:pPr>
-            <a:r>
-              <a:rPr lang="en-IN" altLang="en-US" sz="2800">
-                <a:solidFill>
-                  <a:schemeClr val="bg1"/>
-                </a:solidFill>
-                <a:latin typeface="Calibri" panose="020F0502020204030204" charset="0"/>
-                <a:cs typeface="Calibri" panose="020F0502020204030204" charset="0"/>
-              </a:rPr>
-              <a:t>Mobile Application</a:t>
-            </a:r>
-            <a:endParaRPr lang="en-US" sz="2800">
-              <a:solidFill>
-                <a:schemeClr val="bg1"/>
-              </a:solidFill>
-              <a:latin typeface="Calibri" panose="020F0502020204030204" charset="0"/>
-              <a:cs typeface="Calibri" panose="020F0502020204030204" charset="0"/>
-            </a:endParaRPr>
-          </a:p>
-          <a:p>
-            <a:pPr marL="914400" lvl="1" indent="-457200" algn="l">
-              <a:lnSpc>
-                <a:spcPct val="150000"/>
-              </a:lnSpc>
-              <a:buFont typeface="Arial" panose="020B0604020202020204" pitchFamily="34" charset="0"/>
-              <a:buChar char="•"/>
-            </a:pPr>
-            <a:r>
-              <a:rPr lang="en-US" sz="2800">
-                <a:solidFill>
-                  <a:schemeClr val="bg1"/>
-                </a:solidFill>
-                <a:latin typeface="Calibri" panose="020F0502020204030204" charset="0"/>
-                <a:cs typeface="Calibri" panose="020F0502020204030204" charset="0"/>
-              </a:rPr>
-              <a:t>A Repository is classified into 2 types</a:t>
-            </a:r>
-            <a:endParaRPr lang="en-IN" altLang="en-US" sz="2330">
-              <a:solidFill>
-                <a:schemeClr val="bg1"/>
-              </a:solidFill>
-              <a:latin typeface="Calibri" panose="020F0502020204030204" charset="0"/>
-              <a:cs typeface="Calibri" panose="020F0502020204030204" charset="0"/>
-            </a:endParaRPr>
-          </a:p>
-          <a:p>
-            <a:pPr marL="1371600" lvl="2" indent="-457200" algn="l">
-              <a:lnSpc>
-                <a:spcPct val="150000"/>
-              </a:lnSpc>
-              <a:buFont typeface="Arial" panose="020B0604020202020204" pitchFamily="34" charset="0"/>
-              <a:buAutoNum type="arabicPeriod"/>
-            </a:pPr>
-            <a:r>
-              <a:rPr lang="en-IN" altLang="en-US" sz="2095">
-                <a:solidFill>
-                  <a:schemeClr val="bg1"/>
-                </a:solidFill>
-                <a:latin typeface="Calibri" panose="020F0502020204030204" charset="0"/>
-                <a:cs typeface="Calibri" panose="020F0502020204030204" charset="0"/>
-              </a:rPr>
-              <a:t>Public - A</a:t>
-            </a:r>
-            <a:r>
-              <a:rPr lang="en-IN" altLang="en-US" sz="2095">
                 <a:solidFill>
                   <a:schemeClr val="bg1"/>
                 </a:solidFill>
@@ -3795,54 +3725,60 @@
                 <a:cs typeface="Calibri" panose="020F0502020204030204" charset="0"/>
                 <a:sym typeface="+mn-ea"/>
               </a:rPr>
-              <a:t>nybody can access the Repository and it is a free of cost</a:t>
-            </a:r>
-            <a:endParaRPr lang="en-IN" altLang="en-US" sz="2095">
+              <a:t>Mobile Application</a:t>
+            </a:r>
+            <a:endParaRPr lang="en-IN" altLang="en-US" sz="2800">
               <a:solidFill>
                 <a:schemeClr val="bg1"/>
               </a:solidFill>
               <a:latin typeface="Calibri" panose="020F0502020204030204" charset="0"/>
               <a:cs typeface="Calibri" panose="020F0502020204030204" charset="0"/>
-            </a:endParaRPr>
-          </a:p>
-          <a:p>
-            <a:pPr marL="1371600" lvl="2" indent="-457200" algn="l">
+              <a:sym typeface="+mn-ea"/>
+            </a:endParaRPr>
+          </a:p>
+          <a:p>
+            <a:pPr marL="914400" lvl="1" indent="-457200" algn="l">
               <a:lnSpc>
                 <a:spcPct val="150000"/>
               </a:lnSpc>
               <a:buFont typeface="Arial" panose="020B0604020202020204" pitchFamily="34" charset="0"/>
-              <a:buAutoNum type="arabicPeriod"/>
-            </a:pPr>
-            <a:r>
-              <a:rPr lang="en-IN" altLang="en-US" sz="2095">
+              <a:buChar char="•"/>
+            </a:pPr>
+            <a:r>
+              <a:rPr lang="en-IN" altLang="en-US" sz="2800">
                 <a:solidFill>
                   <a:schemeClr val="bg1"/>
                 </a:solidFill>
                 <a:latin typeface="Calibri" panose="020F0502020204030204" charset="0"/>
                 <a:cs typeface="Calibri" panose="020F0502020204030204" charset="0"/>
               </a:rPr>
-              <a:t>Private</a:t>
-            </a:r>
-            <a:r>
-              <a:rPr lang="en-IN" altLang="en-US" sz="2095">
+              <a:t>Email Notifications</a:t>
+            </a:r>
+            <a:endParaRPr lang="en-IN" altLang="en-US" sz="2800">
+              <a:solidFill>
+                <a:schemeClr val="bg1"/>
+              </a:solidFill>
+              <a:latin typeface="Calibri" panose="020F0502020204030204" charset="0"/>
+              <a:cs typeface="Calibri" panose="020F0502020204030204" charset="0"/>
+            </a:endParaRPr>
+          </a:p>
+          <a:p>
+            <a:pPr marL="914400" lvl="1" indent="-457200" algn="l">
+              <a:lnSpc>
+                <a:spcPct val="150000"/>
+              </a:lnSpc>
+              <a:buFont typeface="Arial" panose="020B0604020202020204" pitchFamily="34" charset="0"/>
+              <a:buChar char="•"/>
+            </a:pPr>
+            <a:r>
+              <a:rPr lang="en-IN" altLang="en-US" sz="2800">
                 <a:solidFill>
                   <a:schemeClr val="bg1"/>
                 </a:solidFill>
                 <a:latin typeface="Calibri" panose="020F0502020204030204" charset="0"/>
                 <a:cs typeface="Calibri" panose="020F0502020204030204" charset="0"/>
               </a:rPr>
-              <a:t> - R</a:t>
-            </a:r>
-            <a:r>
-              <a:rPr lang="en-IN" altLang="en-US" sz="2095">
-                <a:solidFill>
-                  <a:schemeClr val="bg1"/>
-                </a:solidFill>
-                <a:latin typeface="Calibri" panose="020F0502020204030204" charset="0"/>
-                <a:cs typeface="Calibri" panose="020F0502020204030204" charset="0"/>
-                <a:sym typeface="+mn-ea"/>
-              </a:rPr>
-              <a:t>estricted person only can access the Repository and it is a paid version</a:t>
+              <a:t>Teams Notifications</a:t>
             </a:r>
             <a:endParaRPr lang="en-IN" altLang="en-US" sz="2095">
               <a:solidFill>

--- a/GitHub.pptx
+++ b/GitHub.pptx
@@ -15,7 +15,9 @@
     <p:sldId id="264" r:id="rId10"/>
     <p:sldId id="266" r:id="rId11"/>
     <p:sldId id="281" r:id="rId12"/>
-    <p:sldId id="283" r:id="rId13"/>
+    <p:sldId id="284" r:id="rId13"/>
+    <p:sldId id="285" r:id="rId14"/>
+    <p:sldId id="283" r:id="rId15"/>
   </p:sldIdLst>
   <p:sldSz cx="12192000" cy="6858000"/>
   <p:notesSz cx="6858000" cy="9144000"/>
@@ -3643,6 +3645,1357 @@
         <p:txBody>
           <a:bodyPr/>
           <a:p>
+            <a:r>
+              <a:rPr lang="en-US"/>
+              <a:t>A</a:t>
+            </a:r>
+            <a:endParaRPr lang="en-US"/>
+          </a:p>
+        </p:txBody>
+      </p:sp>
+      <p:sp>
+        <p:nvSpPr>
+          <p:cNvPr id="7" name="Subtitle 6"/>
+          <p:cNvSpPr>
+            <a:spLocks noGrp="1"/>
+          </p:cNvSpPr>
+          <p:nvPr>
+            <p:ph type="subTitle" idx="1"/>
+          </p:nvPr>
+        </p:nvSpPr>
+        <p:spPr>
+          <a:xfrm>
+            <a:off x="904240" y="2025650"/>
+            <a:ext cx="6751955" cy="4487545"/>
+          </a:xfrm>
+          <a:solidFill>
+            <a:schemeClr val="bg2">
+              <a:lumMod val="25000"/>
+            </a:schemeClr>
+          </a:solidFill>
+        </p:spPr>
+        <p:txBody>
+          <a:bodyPr>
+            <a:normAutofit/>
+          </a:bodyPr>
+          <a:p>
+            <a:pPr algn="l">
+              <a:buFont typeface="Arial" panose="020B0604020202020204" pitchFamily="34" charset="0"/>
+            </a:pPr>
+            <a:r>
+              <a:rPr lang="en-IN" altLang="en-US" b="1">
+                <a:solidFill>
+                  <a:schemeClr val="bg1"/>
+                </a:solidFill>
+              </a:rPr>
+              <a:t>					</a:t>
+            </a:r>
+            <a:endParaRPr lang="en-IN" altLang="en-US" sz="2800" b="1">
+              <a:solidFill>
+                <a:schemeClr val="bg1"/>
+              </a:solidFill>
+            </a:endParaRPr>
+          </a:p>
+          <a:p>
+            <a:pPr marL="914400" lvl="1" indent="-457200" algn="l">
+              <a:lnSpc>
+                <a:spcPct val="150000"/>
+              </a:lnSpc>
+              <a:buFont typeface="Arial" panose="020B0604020202020204" pitchFamily="34" charset="0"/>
+              <a:buChar char="•"/>
+            </a:pPr>
+            <a:r>
+              <a:rPr lang="en-US" altLang="en-IN" sz="2095">
+                <a:solidFill>
+                  <a:schemeClr val="bg1"/>
+                </a:solidFill>
+                <a:latin typeface="Calibri" panose="020F0502020204030204" charset="0"/>
+                <a:cs typeface="Calibri" panose="020F0502020204030204" charset="0"/>
+              </a:rPr>
+              <a:t>A Branch is a isolate development work without affecting other branches in the repository</a:t>
+            </a:r>
+            <a:endParaRPr lang="en-US" sz="2800">
+              <a:solidFill>
+                <a:schemeClr val="bg1"/>
+              </a:solidFill>
+              <a:latin typeface="Calibri" panose="020F0502020204030204" charset="0"/>
+              <a:cs typeface="Calibri" panose="020F0502020204030204" charset="0"/>
+            </a:endParaRPr>
+          </a:p>
+          <a:p>
+            <a:pPr marL="914400" lvl="1" indent="-457200" algn="l">
+              <a:lnSpc>
+                <a:spcPct val="150000"/>
+              </a:lnSpc>
+              <a:buFont typeface="Arial" panose="020B0604020202020204" pitchFamily="34" charset="0"/>
+              <a:buChar char="•"/>
+            </a:pPr>
+            <a:r>
+              <a:rPr lang="en-US" altLang="en-IN" sz="2095">
+                <a:solidFill>
+                  <a:schemeClr val="bg1"/>
+                </a:solidFill>
+                <a:latin typeface="Calibri" panose="020F0502020204030204" charset="0"/>
+                <a:cs typeface="Calibri" panose="020F0502020204030204" charset="0"/>
+                <a:sym typeface="+mn-ea"/>
+              </a:rPr>
+              <a:t>Each repository has one default branch named Main.</a:t>
+            </a:r>
+            <a:endParaRPr lang="en-US" altLang="en-IN" sz="2095">
+              <a:solidFill>
+                <a:schemeClr val="bg1"/>
+              </a:solidFill>
+              <a:latin typeface="Calibri" panose="020F0502020204030204" charset="0"/>
+              <a:cs typeface="Calibri" panose="020F0502020204030204" charset="0"/>
+              <a:sym typeface="+mn-ea"/>
+            </a:endParaRPr>
+          </a:p>
+          <a:p>
+            <a:pPr marL="914400" lvl="1" indent="-457200" algn="l">
+              <a:lnSpc>
+                <a:spcPct val="150000"/>
+              </a:lnSpc>
+              <a:buFont typeface="Arial" panose="020B0604020202020204" pitchFamily="34" charset="0"/>
+              <a:buChar char="•"/>
+            </a:pPr>
+            <a:r>
+              <a:rPr lang="en-US" altLang="en-IN" sz="2095">
+                <a:solidFill>
+                  <a:schemeClr val="bg1"/>
+                </a:solidFill>
+                <a:latin typeface="Calibri" panose="020F0502020204030204" charset="0"/>
+                <a:cs typeface="Calibri" panose="020F0502020204030204" charset="0"/>
+                <a:sym typeface="+mn-ea"/>
+              </a:rPr>
+              <a:t>We can add multiple branches to the repository</a:t>
+            </a:r>
+            <a:endParaRPr lang="en-US" altLang="en-IN" sz="2095">
+              <a:solidFill>
+                <a:schemeClr val="bg1"/>
+              </a:solidFill>
+              <a:latin typeface="Calibri" panose="020F0502020204030204" charset="0"/>
+              <a:cs typeface="Calibri" panose="020F0502020204030204" charset="0"/>
+              <a:sym typeface="+mn-ea"/>
+            </a:endParaRPr>
+          </a:p>
+          <a:p>
+            <a:pPr lvl="1" algn="l">
+              <a:lnSpc>
+                <a:spcPct val="150000"/>
+              </a:lnSpc>
+              <a:buFont typeface="Arial" panose="020B0604020202020204" pitchFamily="34" charset="0"/>
+            </a:pPr>
+            <a:endParaRPr lang="en-US" altLang="en-IN" sz="2800" b="1">
+              <a:solidFill>
+                <a:schemeClr val="bg1"/>
+              </a:solidFill>
+              <a:latin typeface="Calibri" panose="020F0502020204030204" charset="0"/>
+              <a:cs typeface="Calibri" panose="020F0502020204030204" charset="0"/>
+              <a:sym typeface="+mn-ea"/>
+            </a:endParaRPr>
+          </a:p>
+        </p:txBody>
+      </p:sp>
+      <p:sp>
+        <p:nvSpPr>
+          <p:cNvPr id="3" name="Subtitle 6"/>
+          <p:cNvSpPr>
+            <a:spLocks noGrp="1"/>
+          </p:cNvSpPr>
+          <p:nvPr/>
+        </p:nvSpPr>
+        <p:spPr>
+          <a:xfrm>
+            <a:off x="904240" y="855345"/>
+            <a:ext cx="10545445" cy="1040765"/>
+          </a:xfrm>
+          <a:prstGeom prst="rect">
+            <a:avLst/>
+          </a:prstGeom>
+          <a:solidFill>
+            <a:schemeClr val="bg2">
+              <a:lumMod val="25000"/>
+            </a:schemeClr>
+          </a:solidFill>
+        </p:spPr>
+        <p:txBody>
+          <a:bodyPr vert="horz" lIns="91440" tIns="45720" rIns="91440" bIns="45720" rtlCol="0">
+            <a:normAutofit/>
+          </a:bodyPr>
+          <a:lstStyle>
+            <a:lvl1pPr marL="0" indent="0" algn="ctr" defTabSz="914400" rtl="0" eaLnBrk="1" latinLnBrk="0" hangingPunct="1">
+              <a:lnSpc>
+                <a:spcPct val="90000"/>
+              </a:lnSpc>
+              <a:spcBef>
+                <a:spcPts val="1000"/>
+              </a:spcBef>
+              <a:buFont typeface="Arial" panose="020B0604020202020204" pitchFamily="34" charset="0"/>
+              <a:buNone/>
+              <a:defRPr sz="2400" kern="1200">
+                <a:solidFill>
+                  <a:schemeClr val="tx1"/>
+                </a:solidFill>
+                <a:latin typeface="+mn-lt"/>
+                <a:ea typeface="+mn-ea"/>
+                <a:cs typeface="+mn-cs"/>
+              </a:defRPr>
+            </a:lvl1pPr>
+            <a:lvl2pPr marL="457200" indent="0" algn="ctr" defTabSz="914400" rtl="0" eaLnBrk="1" latinLnBrk="0" hangingPunct="1">
+              <a:lnSpc>
+                <a:spcPct val="90000"/>
+              </a:lnSpc>
+              <a:spcBef>
+                <a:spcPts val="500"/>
+              </a:spcBef>
+              <a:buFont typeface="Arial" panose="020B0604020202020204" pitchFamily="34" charset="0"/>
+              <a:buNone/>
+              <a:defRPr sz="2000" kern="1200">
+                <a:solidFill>
+                  <a:schemeClr val="tx1"/>
+                </a:solidFill>
+                <a:latin typeface="+mn-lt"/>
+                <a:ea typeface="+mn-ea"/>
+                <a:cs typeface="+mn-cs"/>
+              </a:defRPr>
+            </a:lvl2pPr>
+            <a:lvl3pPr marL="914400" indent="0" algn="ctr" defTabSz="914400" rtl="0" eaLnBrk="1" latinLnBrk="0" hangingPunct="1">
+              <a:lnSpc>
+                <a:spcPct val="90000"/>
+              </a:lnSpc>
+              <a:spcBef>
+                <a:spcPts val="500"/>
+              </a:spcBef>
+              <a:buFont typeface="Arial" panose="020B0604020202020204" pitchFamily="34" charset="0"/>
+              <a:buNone/>
+              <a:defRPr sz="1800" kern="1200">
+                <a:solidFill>
+                  <a:schemeClr val="tx1"/>
+                </a:solidFill>
+                <a:latin typeface="+mn-lt"/>
+                <a:ea typeface="+mn-ea"/>
+                <a:cs typeface="+mn-cs"/>
+              </a:defRPr>
+            </a:lvl3pPr>
+            <a:lvl4pPr marL="1371600" indent="0" algn="ctr" defTabSz="914400" rtl="0" eaLnBrk="1" latinLnBrk="0" hangingPunct="1">
+              <a:lnSpc>
+                <a:spcPct val="90000"/>
+              </a:lnSpc>
+              <a:spcBef>
+                <a:spcPts val="500"/>
+              </a:spcBef>
+              <a:buFont typeface="Arial" panose="020B0604020202020204" pitchFamily="34" charset="0"/>
+              <a:buNone/>
+              <a:defRPr sz="1600" kern="1200">
+                <a:solidFill>
+                  <a:schemeClr val="tx1"/>
+                </a:solidFill>
+                <a:latin typeface="+mn-lt"/>
+                <a:ea typeface="+mn-ea"/>
+                <a:cs typeface="+mn-cs"/>
+              </a:defRPr>
+            </a:lvl4pPr>
+            <a:lvl5pPr marL="1828800" indent="0" algn="ctr" defTabSz="914400" rtl="0" eaLnBrk="1" latinLnBrk="0" hangingPunct="1">
+              <a:lnSpc>
+                <a:spcPct val="90000"/>
+              </a:lnSpc>
+              <a:spcBef>
+                <a:spcPts val="500"/>
+              </a:spcBef>
+              <a:buFont typeface="Arial" panose="020B0604020202020204" pitchFamily="34" charset="0"/>
+              <a:buNone/>
+              <a:defRPr sz="1600" kern="1200">
+                <a:solidFill>
+                  <a:schemeClr val="tx1"/>
+                </a:solidFill>
+                <a:latin typeface="+mn-lt"/>
+                <a:ea typeface="+mn-ea"/>
+                <a:cs typeface="+mn-cs"/>
+              </a:defRPr>
+            </a:lvl5pPr>
+            <a:lvl6pPr marL="2286000" indent="0" algn="ctr" defTabSz="914400" rtl="0" eaLnBrk="1" latinLnBrk="0" hangingPunct="1">
+              <a:lnSpc>
+                <a:spcPct val="90000"/>
+              </a:lnSpc>
+              <a:spcBef>
+                <a:spcPts val="500"/>
+              </a:spcBef>
+              <a:buFont typeface="Arial" panose="020B0604020202020204" pitchFamily="34" charset="0"/>
+              <a:buNone/>
+              <a:defRPr sz="1600" kern="1200">
+                <a:solidFill>
+                  <a:schemeClr val="tx1"/>
+                </a:solidFill>
+                <a:latin typeface="+mn-lt"/>
+                <a:ea typeface="+mn-ea"/>
+                <a:cs typeface="+mn-cs"/>
+              </a:defRPr>
+            </a:lvl6pPr>
+            <a:lvl7pPr marL="2743200" indent="0" algn="ctr" defTabSz="914400" rtl="0" eaLnBrk="1" latinLnBrk="0" hangingPunct="1">
+              <a:lnSpc>
+                <a:spcPct val="90000"/>
+              </a:lnSpc>
+              <a:spcBef>
+                <a:spcPts val="500"/>
+              </a:spcBef>
+              <a:buFont typeface="Arial" panose="020B0604020202020204" pitchFamily="34" charset="0"/>
+              <a:buNone/>
+              <a:defRPr sz="1600" kern="1200">
+                <a:solidFill>
+                  <a:schemeClr val="tx1"/>
+                </a:solidFill>
+                <a:latin typeface="+mn-lt"/>
+                <a:ea typeface="+mn-ea"/>
+                <a:cs typeface="+mn-cs"/>
+              </a:defRPr>
+            </a:lvl7pPr>
+            <a:lvl8pPr marL="3200400" indent="0" algn="ctr" defTabSz="914400" rtl="0" eaLnBrk="1" latinLnBrk="0" hangingPunct="1">
+              <a:lnSpc>
+                <a:spcPct val="90000"/>
+              </a:lnSpc>
+              <a:spcBef>
+                <a:spcPts val="500"/>
+              </a:spcBef>
+              <a:buFont typeface="Arial" panose="020B0604020202020204" pitchFamily="34" charset="0"/>
+              <a:buNone/>
+              <a:defRPr sz="1600" kern="1200">
+                <a:solidFill>
+                  <a:schemeClr val="tx1"/>
+                </a:solidFill>
+                <a:latin typeface="+mn-lt"/>
+                <a:ea typeface="+mn-ea"/>
+                <a:cs typeface="+mn-cs"/>
+              </a:defRPr>
+            </a:lvl8pPr>
+            <a:lvl9pPr marL="3657600" indent="0" algn="ctr" defTabSz="914400" rtl="0" eaLnBrk="1" latinLnBrk="0" hangingPunct="1">
+              <a:lnSpc>
+                <a:spcPct val="90000"/>
+              </a:lnSpc>
+              <a:spcBef>
+                <a:spcPts val="500"/>
+              </a:spcBef>
+              <a:buFont typeface="Arial" panose="020B0604020202020204" pitchFamily="34" charset="0"/>
+              <a:buNone/>
+              <a:defRPr sz="1600" kern="1200">
+                <a:solidFill>
+                  <a:schemeClr val="tx1"/>
+                </a:solidFill>
+                <a:latin typeface="+mn-lt"/>
+                <a:ea typeface="+mn-ea"/>
+                <a:cs typeface="+mn-cs"/>
+              </a:defRPr>
+            </a:lvl9pPr>
+          </a:lstStyle>
+          <a:p>
+            <a:pPr algn="l">
+              <a:buFont typeface="Arial" panose="020B0604020202020204" pitchFamily="34" charset="0"/>
+            </a:pPr>
+            <a:r>
+              <a:rPr lang="en-IN" altLang="en-US" sz="2095">
+                <a:solidFill>
+                  <a:schemeClr val="bg1"/>
+                </a:solidFill>
+                <a:latin typeface="Times New Roman" panose="02020603050405020304" charset="0"/>
+                <a:cs typeface="Times New Roman" panose="02020603050405020304" charset="0"/>
+                <a:sym typeface="+mn-ea"/>
+              </a:rPr>
+              <a:t>	</a:t>
+            </a:r>
+            <a:endParaRPr lang="en-IN" altLang="en-US" sz="2095">
+              <a:solidFill>
+                <a:schemeClr val="bg1"/>
+              </a:solidFill>
+              <a:latin typeface="Times New Roman" panose="02020603050405020304" charset="0"/>
+              <a:cs typeface="Times New Roman" panose="02020603050405020304" charset="0"/>
+              <a:sym typeface="+mn-ea"/>
+            </a:endParaRPr>
+          </a:p>
+          <a:p>
+            <a:pPr algn="l">
+              <a:buFont typeface="Arial" panose="020B0604020202020204" pitchFamily="34" charset="0"/>
+            </a:pPr>
+            <a:r>
+              <a:rPr lang="en-IN" altLang="en-US" sz="2095">
+                <a:solidFill>
+                  <a:schemeClr val="bg1"/>
+                </a:solidFill>
+                <a:latin typeface="Times New Roman" panose="02020603050405020304" charset="0"/>
+                <a:cs typeface="Times New Roman" panose="02020603050405020304" charset="0"/>
+                <a:sym typeface="+mn-ea"/>
+              </a:rPr>
+              <a:t>				      </a:t>
+            </a:r>
+            <a:r>
+              <a:rPr lang="en-IN" altLang="en-US">
+                <a:ln w="22225">
+                  <a:solidFill>
+                    <a:schemeClr val="accent2"/>
+                  </a:solidFill>
+                  <a:prstDash val="solid"/>
+                </a:ln>
+                <a:solidFill>
+                  <a:schemeClr val="accent2">
+                    <a:lumMod val="40000"/>
+                    <a:lumOff val="60000"/>
+                  </a:schemeClr>
+                </a:solidFill>
+                <a:effectLst/>
+                <a:latin typeface="Times New Roman" panose="02020603050405020304" charset="0"/>
+                <a:cs typeface="Times New Roman" panose="02020603050405020304" charset="0"/>
+                <a:sym typeface="+mn-ea"/>
+              </a:rPr>
+              <a:t> </a:t>
+            </a:r>
+            <a:r>
+              <a:rPr lang="en-US" altLang="en-IN" sz="3600" b="1">
+                <a:solidFill>
+                  <a:schemeClr val="accent1"/>
+                </a:solidFill>
+                <a:effectLst>
+                  <a:outerShdw blurRad="38100" dist="25400" dir="5400000" algn="ctr" rotWithShape="0">
+                    <a:srgbClr val="6E747A">
+                      <a:alpha val="43000"/>
+                    </a:srgbClr>
+                  </a:outerShdw>
+                </a:effectLst>
+                <a:latin typeface="Times New Roman" panose="02020603050405020304" charset="0"/>
+                <a:cs typeface="Times New Roman" panose="02020603050405020304" charset="0"/>
+                <a:sym typeface="+mn-ea"/>
+              </a:rPr>
+              <a:t>Branch</a:t>
+            </a:r>
+            <a:endParaRPr lang="en-US" altLang="en-IN" sz="3600" b="1">
+              <a:solidFill>
+                <a:schemeClr val="accent1"/>
+              </a:solidFill>
+              <a:effectLst>
+                <a:outerShdw blurRad="38100" dist="25400" dir="5400000" algn="ctr" rotWithShape="0">
+                  <a:srgbClr val="6E747A">
+                    <a:alpha val="43000"/>
+                  </a:srgbClr>
+                </a:outerShdw>
+              </a:effectLst>
+              <a:latin typeface="Times New Roman" panose="02020603050405020304" charset="0"/>
+              <a:cs typeface="Times New Roman" panose="02020603050405020304" charset="0"/>
+              <a:sym typeface="+mn-ea"/>
+            </a:endParaRPr>
+          </a:p>
+        </p:txBody>
+      </p:sp>
+      <p:sp>
+        <p:nvSpPr>
+          <p:cNvPr id="2" name="Subtitle 6"/>
+          <p:cNvSpPr>
+            <a:spLocks noGrp="1"/>
+          </p:cNvSpPr>
+          <p:nvPr/>
+        </p:nvSpPr>
+        <p:spPr>
+          <a:xfrm>
+            <a:off x="7791450" y="2025650"/>
+            <a:ext cx="3658235" cy="4487545"/>
+          </a:xfrm>
+          <a:prstGeom prst="rect">
+            <a:avLst/>
+          </a:prstGeom>
+          <a:solidFill>
+            <a:schemeClr val="bg2">
+              <a:lumMod val="25000"/>
+            </a:schemeClr>
+          </a:solidFill>
+        </p:spPr>
+        <p:txBody>
+          <a:bodyPr vert="horz" lIns="91440" tIns="45720" rIns="91440" bIns="45720" rtlCol="0">
+            <a:normAutofit/>
+          </a:bodyPr>
+          <a:lstStyle>
+            <a:lvl1pPr marL="0" indent="0" algn="ctr" defTabSz="914400" rtl="0" eaLnBrk="1" latinLnBrk="0" hangingPunct="1">
+              <a:lnSpc>
+                <a:spcPct val="90000"/>
+              </a:lnSpc>
+              <a:spcBef>
+                <a:spcPts val="1000"/>
+              </a:spcBef>
+              <a:buFont typeface="Arial" panose="020B0604020202020204" pitchFamily="34" charset="0"/>
+              <a:buNone/>
+              <a:defRPr sz="2400" kern="1200">
+                <a:solidFill>
+                  <a:schemeClr val="tx1"/>
+                </a:solidFill>
+                <a:latin typeface="+mn-lt"/>
+                <a:ea typeface="+mn-ea"/>
+                <a:cs typeface="+mn-cs"/>
+              </a:defRPr>
+            </a:lvl1pPr>
+            <a:lvl2pPr marL="457200" indent="0" algn="ctr" defTabSz="914400" rtl="0" eaLnBrk="1" latinLnBrk="0" hangingPunct="1">
+              <a:lnSpc>
+                <a:spcPct val="90000"/>
+              </a:lnSpc>
+              <a:spcBef>
+                <a:spcPts val="500"/>
+              </a:spcBef>
+              <a:buFont typeface="Arial" panose="020B0604020202020204" pitchFamily="34" charset="0"/>
+              <a:buNone/>
+              <a:defRPr sz="2000" kern="1200">
+                <a:solidFill>
+                  <a:schemeClr val="tx1"/>
+                </a:solidFill>
+                <a:latin typeface="+mn-lt"/>
+                <a:ea typeface="+mn-ea"/>
+                <a:cs typeface="+mn-cs"/>
+              </a:defRPr>
+            </a:lvl2pPr>
+            <a:lvl3pPr marL="914400" indent="0" algn="ctr" defTabSz="914400" rtl="0" eaLnBrk="1" latinLnBrk="0" hangingPunct="1">
+              <a:lnSpc>
+                <a:spcPct val="90000"/>
+              </a:lnSpc>
+              <a:spcBef>
+                <a:spcPts val="500"/>
+              </a:spcBef>
+              <a:buFont typeface="Arial" panose="020B0604020202020204" pitchFamily="34" charset="0"/>
+              <a:buNone/>
+              <a:defRPr sz="1800" kern="1200">
+                <a:solidFill>
+                  <a:schemeClr val="tx1"/>
+                </a:solidFill>
+                <a:latin typeface="+mn-lt"/>
+                <a:ea typeface="+mn-ea"/>
+                <a:cs typeface="+mn-cs"/>
+              </a:defRPr>
+            </a:lvl3pPr>
+            <a:lvl4pPr marL="1371600" indent="0" algn="ctr" defTabSz="914400" rtl="0" eaLnBrk="1" latinLnBrk="0" hangingPunct="1">
+              <a:lnSpc>
+                <a:spcPct val="90000"/>
+              </a:lnSpc>
+              <a:spcBef>
+                <a:spcPts val="500"/>
+              </a:spcBef>
+              <a:buFont typeface="Arial" panose="020B0604020202020204" pitchFamily="34" charset="0"/>
+              <a:buNone/>
+              <a:defRPr sz="1600" kern="1200">
+                <a:solidFill>
+                  <a:schemeClr val="tx1"/>
+                </a:solidFill>
+                <a:latin typeface="+mn-lt"/>
+                <a:ea typeface="+mn-ea"/>
+                <a:cs typeface="+mn-cs"/>
+              </a:defRPr>
+            </a:lvl4pPr>
+            <a:lvl5pPr marL="1828800" indent="0" algn="ctr" defTabSz="914400" rtl="0" eaLnBrk="1" latinLnBrk="0" hangingPunct="1">
+              <a:lnSpc>
+                <a:spcPct val="90000"/>
+              </a:lnSpc>
+              <a:spcBef>
+                <a:spcPts val="500"/>
+              </a:spcBef>
+              <a:buFont typeface="Arial" panose="020B0604020202020204" pitchFamily="34" charset="0"/>
+              <a:buNone/>
+              <a:defRPr sz="1600" kern="1200">
+                <a:solidFill>
+                  <a:schemeClr val="tx1"/>
+                </a:solidFill>
+                <a:latin typeface="+mn-lt"/>
+                <a:ea typeface="+mn-ea"/>
+                <a:cs typeface="+mn-cs"/>
+              </a:defRPr>
+            </a:lvl5pPr>
+            <a:lvl6pPr marL="2286000" indent="0" algn="ctr" defTabSz="914400" rtl="0" eaLnBrk="1" latinLnBrk="0" hangingPunct="1">
+              <a:lnSpc>
+                <a:spcPct val="90000"/>
+              </a:lnSpc>
+              <a:spcBef>
+                <a:spcPts val="500"/>
+              </a:spcBef>
+              <a:buFont typeface="Arial" panose="020B0604020202020204" pitchFamily="34" charset="0"/>
+              <a:buNone/>
+              <a:defRPr sz="1600" kern="1200">
+                <a:solidFill>
+                  <a:schemeClr val="tx1"/>
+                </a:solidFill>
+                <a:latin typeface="+mn-lt"/>
+                <a:ea typeface="+mn-ea"/>
+                <a:cs typeface="+mn-cs"/>
+              </a:defRPr>
+            </a:lvl6pPr>
+            <a:lvl7pPr marL="2743200" indent="0" algn="ctr" defTabSz="914400" rtl="0" eaLnBrk="1" latinLnBrk="0" hangingPunct="1">
+              <a:lnSpc>
+                <a:spcPct val="90000"/>
+              </a:lnSpc>
+              <a:spcBef>
+                <a:spcPts val="500"/>
+              </a:spcBef>
+              <a:buFont typeface="Arial" panose="020B0604020202020204" pitchFamily="34" charset="0"/>
+              <a:buNone/>
+              <a:defRPr sz="1600" kern="1200">
+                <a:solidFill>
+                  <a:schemeClr val="tx1"/>
+                </a:solidFill>
+                <a:latin typeface="+mn-lt"/>
+                <a:ea typeface="+mn-ea"/>
+                <a:cs typeface="+mn-cs"/>
+              </a:defRPr>
+            </a:lvl7pPr>
+            <a:lvl8pPr marL="3200400" indent="0" algn="ctr" defTabSz="914400" rtl="0" eaLnBrk="1" latinLnBrk="0" hangingPunct="1">
+              <a:lnSpc>
+                <a:spcPct val="90000"/>
+              </a:lnSpc>
+              <a:spcBef>
+                <a:spcPts val="500"/>
+              </a:spcBef>
+              <a:buFont typeface="Arial" panose="020B0604020202020204" pitchFamily="34" charset="0"/>
+              <a:buNone/>
+              <a:defRPr sz="1600" kern="1200">
+                <a:solidFill>
+                  <a:schemeClr val="tx1"/>
+                </a:solidFill>
+                <a:latin typeface="+mn-lt"/>
+                <a:ea typeface="+mn-ea"/>
+                <a:cs typeface="+mn-cs"/>
+              </a:defRPr>
+            </a:lvl8pPr>
+            <a:lvl9pPr marL="3657600" indent="0" algn="ctr" defTabSz="914400" rtl="0" eaLnBrk="1" latinLnBrk="0" hangingPunct="1">
+              <a:lnSpc>
+                <a:spcPct val="90000"/>
+              </a:lnSpc>
+              <a:spcBef>
+                <a:spcPts val="500"/>
+              </a:spcBef>
+              <a:buFont typeface="Arial" panose="020B0604020202020204" pitchFamily="34" charset="0"/>
+              <a:buNone/>
+              <a:defRPr sz="1600" kern="1200">
+                <a:solidFill>
+                  <a:schemeClr val="tx1"/>
+                </a:solidFill>
+                <a:latin typeface="+mn-lt"/>
+                <a:ea typeface="+mn-ea"/>
+                <a:cs typeface="+mn-cs"/>
+              </a:defRPr>
+            </a:lvl9pPr>
+          </a:lstStyle>
+          <a:p>
+            <a:pPr algn="l">
+              <a:buFont typeface="Arial" panose="020B0604020202020204" pitchFamily="34" charset="0"/>
+            </a:pPr>
+            <a:r>
+              <a:rPr lang="en-IN" altLang="en-US" b="1">
+                <a:solidFill>
+                  <a:schemeClr val="bg1"/>
+                </a:solidFill>
+              </a:rPr>
+              <a:t>		</a:t>
+            </a:r>
+            <a:endParaRPr lang="en-IN" altLang="en-US" sz="2800" b="1">
+              <a:solidFill>
+                <a:schemeClr val="bg1"/>
+              </a:solidFill>
+            </a:endParaRPr>
+          </a:p>
+          <a:p>
+            <a:pPr marL="0" lvl="1" algn="l">
+              <a:lnSpc>
+                <a:spcPct val="150000"/>
+              </a:lnSpc>
+              <a:buFont typeface="Arial" panose="020B0604020202020204" pitchFamily="34" charset="0"/>
+            </a:pPr>
+            <a:r>
+              <a:rPr lang="en-US" altLang="en-IN" sz="2095" b="1">
+                <a:solidFill>
+                  <a:schemeClr val="accent1"/>
+                </a:solidFill>
+                <a:effectLst>
+                  <a:outerShdw blurRad="38100" dist="25400" dir="5400000" algn="ctr" rotWithShape="0">
+                    <a:srgbClr val="6E747A">
+                      <a:alpha val="43000"/>
+                    </a:srgbClr>
+                  </a:outerShdw>
+                </a:effectLst>
+                <a:latin typeface="Times New Roman" panose="02020603050405020304" charset="0"/>
+                <a:cs typeface="Times New Roman" panose="02020603050405020304" charset="0"/>
+                <a:sym typeface="+mn-ea"/>
+              </a:rPr>
+              <a:t>Uses:</a:t>
+            </a:r>
+            <a:endParaRPr lang="en-US" altLang="en-IN" sz="2095" b="1">
+              <a:solidFill>
+                <a:schemeClr val="accent1"/>
+              </a:solidFill>
+              <a:effectLst>
+                <a:outerShdw blurRad="38100" dist="25400" dir="5400000" algn="ctr" rotWithShape="0">
+                  <a:srgbClr val="6E747A">
+                    <a:alpha val="43000"/>
+                  </a:srgbClr>
+                </a:outerShdw>
+              </a:effectLst>
+              <a:latin typeface="Times New Roman" panose="02020603050405020304" charset="0"/>
+              <a:cs typeface="Times New Roman" panose="02020603050405020304" charset="0"/>
+              <a:sym typeface="+mn-ea"/>
+            </a:endParaRPr>
+          </a:p>
+          <a:p>
+            <a:pPr marL="914400" lvl="4" indent="-342900" algn="l">
+              <a:lnSpc>
+                <a:spcPct val="150000"/>
+              </a:lnSpc>
+              <a:buFont typeface="Arial" panose="020B0604020202020204" pitchFamily="34" charset="0"/>
+              <a:buChar char="•"/>
+            </a:pPr>
+            <a:r>
+              <a:rPr lang="en-US" altLang="en-IN" sz="2000">
+                <a:solidFill>
+                  <a:schemeClr val="bg1"/>
+                </a:solidFill>
+                <a:latin typeface="Calibri" panose="020F0502020204030204" charset="0"/>
+                <a:cs typeface="Calibri" panose="020F0502020204030204" charset="0"/>
+                <a:sym typeface="+mn-ea"/>
+              </a:rPr>
+              <a:t>New Features</a:t>
+            </a:r>
+            <a:endParaRPr lang="en-US" altLang="en-IN" sz="2000">
+              <a:solidFill>
+                <a:schemeClr val="bg1"/>
+              </a:solidFill>
+              <a:latin typeface="Calibri" panose="020F0502020204030204" charset="0"/>
+              <a:cs typeface="Calibri" panose="020F0502020204030204" charset="0"/>
+              <a:sym typeface="+mn-ea"/>
+            </a:endParaRPr>
+          </a:p>
+          <a:p>
+            <a:pPr marL="914400" lvl="4" indent="-342900" algn="l">
+              <a:lnSpc>
+                <a:spcPct val="150000"/>
+              </a:lnSpc>
+              <a:buFont typeface="Arial" panose="020B0604020202020204" pitchFamily="34" charset="0"/>
+              <a:buChar char="•"/>
+            </a:pPr>
+            <a:r>
+              <a:rPr lang="en-US" altLang="en-IN" sz="2000">
+                <a:solidFill>
+                  <a:schemeClr val="bg1"/>
+                </a:solidFill>
+                <a:latin typeface="Calibri" panose="020F0502020204030204" charset="0"/>
+                <a:cs typeface="Calibri" panose="020F0502020204030204" charset="0"/>
+                <a:sym typeface="+mn-ea"/>
+              </a:rPr>
+              <a:t>Bug fixes</a:t>
+            </a:r>
+            <a:endParaRPr lang="en-US" altLang="en-IN" sz="2000">
+              <a:solidFill>
+                <a:schemeClr val="bg1"/>
+              </a:solidFill>
+              <a:latin typeface="Calibri" panose="020F0502020204030204" charset="0"/>
+              <a:cs typeface="Calibri" panose="020F0502020204030204" charset="0"/>
+              <a:sym typeface="+mn-ea"/>
+            </a:endParaRPr>
+          </a:p>
+          <a:p>
+            <a:pPr marL="914400" lvl="4" indent="-342900" algn="l">
+              <a:lnSpc>
+                <a:spcPct val="150000"/>
+              </a:lnSpc>
+              <a:buFont typeface="Arial" panose="020B0604020202020204" pitchFamily="34" charset="0"/>
+              <a:buChar char="•"/>
+            </a:pPr>
+            <a:r>
+              <a:rPr lang="en-US" altLang="en-IN" sz="2000">
+                <a:solidFill>
+                  <a:schemeClr val="bg1"/>
+                </a:solidFill>
+                <a:latin typeface="Calibri" panose="020F0502020204030204" charset="0"/>
+                <a:cs typeface="Calibri" panose="020F0502020204030204" charset="0"/>
+                <a:sym typeface="+mn-ea"/>
+              </a:rPr>
+              <a:t>Safely experiment with new ideas </a:t>
+            </a:r>
+            <a:endParaRPr lang="en-US" altLang="en-IN" sz="2000" b="1">
+              <a:solidFill>
+                <a:schemeClr val="accent1"/>
+              </a:solidFill>
+              <a:effectLst>
+                <a:outerShdw blurRad="38100" dist="25400" dir="5400000" algn="ctr" rotWithShape="0">
+                  <a:srgbClr val="6E747A">
+                    <a:alpha val="43000"/>
+                  </a:srgbClr>
+                </a:outerShdw>
+              </a:effectLst>
+              <a:latin typeface="Times New Roman" panose="02020603050405020304" charset="0"/>
+              <a:cs typeface="Times New Roman" panose="02020603050405020304" charset="0"/>
+              <a:sym typeface="+mn-ea"/>
+            </a:endParaRPr>
+          </a:p>
+          <a:p>
+            <a:pPr lvl="1" algn="l">
+              <a:lnSpc>
+                <a:spcPct val="150000"/>
+              </a:lnSpc>
+              <a:buFont typeface="Arial" panose="020B0604020202020204" pitchFamily="34" charset="0"/>
+            </a:pPr>
+            <a:endParaRPr lang="en-US" altLang="en-IN" sz="2000" b="1">
+              <a:solidFill>
+                <a:schemeClr val="bg1"/>
+              </a:solidFill>
+              <a:latin typeface="Calibri" panose="020F0502020204030204" charset="0"/>
+              <a:cs typeface="Calibri" panose="020F0502020204030204" charset="0"/>
+              <a:sym typeface="+mn-ea"/>
+            </a:endParaRPr>
+          </a:p>
+        </p:txBody>
+      </p:sp>
+    </p:spTree>
+  </p:cSld>
+  <p:clrMapOvr>
+    <a:masterClrMapping/>
+  </p:clrMapOvr>
+</p:sld>
+</file>
+
+<file path=ppt/slides/slide12.xml><?xml version="1.0" encoding="utf-8"?>
+<p:sld xmlns:a="http://schemas.openxmlformats.org/drawingml/2006/main" xmlns:r="http://schemas.openxmlformats.org/officeDocument/2006/relationships" xmlns:p="http://schemas.openxmlformats.org/presentationml/2006/main">
+  <p:cSld>
+    <p:spTree>
+      <p:nvGrpSpPr>
+        <p:cNvPr id="1" name=""/>
+        <p:cNvGrpSpPr/>
+        <p:nvPr/>
+      </p:nvGrpSpPr>
+      <p:grpSpPr/>
+      <p:sp>
+        <p:nvSpPr>
+          <p:cNvPr id="6" name="Title 5"/>
+          <p:cNvSpPr>
+            <a:spLocks noGrp="1"/>
+          </p:cNvSpPr>
+          <p:nvPr>
+            <p:ph type="ctrTitle"/>
+          </p:nvPr>
+        </p:nvSpPr>
+        <p:spPr/>
+        <p:txBody>
+          <a:bodyPr/>
+          <a:p>
+            <a:r>
+              <a:rPr lang="en-US"/>
+              <a:t>A</a:t>
+            </a:r>
+            <a:endParaRPr lang="en-US"/>
+          </a:p>
+        </p:txBody>
+      </p:sp>
+      <p:sp>
+        <p:nvSpPr>
+          <p:cNvPr id="7" name="Subtitle 6"/>
+          <p:cNvSpPr>
+            <a:spLocks noGrp="1"/>
+          </p:cNvSpPr>
+          <p:nvPr>
+            <p:ph type="subTitle" idx="1"/>
+          </p:nvPr>
+        </p:nvSpPr>
+        <p:spPr>
+          <a:xfrm>
+            <a:off x="904240" y="2025650"/>
+            <a:ext cx="10545445" cy="4487545"/>
+          </a:xfrm>
+          <a:solidFill>
+            <a:schemeClr val="bg2">
+              <a:lumMod val="25000"/>
+            </a:schemeClr>
+          </a:solidFill>
+        </p:spPr>
+        <p:txBody>
+          <a:bodyPr>
+            <a:normAutofit/>
+          </a:bodyPr>
+          <a:p>
+            <a:pPr algn="l">
+              <a:buFont typeface="Arial" panose="020B0604020202020204" pitchFamily="34" charset="0"/>
+            </a:pPr>
+            <a:r>
+              <a:rPr lang="en-IN" altLang="en-US" b="1">
+                <a:solidFill>
+                  <a:schemeClr val="bg1"/>
+                </a:solidFill>
+              </a:rPr>
+              <a:t>					</a:t>
+            </a:r>
+            <a:endParaRPr lang="en-IN" altLang="en-US" sz="2800" b="1">
+              <a:solidFill>
+                <a:schemeClr val="bg1"/>
+              </a:solidFill>
+            </a:endParaRPr>
+          </a:p>
+          <a:p>
+            <a:pPr marL="914400" lvl="1" indent="-457200" algn="l">
+              <a:lnSpc>
+                <a:spcPct val="150000"/>
+              </a:lnSpc>
+              <a:buFont typeface="Arial" panose="020B0604020202020204" pitchFamily="34" charset="0"/>
+              <a:buChar char="•"/>
+            </a:pPr>
+            <a:r>
+              <a:rPr lang="en-US" altLang="en-IN" sz="2800" b="1">
+                <a:solidFill>
+                  <a:schemeClr val="bg1"/>
+                </a:solidFill>
+                <a:latin typeface="Calibri" panose="020F0502020204030204" charset="0"/>
+                <a:cs typeface="Calibri" panose="020F0502020204030204" charset="0"/>
+                <a:sym typeface="+mn-ea"/>
+              </a:rPr>
+              <a:t>Commit is a changes made in the Repository</a:t>
+            </a:r>
+            <a:endParaRPr lang="en-US" altLang="en-IN" sz="2800" b="1">
+              <a:solidFill>
+                <a:schemeClr val="bg1"/>
+              </a:solidFill>
+              <a:latin typeface="Calibri" panose="020F0502020204030204" charset="0"/>
+              <a:cs typeface="Calibri" panose="020F0502020204030204" charset="0"/>
+              <a:sym typeface="+mn-ea"/>
+            </a:endParaRPr>
+          </a:p>
+          <a:p>
+            <a:pPr lvl="1" algn="l">
+              <a:lnSpc>
+                <a:spcPct val="150000"/>
+              </a:lnSpc>
+              <a:buFont typeface="Arial" panose="020B0604020202020204" pitchFamily="34" charset="0"/>
+            </a:pPr>
+            <a:r>
+              <a:rPr lang="en-US" altLang="en-IN" sz="2800" b="1">
+                <a:solidFill>
+                  <a:schemeClr val="accent1"/>
+                </a:solidFill>
+                <a:effectLst>
+                  <a:outerShdw blurRad="38100" dist="25400" dir="5400000" algn="ctr" rotWithShape="0">
+                    <a:srgbClr val="6E747A">
+                      <a:alpha val="43000"/>
+                    </a:srgbClr>
+                  </a:outerShdw>
+                </a:effectLst>
+                <a:latin typeface="Times New Roman" panose="02020603050405020304" charset="0"/>
+                <a:cs typeface="Times New Roman" panose="02020603050405020304" charset="0"/>
+                <a:sym typeface="+mn-ea"/>
+              </a:rPr>
+              <a:t>Changes:</a:t>
+            </a:r>
+            <a:endParaRPr lang="en-US" altLang="en-IN" sz="2800" b="1">
+              <a:solidFill>
+                <a:schemeClr val="accent1"/>
+              </a:solidFill>
+              <a:effectLst>
+                <a:outerShdw blurRad="38100" dist="25400" dir="5400000" algn="ctr" rotWithShape="0">
+                  <a:srgbClr val="6E747A">
+                    <a:alpha val="43000"/>
+                  </a:srgbClr>
+                </a:outerShdw>
+              </a:effectLst>
+              <a:latin typeface="Times New Roman" panose="02020603050405020304" charset="0"/>
+              <a:cs typeface="Times New Roman" panose="02020603050405020304" charset="0"/>
+              <a:sym typeface="+mn-ea"/>
+            </a:endParaRPr>
+          </a:p>
+          <a:p>
+            <a:pPr lvl="3" indent="-457200" algn="l">
+              <a:lnSpc>
+                <a:spcPct val="150000"/>
+              </a:lnSpc>
+              <a:buFont typeface="Arial" panose="020B0604020202020204" pitchFamily="34" charset="0"/>
+              <a:buChar char="•"/>
+            </a:pPr>
+            <a:r>
+              <a:rPr lang="en-US" altLang="en-IN" sz="2240" b="1">
+                <a:solidFill>
+                  <a:schemeClr val="bg1"/>
+                </a:solidFill>
+                <a:latin typeface="Calibri" panose="020F0502020204030204" charset="0"/>
+                <a:cs typeface="Calibri" panose="020F0502020204030204" charset="0"/>
+                <a:sym typeface="+mn-ea"/>
+              </a:rPr>
+              <a:t>Creation of new files</a:t>
+            </a:r>
+            <a:endParaRPr lang="en-US" altLang="en-IN" sz="2240" b="1">
+              <a:solidFill>
+                <a:schemeClr val="bg1"/>
+              </a:solidFill>
+              <a:latin typeface="Calibri" panose="020F0502020204030204" charset="0"/>
+              <a:cs typeface="Calibri" panose="020F0502020204030204" charset="0"/>
+              <a:sym typeface="+mn-ea"/>
+            </a:endParaRPr>
+          </a:p>
+          <a:p>
+            <a:pPr lvl="3" indent="-457200" algn="l">
+              <a:lnSpc>
+                <a:spcPct val="150000"/>
+              </a:lnSpc>
+              <a:buFont typeface="Arial" panose="020B0604020202020204" pitchFamily="34" charset="0"/>
+              <a:buChar char="•"/>
+            </a:pPr>
+            <a:r>
+              <a:rPr lang="en-US" altLang="en-IN" sz="2240" b="1">
+                <a:solidFill>
+                  <a:schemeClr val="bg1"/>
+                </a:solidFill>
+                <a:latin typeface="Calibri" panose="020F0502020204030204" charset="0"/>
+                <a:cs typeface="Calibri" panose="020F0502020204030204" charset="0"/>
+                <a:sym typeface="+mn-ea"/>
+              </a:rPr>
+              <a:t>Update of the existing files</a:t>
+            </a:r>
+            <a:endParaRPr lang="en-US" altLang="en-IN" sz="2240" b="1">
+              <a:solidFill>
+                <a:schemeClr val="bg1"/>
+              </a:solidFill>
+              <a:latin typeface="Calibri" panose="020F0502020204030204" charset="0"/>
+              <a:cs typeface="Calibri" panose="020F0502020204030204" charset="0"/>
+              <a:sym typeface="+mn-ea"/>
+            </a:endParaRPr>
+          </a:p>
+          <a:p>
+            <a:pPr lvl="3" indent="-457200" algn="l">
+              <a:lnSpc>
+                <a:spcPct val="150000"/>
+              </a:lnSpc>
+              <a:buFont typeface="Arial" panose="020B0604020202020204" pitchFamily="34" charset="0"/>
+              <a:buChar char="•"/>
+            </a:pPr>
+            <a:r>
+              <a:rPr lang="en-US" altLang="en-IN" sz="2240" b="1">
+                <a:solidFill>
+                  <a:schemeClr val="bg1"/>
+                </a:solidFill>
+                <a:latin typeface="Calibri" panose="020F0502020204030204" charset="0"/>
+                <a:cs typeface="Calibri" panose="020F0502020204030204" charset="0"/>
+                <a:sym typeface="+mn-ea"/>
+              </a:rPr>
+              <a:t>Deletion of the existing files	</a:t>
+            </a:r>
+            <a:endParaRPr lang="en-US" altLang="en-IN" sz="2240" b="1">
+              <a:solidFill>
+                <a:schemeClr val="bg1"/>
+              </a:solidFill>
+              <a:latin typeface="Calibri" panose="020F0502020204030204" charset="0"/>
+              <a:cs typeface="Calibri" panose="020F0502020204030204" charset="0"/>
+              <a:sym typeface="+mn-ea"/>
+            </a:endParaRPr>
+          </a:p>
+        </p:txBody>
+      </p:sp>
+      <p:sp>
+        <p:nvSpPr>
+          <p:cNvPr id="3" name="Subtitle 6"/>
+          <p:cNvSpPr>
+            <a:spLocks noGrp="1"/>
+          </p:cNvSpPr>
+          <p:nvPr/>
+        </p:nvSpPr>
+        <p:spPr>
+          <a:xfrm>
+            <a:off x="904240" y="855345"/>
+            <a:ext cx="10545445" cy="1040765"/>
+          </a:xfrm>
+          <a:prstGeom prst="rect">
+            <a:avLst/>
+          </a:prstGeom>
+          <a:solidFill>
+            <a:schemeClr val="bg2">
+              <a:lumMod val="25000"/>
+            </a:schemeClr>
+          </a:solidFill>
+        </p:spPr>
+        <p:txBody>
+          <a:bodyPr vert="horz" lIns="91440" tIns="45720" rIns="91440" bIns="45720" rtlCol="0">
+            <a:normAutofit/>
+          </a:bodyPr>
+          <a:lstStyle>
+            <a:lvl1pPr marL="0" indent="0" algn="ctr" defTabSz="914400" rtl="0" eaLnBrk="1" latinLnBrk="0" hangingPunct="1">
+              <a:lnSpc>
+                <a:spcPct val="90000"/>
+              </a:lnSpc>
+              <a:spcBef>
+                <a:spcPts val="1000"/>
+              </a:spcBef>
+              <a:buFont typeface="Arial" panose="020B0604020202020204" pitchFamily="34" charset="0"/>
+              <a:buNone/>
+              <a:defRPr sz="2400" kern="1200">
+                <a:solidFill>
+                  <a:schemeClr val="tx1"/>
+                </a:solidFill>
+                <a:latin typeface="+mn-lt"/>
+                <a:ea typeface="+mn-ea"/>
+                <a:cs typeface="+mn-cs"/>
+              </a:defRPr>
+            </a:lvl1pPr>
+            <a:lvl2pPr marL="457200" indent="0" algn="ctr" defTabSz="914400" rtl="0" eaLnBrk="1" latinLnBrk="0" hangingPunct="1">
+              <a:lnSpc>
+                <a:spcPct val="90000"/>
+              </a:lnSpc>
+              <a:spcBef>
+                <a:spcPts val="500"/>
+              </a:spcBef>
+              <a:buFont typeface="Arial" panose="020B0604020202020204" pitchFamily="34" charset="0"/>
+              <a:buNone/>
+              <a:defRPr sz="2000" kern="1200">
+                <a:solidFill>
+                  <a:schemeClr val="tx1"/>
+                </a:solidFill>
+                <a:latin typeface="+mn-lt"/>
+                <a:ea typeface="+mn-ea"/>
+                <a:cs typeface="+mn-cs"/>
+              </a:defRPr>
+            </a:lvl2pPr>
+            <a:lvl3pPr marL="914400" indent="0" algn="ctr" defTabSz="914400" rtl="0" eaLnBrk="1" latinLnBrk="0" hangingPunct="1">
+              <a:lnSpc>
+                <a:spcPct val="90000"/>
+              </a:lnSpc>
+              <a:spcBef>
+                <a:spcPts val="500"/>
+              </a:spcBef>
+              <a:buFont typeface="Arial" panose="020B0604020202020204" pitchFamily="34" charset="0"/>
+              <a:buNone/>
+              <a:defRPr sz="1800" kern="1200">
+                <a:solidFill>
+                  <a:schemeClr val="tx1"/>
+                </a:solidFill>
+                <a:latin typeface="+mn-lt"/>
+                <a:ea typeface="+mn-ea"/>
+                <a:cs typeface="+mn-cs"/>
+              </a:defRPr>
+            </a:lvl3pPr>
+            <a:lvl4pPr marL="1371600" indent="0" algn="ctr" defTabSz="914400" rtl="0" eaLnBrk="1" latinLnBrk="0" hangingPunct="1">
+              <a:lnSpc>
+                <a:spcPct val="90000"/>
+              </a:lnSpc>
+              <a:spcBef>
+                <a:spcPts val="500"/>
+              </a:spcBef>
+              <a:buFont typeface="Arial" panose="020B0604020202020204" pitchFamily="34" charset="0"/>
+              <a:buNone/>
+              <a:defRPr sz="1600" kern="1200">
+                <a:solidFill>
+                  <a:schemeClr val="tx1"/>
+                </a:solidFill>
+                <a:latin typeface="+mn-lt"/>
+                <a:ea typeface="+mn-ea"/>
+                <a:cs typeface="+mn-cs"/>
+              </a:defRPr>
+            </a:lvl4pPr>
+            <a:lvl5pPr marL="1828800" indent="0" algn="ctr" defTabSz="914400" rtl="0" eaLnBrk="1" latinLnBrk="0" hangingPunct="1">
+              <a:lnSpc>
+                <a:spcPct val="90000"/>
+              </a:lnSpc>
+              <a:spcBef>
+                <a:spcPts val="500"/>
+              </a:spcBef>
+              <a:buFont typeface="Arial" panose="020B0604020202020204" pitchFamily="34" charset="0"/>
+              <a:buNone/>
+              <a:defRPr sz="1600" kern="1200">
+                <a:solidFill>
+                  <a:schemeClr val="tx1"/>
+                </a:solidFill>
+                <a:latin typeface="+mn-lt"/>
+                <a:ea typeface="+mn-ea"/>
+                <a:cs typeface="+mn-cs"/>
+              </a:defRPr>
+            </a:lvl5pPr>
+            <a:lvl6pPr marL="2286000" indent="0" algn="ctr" defTabSz="914400" rtl="0" eaLnBrk="1" latinLnBrk="0" hangingPunct="1">
+              <a:lnSpc>
+                <a:spcPct val="90000"/>
+              </a:lnSpc>
+              <a:spcBef>
+                <a:spcPts val="500"/>
+              </a:spcBef>
+              <a:buFont typeface="Arial" panose="020B0604020202020204" pitchFamily="34" charset="0"/>
+              <a:buNone/>
+              <a:defRPr sz="1600" kern="1200">
+                <a:solidFill>
+                  <a:schemeClr val="tx1"/>
+                </a:solidFill>
+                <a:latin typeface="+mn-lt"/>
+                <a:ea typeface="+mn-ea"/>
+                <a:cs typeface="+mn-cs"/>
+              </a:defRPr>
+            </a:lvl6pPr>
+            <a:lvl7pPr marL="2743200" indent="0" algn="ctr" defTabSz="914400" rtl="0" eaLnBrk="1" latinLnBrk="0" hangingPunct="1">
+              <a:lnSpc>
+                <a:spcPct val="90000"/>
+              </a:lnSpc>
+              <a:spcBef>
+                <a:spcPts val="500"/>
+              </a:spcBef>
+              <a:buFont typeface="Arial" panose="020B0604020202020204" pitchFamily="34" charset="0"/>
+              <a:buNone/>
+              <a:defRPr sz="1600" kern="1200">
+                <a:solidFill>
+                  <a:schemeClr val="tx1"/>
+                </a:solidFill>
+                <a:latin typeface="+mn-lt"/>
+                <a:ea typeface="+mn-ea"/>
+                <a:cs typeface="+mn-cs"/>
+              </a:defRPr>
+            </a:lvl7pPr>
+            <a:lvl8pPr marL="3200400" indent="0" algn="ctr" defTabSz="914400" rtl="0" eaLnBrk="1" latinLnBrk="0" hangingPunct="1">
+              <a:lnSpc>
+                <a:spcPct val="90000"/>
+              </a:lnSpc>
+              <a:spcBef>
+                <a:spcPts val="500"/>
+              </a:spcBef>
+              <a:buFont typeface="Arial" panose="020B0604020202020204" pitchFamily="34" charset="0"/>
+              <a:buNone/>
+              <a:defRPr sz="1600" kern="1200">
+                <a:solidFill>
+                  <a:schemeClr val="tx1"/>
+                </a:solidFill>
+                <a:latin typeface="+mn-lt"/>
+                <a:ea typeface="+mn-ea"/>
+                <a:cs typeface="+mn-cs"/>
+              </a:defRPr>
+            </a:lvl8pPr>
+            <a:lvl9pPr marL="3657600" indent="0" algn="ctr" defTabSz="914400" rtl="0" eaLnBrk="1" latinLnBrk="0" hangingPunct="1">
+              <a:lnSpc>
+                <a:spcPct val="90000"/>
+              </a:lnSpc>
+              <a:spcBef>
+                <a:spcPts val="500"/>
+              </a:spcBef>
+              <a:buFont typeface="Arial" panose="020B0604020202020204" pitchFamily="34" charset="0"/>
+              <a:buNone/>
+              <a:defRPr sz="1600" kern="1200">
+                <a:solidFill>
+                  <a:schemeClr val="tx1"/>
+                </a:solidFill>
+                <a:latin typeface="+mn-lt"/>
+                <a:ea typeface="+mn-ea"/>
+                <a:cs typeface="+mn-cs"/>
+              </a:defRPr>
+            </a:lvl9pPr>
+          </a:lstStyle>
+          <a:p>
+            <a:pPr algn="l">
+              <a:buFont typeface="Arial" panose="020B0604020202020204" pitchFamily="34" charset="0"/>
+            </a:pPr>
+            <a:r>
+              <a:rPr lang="en-IN" altLang="en-US" sz="2095">
+                <a:solidFill>
+                  <a:schemeClr val="bg1"/>
+                </a:solidFill>
+                <a:latin typeface="Times New Roman" panose="02020603050405020304" charset="0"/>
+                <a:cs typeface="Times New Roman" panose="02020603050405020304" charset="0"/>
+                <a:sym typeface="+mn-ea"/>
+              </a:rPr>
+              <a:t>	</a:t>
+            </a:r>
+            <a:endParaRPr lang="en-IN" altLang="en-US" sz="2095">
+              <a:solidFill>
+                <a:schemeClr val="bg1"/>
+              </a:solidFill>
+              <a:latin typeface="Times New Roman" panose="02020603050405020304" charset="0"/>
+              <a:cs typeface="Times New Roman" panose="02020603050405020304" charset="0"/>
+              <a:sym typeface="+mn-ea"/>
+            </a:endParaRPr>
+          </a:p>
+          <a:p>
+            <a:pPr algn="l">
+              <a:buFont typeface="Arial" panose="020B0604020202020204" pitchFamily="34" charset="0"/>
+            </a:pPr>
+            <a:r>
+              <a:rPr lang="en-IN" altLang="en-US" sz="2095">
+                <a:solidFill>
+                  <a:schemeClr val="bg1"/>
+                </a:solidFill>
+                <a:latin typeface="Times New Roman" panose="02020603050405020304" charset="0"/>
+                <a:cs typeface="Times New Roman" panose="02020603050405020304" charset="0"/>
+                <a:sym typeface="+mn-ea"/>
+              </a:rPr>
+              <a:t>				      </a:t>
+            </a:r>
+            <a:r>
+              <a:rPr lang="en-IN" altLang="en-US">
+                <a:ln w="22225">
+                  <a:solidFill>
+                    <a:schemeClr val="accent2"/>
+                  </a:solidFill>
+                  <a:prstDash val="solid"/>
+                </a:ln>
+                <a:solidFill>
+                  <a:schemeClr val="accent2">
+                    <a:lumMod val="40000"/>
+                    <a:lumOff val="60000"/>
+                  </a:schemeClr>
+                </a:solidFill>
+                <a:effectLst/>
+                <a:latin typeface="Times New Roman" panose="02020603050405020304" charset="0"/>
+                <a:cs typeface="Times New Roman" panose="02020603050405020304" charset="0"/>
+                <a:sym typeface="+mn-ea"/>
+              </a:rPr>
+              <a:t> </a:t>
+            </a:r>
+            <a:r>
+              <a:rPr lang="en-US" altLang="en-IN" sz="3600" b="1">
+                <a:solidFill>
+                  <a:schemeClr val="accent1"/>
+                </a:solidFill>
+                <a:effectLst>
+                  <a:outerShdw blurRad="38100" dist="25400" dir="5400000" algn="ctr" rotWithShape="0">
+                    <a:srgbClr val="6E747A">
+                      <a:alpha val="43000"/>
+                    </a:srgbClr>
+                  </a:outerShdw>
+                </a:effectLst>
+                <a:latin typeface="Times New Roman" panose="02020603050405020304" charset="0"/>
+                <a:cs typeface="Times New Roman" panose="02020603050405020304" charset="0"/>
+                <a:sym typeface="+mn-ea"/>
+              </a:rPr>
+              <a:t>Commit</a:t>
+            </a:r>
+            <a:endParaRPr lang="en-US" altLang="en-IN" sz="3600" b="1">
+              <a:solidFill>
+                <a:schemeClr val="accent1"/>
+              </a:solidFill>
+              <a:effectLst>
+                <a:outerShdw blurRad="38100" dist="25400" dir="5400000" algn="ctr" rotWithShape="0">
+                  <a:srgbClr val="6E747A">
+                    <a:alpha val="43000"/>
+                  </a:srgbClr>
+                </a:outerShdw>
+              </a:effectLst>
+              <a:latin typeface="Times New Roman" panose="02020603050405020304" charset="0"/>
+              <a:cs typeface="Times New Roman" panose="02020603050405020304" charset="0"/>
+              <a:sym typeface="+mn-ea"/>
+            </a:endParaRPr>
+          </a:p>
+        </p:txBody>
+      </p:sp>
+    </p:spTree>
+  </p:cSld>
+  <p:clrMapOvr>
+    <a:masterClrMapping/>
+  </p:clrMapOvr>
+</p:sld>
+</file>
+
+<file path=ppt/slides/slide13.xml><?xml version="1.0" encoding="utf-8"?>
+<p:sld xmlns:a="http://schemas.openxmlformats.org/drawingml/2006/main" xmlns:r="http://schemas.openxmlformats.org/officeDocument/2006/relationships" xmlns:p="http://schemas.openxmlformats.org/presentationml/2006/main">
+  <p:cSld>
+    <p:spTree>
+      <p:nvGrpSpPr>
+        <p:cNvPr id="1" name=""/>
+        <p:cNvGrpSpPr/>
+        <p:nvPr/>
+      </p:nvGrpSpPr>
+      <p:grpSpPr/>
+      <p:sp>
+        <p:nvSpPr>
+          <p:cNvPr id="6" name="Title 5"/>
+          <p:cNvSpPr>
+            <a:spLocks noGrp="1"/>
+          </p:cNvSpPr>
+          <p:nvPr>
+            <p:ph type="ctrTitle"/>
+          </p:nvPr>
+        </p:nvSpPr>
+        <p:spPr/>
+        <p:txBody>
+          <a:bodyPr/>
+          <a:p>
             <a:endParaRPr lang="en-US"/>
           </a:p>
         </p:txBody>

--- a/GitHub.pptx
+++ b/GitHub.pptx
@@ -6,18 +6,21 @@
   </p:sldMasterIdLst>
   <p:sldIdLst>
     <p:sldId id="260" r:id="rId3"/>
-    <p:sldId id="261" r:id="rId4"/>
-    <p:sldId id="267" r:id="rId5"/>
-    <p:sldId id="272" r:id="rId6"/>
-    <p:sldId id="257" r:id="rId7"/>
-    <p:sldId id="277" r:id="rId8"/>
-    <p:sldId id="259" r:id="rId9"/>
-    <p:sldId id="264" r:id="rId10"/>
-    <p:sldId id="266" r:id="rId11"/>
-    <p:sldId id="281" r:id="rId12"/>
-    <p:sldId id="284" r:id="rId13"/>
+    <p:sldId id="287" r:id="rId4"/>
+    <p:sldId id="261" r:id="rId5"/>
+    <p:sldId id="267" r:id="rId6"/>
+    <p:sldId id="272" r:id="rId7"/>
+    <p:sldId id="257" r:id="rId8"/>
+    <p:sldId id="277" r:id="rId9"/>
+    <p:sldId id="259" r:id="rId10"/>
+    <p:sldId id="264" r:id="rId11"/>
+    <p:sldId id="266" r:id="rId12"/>
+    <p:sldId id="281" r:id="rId13"/>
     <p:sldId id="285" r:id="rId14"/>
-    <p:sldId id="283" r:id="rId15"/>
+    <p:sldId id="284" r:id="rId15"/>
+    <p:sldId id="288" r:id="rId16"/>
+    <p:sldId id="289" r:id="rId17"/>
+    <p:sldId id="283" r:id="rId18"/>
   </p:sldIdLst>
   <p:sldSz cx="12192000" cy="6858000"/>
   <p:notesSz cx="6858000" cy="9144000"/>
@@ -3002,35 +3005,61 @@
                   <a:schemeClr val="bg1"/>
                 </a:solidFill>
               </a:rPr>
-              <a:t>				        </a:t>
-            </a:r>
-            <a:r>
-              <a:rPr lang="en-IN" altLang="en-US" sz="3200" b="1">
-                <a:solidFill>
-                  <a:schemeClr val="bg1"/>
-                </a:solidFill>
-              </a:rPr>
-              <a:t>Murali R</a:t>
-            </a:r>
-            <a:endParaRPr lang="en-IN" altLang="en-US" sz="3200" b="1">
-              <a:solidFill>
-                <a:schemeClr val="bg1"/>
-              </a:solidFill>
+              <a:t>			</a:t>
+            </a:r>
+            <a:r>
+              <a:rPr lang="en-US" altLang="en-IN" sz="2800" b="1">
+                <a:solidFill>
+                  <a:schemeClr val="bg1"/>
+                </a:solidFill>
+              </a:rPr>
+              <a:t>      </a:t>
+            </a:r>
+            <a:r>
+              <a:rPr lang="en-US" sz="4800" b="1">
+                <a:ln w="10160">
+                  <a:solidFill>
+                    <a:schemeClr val="accent5"/>
+                  </a:solidFill>
+                  <a:prstDash val="solid"/>
+                </a:ln>
+                <a:solidFill>
+                  <a:srgbClr val="FFFFFF"/>
+                </a:solidFill>
+                <a:effectLst>
+                  <a:outerShdw blurRad="38100" dist="22860" dir="5400000" algn="tl" rotWithShape="0">
+                    <a:srgbClr val="000000">
+                      <a:alpha val="30000"/>
+                    </a:srgbClr>
+                  </a:outerShdw>
+                </a:effectLst>
+              </a:rPr>
+              <a:t>Good Morning...!</a:t>
+            </a:r>
+            <a:endParaRPr lang="en-US" sz="4800" b="1">
+              <a:ln w="10160">
+                <a:solidFill>
+                  <a:schemeClr val="accent5"/>
+                </a:solidFill>
+                <a:prstDash val="solid"/>
+              </a:ln>
+              <a:solidFill>
+                <a:srgbClr val="FFFFFF"/>
+              </a:solidFill>
+              <a:effectLst>
+                <a:outerShdw blurRad="38100" dist="22860" dir="5400000" algn="tl" rotWithShape="0">
+                  <a:srgbClr val="000000">
+                    <a:alpha val="30000"/>
+                  </a:srgbClr>
+                </a:outerShdw>
+              </a:effectLst>
             </a:endParaRPr>
           </a:p>
           <a:p>
             <a:pPr algn="l">
               <a:buFont typeface="Arial" panose="020B0604020202020204" pitchFamily="34" charset="0"/>
             </a:pPr>
-            <a:r>
-              <a:rPr lang="en-IN" altLang="en-US" sz="2800" b="1">
-                <a:solidFill>
-                  <a:schemeClr val="bg1"/>
-                </a:solidFill>
-              </a:rPr>
-              <a:t>					</a:t>
-            </a:r>
-            <a:endParaRPr lang="en-IN" altLang="en-US" sz="2800" b="1">
+            <a:endParaRPr lang="en-US" sz="4000" b="1">
               <a:solidFill>
                 <a:schemeClr val="bg1"/>
               </a:solidFill>
@@ -3040,74 +3069,38 @@
             <a:pPr algn="l">
               <a:buFont typeface="Arial" panose="020B0604020202020204" pitchFamily="34" charset="0"/>
             </a:pPr>
-            <a:r>
-              <a:rPr lang="en-IN" altLang="en-US" sz="2800" b="1">
-                <a:solidFill>
-                  <a:schemeClr val="bg1"/>
-                </a:solidFill>
-              </a:rPr>
-              <a:t>         				     </a:t>
-            </a:r>
-            <a:r>
-              <a:rPr lang="en-IN" altLang="en-US" sz="3200" b="1">
-                <a:solidFill>
-                  <a:schemeClr val="bg1"/>
-                </a:solidFill>
-              </a:rPr>
-              <a:t>QA </a:t>
-            </a:r>
-            <a:r>
-              <a:rPr lang="en-IN" altLang="en-US" sz="3200" b="1">
-                <a:solidFill>
-                  <a:schemeClr val="bg1"/>
-                </a:solidFill>
-              </a:rPr>
-              <a:t>Analyst</a:t>
-            </a:r>
-            <a:endParaRPr lang="en-IN" altLang="en-US" sz="3200" b="1">
-              <a:solidFill>
-                <a:schemeClr val="bg1"/>
-              </a:solidFill>
-            </a:endParaRPr>
-          </a:p>
-          <a:p>
-            <a:pPr algn="l">
-              <a:buFont typeface="Arial" panose="020B0604020202020204" pitchFamily="34" charset="0"/>
-            </a:pPr>
-            <a:endParaRPr lang="en-IN" altLang="en-US" sz="2800" b="1">
-              <a:solidFill>
-                <a:schemeClr val="bg1"/>
-              </a:solidFill>
-            </a:endParaRPr>
-          </a:p>
-          <a:p>
-            <a:pPr algn="l">
-              <a:buFont typeface="Arial" panose="020B0604020202020204" pitchFamily="34" charset="0"/>
-            </a:pPr>
-            <a:r>
-              <a:rPr lang="en-IN" altLang="en-US" sz="2800" b="1">
-                <a:solidFill>
-                  <a:schemeClr val="bg1"/>
-                </a:solidFill>
-              </a:rPr>
-              <a:t>			   </a:t>
-            </a:r>
-            <a:r>
-              <a:rPr lang="en-IN" altLang="en-US" sz="3600" b="1">
-                <a:solidFill>
-                  <a:schemeClr val="bg1"/>
-                </a:solidFill>
-              </a:rPr>
-              <a:t>Quality Assurance Team</a:t>
-            </a:r>
-            <a:endParaRPr lang="en-IN" altLang="en-US" sz="3600" b="1">
-              <a:solidFill>
-                <a:schemeClr val="bg1"/>
-              </a:solidFill>
-            </a:endParaRPr>
-          </a:p>
-        </p:txBody>
-      </p:sp>
+            <a:endParaRPr lang="en-US" sz="4000" b="1">
+              <a:solidFill>
+                <a:schemeClr val="bg1"/>
+              </a:solidFill>
+            </a:endParaRPr>
+          </a:p>
+        </p:txBody>
+      </p:sp>
+      <p:pic>
+        <p:nvPicPr>
+          <p:cNvPr id="2" name="Picture 1" descr="java_coffee_21855"/>
+          <p:cNvPicPr>
+            <a:picLocks noChangeAspect="1"/>
+          </p:cNvPicPr>
+          <p:nvPr/>
+        </p:nvPicPr>
+        <p:blipFill>
+          <a:blip r:embed="rId1"/>
+          <a:stretch>
+            <a:fillRect/>
+          </a:stretch>
+        </p:blipFill>
+        <p:spPr>
+          <a:xfrm>
+            <a:off x="4812030" y="2781300"/>
+            <a:ext cx="2438400" cy="2438400"/>
+          </a:xfrm>
+          <a:prstGeom prst="rect">
+            <a:avLst/>
+          </a:prstGeom>
+        </p:spPr>
+      </p:pic>
     </p:spTree>
   </p:cSld>
   <p:clrMapOvr>
@@ -3128,12 +3121,12 @@
       <p:grpSpPr/>
       <p:sp>
         <p:nvSpPr>
-          <p:cNvPr id="6" name="Title 5"/>
+          <p:cNvPr id="2" name="Title 1"/>
           <p:cNvSpPr>
             <a:spLocks noGrp="1"/>
           </p:cNvSpPr>
           <p:nvPr>
-            <p:ph type="ctrTitle"/>
+            <p:ph type="title"/>
           </p:nvPr>
         </p:nvSpPr>
         <p:spPr/>
@@ -3146,18 +3139,18 @@
       </p:sp>
       <p:sp>
         <p:nvSpPr>
-          <p:cNvPr id="7" name="Subtitle 6"/>
+          <p:cNvPr id="7" name="Content Placeholder 6"/>
           <p:cNvSpPr>
             <a:spLocks noGrp="1"/>
           </p:cNvSpPr>
           <p:nvPr>
-            <p:ph type="subTitle" idx="1"/>
+            <p:ph sz="half" idx="1"/>
           </p:nvPr>
         </p:nvSpPr>
         <p:spPr>
           <a:xfrm>
-            <a:off x="904240" y="2025650"/>
-            <a:ext cx="10546080" cy="4487545"/>
+            <a:off x="838200" y="1992630"/>
+            <a:ext cx="3439160" cy="4550410"/>
           </a:xfrm>
           <a:solidFill>
             <a:schemeClr val="bg2">
@@ -3173,14 +3166,186 @@
             <a:pPr algn="l">
               <a:buFont typeface="Arial" panose="020B0604020202020204" pitchFamily="34" charset="0"/>
             </a:pPr>
-            <a:r>
-              <a:rPr lang="en-IN" altLang="en-US" b="1">
-                <a:solidFill>
-                  <a:schemeClr val="bg1"/>
-                </a:solidFill>
-              </a:rPr>
-              <a:t>					</a:t>
-            </a:r>
+            <a:endParaRPr lang="en-IN" altLang="en-US">
+              <a:solidFill>
+                <a:schemeClr val="bg1"/>
+              </a:solidFill>
+            </a:endParaRPr>
+          </a:p>
+          <a:p>
+            <a:pPr marL="0" indent="0" algn="l">
+              <a:lnSpc>
+                <a:spcPct val="150000"/>
+              </a:lnSpc>
+              <a:buFont typeface="Arial" panose="020B0604020202020204" pitchFamily="34" charset="0"/>
+              <a:buNone/>
+            </a:pPr>
+            <a:r>
+              <a:rPr lang="en-IN" altLang="en-US" sz="3200" b="1">
+                <a:solidFill>
+                  <a:schemeClr val="bg1"/>
+                </a:solidFill>
+              </a:rPr>
+              <a:t>  </a:t>
+            </a:r>
+            <a:r>
+              <a:rPr lang="en-IN" altLang="en-US" sz="3200">
+                <a:solidFill>
+                  <a:schemeClr val="bg1"/>
+                </a:solidFill>
+              </a:rPr>
+              <a:t> 1.</a:t>
+            </a:r>
+            <a:r>
+              <a:rPr lang="en-IN" altLang="en-US" sz="3200" b="1">
+                <a:solidFill>
+                  <a:schemeClr val="bg1"/>
+                </a:solidFill>
+              </a:rPr>
+              <a:t> </a:t>
+            </a:r>
+            <a:r>
+              <a:rPr lang="en-IN" altLang="en-US" sz="3200">
+                <a:solidFill>
+                  <a:schemeClr val="bg1"/>
+                </a:solidFill>
+              </a:rPr>
+              <a:t> </a:t>
+            </a:r>
+            <a:r>
+              <a:rPr lang="en-US" altLang="en-IN" sz="3200">
+                <a:solidFill>
+                  <a:schemeClr val="bg1"/>
+                </a:solidFill>
+              </a:rPr>
+              <a:t>Repository</a:t>
+            </a:r>
+            <a:endParaRPr lang="en-US" altLang="en-IN" sz="3200">
+              <a:solidFill>
+                <a:schemeClr val="bg1"/>
+              </a:solidFill>
+            </a:endParaRPr>
+          </a:p>
+          <a:p>
+            <a:pPr marL="0" indent="0" algn="l">
+              <a:lnSpc>
+                <a:spcPct val="150000"/>
+              </a:lnSpc>
+              <a:buFont typeface="Arial" panose="020B0604020202020204" pitchFamily="34" charset="0"/>
+              <a:buNone/>
+            </a:pPr>
+            <a:r>
+              <a:rPr lang="en-IN" altLang="en-US" sz="3200">
+                <a:solidFill>
+                  <a:schemeClr val="bg1"/>
+                </a:solidFill>
+              </a:rPr>
+              <a:t>   2.  </a:t>
+            </a:r>
+            <a:r>
+              <a:rPr lang="en-US" altLang="en-IN" sz="3200">
+                <a:solidFill>
+                  <a:schemeClr val="bg1"/>
+                </a:solidFill>
+              </a:rPr>
+              <a:t>Commit</a:t>
+            </a:r>
+            <a:endParaRPr lang="en-US" altLang="en-IN" sz="3200">
+              <a:solidFill>
+                <a:schemeClr val="bg1"/>
+              </a:solidFill>
+            </a:endParaRPr>
+          </a:p>
+          <a:p>
+            <a:pPr marL="0" indent="0" algn="l">
+              <a:lnSpc>
+                <a:spcPct val="150000"/>
+              </a:lnSpc>
+              <a:buFont typeface="Arial" panose="020B0604020202020204" pitchFamily="34" charset="0"/>
+              <a:buNone/>
+            </a:pPr>
+            <a:r>
+              <a:rPr lang="en-IN" altLang="en-US" sz="3200">
+                <a:solidFill>
+                  <a:schemeClr val="bg1"/>
+                </a:solidFill>
+              </a:rPr>
+              <a:t>   3.  </a:t>
+            </a:r>
+            <a:r>
+              <a:rPr lang="en-US" altLang="en-IN" sz="3200">
+                <a:solidFill>
+                  <a:schemeClr val="bg1"/>
+                </a:solidFill>
+              </a:rPr>
+              <a:t>Branch</a:t>
+            </a:r>
+            <a:r>
+              <a:rPr lang="en-IN" altLang="en-US" sz="3200">
+                <a:solidFill>
+                  <a:schemeClr val="bg1"/>
+                </a:solidFill>
+              </a:rPr>
+              <a:t> </a:t>
+            </a:r>
+            <a:endParaRPr lang="en-IN" altLang="en-US" sz="3200">
+              <a:solidFill>
+                <a:schemeClr val="bg1"/>
+              </a:solidFill>
+            </a:endParaRPr>
+          </a:p>
+          <a:p>
+            <a:pPr marL="0" indent="0" algn="l">
+              <a:lnSpc>
+                <a:spcPct val="150000"/>
+              </a:lnSpc>
+              <a:buFont typeface="Arial" panose="020B0604020202020204" pitchFamily="34" charset="0"/>
+              <a:buNone/>
+            </a:pPr>
+            <a:r>
+              <a:rPr lang="en-IN" altLang="en-US" sz="3200">
+                <a:solidFill>
+                  <a:schemeClr val="bg1"/>
+                </a:solidFill>
+              </a:rPr>
+              <a:t>   4.  </a:t>
+            </a:r>
+            <a:r>
+              <a:rPr lang="en-US" altLang="en-IN" sz="3200">
+                <a:solidFill>
+                  <a:schemeClr val="bg1"/>
+                </a:solidFill>
+              </a:rPr>
+              <a:t>Merge</a:t>
+            </a:r>
+            <a:endParaRPr lang="en-US" altLang="en-IN" sz="3200">
+              <a:solidFill>
+                <a:schemeClr val="bg1"/>
+              </a:solidFill>
+            </a:endParaRPr>
+          </a:p>
+          <a:p>
+            <a:pPr marL="0" indent="0" algn="l">
+              <a:lnSpc>
+                <a:spcPct val="150000"/>
+              </a:lnSpc>
+              <a:buFont typeface="Arial" panose="020B0604020202020204" pitchFamily="34" charset="0"/>
+              <a:buNone/>
+            </a:pPr>
+            <a:endParaRPr lang="en-US" altLang="en-IN" sz="2800" b="1">
+              <a:solidFill>
+                <a:schemeClr val="bg1"/>
+              </a:solidFill>
+            </a:endParaRPr>
+          </a:p>
+          <a:p>
+            <a:pPr marL="457200" indent="-457200" algn="l">
+              <a:lnSpc>
+                <a:spcPct val="150000"/>
+              </a:lnSpc>
+              <a:buFont typeface="Arial" panose="020B0604020202020204" pitchFamily="34" charset="0"/>
+              <a:buChar char="•"/>
+            </a:pPr>
             <a:endParaRPr lang="en-IN" altLang="en-US" sz="2800" b="1">
               <a:solidFill>
                 <a:schemeClr val="bg1"/>
@@ -3188,157 +3353,46 @@
             </a:endParaRPr>
           </a:p>
           <a:p>
-            <a:pPr marL="914400" lvl="1" indent="-457200" algn="l">
-              <a:lnSpc>
-                <a:spcPct val="150000"/>
-              </a:lnSpc>
+            <a:pPr marL="342900" indent="-342900" algn="l">
               <a:buFont typeface="Arial" panose="020B0604020202020204" pitchFamily="34" charset="0"/>
               <a:buChar char="•"/>
             </a:pPr>
-            <a:r>
-              <a:rPr lang="en-US" sz="2800">
-                <a:solidFill>
-                  <a:schemeClr val="bg1"/>
-                </a:solidFill>
-                <a:latin typeface="Calibri" panose="020F0502020204030204" charset="0"/>
-                <a:cs typeface="Calibri" panose="020F0502020204030204" charset="0"/>
-                <a:sym typeface="+mn-ea"/>
-              </a:rPr>
-              <a:t>A Repository is a container which contains all of your project's files and each file's revision history.</a:t>
-            </a:r>
-            <a:endParaRPr lang="en-US" sz="2800">
-              <a:solidFill>
-                <a:schemeClr val="bg1"/>
-              </a:solidFill>
-              <a:latin typeface="Calibri" panose="020F0502020204030204" charset="0"/>
-              <a:cs typeface="Calibri" panose="020F0502020204030204" charset="0"/>
-            </a:endParaRPr>
-          </a:p>
-          <a:p>
-            <a:pPr marL="914400" lvl="1" indent="-457200" algn="l">
-              <a:lnSpc>
-                <a:spcPct val="150000"/>
-              </a:lnSpc>
-              <a:buFont typeface="Arial" panose="020B0604020202020204" pitchFamily="34" charset="0"/>
-              <a:buChar char="•"/>
-            </a:pPr>
-            <a:r>
-              <a:rPr lang="en-US" sz="2800">
-                <a:solidFill>
-                  <a:schemeClr val="bg1"/>
-                </a:solidFill>
-                <a:latin typeface="Calibri" panose="020F0502020204030204" charset="0"/>
-                <a:cs typeface="Calibri" panose="020F0502020204030204" charset="0"/>
-              </a:rPr>
-              <a:t>A Repository is classified into 2 types</a:t>
-            </a:r>
-            <a:endParaRPr lang="en-IN" altLang="en-US" sz="2330">
-              <a:solidFill>
-                <a:schemeClr val="bg1"/>
-              </a:solidFill>
-              <a:latin typeface="Calibri" panose="020F0502020204030204" charset="0"/>
-              <a:cs typeface="Calibri" panose="020F0502020204030204" charset="0"/>
-            </a:endParaRPr>
-          </a:p>
-          <a:p>
-            <a:pPr marL="1371600" lvl="2" indent="-457200" algn="l">
-              <a:lnSpc>
-                <a:spcPct val="150000"/>
-              </a:lnSpc>
-              <a:buFont typeface="Arial" panose="020B0604020202020204" pitchFamily="34" charset="0"/>
-              <a:buAutoNum type="arabicPeriod"/>
-            </a:pPr>
-            <a:r>
-              <a:rPr lang="en-IN" altLang="en-US" sz="2095">
-                <a:solidFill>
-                  <a:schemeClr val="bg1"/>
-                </a:solidFill>
-                <a:latin typeface="Calibri" panose="020F0502020204030204" charset="0"/>
-                <a:cs typeface="Calibri" panose="020F0502020204030204" charset="0"/>
-              </a:rPr>
-              <a:t>Public - A</a:t>
-            </a:r>
-            <a:r>
-              <a:rPr lang="en-IN" altLang="en-US" sz="2095">
-                <a:solidFill>
-                  <a:schemeClr val="bg1"/>
-                </a:solidFill>
-                <a:latin typeface="Calibri" panose="020F0502020204030204" charset="0"/>
-                <a:cs typeface="Calibri" panose="020F0502020204030204" charset="0"/>
-                <a:sym typeface="+mn-ea"/>
-              </a:rPr>
-              <a:t>nybody can access the Repository and it is a free of cost</a:t>
-            </a:r>
-            <a:endParaRPr lang="en-IN" altLang="en-US" sz="2095">
-              <a:solidFill>
-                <a:schemeClr val="bg1"/>
-              </a:solidFill>
-              <a:latin typeface="Calibri" panose="020F0502020204030204" charset="0"/>
-              <a:cs typeface="Calibri" panose="020F0502020204030204" charset="0"/>
-            </a:endParaRPr>
-          </a:p>
-          <a:p>
-            <a:pPr marL="1371600" lvl="2" indent="-457200" algn="l">
-              <a:lnSpc>
-                <a:spcPct val="150000"/>
-              </a:lnSpc>
-              <a:buFont typeface="Arial" panose="020B0604020202020204" pitchFamily="34" charset="0"/>
-              <a:buAutoNum type="arabicPeriod"/>
-            </a:pPr>
-            <a:r>
-              <a:rPr lang="en-IN" altLang="en-US" sz="2095">
-                <a:solidFill>
-                  <a:schemeClr val="bg1"/>
-                </a:solidFill>
-                <a:latin typeface="Calibri" panose="020F0502020204030204" charset="0"/>
-                <a:cs typeface="Calibri" panose="020F0502020204030204" charset="0"/>
-              </a:rPr>
-              <a:t>Private</a:t>
-            </a:r>
-            <a:r>
-              <a:rPr lang="en-IN" altLang="en-US" sz="2095">
-                <a:solidFill>
-                  <a:schemeClr val="bg1"/>
-                </a:solidFill>
-                <a:latin typeface="Calibri" panose="020F0502020204030204" charset="0"/>
-                <a:cs typeface="Calibri" panose="020F0502020204030204" charset="0"/>
-              </a:rPr>
-              <a:t> - R</a:t>
-            </a:r>
-            <a:r>
-              <a:rPr lang="en-IN" altLang="en-US" sz="2095">
-                <a:solidFill>
-                  <a:schemeClr val="bg1"/>
-                </a:solidFill>
-                <a:latin typeface="Calibri" panose="020F0502020204030204" charset="0"/>
-                <a:cs typeface="Calibri" panose="020F0502020204030204" charset="0"/>
-                <a:sym typeface="+mn-ea"/>
-              </a:rPr>
-              <a:t>estricted person only can access the Repository and it is a paid version</a:t>
-            </a:r>
-            <a:endParaRPr lang="en-IN" altLang="en-US" sz="2095">
-              <a:solidFill>
-                <a:schemeClr val="bg1"/>
-              </a:solidFill>
-              <a:latin typeface="Calibri" panose="020F0502020204030204" charset="0"/>
-              <a:cs typeface="Calibri" panose="020F0502020204030204" charset="0"/>
-              <a:sym typeface="+mn-ea"/>
-            </a:endParaRPr>
-          </a:p>
-        </p:txBody>
-      </p:sp>
-      <p:sp>
-        <p:nvSpPr>
-          <p:cNvPr id="3" name="Subtitle 6"/>
+            <a:endParaRPr lang="en-IN" altLang="en-US" sz="2800" b="1">
+              <a:solidFill>
+                <a:schemeClr val="bg1"/>
+              </a:solidFill>
+            </a:endParaRPr>
+          </a:p>
+        </p:txBody>
+      </p:sp>
+      <p:sp>
+        <p:nvSpPr>
+          <p:cNvPr id="3" name="Content Placeholder 2"/>
           <p:cNvSpPr>
             <a:spLocks noGrp="1"/>
           </p:cNvSpPr>
+          <p:nvPr>
+            <p:ph sz="half" idx="2"/>
+          </p:nvPr>
+        </p:nvSpPr>
+        <p:spPr/>
+        <p:txBody>
+          <a:bodyPr/>
+          <a:p>
+            <a:endParaRPr lang="en-US"/>
+          </a:p>
+        </p:txBody>
+      </p:sp>
+      <p:sp>
+        <p:nvSpPr>
+          <p:cNvPr id="4" name="Rectangles 3"/>
+          <p:cNvSpPr/>
           <p:nvPr/>
         </p:nvSpPr>
         <p:spPr>
           <a:xfrm>
-            <a:off x="904240" y="855345"/>
-            <a:ext cx="10545445" cy="1082675"/>
+            <a:off x="837565" y="581025"/>
+            <a:ext cx="10545445" cy="1244600"/>
           </a:xfrm>
           <a:prstGeom prst="rect">
             <a:avLst/>
@@ -3349,236 +3403,33 @@
             </a:schemeClr>
           </a:solidFill>
         </p:spPr>
-        <p:txBody>
-          <a:bodyPr vert="horz" lIns="91440" tIns="45720" rIns="91440" bIns="45720" rtlCol="0">
-            <a:normAutofit/>
+        <p:style>
+          <a:lnRef idx="2">
+            <a:schemeClr val="dk1">
+              <a:shade val="50000"/>
+            </a:schemeClr>
+          </a:lnRef>
+          <a:fillRef idx="1">
+            <a:schemeClr val="dk1"/>
+          </a:fillRef>
+          <a:effectRef idx="0">
+            <a:schemeClr val="dk1"/>
+          </a:effectRef>
+          <a:fontRef idx="minor">
+            <a:schemeClr val="lt1"/>
+          </a:fontRef>
+        </p:style>
+        <p:txBody>
+          <a:bodyPr rtlCol="0" anchor="ctr">
+            <a:scene3d>
+              <a:camera prst="orthographicFront"/>
+              <a:lightRig rig="threePt" dir="t"/>
+            </a:scene3d>
           </a:bodyPr>
-          <a:lstStyle>
-            <a:lvl1pPr marL="0" indent="0" algn="ctr" defTabSz="914400" rtl="0" eaLnBrk="1" latinLnBrk="0" hangingPunct="1">
-              <a:lnSpc>
-                <a:spcPct val="90000"/>
-              </a:lnSpc>
-              <a:spcBef>
-                <a:spcPts val="1000"/>
-              </a:spcBef>
-              <a:buFont typeface="Arial" panose="020B0604020202020204" pitchFamily="34" charset="0"/>
-              <a:buNone/>
-              <a:defRPr sz="2400" kern="1200">
-                <a:solidFill>
-                  <a:schemeClr val="tx1"/>
-                </a:solidFill>
-                <a:latin typeface="+mn-lt"/>
-                <a:ea typeface="+mn-ea"/>
-                <a:cs typeface="+mn-cs"/>
-              </a:defRPr>
-            </a:lvl1pPr>
-            <a:lvl2pPr marL="457200" indent="0" algn="ctr" defTabSz="914400" rtl="0" eaLnBrk="1" latinLnBrk="0" hangingPunct="1">
-              <a:lnSpc>
-                <a:spcPct val="90000"/>
-              </a:lnSpc>
-              <a:spcBef>
-                <a:spcPts val="500"/>
-              </a:spcBef>
-              <a:buFont typeface="Arial" panose="020B0604020202020204" pitchFamily="34" charset="0"/>
-              <a:buNone/>
-              <a:defRPr sz="2000" kern="1200">
-                <a:solidFill>
-                  <a:schemeClr val="tx1"/>
-                </a:solidFill>
-                <a:latin typeface="+mn-lt"/>
-                <a:ea typeface="+mn-ea"/>
-                <a:cs typeface="+mn-cs"/>
-              </a:defRPr>
-            </a:lvl2pPr>
-            <a:lvl3pPr marL="914400" indent="0" algn="ctr" defTabSz="914400" rtl="0" eaLnBrk="1" latinLnBrk="0" hangingPunct="1">
-              <a:lnSpc>
-                <a:spcPct val="90000"/>
-              </a:lnSpc>
-              <a:spcBef>
-                <a:spcPts val="500"/>
-              </a:spcBef>
-              <a:buFont typeface="Arial" panose="020B0604020202020204" pitchFamily="34" charset="0"/>
-              <a:buNone/>
-              <a:defRPr sz="1800" kern="1200">
-                <a:solidFill>
-                  <a:schemeClr val="tx1"/>
-                </a:solidFill>
-                <a:latin typeface="+mn-lt"/>
-                <a:ea typeface="+mn-ea"/>
-                <a:cs typeface="+mn-cs"/>
-              </a:defRPr>
-            </a:lvl3pPr>
-            <a:lvl4pPr marL="1371600" indent="0" algn="ctr" defTabSz="914400" rtl="0" eaLnBrk="1" latinLnBrk="0" hangingPunct="1">
-              <a:lnSpc>
-                <a:spcPct val="90000"/>
-              </a:lnSpc>
-              <a:spcBef>
-                <a:spcPts val="500"/>
-              </a:spcBef>
-              <a:buFont typeface="Arial" panose="020B0604020202020204" pitchFamily="34" charset="0"/>
-              <a:buNone/>
-              <a:defRPr sz="1600" kern="1200">
-                <a:solidFill>
-                  <a:schemeClr val="tx1"/>
-                </a:solidFill>
-                <a:latin typeface="+mn-lt"/>
-                <a:ea typeface="+mn-ea"/>
-                <a:cs typeface="+mn-cs"/>
-              </a:defRPr>
-            </a:lvl4pPr>
-            <a:lvl5pPr marL="1828800" indent="0" algn="ctr" defTabSz="914400" rtl="0" eaLnBrk="1" latinLnBrk="0" hangingPunct="1">
-              <a:lnSpc>
-                <a:spcPct val="90000"/>
-              </a:lnSpc>
-              <a:spcBef>
-                <a:spcPts val="500"/>
-              </a:spcBef>
-              <a:buFont typeface="Arial" panose="020B0604020202020204" pitchFamily="34" charset="0"/>
-              <a:buNone/>
-              <a:defRPr sz="1600" kern="1200">
-                <a:solidFill>
-                  <a:schemeClr val="tx1"/>
-                </a:solidFill>
-                <a:latin typeface="+mn-lt"/>
-                <a:ea typeface="+mn-ea"/>
-                <a:cs typeface="+mn-cs"/>
-              </a:defRPr>
-            </a:lvl5pPr>
-            <a:lvl6pPr marL="2286000" indent="0" algn="ctr" defTabSz="914400" rtl="0" eaLnBrk="1" latinLnBrk="0" hangingPunct="1">
-              <a:lnSpc>
-                <a:spcPct val="90000"/>
-              </a:lnSpc>
-              <a:spcBef>
-                <a:spcPts val="500"/>
-              </a:spcBef>
-              <a:buFont typeface="Arial" panose="020B0604020202020204" pitchFamily="34" charset="0"/>
-              <a:buNone/>
-              <a:defRPr sz="1600" kern="1200">
-                <a:solidFill>
-                  <a:schemeClr val="tx1"/>
-                </a:solidFill>
-                <a:latin typeface="+mn-lt"/>
-                <a:ea typeface="+mn-ea"/>
-                <a:cs typeface="+mn-cs"/>
-              </a:defRPr>
-            </a:lvl6pPr>
-            <a:lvl7pPr marL="2743200" indent="0" algn="ctr" defTabSz="914400" rtl="0" eaLnBrk="1" latinLnBrk="0" hangingPunct="1">
-              <a:lnSpc>
-                <a:spcPct val="90000"/>
-              </a:lnSpc>
-              <a:spcBef>
-                <a:spcPts val="500"/>
-              </a:spcBef>
-              <a:buFont typeface="Arial" panose="020B0604020202020204" pitchFamily="34" charset="0"/>
-              <a:buNone/>
-              <a:defRPr sz="1600" kern="1200">
-                <a:solidFill>
-                  <a:schemeClr val="tx1"/>
-                </a:solidFill>
-                <a:latin typeface="+mn-lt"/>
-                <a:ea typeface="+mn-ea"/>
-                <a:cs typeface="+mn-cs"/>
-              </a:defRPr>
-            </a:lvl7pPr>
-            <a:lvl8pPr marL="3200400" indent="0" algn="ctr" defTabSz="914400" rtl="0" eaLnBrk="1" latinLnBrk="0" hangingPunct="1">
-              <a:lnSpc>
-                <a:spcPct val="90000"/>
-              </a:lnSpc>
-              <a:spcBef>
-                <a:spcPts val="500"/>
-              </a:spcBef>
-              <a:buFont typeface="Arial" panose="020B0604020202020204" pitchFamily="34" charset="0"/>
-              <a:buNone/>
-              <a:defRPr sz="1600" kern="1200">
-                <a:solidFill>
-                  <a:schemeClr val="tx1"/>
-                </a:solidFill>
-                <a:latin typeface="+mn-lt"/>
-                <a:ea typeface="+mn-ea"/>
-                <a:cs typeface="+mn-cs"/>
-              </a:defRPr>
-            </a:lvl8pPr>
-            <a:lvl9pPr marL="3657600" indent="0" algn="ctr" defTabSz="914400" rtl="0" eaLnBrk="1" latinLnBrk="0" hangingPunct="1">
-              <a:lnSpc>
-                <a:spcPct val="90000"/>
-              </a:lnSpc>
-              <a:spcBef>
-                <a:spcPts val="500"/>
-              </a:spcBef>
-              <a:buFont typeface="Arial" panose="020B0604020202020204" pitchFamily="34" charset="0"/>
-              <a:buNone/>
-              <a:defRPr sz="1600" kern="1200">
-                <a:solidFill>
-                  <a:schemeClr val="tx1"/>
-                </a:solidFill>
-                <a:latin typeface="+mn-lt"/>
-                <a:ea typeface="+mn-ea"/>
-                <a:cs typeface="+mn-cs"/>
-              </a:defRPr>
-            </a:lvl9pPr>
-          </a:lstStyle>
-          <a:p>
-            <a:pPr algn="l">
-              <a:buFont typeface="Arial" panose="020B0604020202020204" pitchFamily="34" charset="0"/>
-            </a:pPr>
-            <a:r>
-              <a:rPr lang="en-IN" altLang="en-US" sz="2095">
-                <a:solidFill>
-                  <a:schemeClr val="bg1"/>
-                </a:solidFill>
-                <a:latin typeface="Times New Roman" panose="02020603050405020304" charset="0"/>
-                <a:cs typeface="Times New Roman" panose="02020603050405020304" charset="0"/>
-                <a:sym typeface="+mn-ea"/>
-              </a:rPr>
-              <a:t>	</a:t>
-            </a:r>
-            <a:endParaRPr lang="en-IN" altLang="en-US" sz="2095">
-              <a:solidFill>
-                <a:schemeClr val="bg1"/>
-              </a:solidFill>
-              <a:latin typeface="Times New Roman" panose="02020603050405020304" charset="0"/>
-              <a:cs typeface="Times New Roman" panose="02020603050405020304" charset="0"/>
-              <a:sym typeface="+mn-ea"/>
-            </a:endParaRPr>
-          </a:p>
-          <a:p>
-            <a:pPr algn="l">
-              <a:buFont typeface="Arial" panose="020B0604020202020204" pitchFamily="34" charset="0"/>
-            </a:pPr>
-            <a:r>
-              <a:rPr lang="en-IN" altLang="en-US" sz="2095">
-                <a:solidFill>
-                  <a:schemeClr val="bg1"/>
-                </a:solidFill>
-                <a:latin typeface="Times New Roman" panose="02020603050405020304" charset="0"/>
-                <a:cs typeface="Times New Roman" panose="02020603050405020304" charset="0"/>
-                <a:sym typeface="+mn-ea"/>
-              </a:rPr>
-              <a:t>				      </a:t>
-            </a:r>
-            <a:r>
-              <a:rPr lang="en-IN" altLang="en-US">
-                <a:ln w="22225">
-                  <a:solidFill>
-                    <a:schemeClr val="accent2"/>
-                  </a:solidFill>
-                  <a:prstDash val="solid"/>
-                </a:ln>
-                <a:solidFill>
-                  <a:schemeClr val="accent2">
-                    <a:lumMod val="40000"/>
-                    <a:lumOff val="60000"/>
-                  </a:schemeClr>
-                </a:solidFill>
-                <a:effectLst/>
-                <a:latin typeface="Times New Roman" panose="02020603050405020304" charset="0"/>
-                <a:cs typeface="Times New Roman" panose="02020603050405020304" charset="0"/>
-                <a:sym typeface="+mn-ea"/>
-              </a:rPr>
-              <a:t> </a:t>
-            </a:r>
-            <a:r>
-              <a:rPr lang="en-IN" altLang="en-US" sz="3600" b="1">
+          <a:p>
+            <a:pPr algn="ctr"/>
+            <a:r>
+              <a:rPr lang="en-IN" altLang="en-US" sz="4400" b="1">
                 <a:solidFill>
                   <a:schemeClr val="accent1"/>
                 </a:solidFill>
@@ -3593,22 +3444,764 @@
                 <a:cs typeface="Times New Roman" panose="02020603050405020304" charset="0"/>
                 <a:sym typeface="+mn-ea"/>
               </a:rPr>
-              <a:t>Repository</a:t>
-            </a:r>
-            <a:endParaRPr lang="en-IN" altLang="en-US" sz="3600" b="1">
-              <a:solidFill>
-                <a:schemeClr val="accent1"/>
+              <a:t>Important Terminologies</a:t>
+            </a:r>
+            <a:endParaRPr lang="en-IN" altLang="en-US" sz="4400" b="1" u="sng">
+              <a:ln w="10160">
+                <a:solidFill>
+                  <a:schemeClr val="accent5"/>
+                </a:solidFill>
+                <a:prstDash val="solid"/>
+              </a:ln>
+              <a:solidFill>
+                <a:schemeClr val="bg1"/>
               </a:solidFill>
               <a:effectLst>
-                <a:outerShdw blurRad="38100" dist="25400" dir="5400000" algn="ctr" rotWithShape="0">
-                  <a:srgbClr val="6E747A">
-                    <a:alpha val="43000"/>
+                <a:outerShdw blurRad="38100" dist="22860" dir="5400000" algn="tl" rotWithShape="0">
+                  <a:srgbClr val="000000">
+                    <a:alpha val="30000"/>
                   </a:srgbClr>
                 </a:outerShdw>
               </a:effectLst>
               <a:latin typeface="Times New Roman" panose="02020603050405020304" charset="0"/>
               <a:cs typeface="Times New Roman" panose="02020603050405020304" charset="0"/>
               <a:sym typeface="+mn-ea"/>
+            </a:endParaRPr>
+          </a:p>
+        </p:txBody>
+      </p:sp>
+      <p:sp>
+        <p:nvSpPr>
+          <p:cNvPr id="5" name="Content Placeholder 6"/>
+          <p:cNvSpPr>
+            <a:spLocks noGrp="1"/>
+          </p:cNvSpPr>
+          <p:nvPr/>
+        </p:nvSpPr>
+        <p:spPr>
+          <a:xfrm>
+            <a:off x="4373880" y="1991995"/>
+            <a:ext cx="3366135" cy="4551680"/>
+          </a:xfrm>
+          <a:prstGeom prst="rect">
+            <a:avLst/>
+          </a:prstGeom>
+          <a:solidFill>
+            <a:schemeClr val="bg2">
+              <a:lumMod val="25000"/>
+            </a:schemeClr>
+          </a:solidFill>
+        </p:spPr>
+        <p:txBody>
+          <a:bodyPr vert="horz" lIns="91440" tIns="45720" rIns="91440" bIns="45720" rtlCol="0">
+            <a:normAutofit/>
+          </a:bodyPr>
+          <a:lstStyle>
+            <a:lvl1pPr marL="228600" indent="-228600" algn="l" defTabSz="914400" rtl="0" eaLnBrk="1" latinLnBrk="0" hangingPunct="1">
+              <a:lnSpc>
+                <a:spcPct val="90000"/>
+              </a:lnSpc>
+              <a:spcBef>
+                <a:spcPts val="1000"/>
+              </a:spcBef>
+              <a:buFont typeface="Arial" panose="020B0604020202020204" pitchFamily="34" charset="0"/>
+              <a:buChar char="•"/>
+              <a:defRPr sz="2800" kern="1200">
+                <a:solidFill>
+                  <a:schemeClr val="tx1"/>
+                </a:solidFill>
+                <a:latin typeface="+mn-lt"/>
+                <a:ea typeface="+mn-ea"/>
+                <a:cs typeface="+mn-cs"/>
+              </a:defRPr>
+            </a:lvl1pPr>
+            <a:lvl2pPr marL="685800" indent="-228600" algn="l" defTabSz="914400" rtl="0" eaLnBrk="1" latinLnBrk="0" hangingPunct="1">
+              <a:lnSpc>
+                <a:spcPct val="90000"/>
+              </a:lnSpc>
+              <a:spcBef>
+                <a:spcPts val="500"/>
+              </a:spcBef>
+              <a:buFont typeface="Arial" panose="020B0604020202020204" pitchFamily="34" charset="0"/>
+              <a:buChar char="•"/>
+              <a:defRPr sz="2400" kern="1200">
+                <a:solidFill>
+                  <a:schemeClr val="tx1"/>
+                </a:solidFill>
+                <a:latin typeface="+mn-lt"/>
+                <a:ea typeface="+mn-ea"/>
+                <a:cs typeface="+mn-cs"/>
+              </a:defRPr>
+            </a:lvl2pPr>
+            <a:lvl3pPr marL="1143000" indent="-228600" algn="l" defTabSz="914400" rtl="0" eaLnBrk="1" latinLnBrk="0" hangingPunct="1">
+              <a:lnSpc>
+                <a:spcPct val="90000"/>
+              </a:lnSpc>
+              <a:spcBef>
+                <a:spcPts val="500"/>
+              </a:spcBef>
+              <a:buFont typeface="Arial" panose="020B0604020202020204" pitchFamily="34" charset="0"/>
+              <a:buChar char="•"/>
+              <a:defRPr sz="2000" kern="1200">
+                <a:solidFill>
+                  <a:schemeClr val="tx1"/>
+                </a:solidFill>
+                <a:latin typeface="+mn-lt"/>
+                <a:ea typeface="+mn-ea"/>
+                <a:cs typeface="+mn-cs"/>
+              </a:defRPr>
+            </a:lvl3pPr>
+            <a:lvl4pPr marL="1600200" indent="-228600" algn="l" defTabSz="914400" rtl="0" eaLnBrk="1" latinLnBrk="0" hangingPunct="1">
+              <a:lnSpc>
+                <a:spcPct val="90000"/>
+              </a:lnSpc>
+              <a:spcBef>
+                <a:spcPts val="500"/>
+              </a:spcBef>
+              <a:buFont typeface="Arial" panose="020B0604020202020204" pitchFamily="34" charset="0"/>
+              <a:buChar char="•"/>
+              <a:defRPr sz="1800" kern="1200">
+                <a:solidFill>
+                  <a:schemeClr val="tx1"/>
+                </a:solidFill>
+                <a:latin typeface="+mn-lt"/>
+                <a:ea typeface="+mn-ea"/>
+                <a:cs typeface="+mn-cs"/>
+              </a:defRPr>
+            </a:lvl4pPr>
+            <a:lvl5pPr marL="2057400" indent="-228600" algn="l" defTabSz="914400" rtl="0" eaLnBrk="1" latinLnBrk="0" hangingPunct="1">
+              <a:lnSpc>
+                <a:spcPct val="90000"/>
+              </a:lnSpc>
+              <a:spcBef>
+                <a:spcPts val="500"/>
+              </a:spcBef>
+              <a:buFont typeface="Arial" panose="020B0604020202020204" pitchFamily="34" charset="0"/>
+              <a:buChar char="•"/>
+              <a:defRPr sz="1800" kern="1200">
+                <a:solidFill>
+                  <a:schemeClr val="tx1"/>
+                </a:solidFill>
+                <a:latin typeface="+mn-lt"/>
+                <a:ea typeface="+mn-ea"/>
+                <a:cs typeface="+mn-cs"/>
+              </a:defRPr>
+            </a:lvl5pPr>
+            <a:lvl6pPr marL="2514600" indent="-228600" algn="l" defTabSz="914400" rtl="0" eaLnBrk="1" latinLnBrk="0" hangingPunct="1">
+              <a:lnSpc>
+                <a:spcPct val="90000"/>
+              </a:lnSpc>
+              <a:spcBef>
+                <a:spcPts val="500"/>
+              </a:spcBef>
+              <a:buFont typeface="Arial" panose="020B0604020202020204" pitchFamily="34" charset="0"/>
+              <a:buChar char="•"/>
+              <a:defRPr sz="1800" kern="1200">
+                <a:solidFill>
+                  <a:schemeClr val="tx1"/>
+                </a:solidFill>
+                <a:latin typeface="+mn-lt"/>
+                <a:ea typeface="+mn-ea"/>
+                <a:cs typeface="+mn-cs"/>
+              </a:defRPr>
+            </a:lvl6pPr>
+            <a:lvl7pPr marL="2971800" indent="-228600" algn="l" defTabSz="914400" rtl="0" eaLnBrk="1" latinLnBrk="0" hangingPunct="1">
+              <a:lnSpc>
+                <a:spcPct val="90000"/>
+              </a:lnSpc>
+              <a:spcBef>
+                <a:spcPts val="500"/>
+              </a:spcBef>
+              <a:buFont typeface="Arial" panose="020B0604020202020204" pitchFamily="34" charset="0"/>
+              <a:buChar char="•"/>
+              <a:defRPr sz="1800" kern="1200">
+                <a:solidFill>
+                  <a:schemeClr val="tx1"/>
+                </a:solidFill>
+                <a:latin typeface="+mn-lt"/>
+                <a:ea typeface="+mn-ea"/>
+                <a:cs typeface="+mn-cs"/>
+              </a:defRPr>
+            </a:lvl7pPr>
+            <a:lvl8pPr marL="3429000" indent="-228600" algn="l" defTabSz="914400" rtl="0" eaLnBrk="1" latinLnBrk="0" hangingPunct="1">
+              <a:lnSpc>
+                <a:spcPct val="90000"/>
+              </a:lnSpc>
+              <a:spcBef>
+                <a:spcPts val="500"/>
+              </a:spcBef>
+              <a:buFont typeface="Arial" panose="020B0604020202020204" pitchFamily="34" charset="0"/>
+              <a:buChar char="•"/>
+              <a:defRPr sz="1800" kern="1200">
+                <a:solidFill>
+                  <a:schemeClr val="tx1"/>
+                </a:solidFill>
+                <a:latin typeface="+mn-lt"/>
+                <a:ea typeface="+mn-ea"/>
+                <a:cs typeface="+mn-cs"/>
+              </a:defRPr>
+            </a:lvl8pPr>
+            <a:lvl9pPr marL="3886200" indent="-228600" algn="l" defTabSz="914400" rtl="0" eaLnBrk="1" latinLnBrk="0" hangingPunct="1">
+              <a:lnSpc>
+                <a:spcPct val="90000"/>
+              </a:lnSpc>
+              <a:spcBef>
+                <a:spcPts val="500"/>
+              </a:spcBef>
+              <a:buFont typeface="Arial" panose="020B0604020202020204" pitchFamily="34" charset="0"/>
+              <a:buChar char="•"/>
+              <a:defRPr sz="1800" kern="1200">
+                <a:solidFill>
+                  <a:schemeClr val="tx1"/>
+                </a:solidFill>
+                <a:latin typeface="+mn-lt"/>
+                <a:ea typeface="+mn-ea"/>
+                <a:cs typeface="+mn-cs"/>
+              </a:defRPr>
+            </a:lvl9pPr>
+          </a:lstStyle>
+          <a:p>
+            <a:pPr marL="0" indent="0" algn="l">
+              <a:buFont typeface="Arial" panose="020B0604020202020204" pitchFamily="34" charset="0"/>
+              <a:buNone/>
+            </a:pPr>
+            <a:endParaRPr lang="en-US" altLang="en-IN" sz="2800" b="1">
+              <a:solidFill>
+                <a:schemeClr val="bg1"/>
+              </a:solidFill>
+            </a:endParaRPr>
+          </a:p>
+          <a:p>
+            <a:pPr marL="0" indent="0" algn="l">
+              <a:lnSpc>
+                <a:spcPct val="150000"/>
+              </a:lnSpc>
+              <a:buFont typeface="Arial" panose="020B0604020202020204" pitchFamily="34" charset="0"/>
+              <a:buNone/>
+            </a:pPr>
+            <a:r>
+              <a:rPr lang="en-IN" altLang="en-US" sz="3200">
+                <a:solidFill>
+                  <a:schemeClr val="bg1"/>
+                </a:solidFill>
+              </a:rPr>
+              <a:t>   5. </a:t>
+            </a:r>
+            <a:r>
+              <a:rPr lang="en-US" altLang="en-IN" sz="3200">
+                <a:solidFill>
+                  <a:schemeClr val="bg1"/>
+                </a:solidFill>
+              </a:rPr>
+              <a:t>Push</a:t>
+            </a:r>
+            <a:endParaRPr lang="en-US" altLang="en-IN" sz="3200">
+              <a:solidFill>
+                <a:schemeClr val="bg1"/>
+              </a:solidFill>
+            </a:endParaRPr>
+          </a:p>
+          <a:p>
+            <a:pPr marL="0" indent="0" algn="l">
+              <a:lnSpc>
+                <a:spcPct val="150000"/>
+              </a:lnSpc>
+              <a:buFont typeface="Arial" panose="020B0604020202020204" pitchFamily="34" charset="0"/>
+              <a:buNone/>
+            </a:pPr>
+            <a:r>
+              <a:rPr lang="en-IN" altLang="en-US" sz="3200">
+                <a:solidFill>
+                  <a:schemeClr val="bg1"/>
+                </a:solidFill>
+              </a:rPr>
+              <a:t>   6. </a:t>
+            </a:r>
+            <a:r>
+              <a:rPr lang="en-US" altLang="en-IN" sz="3200">
+                <a:solidFill>
+                  <a:schemeClr val="bg1"/>
+                </a:solidFill>
+              </a:rPr>
+              <a:t>Fetch</a:t>
+            </a:r>
+            <a:endParaRPr lang="en-US" altLang="en-IN" sz="3200">
+              <a:solidFill>
+                <a:schemeClr val="bg1"/>
+              </a:solidFill>
+            </a:endParaRPr>
+          </a:p>
+          <a:p>
+            <a:pPr marL="0" indent="0" algn="l">
+              <a:lnSpc>
+                <a:spcPct val="150000"/>
+              </a:lnSpc>
+              <a:buFont typeface="Arial" panose="020B0604020202020204" pitchFamily="34" charset="0"/>
+              <a:buNone/>
+            </a:pPr>
+            <a:r>
+              <a:rPr lang="en-IN" altLang="en-US" sz="3200">
+                <a:solidFill>
+                  <a:schemeClr val="bg1"/>
+                </a:solidFill>
+              </a:rPr>
+              <a:t>   7. </a:t>
+            </a:r>
+            <a:r>
+              <a:rPr lang="en-US" altLang="en-IN" sz="3200">
+                <a:solidFill>
+                  <a:schemeClr val="bg1"/>
+                </a:solidFill>
+              </a:rPr>
+              <a:t>Revert</a:t>
+            </a:r>
+            <a:endParaRPr lang="en-US" altLang="en-IN" sz="3200">
+              <a:solidFill>
+                <a:schemeClr val="bg1"/>
+              </a:solidFill>
+            </a:endParaRPr>
+          </a:p>
+          <a:p>
+            <a:pPr marL="0" indent="0" algn="l">
+              <a:lnSpc>
+                <a:spcPct val="150000"/>
+              </a:lnSpc>
+              <a:buFont typeface="Arial" panose="020B0604020202020204" pitchFamily="34" charset="0"/>
+              <a:buNone/>
+            </a:pPr>
+            <a:r>
+              <a:rPr lang="en-IN" altLang="en-US" sz="3200">
+                <a:solidFill>
+                  <a:schemeClr val="bg1"/>
+                </a:solidFill>
+              </a:rPr>
+              <a:t>   8.</a:t>
+            </a:r>
+            <a:r>
+              <a:rPr lang="en-US" altLang="en-IN" sz="3200">
+                <a:solidFill>
+                  <a:schemeClr val="bg1"/>
+                </a:solidFill>
+              </a:rPr>
+              <a:t> Fork</a:t>
+            </a:r>
+            <a:endParaRPr lang="en-US" altLang="en-IN" sz="3200">
+              <a:solidFill>
+                <a:schemeClr val="bg1"/>
+              </a:solidFill>
+            </a:endParaRPr>
+          </a:p>
+          <a:p>
+            <a:pPr marL="457200" indent="-457200" algn="l">
+              <a:lnSpc>
+                <a:spcPct val="150000"/>
+              </a:lnSpc>
+              <a:buFont typeface="Arial" panose="020B0604020202020204" pitchFamily="34" charset="0"/>
+              <a:buChar char="•"/>
+            </a:pPr>
+            <a:endParaRPr lang="en-US" altLang="en-IN" sz="2800" b="1">
+              <a:solidFill>
+                <a:schemeClr val="bg1"/>
+              </a:solidFill>
+            </a:endParaRPr>
+          </a:p>
+          <a:p>
+            <a:pPr marL="457200" indent="-457200" algn="l">
+              <a:lnSpc>
+                <a:spcPct val="150000"/>
+              </a:lnSpc>
+              <a:buFont typeface="Arial" panose="020B0604020202020204" pitchFamily="34" charset="0"/>
+              <a:buChar char="•"/>
+            </a:pPr>
+            <a:endParaRPr lang="en-US" altLang="en-IN" sz="2800" b="1">
+              <a:solidFill>
+                <a:schemeClr val="bg1"/>
+              </a:solidFill>
+            </a:endParaRPr>
+          </a:p>
+          <a:p>
+            <a:pPr marL="457200" indent="-457200" algn="l">
+              <a:lnSpc>
+                <a:spcPct val="150000"/>
+              </a:lnSpc>
+              <a:buFont typeface="Arial" panose="020B0604020202020204" pitchFamily="34" charset="0"/>
+              <a:buChar char="•"/>
+            </a:pPr>
+            <a:endParaRPr lang="en-IN" altLang="en-US" sz="2800" b="1">
+              <a:solidFill>
+                <a:schemeClr val="bg1"/>
+              </a:solidFill>
+            </a:endParaRPr>
+          </a:p>
+          <a:p>
+            <a:pPr marL="342900" indent="-342900" algn="l">
+              <a:buFont typeface="Arial" panose="020B0604020202020204" pitchFamily="34" charset="0"/>
+              <a:buChar char="•"/>
+            </a:pPr>
+            <a:endParaRPr lang="en-IN" altLang="en-US" sz="2800" b="1">
+              <a:solidFill>
+                <a:schemeClr val="bg1"/>
+              </a:solidFill>
+            </a:endParaRPr>
+          </a:p>
+        </p:txBody>
+      </p:sp>
+      <p:sp>
+        <p:nvSpPr>
+          <p:cNvPr id="6" name="Content Placeholder 6"/>
+          <p:cNvSpPr>
+            <a:spLocks noGrp="1"/>
+          </p:cNvSpPr>
+          <p:nvPr/>
+        </p:nvSpPr>
+        <p:spPr>
+          <a:xfrm>
+            <a:off x="7924165" y="1992630"/>
+            <a:ext cx="3429635" cy="4549775"/>
+          </a:xfrm>
+          <a:prstGeom prst="rect">
+            <a:avLst/>
+          </a:prstGeom>
+          <a:solidFill>
+            <a:schemeClr val="bg2">
+              <a:lumMod val="25000"/>
+            </a:schemeClr>
+          </a:solidFill>
+        </p:spPr>
+        <p:txBody>
+          <a:bodyPr vert="horz" lIns="91440" tIns="45720" rIns="91440" bIns="45720" rtlCol="0">
+            <a:normAutofit/>
+          </a:bodyPr>
+          <a:lstStyle>
+            <a:lvl1pPr marL="228600" indent="-228600" algn="l" defTabSz="914400" rtl="0" eaLnBrk="1" latinLnBrk="0" hangingPunct="1">
+              <a:lnSpc>
+                <a:spcPct val="90000"/>
+              </a:lnSpc>
+              <a:spcBef>
+                <a:spcPts val="1000"/>
+              </a:spcBef>
+              <a:buFont typeface="Arial" panose="020B0604020202020204" pitchFamily="34" charset="0"/>
+              <a:buChar char="•"/>
+              <a:defRPr sz="2800" kern="1200">
+                <a:solidFill>
+                  <a:schemeClr val="tx1"/>
+                </a:solidFill>
+                <a:latin typeface="+mn-lt"/>
+                <a:ea typeface="+mn-ea"/>
+                <a:cs typeface="+mn-cs"/>
+              </a:defRPr>
+            </a:lvl1pPr>
+            <a:lvl2pPr marL="685800" indent="-228600" algn="l" defTabSz="914400" rtl="0" eaLnBrk="1" latinLnBrk="0" hangingPunct="1">
+              <a:lnSpc>
+                <a:spcPct val="90000"/>
+              </a:lnSpc>
+              <a:spcBef>
+                <a:spcPts val="500"/>
+              </a:spcBef>
+              <a:buFont typeface="Arial" panose="020B0604020202020204" pitchFamily="34" charset="0"/>
+              <a:buChar char="•"/>
+              <a:defRPr sz="2400" kern="1200">
+                <a:solidFill>
+                  <a:schemeClr val="tx1"/>
+                </a:solidFill>
+                <a:latin typeface="+mn-lt"/>
+                <a:ea typeface="+mn-ea"/>
+                <a:cs typeface="+mn-cs"/>
+              </a:defRPr>
+            </a:lvl2pPr>
+            <a:lvl3pPr marL="1143000" indent="-228600" algn="l" defTabSz="914400" rtl="0" eaLnBrk="1" latinLnBrk="0" hangingPunct="1">
+              <a:lnSpc>
+                <a:spcPct val="90000"/>
+              </a:lnSpc>
+              <a:spcBef>
+                <a:spcPts val="500"/>
+              </a:spcBef>
+              <a:buFont typeface="Arial" panose="020B0604020202020204" pitchFamily="34" charset="0"/>
+              <a:buChar char="•"/>
+              <a:defRPr sz="2000" kern="1200">
+                <a:solidFill>
+                  <a:schemeClr val="tx1"/>
+                </a:solidFill>
+                <a:latin typeface="+mn-lt"/>
+                <a:ea typeface="+mn-ea"/>
+                <a:cs typeface="+mn-cs"/>
+              </a:defRPr>
+            </a:lvl3pPr>
+            <a:lvl4pPr marL="1600200" indent="-228600" algn="l" defTabSz="914400" rtl="0" eaLnBrk="1" latinLnBrk="0" hangingPunct="1">
+              <a:lnSpc>
+                <a:spcPct val="90000"/>
+              </a:lnSpc>
+              <a:spcBef>
+                <a:spcPts val="500"/>
+              </a:spcBef>
+              <a:buFont typeface="Arial" panose="020B0604020202020204" pitchFamily="34" charset="0"/>
+              <a:buChar char="•"/>
+              <a:defRPr sz="1800" kern="1200">
+                <a:solidFill>
+                  <a:schemeClr val="tx1"/>
+                </a:solidFill>
+                <a:latin typeface="+mn-lt"/>
+                <a:ea typeface="+mn-ea"/>
+                <a:cs typeface="+mn-cs"/>
+              </a:defRPr>
+            </a:lvl4pPr>
+            <a:lvl5pPr marL="2057400" indent="-228600" algn="l" defTabSz="914400" rtl="0" eaLnBrk="1" latinLnBrk="0" hangingPunct="1">
+              <a:lnSpc>
+                <a:spcPct val="90000"/>
+              </a:lnSpc>
+              <a:spcBef>
+                <a:spcPts val="500"/>
+              </a:spcBef>
+              <a:buFont typeface="Arial" panose="020B0604020202020204" pitchFamily="34" charset="0"/>
+              <a:buChar char="•"/>
+              <a:defRPr sz="1800" kern="1200">
+                <a:solidFill>
+                  <a:schemeClr val="tx1"/>
+                </a:solidFill>
+                <a:latin typeface="+mn-lt"/>
+                <a:ea typeface="+mn-ea"/>
+                <a:cs typeface="+mn-cs"/>
+              </a:defRPr>
+            </a:lvl5pPr>
+            <a:lvl6pPr marL="2514600" indent="-228600" algn="l" defTabSz="914400" rtl="0" eaLnBrk="1" latinLnBrk="0" hangingPunct="1">
+              <a:lnSpc>
+                <a:spcPct val="90000"/>
+              </a:lnSpc>
+              <a:spcBef>
+                <a:spcPts val="500"/>
+              </a:spcBef>
+              <a:buFont typeface="Arial" panose="020B0604020202020204" pitchFamily="34" charset="0"/>
+              <a:buChar char="•"/>
+              <a:defRPr sz="1800" kern="1200">
+                <a:solidFill>
+                  <a:schemeClr val="tx1"/>
+                </a:solidFill>
+                <a:latin typeface="+mn-lt"/>
+                <a:ea typeface="+mn-ea"/>
+                <a:cs typeface="+mn-cs"/>
+              </a:defRPr>
+            </a:lvl6pPr>
+            <a:lvl7pPr marL="2971800" indent="-228600" algn="l" defTabSz="914400" rtl="0" eaLnBrk="1" latinLnBrk="0" hangingPunct="1">
+              <a:lnSpc>
+                <a:spcPct val="90000"/>
+              </a:lnSpc>
+              <a:spcBef>
+                <a:spcPts val="500"/>
+              </a:spcBef>
+              <a:buFont typeface="Arial" panose="020B0604020202020204" pitchFamily="34" charset="0"/>
+              <a:buChar char="•"/>
+              <a:defRPr sz="1800" kern="1200">
+                <a:solidFill>
+                  <a:schemeClr val="tx1"/>
+                </a:solidFill>
+                <a:latin typeface="+mn-lt"/>
+                <a:ea typeface="+mn-ea"/>
+                <a:cs typeface="+mn-cs"/>
+              </a:defRPr>
+            </a:lvl7pPr>
+            <a:lvl8pPr marL="3429000" indent="-228600" algn="l" defTabSz="914400" rtl="0" eaLnBrk="1" latinLnBrk="0" hangingPunct="1">
+              <a:lnSpc>
+                <a:spcPct val="90000"/>
+              </a:lnSpc>
+              <a:spcBef>
+                <a:spcPts val="500"/>
+              </a:spcBef>
+              <a:buFont typeface="Arial" panose="020B0604020202020204" pitchFamily="34" charset="0"/>
+              <a:buChar char="•"/>
+              <a:defRPr sz="1800" kern="1200">
+                <a:solidFill>
+                  <a:schemeClr val="tx1"/>
+                </a:solidFill>
+                <a:latin typeface="+mn-lt"/>
+                <a:ea typeface="+mn-ea"/>
+                <a:cs typeface="+mn-cs"/>
+              </a:defRPr>
+            </a:lvl8pPr>
+            <a:lvl9pPr marL="3886200" indent="-228600" algn="l" defTabSz="914400" rtl="0" eaLnBrk="1" latinLnBrk="0" hangingPunct="1">
+              <a:lnSpc>
+                <a:spcPct val="90000"/>
+              </a:lnSpc>
+              <a:spcBef>
+                <a:spcPts val="500"/>
+              </a:spcBef>
+              <a:buFont typeface="Arial" panose="020B0604020202020204" pitchFamily="34" charset="0"/>
+              <a:buChar char="•"/>
+              <a:defRPr sz="1800" kern="1200">
+                <a:solidFill>
+                  <a:schemeClr val="tx1"/>
+                </a:solidFill>
+                <a:latin typeface="+mn-lt"/>
+                <a:ea typeface="+mn-ea"/>
+                <a:cs typeface="+mn-cs"/>
+              </a:defRPr>
+            </a:lvl9pPr>
+          </a:lstStyle>
+          <a:p>
+            <a:pPr marL="0" indent="0" algn="l">
+              <a:buFont typeface="Arial" panose="020B0604020202020204" pitchFamily="34" charset="0"/>
+              <a:buNone/>
+            </a:pPr>
+            <a:endParaRPr lang="en-US" altLang="en-IN" sz="2800" b="1">
+              <a:solidFill>
+                <a:schemeClr val="bg1"/>
+              </a:solidFill>
+            </a:endParaRPr>
+          </a:p>
+          <a:p>
+            <a:pPr marL="0" indent="0" algn="l">
+              <a:lnSpc>
+                <a:spcPct val="150000"/>
+              </a:lnSpc>
+              <a:buFont typeface="Arial" panose="020B0604020202020204" pitchFamily="34" charset="0"/>
+              <a:buNone/>
+            </a:pPr>
+            <a:r>
+              <a:rPr lang="en-IN" altLang="en-US" sz="3200">
+                <a:solidFill>
+                  <a:schemeClr val="bg1"/>
+                </a:solidFill>
+              </a:rPr>
+              <a:t>   9. Release</a:t>
+            </a:r>
+            <a:endParaRPr lang="en-IN" altLang="en-US" sz="3200">
+              <a:solidFill>
+                <a:schemeClr val="bg1"/>
+              </a:solidFill>
+            </a:endParaRPr>
+          </a:p>
+          <a:p>
+            <a:pPr marL="0" indent="0" algn="l">
+              <a:lnSpc>
+                <a:spcPct val="150000"/>
+              </a:lnSpc>
+              <a:buFont typeface="Arial" panose="020B0604020202020204" pitchFamily="34" charset="0"/>
+              <a:buNone/>
+            </a:pPr>
+            <a:r>
+              <a:rPr lang="en-IN" altLang="en-US" sz="3200">
+                <a:solidFill>
+                  <a:schemeClr val="bg1"/>
+                </a:solidFill>
+              </a:rPr>
+              <a:t>   10. Read me</a:t>
+            </a:r>
+            <a:endParaRPr lang="en-IN" altLang="en-US" sz="3200">
+              <a:solidFill>
+                <a:schemeClr val="bg1"/>
+              </a:solidFill>
+            </a:endParaRPr>
+          </a:p>
+          <a:p>
+            <a:pPr marL="0" indent="0" algn="l">
+              <a:lnSpc>
+                <a:spcPct val="150000"/>
+              </a:lnSpc>
+              <a:buFont typeface="Arial" panose="020B0604020202020204" pitchFamily="34" charset="0"/>
+              <a:buNone/>
+            </a:pPr>
+            <a:r>
+              <a:rPr lang="en-IN" altLang="en-US" sz="3200">
+                <a:solidFill>
+                  <a:schemeClr val="bg1"/>
+                </a:solidFill>
+              </a:rPr>
+              <a:t>   11. </a:t>
+            </a:r>
+            <a:r>
+              <a:rPr lang="en-US" altLang="en-IN" sz="3200">
+                <a:solidFill>
+                  <a:schemeClr val="bg1"/>
+                </a:solidFill>
+              </a:rPr>
+              <a:t>Revert</a:t>
+            </a:r>
+            <a:endParaRPr lang="en-US" altLang="en-IN" sz="3200">
+              <a:solidFill>
+                <a:schemeClr val="bg1"/>
+              </a:solidFill>
+            </a:endParaRPr>
+          </a:p>
+          <a:p>
+            <a:pPr marL="0" indent="0" algn="l">
+              <a:lnSpc>
+                <a:spcPct val="150000"/>
+              </a:lnSpc>
+              <a:buFont typeface="Arial" panose="020B0604020202020204" pitchFamily="34" charset="0"/>
+              <a:buNone/>
+            </a:pPr>
+            <a:r>
+              <a:rPr lang="en-IN" altLang="en-US" sz="3200">
+                <a:solidFill>
+                  <a:schemeClr val="bg1"/>
+                </a:solidFill>
+              </a:rPr>
+              <a:t>   12.</a:t>
+            </a:r>
+            <a:r>
+              <a:rPr lang="en-US" altLang="en-IN" sz="3200">
+                <a:solidFill>
+                  <a:schemeClr val="bg1"/>
+                </a:solidFill>
+              </a:rPr>
+              <a:t> Fork</a:t>
+            </a:r>
+            <a:endParaRPr lang="en-US" altLang="en-IN" sz="3200">
+              <a:solidFill>
+                <a:schemeClr val="bg1"/>
+              </a:solidFill>
+            </a:endParaRPr>
+          </a:p>
+          <a:p>
+            <a:pPr marL="457200" indent="-457200" algn="l">
+              <a:lnSpc>
+                <a:spcPct val="150000"/>
+              </a:lnSpc>
+              <a:buFont typeface="Arial" panose="020B0604020202020204" pitchFamily="34" charset="0"/>
+              <a:buChar char="•"/>
+            </a:pPr>
+            <a:endParaRPr lang="en-US" altLang="en-IN" sz="2800" b="1">
+              <a:solidFill>
+                <a:schemeClr val="bg1"/>
+              </a:solidFill>
+            </a:endParaRPr>
+          </a:p>
+          <a:p>
+            <a:pPr marL="457200" indent="-457200" algn="l">
+              <a:lnSpc>
+                <a:spcPct val="150000"/>
+              </a:lnSpc>
+              <a:buFont typeface="Arial" panose="020B0604020202020204" pitchFamily="34" charset="0"/>
+              <a:buChar char="•"/>
+            </a:pPr>
+            <a:endParaRPr lang="en-US" altLang="en-IN" sz="2800" b="1">
+              <a:solidFill>
+                <a:schemeClr val="bg1"/>
+              </a:solidFill>
+            </a:endParaRPr>
+          </a:p>
+          <a:p>
+            <a:pPr marL="457200" indent="-457200" algn="l">
+              <a:lnSpc>
+                <a:spcPct val="150000"/>
+              </a:lnSpc>
+              <a:buFont typeface="Arial" panose="020B0604020202020204" pitchFamily="34" charset="0"/>
+              <a:buChar char="•"/>
+            </a:pPr>
+            <a:endParaRPr lang="en-IN" altLang="en-US" sz="2800" b="1">
+              <a:solidFill>
+                <a:schemeClr val="bg1"/>
+              </a:solidFill>
+            </a:endParaRPr>
+          </a:p>
+          <a:p>
+            <a:pPr marL="342900" indent="-342900" algn="l">
+              <a:buFont typeface="Arial" panose="020B0604020202020204" pitchFamily="34" charset="0"/>
+              <a:buChar char="•"/>
+            </a:pPr>
+            <a:endParaRPr lang="en-IN" altLang="en-US" sz="2800" b="1">
+              <a:solidFill>
+                <a:schemeClr val="bg1"/>
+              </a:solidFill>
             </a:endParaRPr>
           </a:p>
         </p:txBody>
@@ -3645,10 +4238,6 @@
         <p:txBody>
           <a:bodyPr/>
           <a:p>
-            <a:r>
-              <a:rPr lang="en-US"/>
-              <a:t>A</a:t>
-            </a:r>
             <a:endParaRPr lang="en-US"/>
           </a:p>
         </p:txBody>
@@ -3666,7 +4255,7 @@
         <p:spPr>
           <a:xfrm>
             <a:off x="904240" y="2025650"/>
-            <a:ext cx="6751955" cy="4487545"/>
+            <a:ext cx="10546080" cy="4487545"/>
           </a:xfrm>
           <a:solidFill>
             <a:schemeClr val="bg2">
@@ -3705,33 +4294,7 @@
               <a:buChar char="•"/>
             </a:pPr>
             <a:r>
-              <a:rPr lang="en-US" altLang="en-IN" sz="2095">
-                <a:solidFill>
-                  <a:schemeClr val="bg1"/>
-                </a:solidFill>
-                <a:latin typeface="Calibri" panose="020F0502020204030204" charset="0"/>
-                <a:cs typeface="Calibri" panose="020F0502020204030204" charset="0"/>
-              </a:rPr>
-              <a:t>A Branch is a isolate development work without affecting other branches in the repository</a:t>
-            </a:r>
-            <a:endParaRPr lang="en-US" sz="2800">
-              <a:solidFill>
-                <a:schemeClr val="bg1"/>
-              </a:solidFill>
-              <a:latin typeface="Calibri" panose="020F0502020204030204" charset="0"/>
-              <a:cs typeface="Calibri" panose="020F0502020204030204" charset="0"/>
-            </a:endParaRPr>
-          </a:p>
-          <a:p>
-            <a:pPr marL="914400" lvl="1" indent="-457200" algn="l">
-              <a:lnSpc>
-                <a:spcPct val="150000"/>
-              </a:lnSpc>
-              <a:buFont typeface="Arial" panose="020B0604020202020204" pitchFamily="34" charset="0"/>
-              <a:buChar char="•"/>
-            </a:pPr>
-            <a:r>
-              <a:rPr lang="en-US" altLang="en-IN" sz="2095">
+              <a:rPr lang="en-US" sz="2800">
                 <a:solidFill>
                   <a:schemeClr val="bg1"/>
                 </a:solidFill>
@@ -3739,15 +4302,14 @@
                 <a:cs typeface="Calibri" panose="020F0502020204030204" charset="0"/>
                 <a:sym typeface="+mn-ea"/>
               </a:rPr>
-              <a:t>Each repository has one default branch named Main.</a:t>
-            </a:r>
-            <a:endParaRPr lang="en-US" altLang="en-IN" sz="2095">
+              <a:t>A Repository is a container which contains all of your project's files and each file's revision history.</a:t>
+            </a:r>
+            <a:endParaRPr lang="en-US" sz="2800">
               <a:solidFill>
                 <a:schemeClr val="bg1"/>
               </a:solidFill>
               <a:latin typeface="Calibri" panose="020F0502020204030204" charset="0"/>
               <a:cs typeface="Calibri" panose="020F0502020204030204" charset="0"/>
-              <a:sym typeface="+mn-ea"/>
             </a:endParaRPr>
           </a:p>
           <a:p>
@@ -3759,7 +4321,43 @@
               <a:buChar char="•"/>
             </a:pPr>
             <a:r>
-              <a:rPr lang="en-US" altLang="en-IN" sz="2095">
+              <a:rPr lang="en-US" sz="2800">
+                <a:solidFill>
+                  <a:schemeClr val="bg1"/>
+                </a:solidFill>
+                <a:latin typeface="Calibri" panose="020F0502020204030204" charset="0"/>
+                <a:cs typeface="Calibri" panose="020F0502020204030204" charset="0"/>
+              </a:rPr>
+              <a:t>A Repository is classified into 2 types</a:t>
+            </a:r>
+            <a:endParaRPr lang="en-IN" altLang="en-US" sz="2330">
+              <a:solidFill>
+                <a:schemeClr val="bg1"/>
+              </a:solidFill>
+              <a:latin typeface="Calibri" panose="020F0502020204030204" charset="0"/>
+              <a:cs typeface="Calibri" panose="020F0502020204030204" charset="0"/>
+            </a:endParaRPr>
+          </a:p>
+          <a:p>
+            <a:pPr marL="1371600" lvl="2" indent="-457200" algn="l">
+              <a:lnSpc>
+                <a:spcPct val="150000"/>
+              </a:lnSpc>
+              <a:buFont typeface="Arial" panose="020B0604020202020204" pitchFamily="34" charset="0"/>
+              <a:buAutoNum type="arabicPeriod"/>
+            </a:pPr>
+            <a:r>
+              <a:rPr lang="en-IN" altLang="en-US" sz="2095">
+                <a:solidFill>
+                  <a:schemeClr val="bg1"/>
+                </a:solidFill>
+                <a:latin typeface="Calibri" panose="020F0502020204030204" charset="0"/>
+                <a:cs typeface="Calibri" panose="020F0502020204030204" charset="0"/>
+              </a:rPr>
+              <a:t>Public - A</a:t>
+            </a:r>
+            <a:r>
+              <a:rPr lang="en-IN" altLang="en-US" sz="2095">
                 <a:solidFill>
                   <a:schemeClr val="bg1"/>
                 </a:solidFill>
@@ -3767,25 +4365,56 @@
                 <a:cs typeface="Calibri" panose="020F0502020204030204" charset="0"/>
                 <a:sym typeface="+mn-ea"/>
               </a:rPr>
-              <a:t>We can add multiple branches to the repository</a:t>
-            </a:r>
-            <a:endParaRPr lang="en-US" altLang="en-IN" sz="2095">
+              <a:t>nybody can access the Repository and it is a free of cost</a:t>
+            </a:r>
+            <a:endParaRPr lang="en-IN" altLang="en-US" sz="2095">
               <a:solidFill>
                 <a:schemeClr val="bg1"/>
               </a:solidFill>
               <a:latin typeface="Calibri" panose="020F0502020204030204" charset="0"/>
               <a:cs typeface="Calibri" panose="020F0502020204030204" charset="0"/>
-              <a:sym typeface="+mn-ea"/>
-            </a:endParaRPr>
-          </a:p>
-          <a:p>
-            <a:pPr lvl="1" algn="l">
+            </a:endParaRPr>
+          </a:p>
+          <a:p>
+            <a:pPr marL="1371600" lvl="2" indent="-457200" algn="l">
               <a:lnSpc>
                 <a:spcPct val="150000"/>
               </a:lnSpc>
               <a:buFont typeface="Arial" panose="020B0604020202020204" pitchFamily="34" charset="0"/>
-            </a:pPr>
-            <a:endParaRPr lang="en-US" altLang="en-IN" sz="2800" b="1">
+              <a:buAutoNum type="arabicPeriod"/>
+            </a:pPr>
+            <a:r>
+              <a:rPr lang="en-IN" altLang="en-US" sz="2095">
+                <a:solidFill>
+                  <a:schemeClr val="bg1"/>
+                </a:solidFill>
+                <a:latin typeface="Calibri" panose="020F0502020204030204" charset="0"/>
+                <a:cs typeface="Calibri" panose="020F0502020204030204" charset="0"/>
+              </a:rPr>
+              <a:t>Private</a:t>
+            </a:r>
+            <a:r>
+              <a:rPr lang="en-IN" altLang="en-US" sz="2095">
+                <a:solidFill>
+                  <a:schemeClr val="bg1"/>
+                </a:solidFill>
+                <a:latin typeface="Calibri" panose="020F0502020204030204" charset="0"/>
+                <a:cs typeface="Calibri" panose="020F0502020204030204" charset="0"/>
+              </a:rPr>
+              <a:t> - R</a:t>
+            </a:r>
+            <a:r>
+              <a:rPr lang="en-IN" altLang="en-US" sz="2095">
+                <a:solidFill>
+                  <a:schemeClr val="bg1"/>
+                </a:solidFill>
+                <a:latin typeface="Calibri" panose="020F0502020204030204" charset="0"/>
+                <a:cs typeface="Calibri" panose="020F0502020204030204" charset="0"/>
+                <a:sym typeface="+mn-ea"/>
+              </a:rPr>
+              <a:t>estricted person only can access the Repository and it is a paid version</a:t>
+            </a:r>
+            <a:endParaRPr lang="en-IN" altLang="en-US" sz="2095">
               <a:solidFill>
                 <a:schemeClr val="bg1"/>
               </a:solidFill>
@@ -3807,7 +4436,7 @@
         <p:spPr>
           <a:xfrm>
             <a:off x="904240" y="855345"/>
-            <a:ext cx="10545445" cy="1040765"/>
+            <a:ext cx="10545445" cy="1082675"/>
           </a:xfrm>
           <a:prstGeom prst="rect">
             <a:avLst/>
@@ -4047,7 +4676,7 @@
               <a:t> </a:t>
             </a:r>
             <a:r>
-              <a:rPr lang="en-US" altLang="en-IN" sz="3600" b="1">
+              <a:rPr lang="en-IN" altLang="en-US" sz="3600" b="1">
                 <a:solidFill>
                   <a:schemeClr val="accent1"/>
                 </a:solidFill>
@@ -4062,9 +4691,9 @@
                 <a:cs typeface="Times New Roman" panose="02020603050405020304" charset="0"/>
                 <a:sym typeface="+mn-ea"/>
               </a:rPr>
-              <a:t>Branch</a:t>
-            </a:r>
-            <a:endParaRPr lang="en-US" altLang="en-IN" sz="3600" b="1">
+              <a:t>Repository</a:t>
+            </a:r>
+            <a:endParaRPr lang="en-IN" altLang="en-US" sz="3600" b="1">
               <a:solidFill>
                 <a:schemeClr val="accent1"/>
               </a:solidFill>
@@ -4077,364 +4706,6 @@
               </a:effectLst>
               <a:latin typeface="Times New Roman" panose="02020603050405020304" charset="0"/>
               <a:cs typeface="Times New Roman" panose="02020603050405020304" charset="0"/>
-              <a:sym typeface="+mn-ea"/>
-            </a:endParaRPr>
-          </a:p>
-        </p:txBody>
-      </p:sp>
-      <p:sp>
-        <p:nvSpPr>
-          <p:cNvPr id="2" name="Subtitle 6"/>
-          <p:cNvSpPr>
-            <a:spLocks noGrp="1"/>
-          </p:cNvSpPr>
-          <p:nvPr/>
-        </p:nvSpPr>
-        <p:spPr>
-          <a:xfrm>
-            <a:off x="7791450" y="2025650"/>
-            <a:ext cx="3658235" cy="4487545"/>
-          </a:xfrm>
-          <a:prstGeom prst="rect">
-            <a:avLst/>
-          </a:prstGeom>
-          <a:solidFill>
-            <a:schemeClr val="bg2">
-              <a:lumMod val="25000"/>
-            </a:schemeClr>
-          </a:solidFill>
-        </p:spPr>
-        <p:txBody>
-          <a:bodyPr vert="horz" lIns="91440" tIns="45720" rIns="91440" bIns="45720" rtlCol="0">
-            <a:normAutofit/>
-          </a:bodyPr>
-          <a:lstStyle>
-            <a:lvl1pPr marL="0" indent="0" algn="ctr" defTabSz="914400" rtl="0" eaLnBrk="1" latinLnBrk="0" hangingPunct="1">
-              <a:lnSpc>
-                <a:spcPct val="90000"/>
-              </a:lnSpc>
-              <a:spcBef>
-                <a:spcPts val="1000"/>
-              </a:spcBef>
-              <a:buFont typeface="Arial" panose="020B0604020202020204" pitchFamily="34" charset="0"/>
-              <a:buNone/>
-              <a:defRPr sz="2400" kern="1200">
-                <a:solidFill>
-                  <a:schemeClr val="tx1"/>
-                </a:solidFill>
-                <a:latin typeface="+mn-lt"/>
-                <a:ea typeface="+mn-ea"/>
-                <a:cs typeface="+mn-cs"/>
-              </a:defRPr>
-            </a:lvl1pPr>
-            <a:lvl2pPr marL="457200" indent="0" algn="ctr" defTabSz="914400" rtl="0" eaLnBrk="1" latinLnBrk="0" hangingPunct="1">
-              <a:lnSpc>
-                <a:spcPct val="90000"/>
-              </a:lnSpc>
-              <a:spcBef>
-                <a:spcPts val="500"/>
-              </a:spcBef>
-              <a:buFont typeface="Arial" panose="020B0604020202020204" pitchFamily="34" charset="0"/>
-              <a:buNone/>
-              <a:defRPr sz="2000" kern="1200">
-                <a:solidFill>
-                  <a:schemeClr val="tx1"/>
-                </a:solidFill>
-                <a:latin typeface="+mn-lt"/>
-                <a:ea typeface="+mn-ea"/>
-                <a:cs typeface="+mn-cs"/>
-              </a:defRPr>
-            </a:lvl2pPr>
-            <a:lvl3pPr marL="914400" indent="0" algn="ctr" defTabSz="914400" rtl="0" eaLnBrk="1" latinLnBrk="0" hangingPunct="1">
-              <a:lnSpc>
-                <a:spcPct val="90000"/>
-              </a:lnSpc>
-              <a:spcBef>
-                <a:spcPts val="500"/>
-              </a:spcBef>
-              <a:buFont typeface="Arial" panose="020B0604020202020204" pitchFamily="34" charset="0"/>
-              <a:buNone/>
-              <a:defRPr sz="1800" kern="1200">
-                <a:solidFill>
-                  <a:schemeClr val="tx1"/>
-                </a:solidFill>
-                <a:latin typeface="+mn-lt"/>
-                <a:ea typeface="+mn-ea"/>
-                <a:cs typeface="+mn-cs"/>
-              </a:defRPr>
-            </a:lvl3pPr>
-            <a:lvl4pPr marL="1371600" indent="0" algn="ctr" defTabSz="914400" rtl="0" eaLnBrk="1" latinLnBrk="0" hangingPunct="1">
-              <a:lnSpc>
-                <a:spcPct val="90000"/>
-              </a:lnSpc>
-              <a:spcBef>
-                <a:spcPts val="500"/>
-              </a:spcBef>
-              <a:buFont typeface="Arial" panose="020B0604020202020204" pitchFamily="34" charset="0"/>
-              <a:buNone/>
-              <a:defRPr sz="1600" kern="1200">
-                <a:solidFill>
-                  <a:schemeClr val="tx1"/>
-                </a:solidFill>
-                <a:latin typeface="+mn-lt"/>
-                <a:ea typeface="+mn-ea"/>
-                <a:cs typeface="+mn-cs"/>
-              </a:defRPr>
-            </a:lvl4pPr>
-            <a:lvl5pPr marL="1828800" indent="0" algn="ctr" defTabSz="914400" rtl="0" eaLnBrk="1" latinLnBrk="0" hangingPunct="1">
-              <a:lnSpc>
-                <a:spcPct val="90000"/>
-              </a:lnSpc>
-              <a:spcBef>
-                <a:spcPts val="500"/>
-              </a:spcBef>
-              <a:buFont typeface="Arial" panose="020B0604020202020204" pitchFamily="34" charset="0"/>
-              <a:buNone/>
-              <a:defRPr sz="1600" kern="1200">
-                <a:solidFill>
-                  <a:schemeClr val="tx1"/>
-                </a:solidFill>
-                <a:latin typeface="+mn-lt"/>
-                <a:ea typeface="+mn-ea"/>
-                <a:cs typeface="+mn-cs"/>
-              </a:defRPr>
-            </a:lvl5pPr>
-            <a:lvl6pPr marL="2286000" indent="0" algn="ctr" defTabSz="914400" rtl="0" eaLnBrk="1" latinLnBrk="0" hangingPunct="1">
-              <a:lnSpc>
-                <a:spcPct val="90000"/>
-              </a:lnSpc>
-              <a:spcBef>
-                <a:spcPts val="500"/>
-              </a:spcBef>
-              <a:buFont typeface="Arial" panose="020B0604020202020204" pitchFamily="34" charset="0"/>
-              <a:buNone/>
-              <a:defRPr sz="1600" kern="1200">
-                <a:solidFill>
-                  <a:schemeClr val="tx1"/>
-                </a:solidFill>
-                <a:latin typeface="+mn-lt"/>
-                <a:ea typeface="+mn-ea"/>
-                <a:cs typeface="+mn-cs"/>
-              </a:defRPr>
-            </a:lvl6pPr>
-            <a:lvl7pPr marL="2743200" indent="0" algn="ctr" defTabSz="914400" rtl="0" eaLnBrk="1" latinLnBrk="0" hangingPunct="1">
-              <a:lnSpc>
-                <a:spcPct val="90000"/>
-              </a:lnSpc>
-              <a:spcBef>
-                <a:spcPts val="500"/>
-              </a:spcBef>
-              <a:buFont typeface="Arial" panose="020B0604020202020204" pitchFamily="34" charset="0"/>
-              <a:buNone/>
-              <a:defRPr sz="1600" kern="1200">
-                <a:solidFill>
-                  <a:schemeClr val="tx1"/>
-                </a:solidFill>
-                <a:latin typeface="+mn-lt"/>
-                <a:ea typeface="+mn-ea"/>
-                <a:cs typeface="+mn-cs"/>
-              </a:defRPr>
-            </a:lvl7pPr>
-            <a:lvl8pPr marL="3200400" indent="0" algn="ctr" defTabSz="914400" rtl="0" eaLnBrk="1" latinLnBrk="0" hangingPunct="1">
-              <a:lnSpc>
-                <a:spcPct val="90000"/>
-              </a:lnSpc>
-              <a:spcBef>
-                <a:spcPts val="500"/>
-              </a:spcBef>
-              <a:buFont typeface="Arial" panose="020B0604020202020204" pitchFamily="34" charset="0"/>
-              <a:buNone/>
-              <a:defRPr sz="1600" kern="1200">
-                <a:solidFill>
-                  <a:schemeClr val="tx1"/>
-                </a:solidFill>
-                <a:latin typeface="+mn-lt"/>
-                <a:ea typeface="+mn-ea"/>
-                <a:cs typeface="+mn-cs"/>
-              </a:defRPr>
-            </a:lvl8pPr>
-            <a:lvl9pPr marL="3657600" indent="0" algn="ctr" defTabSz="914400" rtl="0" eaLnBrk="1" latinLnBrk="0" hangingPunct="1">
-              <a:lnSpc>
-                <a:spcPct val="90000"/>
-              </a:lnSpc>
-              <a:spcBef>
-                <a:spcPts val="500"/>
-              </a:spcBef>
-              <a:buFont typeface="Arial" panose="020B0604020202020204" pitchFamily="34" charset="0"/>
-              <a:buNone/>
-              <a:defRPr sz="1600" kern="1200">
-                <a:solidFill>
-                  <a:schemeClr val="tx1"/>
-                </a:solidFill>
-                <a:latin typeface="+mn-lt"/>
-                <a:ea typeface="+mn-ea"/>
-                <a:cs typeface="+mn-cs"/>
-              </a:defRPr>
-            </a:lvl9pPr>
-          </a:lstStyle>
-          <a:p>
-            <a:pPr algn="l">
-              <a:buFont typeface="Arial" panose="020B0604020202020204" pitchFamily="34" charset="0"/>
-            </a:pPr>
-            <a:r>
-              <a:rPr lang="en-IN" altLang="en-US" b="1">
-                <a:solidFill>
-                  <a:schemeClr val="bg1"/>
-                </a:solidFill>
-              </a:rPr>
-              <a:t>		</a:t>
-            </a:r>
-            <a:endParaRPr lang="en-IN" altLang="en-US" sz="2800" b="1">
-              <a:solidFill>
-                <a:schemeClr val="bg1"/>
-              </a:solidFill>
-            </a:endParaRPr>
-          </a:p>
-          <a:p>
-            <a:pPr marL="0" lvl="1" algn="l">
-              <a:lnSpc>
-                <a:spcPct val="150000"/>
-              </a:lnSpc>
-              <a:buFont typeface="Arial" panose="020B0604020202020204" pitchFamily="34" charset="0"/>
-            </a:pPr>
-            <a:r>
-              <a:rPr lang="en-US" altLang="en-IN" sz="2095" b="1">
-                <a:solidFill>
-                  <a:schemeClr val="accent1"/>
-                </a:solidFill>
-                <a:effectLst>
-                  <a:outerShdw blurRad="38100" dist="25400" dir="5400000" algn="ctr" rotWithShape="0">
-                    <a:srgbClr val="6E747A">
-                      <a:alpha val="43000"/>
-                    </a:srgbClr>
-                  </a:outerShdw>
-                </a:effectLst>
-                <a:latin typeface="Times New Roman" panose="02020603050405020304" charset="0"/>
-                <a:cs typeface="Times New Roman" panose="02020603050405020304" charset="0"/>
-                <a:sym typeface="+mn-ea"/>
-              </a:rPr>
-              <a:t>Uses:</a:t>
-            </a:r>
-            <a:endParaRPr lang="en-US" altLang="en-IN" sz="2095" b="1">
-              <a:solidFill>
-                <a:schemeClr val="accent1"/>
-              </a:solidFill>
-              <a:effectLst>
-                <a:outerShdw blurRad="38100" dist="25400" dir="5400000" algn="ctr" rotWithShape="0">
-                  <a:srgbClr val="6E747A">
-                    <a:alpha val="43000"/>
-                  </a:srgbClr>
-                </a:outerShdw>
-              </a:effectLst>
-              <a:latin typeface="Times New Roman" panose="02020603050405020304" charset="0"/>
-              <a:cs typeface="Times New Roman" panose="02020603050405020304" charset="0"/>
-              <a:sym typeface="+mn-ea"/>
-            </a:endParaRPr>
-          </a:p>
-          <a:p>
-            <a:pPr marL="914400" lvl="4" indent="-342900" algn="l">
-              <a:lnSpc>
-                <a:spcPct val="150000"/>
-              </a:lnSpc>
-              <a:buFont typeface="Arial" panose="020B0604020202020204" pitchFamily="34" charset="0"/>
-              <a:buChar char="•"/>
-            </a:pPr>
-            <a:r>
-              <a:rPr lang="en-US" altLang="en-IN" sz="2000">
-                <a:solidFill>
-                  <a:schemeClr val="bg1"/>
-                </a:solidFill>
-                <a:latin typeface="Calibri" panose="020F0502020204030204" charset="0"/>
-                <a:cs typeface="Calibri" panose="020F0502020204030204" charset="0"/>
-                <a:sym typeface="+mn-ea"/>
-              </a:rPr>
-              <a:t>New Features</a:t>
-            </a:r>
-            <a:endParaRPr lang="en-US" altLang="en-IN" sz="2000">
-              <a:solidFill>
-                <a:schemeClr val="bg1"/>
-              </a:solidFill>
-              <a:latin typeface="Calibri" panose="020F0502020204030204" charset="0"/>
-              <a:cs typeface="Calibri" panose="020F0502020204030204" charset="0"/>
-              <a:sym typeface="+mn-ea"/>
-            </a:endParaRPr>
-          </a:p>
-          <a:p>
-            <a:pPr marL="914400" lvl="4" indent="-342900" algn="l">
-              <a:lnSpc>
-                <a:spcPct val="150000"/>
-              </a:lnSpc>
-              <a:buFont typeface="Arial" panose="020B0604020202020204" pitchFamily="34" charset="0"/>
-              <a:buChar char="•"/>
-            </a:pPr>
-            <a:r>
-              <a:rPr lang="en-US" altLang="en-IN" sz="2000">
-                <a:solidFill>
-                  <a:schemeClr val="bg1"/>
-                </a:solidFill>
-                <a:latin typeface="Calibri" panose="020F0502020204030204" charset="0"/>
-                <a:cs typeface="Calibri" panose="020F0502020204030204" charset="0"/>
-                <a:sym typeface="+mn-ea"/>
-              </a:rPr>
-              <a:t>Bug fixes</a:t>
-            </a:r>
-            <a:endParaRPr lang="en-US" altLang="en-IN" sz="2000">
-              <a:solidFill>
-                <a:schemeClr val="bg1"/>
-              </a:solidFill>
-              <a:latin typeface="Calibri" panose="020F0502020204030204" charset="0"/>
-              <a:cs typeface="Calibri" panose="020F0502020204030204" charset="0"/>
-              <a:sym typeface="+mn-ea"/>
-            </a:endParaRPr>
-          </a:p>
-          <a:p>
-            <a:pPr marL="914400" lvl="4" indent="-342900" algn="l">
-              <a:lnSpc>
-                <a:spcPct val="150000"/>
-              </a:lnSpc>
-              <a:buFont typeface="Arial" panose="020B0604020202020204" pitchFamily="34" charset="0"/>
-              <a:buChar char="•"/>
-            </a:pPr>
-            <a:r>
-              <a:rPr lang="en-US" altLang="en-IN" sz="2000">
-                <a:solidFill>
-                  <a:schemeClr val="bg1"/>
-                </a:solidFill>
-                <a:latin typeface="Calibri" panose="020F0502020204030204" charset="0"/>
-                <a:cs typeface="Calibri" panose="020F0502020204030204" charset="0"/>
-                <a:sym typeface="+mn-ea"/>
-              </a:rPr>
-              <a:t>Safely experiment with new ideas </a:t>
-            </a:r>
-            <a:endParaRPr lang="en-US" altLang="en-IN" sz="2000" b="1">
-              <a:solidFill>
-                <a:schemeClr val="accent1"/>
-              </a:solidFill>
-              <a:effectLst>
-                <a:outerShdw blurRad="38100" dist="25400" dir="5400000" algn="ctr" rotWithShape="0">
-                  <a:srgbClr val="6E747A">
-                    <a:alpha val="43000"/>
-                  </a:srgbClr>
-                </a:outerShdw>
-              </a:effectLst>
-              <a:latin typeface="Times New Roman" panose="02020603050405020304" charset="0"/>
-              <a:cs typeface="Times New Roman" panose="02020603050405020304" charset="0"/>
-              <a:sym typeface="+mn-ea"/>
-            </a:endParaRPr>
-          </a:p>
-          <a:p>
-            <a:pPr lvl="1" algn="l">
-              <a:lnSpc>
-                <a:spcPct val="150000"/>
-              </a:lnSpc>
-              <a:buFont typeface="Arial" panose="020B0604020202020204" pitchFamily="34" charset="0"/>
-            </a:pPr>
-            <a:endParaRPr lang="en-US" altLang="en-IN" sz="2000" b="1">
-              <a:solidFill>
-                <a:schemeClr val="bg1"/>
-              </a:solidFill>
-              <a:latin typeface="Calibri" panose="020F0502020204030204" charset="0"/>
-              <a:cs typeface="Calibri" panose="020F0502020204030204" charset="0"/>
               <a:sym typeface="+mn-ea"/>
             </a:endParaRPr>
           </a:p>
@@ -4492,8 +4763,8 @@
         </p:nvSpPr>
         <p:spPr>
           <a:xfrm>
-            <a:off x="904240" y="2025650"/>
-            <a:ext cx="10545445" cy="4487545"/>
+            <a:off x="903605" y="2914015"/>
+            <a:ext cx="5026660" cy="3599180"/>
           </a:xfrm>
           <a:solidFill>
             <a:schemeClr val="bg2">
@@ -4521,34 +4792,6 @@
               <a:solidFill>
                 <a:schemeClr val="bg1"/>
               </a:solidFill>
-            </a:endParaRPr>
-          </a:p>
-          <a:p>
-            <a:pPr marL="914400" lvl="1" indent="-457200" algn="l">
-              <a:lnSpc>
-                <a:spcPct val="150000"/>
-              </a:lnSpc>
-              <a:buFont typeface="Arial" panose="020B0604020202020204" pitchFamily="34" charset="0"/>
-              <a:buChar char="•"/>
-            </a:pPr>
-            <a:r>
-              <a:rPr lang="en-US" altLang="en-IN" sz="2800" b="1">
-                <a:solidFill>
-                  <a:schemeClr val="bg1"/>
-                </a:solidFill>
-                <a:latin typeface="Calibri" panose="020F0502020204030204" charset="0"/>
-                <a:cs typeface="Calibri" panose="020F0502020204030204" charset="0"/>
-                <a:sym typeface="+mn-ea"/>
-              </a:rPr>
-              <a:t>Commit is a changes made in the Repository</a:t>
-            </a:r>
-            <a:endParaRPr lang="en-US" altLang="en-IN" sz="2800" b="1">
-              <a:solidFill>
-                <a:schemeClr val="bg1"/>
-              </a:solidFill>
-              <a:latin typeface="Calibri" panose="020F0502020204030204" charset="0"/>
-              <a:cs typeface="Calibri" panose="020F0502020204030204" charset="0"/>
-              <a:sym typeface="+mn-ea"/>
             </a:endParaRPr>
           </a:p>
           <a:p>
@@ -4929,6 +5172,27 @@
               <a:t> </a:t>
             </a:r>
             <a:r>
+              <a:rPr lang="en-US" altLang="en-IN">
+                <a:ln w="22225">
+                  <a:solidFill>
+                    <a:schemeClr val="accent2"/>
+                  </a:solidFill>
+                  <a:prstDash val="solid"/>
+                </a:ln>
+                <a:solidFill>
+                  <a:schemeClr val="accent2">
+                    <a:lumMod val="40000"/>
+                    <a:lumOff val="60000"/>
+                  </a:schemeClr>
+                </a:solidFill>
+                <a:effectLst/>
+                <a:latin typeface="Times New Roman" panose="02020603050405020304" charset="0"/>
+                <a:cs typeface="Times New Roman" panose="02020603050405020304" charset="0"/>
+                <a:sym typeface="+mn-ea"/>
+              </a:rPr>
+              <a:t>  </a:t>
+            </a:r>
+            <a:r>
               <a:rPr lang="en-US" altLang="en-IN" sz="3600" b="1">
                 <a:solidFill>
                   <a:schemeClr val="accent1"/>
@@ -4959,6 +5223,567 @@
               </a:effectLst>
               <a:latin typeface="Times New Roman" panose="02020603050405020304" charset="0"/>
               <a:cs typeface="Times New Roman" panose="02020603050405020304" charset="0"/>
+              <a:sym typeface="+mn-ea"/>
+            </a:endParaRPr>
+          </a:p>
+        </p:txBody>
+      </p:sp>
+      <p:sp>
+        <p:nvSpPr>
+          <p:cNvPr id="2" name="Subtitle 6"/>
+          <p:cNvSpPr>
+            <a:spLocks noGrp="1"/>
+          </p:cNvSpPr>
+          <p:nvPr/>
+        </p:nvSpPr>
+        <p:spPr>
+          <a:xfrm>
+            <a:off x="904240" y="1949450"/>
+            <a:ext cx="10545445" cy="898525"/>
+          </a:xfrm>
+          <a:prstGeom prst="rect">
+            <a:avLst/>
+          </a:prstGeom>
+          <a:solidFill>
+            <a:schemeClr val="bg2">
+              <a:lumMod val="25000"/>
+            </a:schemeClr>
+          </a:solidFill>
+        </p:spPr>
+        <p:txBody>
+          <a:bodyPr vert="horz" lIns="91440" tIns="45720" rIns="91440" bIns="45720" rtlCol="0">
+            <a:normAutofit fontScale="60000"/>
+          </a:bodyPr>
+          <a:lstStyle>
+            <a:lvl1pPr marL="0" indent="0" algn="ctr" defTabSz="914400" rtl="0" eaLnBrk="1" latinLnBrk="0" hangingPunct="1">
+              <a:lnSpc>
+                <a:spcPct val="90000"/>
+              </a:lnSpc>
+              <a:spcBef>
+                <a:spcPts val="1000"/>
+              </a:spcBef>
+              <a:buFont typeface="Arial" panose="020B0604020202020204" pitchFamily="34" charset="0"/>
+              <a:buNone/>
+              <a:defRPr sz="2400" kern="1200">
+                <a:solidFill>
+                  <a:schemeClr val="tx1"/>
+                </a:solidFill>
+                <a:latin typeface="+mn-lt"/>
+                <a:ea typeface="+mn-ea"/>
+                <a:cs typeface="+mn-cs"/>
+              </a:defRPr>
+            </a:lvl1pPr>
+            <a:lvl2pPr marL="457200" indent="0" algn="ctr" defTabSz="914400" rtl="0" eaLnBrk="1" latinLnBrk="0" hangingPunct="1">
+              <a:lnSpc>
+                <a:spcPct val="90000"/>
+              </a:lnSpc>
+              <a:spcBef>
+                <a:spcPts val="500"/>
+              </a:spcBef>
+              <a:buFont typeface="Arial" panose="020B0604020202020204" pitchFamily="34" charset="0"/>
+              <a:buNone/>
+              <a:defRPr sz="2000" kern="1200">
+                <a:solidFill>
+                  <a:schemeClr val="tx1"/>
+                </a:solidFill>
+                <a:latin typeface="+mn-lt"/>
+                <a:ea typeface="+mn-ea"/>
+                <a:cs typeface="+mn-cs"/>
+              </a:defRPr>
+            </a:lvl2pPr>
+            <a:lvl3pPr marL="914400" indent="0" algn="ctr" defTabSz="914400" rtl="0" eaLnBrk="1" latinLnBrk="0" hangingPunct="1">
+              <a:lnSpc>
+                <a:spcPct val="90000"/>
+              </a:lnSpc>
+              <a:spcBef>
+                <a:spcPts val="500"/>
+              </a:spcBef>
+              <a:buFont typeface="Arial" panose="020B0604020202020204" pitchFamily="34" charset="0"/>
+              <a:buNone/>
+              <a:defRPr sz="1800" kern="1200">
+                <a:solidFill>
+                  <a:schemeClr val="tx1"/>
+                </a:solidFill>
+                <a:latin typeface="+mn-lt"/>
+                <a:ea typeface="+mn-ea"/>
+                <a:cs typeface="+mn-cs"/>
+              </a:defRPr>
+            </a:lvl3pPr>
+            <a:lvl4pPr marL="1371600" indent="0" algn="ctr" defTabSz="914400" rtl="0" eaLnBrk="1" latinLnBrk="0" hangingPunct="1">
+              <a:lnSpc>
+                <a:spcPct val="90000"/>
+              </a:lnSpc>
+              <a:spcBef>
+                <a:spcPts val="500"/>
+              </a:spcBef>
+              <a:buFont typeface="Arial" panose="020B0604020202020204" pitchFamily="34" charset="0"/>
+              <a:buNone/>
+              <a:defRPr sz="1600" kern="1200">
+                <a:solidFill>
+                  <a:schemeClr val="tx1"/>
+                </a:solidFill>
+                <a:latin typeface="+mn-lt"/>
+                <a:ea typeface="+mn-ea"/>
+                <a:cs typeface="+mn-cs"/>
+              </a:defRPr>
+            </a:lvl4pPr>
+            <a:lvl5pPr marL="1828800" indent="0" algn="ctr" defTabSz="914400" rtl="0" eaLnBrk="1" latinLnBrk="0" hangingPunct="1">
+              <a:lnSpc>
+                <a:spcPct val="90000"/>
+              </a:lnSpc>
+              <a:spcBef>
+                <a:spcPts val="500"/>
+              </a:spcBef>
+              <a:buFont typeface="Arial" panose="020B0604020202020204" pitchFamily="34" charset="0"/>
+              <a:buNone/>
+              <a:defRPr sz="1600" kern="1200">
+                <a:solidFill>
+                  <a:schemeClr val="tx1"/>
+                </a:solidFill>
+                <a:latin typeface="+mn-lt"/>
+                <a:ea typeface="+mn-ea"/>
+                <a:cs typeface="+mn-cs"/>
+              </a:defRPr>
+            </a:lvl5pPr>
+            <a:lvl6pPr marL="2286000" indent="0" algn="ctr" defTabSz="914400" rtl="0" eaLnBrk="1" latinLnBrk="0" hangingPunct="1">
+              <a:lnSpc>
+                <a:spcPct val="90000"/>
+              </a:lnSpc>
+              <a:spcBef>
+                <a:spcPts val="500"/>
+              </a:spcBef>
+              <a:buFont typeface="Arial" panose="020B0604020202020204" pitchFamily="34" charset="0"/>
+              <a:buNone/>
+              <a:defRPr sz="1600" kern="1200">
+                <a:solidFill>
+                  <a:schemeClr val="tx1"/>
+                </a:solidFill>
+                <a:latin typeface="+mn-lt"/>
+                <a:ea typeface="+mn-ea"/>
+                <a:cs typeface="+mn-cs"/>
+              </a:defRPr>
+            </a:lvl6pPr>
+            <a:lvl7pPr marL="2743200" indent="0" algn="ctr" defTabSz="914400" rtl="0" eaLnBrk="1" latinLnBrk="0" hangingPunct="1">
+              <a:lnSpc>
+                <a:spcPct val="90000"/>
+              </a:lnSpc>
+              <a:spcBef>
+                <a:spcPts val="500"/>
+              </a:spcBef>
+              <a:buFont typeface="Arial" panose="020B0604020202020204" pitchFamily="34" charset="0"/>
+              <a:buNone/>
+              <a:defRPr sz="1600" kern="1200">
+                <a:solidFill>
+                  <a:schemeClr val="tx1"/>
+                </a:solidFill>
+                <a:latin typeface="+mn-lt"/>
+                <a:ea typeface="+mn-ea"/>
+                <a:cs typeface="+mn-cs"/>
+              </a:defRPr>
+            </a:lvl7pPr>
+            <a:lvl8pPr marL="3200400" indent="0" algn="ctr" defTabSz="914400" rtl="0" eaLnBrk="1" latinLnBrk="0" hangingPunct="1">
+              <a:lnSpc>
+                <a:spcPct val="90000"/>
+              </a:lnSpc>
+              <a:spcBef>
+                <a:spcPts val="500"/>
+              </a:spcBef>
+              <a:buFont typeface="Arial" panose="020B0604020202020204" pitchFamily="34" charset="0"/>
+              <a:buNone/>
+              <a:defRPr sz="1600" kern="1200">
+                <a:solidFill>
+                  <a:schemeClr val="tx1"/>
+                </a:solidFill>
+                <a:latin typeface="+mn-lt"/>
+                <a:ea typeface="+mn-ea"/>
+                <a:cs typeface="+mn-cs"/>
+              </a:defRPr>
+            </a:lvl8pPr>
+            <a:lvl9pPr marL="3657600" indent="0" algn="ctr" defTabSz="914400" rtl="0" eaLnBrk="1" latinLnBrk="0" hangingPunct="1">
+              <a:lnSpc>
+                <a:spcPct val="90000"/>
+              </a:lnSpc>
+              <a:spcBef>
+                <a:spcPts val="500"/>
+              </a:spcBef>
+              <a:buFont typeface="Arial" panose="020B0604020202020204" pitchFamily="34" charset="0"/>
+              <a:buNone/>
+              <a:defRPr sz="1600" kern="1200">
+                <a:solidFill>
+                  <a:schemeClr val="tx1"/>
+                </a:solidFill>
+                <a:latin typeface="+mn-lt"/>
+                <a:ea typeface="+mn-ea"/>
+                <a:cs typeface="+mn-cs"/>
+              </a:defRPr>
+            </a:lvl9pPr>
+          </a:lstStyle>
+          <a:p>
+            <a:pPr algn="l">
+              <a:buFont typeface="Arial" panose="020B0604020202020204" pitchFamily="34" charset="0"/>
+            </a:pPr>
+            <a:r>
+              <a:rPr lang="en-IN" altLang="en-US" sz="2095">
+                <a:solidFill>
+                  <a:schemeClr val="bg1"/>
+                </a:solidFill>
+                <a:latin typeface="Times New Roman" panose="02020603050405020304" charset="0"/>
+                <a:cs typeface="Times New Roman" panose="02020603050405020304" charset="0"/>
+                <a:sym typeface="+mn-ea"/>
+              </a:rPr>
+              <a:t>	</a:t>
+            </a:r>
+            <a:endParaRPr lang="en-IN" altLang="en-US" sz="2095">
+              <a:solidFill>
+                <a:schemeClr val="bg1"/>
+              </a:solidFill>
+              <a:latin typeface="Times New Roman" panose="02020603050405020304" charset="0"/>
+              <a:cs typeface="Times New Roman" panose="02020603050405020304" charset="0"/>
+              <a:sym typeface="+mn-ea"/>
+            </a:endParaRPr>
+          </a:p>
+          <a:p>
+            <a:pPr lvl="1" algn="l">
+              <a:lnSpc>
+                <a:spcPct val="150000"/>
+              </a:lnSpc>
+              <a:buFont typeface="Arial" panose="020B0604020202020204" pitchFamily="34" charset="0"/>
+            </a:pPr>
+            <a:r>
+              <a:rPr lang="en-US" altLang="en-IN" sz="2095">
+                <a:solidFill>
+                  <a:schemeClr val="bg1"/>
+                </a:solidFill>
+                <a:latin typeface="Times New Roman" panose="02020603050405020304" charset="0"/>
+                <a:cs typeface="Times New Roman" panose="02020603050405020304" charset="0"/>
+                <a:sym typeface="+mn-ea"/>
+              </a:rPr>
+              <a:t>	       </a:t>
+            </a:r>
+            <a:r>
+              <a:rPr lang="en-IN" altLang="en-US" sz="2095">
+                <a:solidFill>
+                  <a:schemeClr val="bg1"/>
+                </a:solidFill>
+                <a:latin typeface="Times New Roman" panose="02020603050405020304" charset="0"/>
+                <a:cs typeface="Times New Roman" panose="02020603050405020304" charset="0"/>
+                <a:sym typeface="+mn-ea"/>
+              </a:rPr>
+              <a:t>	</a:t>
+            </a:r>
+            <a:r>
+              <a:rPr lang="en-US" altLang="en-IN" sz="2095">
+                <a:solidFill>
+                  <a:schemeClr val="bg1"/>
+                </a:solidFill>
+                <a:latin typeface="Times New Roman" panose="02020603050405020304" charset="0"/>
+                <a:cs typeface="Times New Roman" panose="02020603050405020304" charset="0"/>
+                <a:sym typeface="+mn-ea"/>
+              </a:rPr>
+              <a:t>        </a:t>
+            </a:r>
+            <a:r>
+              <a:rPr lang="en-US" altLang="en-IN" sz="3600" b="1">
+                <a:solidFill>
+                  <a:schemeClr val="bg1"/>
+                </a:solidFill>
+                <a:latin typeface="Calibri" panose="020F0502020204030204" charset="0"/>
+                <a:cs typeface="Calibri" panose="020F0502020204030204" charset="0"/>
+                <a:sym typeface="+mn-ea"/>
+              </a:rPr>
+              <a:t>Commit is a changes made in the Repository</a:t>
+            </a:r>
+            <a:endParaRPr lang="en-US" altLang="en-IN" sz="3600" b="1">
+              <a:solidFill>
+                <a:schemeClr val="accent1"/>
+              </a:solidFill>
+              <a:effectLst>
+                <a:outerShdw blurRad="38100" dist="25400" dir="5400000" algn="ctr" rotWithShape="0">
+                  <a:srgbClr val="6E747A">
+                    <a:alpha val="43000"/>
+                  </a:srgbClr>
+                </a:outerShdw>
+              </a:effectLst>
+              <a:latin typeface="Times New Roman" panose="02020603050405020304" charset="0"/>
+              <a:cs typeface="Times New Roman" panose="02020603050405020304" charset="0"/>
+              <a:sym typeface="+mn-ea"/>
+            </a:endParaRPr>
+          </a:p>
+        </p:txBody>
+      </p:sp>
+      <p:sp>
+        <p:nvSpPr>
+          <p:cNvPr id="4" name="Subtitle 6"/>
+          <p:cNvSpPr>
+            <a:spLocks noGrp="1"/>
+          </p:cNvSpPr>
+          <p:nvPr/>
+        </p:nvSpPr>
+        <p:spPr>
+          <a:xfrm>
+            <a:off x="5949315" y="2912745"/>
+            <a:ext cx="5500370" cy="3588385"/>
+          </a:xfrm>
+          <a:prstGeom prst="rect">
+            <a:avLst/>
+          </a:prstGeom>
+          <a:solidFill>
+            <a:schemeClr val="bg2">
+              <a:lumMod val="25000"/>
+            </a:schemeClr>
+          </a:solidFill>
+        </p:spPr>
+        <p:txBody>
+          <a:bodyPr vert="horz" lIns="91440" tIns="45720" rIns="91440" bIns="45720" rtlCol="0">
+            <a:normAutofit/>
+          </a:bodyPr>
+          <a:lstStyle>
+            <a:lvl1pPr marL="0" indent="0" algn="ctr" defTabSz="914400" rtl="0" eaLnBrk="1" latinLnBrk="0" hangingPunct="1">
+              <a:lnSpc>
+                <a:spcPct val="90000"/>
+              </a:lnSpc>
+              <a:spcBef>
+                <a:spcPts val="1000"/>
+              </a:spcBef>
+              <a:buFont typeface="Arial" panose="020B0604020202020204" pitchFamily="34" charset="0"/>
+              <a:buNone/>
+              <a:defRPr sz="2400" kern="1200">
+                <a:solidFill>
+                  <a:schemeClr val="tx1"/>
+                </a:solidFill>
+                <a:latin typeface="+mn-lt"/>
+                <a:ea typeface="+mn-ea"/>
+                <a:cs typeface="+mn-cs"/>
+              </a:defRPr>
+            </a:lvl1pPr>
+            <a:lvl2pPr marL="457200" indent="0" algn="ctr" defTabSz="914400" rtl="0" eaLnBrk="1" latinLnBrk="0" hangingPunct="1">
+              <a:lnSpc>
+                <a:spcPct val="90000"/>
+              </a:lnSpc>
+              <a:spcBef>
+                <a:spcPts val="500"/>
+              </a:spcBef>
+              <a:buFont typeface="Arial" panose="020B0604020202020204" pitchFamily="34" charset="0"/>
+              <a:buNone/>
+              <a:defRPr sz="2000" kern="1200">
+                <a:solidFill>
+                  <a:schemeClr val="tx1"/>
+                </a:solidFill>
+                <a:latin typeface="+mn-lt"/>
+                <a:ea typeface="+mn-ea"/>
+                <a:cs typeface="+mn-cs"/>
+              </a:defRPr>
+            </a:lvl2pPr>
+            <a:lvl3pPr marL="914400" indent="0" algn="ctr" defTabSz="914400" rtl="0" eaLnBrk="1" latinLnBrk="0" hangingPunct="1">
+              <a:lnSpc>
+                <a:spcPct val="90000"/>
+              </a:lnSpc>
+              <a:spcBef>
+                <a:spcPts val="500"/>
+              </a:spcBef>
+              <a:buFont typeface="Arial" panose="020B0604020202020204" pitchFamily="34" charset="0"/>
+              <a:buNone/>
+              <a:defRPr sz="1800" kern="1200">
+                <a:solidFill>
+                  <a:schemeClr val="tx1"/>
+                </a:solidFill>
+                <a:latin typeface="+mn-lt"/>
+                <a:ea typeface="+mn-ea"/>
+                <a:cs typeface="+mn-cs"/>
+              </a:defRPr>
+            </a:lvl3pPr>
+            <a:lvl4pPr marL="1371600" indent="0" algn="ctr" defTabSz="914400" rtl="0" eaLnBrk="1" latinLnBrk="0" hangingPunct="1">
+              <a:lnSpc>
+                <a:spcPct val="90000"/>
+              </a:lnSpc>
+              <a:spcBef>
+                <a:spcPts val="500"/>
+              </a:spcBef>
+              <a:buFont typeface="Arial" panose="020B0604020202020204" pitchFamily="34" charset="0"/>
+              <a:buNone/>
+              <a:defRPr sz="1600" kern="1200">
+                <a:solidFill>
+                  <a:schemeClr val="tx1"/>
+                </a:solidFill>
+                <a:latin typeface="+mn-lt"/>
+                <a:ea typeface="+mn-ea"/>
+                <a:cs typeface="+mn-cs"/>
+              </a:defRPr>
+            </a:lvl4pPr>
+            <a:lvl5pPr marL="1828800" indent="0" algn="ctr" defTabSz="914400" rtl="0" eaLnBrk="1" latinLnBrk="0" hangingPunct="1">
+              <a:lnSpc>
+                <a:spcPct val="90000"/>
+              </a:lnSpc>
+              <a:spcBef>
+                <a:spcPts val="500"/>
+              </a:spcBef>
+              <a:buFont typeface="Arial" panose="020B0604020202020204" pitchFamily="34" charset="0"/>
+              <a:buNone/>
+              <a:defRPr sz="1600" kern="1200">
+                <a:solidFill>
+                  <a:schemeClr val="tx1"/>
+                </a:solidFill>
+                <a:latin typeface="+mn-lt"/>
+                <a:ea typeface="+mn-ea"/>
+                <a:cs typeface="+mn-cs"/>
+              </a:defRPr>
+            </a:lvl5pPr>
+            <a:lvl6pPr marL="2286000" indent="0" algn="ctr" defTabSz="914400" rtl="0" eaLnBrk="1" latinLnBrk="0" hangingPunct="1">
+              <a:lnSpc>
+                <a:spcPct val="90000"/>
+              </a:lnSpc>
+              <a:spcBef>
+                <a:spcPts val="500"/>
+              </a:spcBef>
+              <a:buFont typeface="Arial" panose="020B0604020202020204" pitchFamily="34" charset="0"/>
+              <a:buNone/>
+              <a:defRPr sz="1600" kern="1200">
+                <a:solidFill>
+                  <a:schemeClr val="tx1"/>
+                </a:solidFill>
+                <a:latin typeface="+mn-lt"/>
+                <a:ea typeface="+mn-ea"/>
+                <a:cs typeface="+mn-cs"/>
+              </a:defRPr>
+            </a:lvl6pPr>
+            <a:lvl7pPr marL="2743200" indent="0" algn="ctr" defTabSz="914400" rtl="0" eaLnBrk="1" latinLnBrk="0" hangingPunct="1">
+              <a:lnSpc>
+                <a:spcPct val="90000"/>
+              </a:lnSpc>
+              <a:spcBef>
+                <a:spcPts val="500"/>
+              </a:spcBef>
+              <a:buFont typeface="Arial" panose="020B0604020202020204" pitchFamily="34" charset="0"/>
+              <a:buNone/>
+              <a:defRPr sz="1600" kern="1200">
+                <a:solidFill>
+                  <a:schemeClr val="tx1"/>
+                </a:solidFill>
+                <a:latin typeface="+mn-lt"/>
+                <a:ea typeface="+mn-ea"/>
+                <a:cs typeface="+mn-cs"/>
+              </a:defRPr>
+            </a:lvl7pPr>
+            <a:lvl8pPr marL="3200400" indent="0" algn="ctr" defTabSz="914400" rtl="0" eaLnBrk="1" latinLnBrk="0" hangingPunct="1">
+              <a:lnSpc>
+                <a:spcPct val="90000"/>
+              </a:lnSpc>
+              <a:spcBef>
+                <a:spcPts val="500"/>
+              </a:spcBef>
+              <a:buFont typeface="Arial" panose="020B0604020202020204" pitchFamily="34" charset="0"/>
+              <a:buNone/>
+              <a:defRPr sz="1600" kern="1200">
+                <a:solidFill>
+                  <a:schemeClr val="tx1"/>
+                </a:solidFill>
+                <a:latin typeface="+mn-lt"/>
+                <a:ea typeface="+mn-ea"/>
+                <a:cs typeface="+mn-cs"/>
+              </a:defRPr>
+            </a:lvl8pPr>
+            <a:lvl9pPr marL="3657600" indent="0" algn="ctr" defTabSz="914400" rtl="0" eaLnBrk="1" latinLnBrk="0" hangingPunct="1">
+              <a:lnSpc>
+                <a:spcPct val="90000"/>
+              </a:lnSpc>
+              <a:spcBef>
+                <a:spcPts val="500"/>
+              </a:spcBef>
+              <a:buFont typeface="Arial" panose="020B0604020202020204" pitchFamily="34" charset="0"/>
+              <a:buNone/>
+              <a:defRPr sz="1600" kern="1200">
+                <a:solidFill>
+                  <a:schemeClr val="tx1"/>
+                </a:solidFill>
+                <a:latin typeface="+mn-lt"/>
+                <a:ea typeface="+mn-ea"/>
+                <a:cs typeface="+mn-cs"/>
+              </a:defRPr>
+            </a:lvl9pPr>
+          </a:lstStyle>
+          <a:p>
+            <a:pPr algn="l">
+              <a:buFont typeface="Arial" panose="020B0604020202020204" pitchFamily="34" charset="0"/>
+            </a:pPr>
+            <a:r>
+              <a:rPr lang="en-IN" altLang="en-US" b="1">
+                <a:solidFill>
+                  <a:schemeClr val="bg1"/>
+                </a:solidFill>
+              </a:rPr>
+              <a:t>					</a:t>
+            </a:r>
+            <a:endParaRPr lang="en-IN" altLang="en-US" sz="2800" b="1">
+              <a:solidFill>
+                <a:schemeClr val="bg1"/>
+              </a:solidFill>
+            </a:endParaRPr>
+          </a:p>
+          <a:p>
+            <a:pPr lvl="1" algn="l">
+              <a:lnSpc>
+                <a:spcPct val="150000"/>
+              </a:lnSpc>
+              <a:buFont typeface="Arial" panose="020B0604020202020204" pitchFamily="34" charset="0"/>
+            </a:pPr>
+            <a:r>
+              <a:rPr lang="en-US" altLang="en-IN" sz="2800" b="1">
+                <a:solidFill>
+                  <a:schemeClr val="accent1"/>
+                </a:solidFill>
+                <a:effectLst>
+                  <a:outerShdw blurRad="38100" dist="25400" dir="5400000" algn="ctr" rotWithShape="0">
+                    <a:srgbClr val="6E747A">
+                      <a:alpha val="43000"/>
+                    </a:srgbClr>
+                  </a:outerShdw>
+                </a:effectLst>
+                <a:latin typeface="Times New Roman" panose="02020603050405020304" charset="0"/>
+                <a:cs typeface="Times New Roman" panose="02020603050405020304" charset="0"/>
+                <a:sym typeface="+mn-ea"/>
+              </a:rPr>
+              <a:t>How trace the Changes:</a:t>
+            </a:r>
+            <a:endParaRPr lang="en-US" altLang="en-IN" sz="2800" b="1">
+              <a:solidFill>
+                <a:schemeClr val="accent1"/>
+              </a:solidFill>
+              <a:effectLst>
+                <a:outerShdw blurRad="38100" dist="25400" dir="5400000" algn="ctr" rotWithShape="0">
+                  <a:srgbClr val="6E747A">
+                    <a:alpha val="43000"/>
+                  </a:srgbClr>
+                </a:outerShdw>
+              </a:effectLst>
+              <a:latin typeface="Times New Roman" panose="02020603050405020304" charset="0"/>
+              <a:cs typeface="Times New Roman" panose="02020603050405020304" charset="0"/>
+              <a:sym typeface="+mn-ea"/>
+            </a:endParaRPr>
+          </a:p>
+          <a:p>
+            <a:pPr lvl="1" algn="l">
+              <a:lnSpc>
+                <a:spcPct val="150000"/>
+              </a:lnSpc>
+              <a:buFont typeface="Arial" panose="020B0604020202020204" pitchFamily="34" charset="0"/>
+            </a:pPr>
+            <a:r>
+              <a:rPr lang="en-US" altLang="en-IN" sz="2240" b="1">
+                <a:solidFill>
+                  <a:schemeClr val="bg1"/>
+                </a:solidFill>
+                <a:latin typeface="Calibri" panose="020F0502020204030204" charset="0"/>
+                <a:cs typeface="Calibri" panose="020F0502020204030204" charset="0"/>
+                <a:sym typeface="+mn-ea"/>
+              </a:rPr>
+              <a:t>It will create an unique ID for the every commit for the Repository	</a:t>
+            </a:r>
+            <a:endParaRPr lang="en-US" altLang="en-IN" sz="2240" b="1">
+              <a:solidFill>
+                <a:schemeClr val="bg1"/>
+              </a:solidFill>
+              <a:latin typeface="Calibri" panose="020F0502020204030204" charset="0"/>
+              <a:cs typeface="Calibri" panose="020F0502020204030204" charset="0"/>
               <a:sym typeface="+mn-ea"/>
             </a:endParaRPr>
           </a:p>
@@ -4996,6 +5821,2657 @@
         <p:txBody>
           <a:bodyPr/>
           <a:p>
+            <a:r>
+              <a:rPr lang="en-US"/>
+              <a:t>A</a:t>
+            </a:r>
+            <a:endParaRPr lang="en-US"/>
+          </a:p>
+        </p:txBody>
+      </p:sp>
+      <p:sp>
+        <p:nvSpPr>
+          <p:cNvPr id="7" name="Subtitle 6"/>
+          <p:cNvSpPr>
+            <a:spLocks noGrp="1"/>
+          </p:cNvSpPr>
+          <p:nvPr>
+            <p:ph type="subTitle" idx="1"/>
+          </p:nvPr>
+        </p:nvSpPr>
+        <p:spPr>
+          <a:xfrm>
+            <a:off x="904240" y="2025650"/>
+            <a:ext cx="6751955" cy="4487545"/>
+          </a:xfrm>
+          <a:solidFill>
+            <a:schemeClr val="bg2">
+              <a:lumMod val="25000"/>
+            </a:schemeClr>
+          </a:solidFill>
+        </p:spPr>
+        <p:txBody>
+          <a:bodyPr>
+            <a:normAutofit fontScale="90000"/>
+          </a:bodyPr>
+          <a:p>
+            <a:pPr algn="l">
+              <a:buFont typeface="Arial" panose="020B0604020202020204" pitchFamily="34" charset="0"/>
+            </a:pPr>
+            <a:r>
+              <a:rPr lang="en-IN" altLang="en-US" b="1">
+                <a:solidFill>
+                  <a:schemeClr val="bg1"/>
+                </a:solidFill>
+              </a:rPr>
+              <a:t>					</a:t>
+            </a:r>
+            <a:endParaRPr lang="en-IN" altLang="en-US" sz="2800" b="1">
+              <a:solidFill>
+                <a:schemeClr val="bg1"/>
+              </a:solidFill>
+            </a:endParaRPr>
+          </a:p>
+          <a:p>
+            <a:pPr marL="914400" lvl="1" indent="-457200" algn="l">
+              <a:lnSpc>
+                <a:spcPct val="150000"/>
+              </a:lnSpc>
+              <a:buFont typeface="Arial" panose="020B0604020202020204" pitchFamily="34" charset="0"/>
+              <a:buChar char="•"/>
+            </a:pPr>
+            <a:r>
+              <a:rPr lang="en-US" altLang="en-IN" sz="2095">
+                <a:solidFill>
+                  <a:schemeClr val="bg1"/>
+                </a:solidFill>
+                <a:latin typeface="Calibri" panose="020F0502020204030204" charset="0"/>
+                <a:cs typeface="Calibri" panose="020F0502020204030204" charset="0"/>
+              </a:rPr>
+              <a:t>A Branch is a isolate development work without affecting other branches in the repository</a:t>
+            </a:r>
+            <a:endParaRPr lang="en-US" altLang="en-IN" sz="2095">
+              <a:solidFill>
+                <a:schemeClr val="bg1"/>
+              </a:solidFill>
+              <a:latin typeface="Calibri" panose="020F0502020204030204" charset="0"/>
+              <a:cs typeface="Calibri" panose="020F0502020204030204" charset="0"/>
+            </a:endParaRPr>
+          </a:p>
+          <a:p>
+            <a:pPr marL="914400" lvl="1" indent="-457200" algn="l">
+              <a:lnSpc>
+                <a:spcPct val="150000"/>
+              </a:lnSpc>
+              <a:buFont typeface="Arial" panose="020B0604020202020204" pitchFamily="34" charset="0"/>
+              <a:buChar char="•"/>
+            </a:pPr>
+            <a:r>
+              <a:rPr lang="en-US" altLang="en-IN">
+                <a:solidFill>
+                  <a:schemeClr val="bg1"/>
+                </a:solidFill>
+                <a:latin typeface="Calibri" panose="020F0502020204030204" charset="0"/>
+                <a:cs typeface="Calibri" panose="020F0502020204030204" charset="0"/>
+                <a:sym typeface="+mn-ea"/>
+              </a:rPr>
+              <a:t>We can add multiple branches to the repository</a:t>
+            </a:r>
+            <a:endParaRPr lang="en-US">
+              <a:solidFill>
+                <a:schemeClr val="bg1"/>
+              </a:solidFill>
+              <a:latin typeface="Calibri" panose="020F0502020204030204" charset="0"/>
+              <a:cs typeface="Calibri" panose="020F0502020204030204" charset="0"/>
+            </a:endParaRPr>
+          </a:p>
+          <a:p>
+            <a:pPr marL="914400" lvl="1" indent="-457200" algn="l">
+              <a:lnSpc>
+                <a:spcPct val="150000"/>
+              </a:lnSpc>
+              <a:buFont typeface="Arial" panose="020B0604020202020204" pitchFamily="34" charset="0"/>
+              <a:buChar char="•"/>
+            </a:pPr>
+            <a:r>
+              <a:rPr lang="en-US" altLang="en-IN" sz="2095">
+                <a:solidFill>
+                  <a:schemeClr val="bg1"/>
+                </a:solidFill>
+                <a:latin typeface="Calibri" panose="020F0502020204030204" charset="0"/>
+                <a:cs typeface="Calibri" panose="020F0502020204030204" charset="0"/>
+                <a:sym typeface="+mn-ea"/>
+              </a:rPr>
+              <a:t>Each repository has one default branch named Master-Main.</a:t>
+            </a:r>
+            <a:endParaRPr lang="en-US" altLang="en-IN" sz="2095">
+              <a:solidFill>
+                <a:schemeClr val="bg1"/>
+              </a:solidFill>
+              <a:latin typeface="Calibri" panose="020F0502020204030204" charset="0"/>
+              <a:cs typeface="Calibri" panose="020F0502020204030204" charset="0"/>
+              <a:sym typeface="+mn-ea"/>
+            </a:endParaRPr>
+          </a:p>
+          <a:p>
+            <a:pPr lvl="1" algn="l">
+              <a:lnSpc>
+                <a:spcPct val="150000"/>
+              </a:lnSpc>
+              <a:buFont typeface="Arial" panose="020B0604020202020204" pitchFamily="34" charset="0"/>
+            </a:pPr>
+            <a:r>
+              <a:rPr lang="en-US" altLang="en-IN" sz="2800" b="1">
+                <a:solidFill>
+                  <a:schemeClr val="accent1"/>
+                </a:solidFill>
+                <a:effectLst>
+                  <a:outerShdw blurRad="38100" dist="25400" dir="5400000" algn="ctr" rotWithShape="0">
+                    <a:srgbClr val="6E747A">
+                      <a:alpha val="43000"/>
+                    </a:srgbClr>
+                  </a:outerShdw>
+                </a:effectLst>
+                <a:latin typeface="Times New Roman" panose="02020603050405020304" charset="0"/>
+                <a:cs typeface="Times New Roman" panose="02020603050405020304" charset="0"/>
+                <a:sym typeface="+mn-ea"/>
+              </a:rPr>
+              <a:t>Example:</a:t>
+            </a:r>
+            <a:endParaRPr lang="en-US" altLang="en-IN" sz="2800" b="1">
+              <a:solidFill>
+                <a:schemeClr val="bg1"/>
+              </a:solidFill>
+              <a:latin typeface="Calibri" panose="020F0502020204030204" charset="0"/>
+              <a:cs typeface="Calibri" panose="020F0502020204030204" charset="0"/>
+              <a:sym typeface="+mn-ea"/>
+            </a:endParaRPr>
+          </a:p>
+          <a:p>
+            <a:pPr lvl="1" algn="l">
+              <a:lnSpc>
+                <a:spcPct val="150000"/>
+              </a:lnSpc>
+              <a:buFont typeface="Arial" panose="020B0604020202020204" pitchFamily="34" charset="0"/>
+            </a:pPr>
+            <a:r>
+              <a:rPr lang="en-US" altLang="en-IN" sz="2095">
+                <a:solidFill>
+                  <a:schemeClr val="bg1"/>
+                </a:solidFill>
+                <a:latin typeface="Calibri" panose="020F0502020204030204" charset="0"/>
+                <a:cs typeface="Calibri" panose="020F0502020204030204" charset="0"/>
+                <a:sym typeface="+mn-ea"/>
+              </a:rPr>
+              <a:t>Adding new features without  affecting the production code.</a:t>
+            </a:r>
+            <a:endParaRPr lang="en-US" altLang="en-IN" sz="2095">
+              <a:solidFill>
+                <a:schemeClr val="bg1"/>
+              </a:solidFill>
+              <a:latin typeface="Calibri" panose="020F0502020204030204" charset="0"/>
+              <a:cs typeface="Calibri" panose="020F0502020204030204" charset="0"/>
+              <a:sym typeface="+mn-ea"/>
+            </a:endParaRPr>
+          </a:p>
+          <a:p>
+            <a:pPr lvl="1" algn="l">
+              <a:lnSpc>
+                <a:spcPct val="150000"/>
+              </a:lnSpc>
+              <a:buFont typeface="Arial" panose="020B0604020202020204" pitchFamily="34" charset="0"/>
+            </a:pPr>
+            <a:endParaRPr lang="en-US" altLang="en-IN" sz="2400" b="1">
+              <a:solidFill>
+                <a:schemeClr val="bg1"/>
+              </a:solidFill>
+              <a:latin typeface="Calibri" panose="020F0502020204030204" charset="0"/>
+              <a:cs typeface="Calibri" panose="020F0502020204030204" charset="0"/>
+              <a:sym typeface="+mn-ea"/>
+            </a:endParaRPr>
+          </a:p>
+        </p:txBody>
+      </p:sp>
+      <p:sp>
+        <p:nvSpPr>
+          <p:cNvPr id="3" name="Subtitle 6"/>
+          <p:cNvSpPr>
+            <a:spLocks noGrp="1"/>
+          </p:cNvSpPr>
+          <p:nvPr/>
+        </p:nvSpPr>
+        <p:spPr>
+          <a:xfrm>
+            <a:off x="904240" y="855345"/>
+            <a:ext cx="10545445" cy="1040765"/>
+          </a:xfrm>
+          <a:prstGeom prst="rect">
+            <a:avLst/>
+          </a:prstGeom>
+          <a:solidFill>
+            <a:schemeClr val="bg2">
+              <a:lumMod val="25000"/>
+            </a:schemeClr>
+          </a:solidFill>
+        </p:spPr>
+        <p:txBody>
+          <a:bodyPr vert="horz" lIns="91440" tIns="45720" rIns="91440" bIns="45720" rtlCol="0">
+            <a:normAutofit/>
+          </a:bodyPr>
+          <a:lstStyle>
+            <a:lvl1pPr marL="0" indent="0" algn="ctr" defTabSz="914400" rtl="0" eaLnBrk="1" latinLnBrk="0" hangingPunct="1">
+              <a:lnSpc>
+                <a:spcPct val="90000"/>
+              </a:lnSpc>
+              <a:spcBef>
+                <a:spcPts val="1000"/>
+              </a:spcBef>
+              <a:buFont typeface="Arial" panose="020B0604020202020204" pitchFamily="34" charset="0"/>
+              <a:buNone/>
+              <a:defRPr sz="2400" kern="1200">
+                <a:solidFill>
+                  <a:schemeClr val="tx1"/>
+                </a:solidFill>
+                <a:latin typeface="+mn-lt"/>
+                <a:ea typeface="+mn-ea"/>
+                <a:cs typeface="+mn-cs"/>
+              </a:defRPr>
+            </a:lvl1pPr>
+            <a:lvl2pPr marL="457200" indent="0" algn="ctr" defTabSz="914400" rtl="0" eaLnBrk="1" latinLnBrk="0" hangingPunct="1">
+              <a:lnSpc>
+                <a:spcPct val="90000"/>
+              </a:lnSpc>
+              <a:spcBef>
+                <a:spcPts val="500"/>
+              </a:spcBef>
+              <a:buFont typeface="Arial" panose="020B0604020202020204" pitchFamily="34" charset="0"/>
+              <a:buNone/>
+              <a:defRPr sz="2000" kern="1200">
+                <a:solidFill>
+                  <a:schemeClr val="tx1"/>
+                </a:solidFill>
+                <a:latin typeface="+mn-lt"/>
+                <a:ea typeface="+mn-ea"/>
+                <a:cs typeface="+mn-cs"/>
+              </a:defRPr>
+            </a:lvl2pPr>
+            <a:lvl3pPr marL="914400" indent="0" algn="ctr" defTabSz="914400" rtl="0" eaLnBrk="1" latinLnBrk="0" hangingPunct="1">
+              <a:lnSpc>
+                <a:spcPct val="90000"/>
+              </a:lnSpc>
+              <a:spcBef>
+                <a:spcPts val="500"/>
+              </a:spcBef>
+              <a:buFont typeface="Arial" panose="020B0604020202020204" pitchFamily="34" charset="0"/>
+              <a:buNone/>
+              <a:defRPr sz="1800" kern="1200">
+                <a:solidFill>
+                  <a:schemeClr val="tx1"/>
+                </a:solidFill>
+                <a:latin typeface="+mn-lt"/>
+                <a:ea typeface="+mn-ea"/>
+                <a:cs typeface="+mn-cs"/>
+              </a:defRPr>
+            </a:lvl3pPr>
+            <a:lvl4pPr marL="1371600" indent="0" algn="ctr" defTabSz="914400" rtl="0" eaLnBrk="1" latinLnBrk="0" hangingPunct="1">
+              <a:lnSpc>
+                <a:spcPct val="90000"/>
+              </a:lnSpc>
+              <a:spcBef>
+                <a:spcPts val="500"/>
+              </a:spcBef>
+              <a:buFont typeface="Arial" panose="020B0604020202020204" pitchFamily="34" charset="0"/>
+              <a:buNone/>
+              <a:defRPr sz="1600" kern="1200">
+                <a:solidFill>
+                  <a:schemeClr val="tx1"/>
+                </a:solidFill>
+                <a:latin typeface="+mn-lt"/>
+                <a:ea typeface="+mn-ea"/>
+                <a:cs typeface="+mn-cs"/>
+              </a:defRPr>
+            </a:lvl4pPr>
+            <a:lvl5pPr marL="1828800" indent="0" algn="ctr" defTabSz="914400" rtl="0" eaLnBrk="1" latinLnBrk="0" hangingPunct="1">
+              <a:lnSpc>
+                <a:spcPct val="90000"/>
+              </a:lnSpc>
+              <a:spcBef>
+                <a:spcPts val="500"/>
+              </a:spcBef>
+              <a:buFont typeface="Arial" panose="020B0604020202020204" pitchFamily="34" charset="0"/>
+              <a:buNone/>
+              <a:defRPr sz="1600" kern="1200">
+                <a:solidFill>
+                  <a:schemeClr val="tx1"/>
+                </a:solidFill>
+                <a:latin typeface="+mn-lt"/>
+                <a:ea typeface="+mn-ea"/>
+                <a:cs typeface="+mn-cs"/>
+              </a:defRPr>
+            </a:lvl5pPr>
+            <a:lvl6pPr marL="2286000" indent="0" algn="ctr" defTabSz="914400" rtl="0" eaLnBrk="1" latinLnBrk="0" hangingPunct="1">
+              <a:lnSpc>
+                <a:spcPct val="90000"/>
+              </a:lnSpc>
+              <a:spcBef>
+                <a:spcPts val="500"/>
+              </a:spcBef>
+              <a:buFont typeface="Arial" panose="020B0604020202020204" pitchFamily="34" charset="0"/>
+              <a:buNone/>
+              <a:defRPr sz="1600" kern="1200">
+                <a:solidFill>
+                  <a:schemeClr val="tx1"/>
+                </a:solidFill>
+                <a:latin typeface="+mn-lt"/>
+                <a:ea typeface="+mn-ea"/>
+                <a:cs typeface="+mn-cs"/>
+              </a:defRPr>
+            </a:lvl6pPr>
+            <a:lvl7pPr marL="2743200" indent="0" algn="ctr" defTabSz="914400" rtl="0" eaLnBrk="1" latinLnBrk="0" hangingPunct="1">
+              <a:lnSpc>
+                <a:spcPct val="90000"/>
+              </a:lnSpc>
+              <a:spcBef>
+                <a:spcPts val="500"/>
+              </a:spcBef>
+              <a:buFont typeface="Arial" panose="020B0604020202020204" pitchFamily="34" charset="0"/>
+              <a:buNone/>
+              <a:defRPr sz="1600" kern="1200">
+                <a:solidFill>
+                  <a:schemeClr val="tx1"/>
+                </a:solidFill>
+                <a:latin typeface="+mn-lt"/>
+                <a:ea typeface="+mn-ea"/>
+                <a:cs typeface="+mn-cs"/>
+              </a:defRPr>
+            </a:lvl7pPr>
+            <a:lvl8pPr marL="3200400" indent="0" algn="ctr" defTabSz="914400" rtl="0" eaLnBrk="1" latinLnBrk="0" hangingPunct="1">
+              <a:lnSpc>
+                <a:spcPct val="90000"/>
+              </a:lnSpc>
+              <a:spcBef>
+                <a:spcPts val="500"/>
+              </a:spcBef>
+              <a:buFont typeface="Arial" panose="020B0604020202020204" pitchFamily="34" charset="0"/>
+              <a:buNone/>
+              <a:defRPr sz="1600" kern="1200">
+                <a:solidFill>
+                  <a:schemeClr val="tx1"/>
+                </a:solidFill>
+                <a:latin typeface="+mn-lt"/>
+                <a:ea typeface="+mn-ea"/>
+                <a:cs typeface="+mn-cs"/>
+              </a:defRPr>
+            </a:lvl8pPr>
+            <a:lvl9pPr marL="3657600" indent="0" algn="ctr" defTabSz="914400" rtl="0" eaLnBrk="1" latinLnBrk="0" hangingPunct="1">
+              <a:lnSpc>
+                <a:spcPct val="90000"/>
+              </a:lnSpc>
+              <a:spcBef>
+                <a:spcPts val="500"/>
+              </a:spcBef>
+              <a:buFont typeface="Arial" panose="020B0604020202020204" pitchFamily="34" charset="0"/>
+              <a:buNone/>
+              <a:defRPr sz="1600" kern="1200">
+                <a:solidFill>
+                  <a:schemeClr val="tx1"/>
+                </a:solidFill>
+                <a:latin typeface="+mn-lt"/>
+                <a:ea typeface="+mn-ea"/>
+                <a:cs typeface="+mn-cs"/>
+              </a:defRPr>
+            </a:lvl9pPr>
+          </a:lstStyle>
+          <a:p>
+            <a:pPr algn="l">
+              <a:buFont typeface="Arial" panose="020B0604020202020204" pitchFamily="34" charset="0"/>
+            </a:pPr>
+            <a:r>
+              <a:rPr lang="en-IN" altLang="en-US" sz="2095">
+                <a:solidFill>
+                  <a:schemeClr val="bg1"/>
+                </a:solidFill>
+                <a:latin typeface="Times New Roman" panose="02020603050405020304" charset="0"/>
+                <a:cs typeface="Times New Roman" panose="02020603050405020304" charset="0"/>
+                <a:sym typeface="+mn-ea"/>
+              </a:rPr>
+              <a:t>	</a:t>
+            </a:r>
+            <a:endParaRPr lang="en-IN" altLang="en-US" sz="2095">
+              <a:solidFill>
+                <a:schemeClr val="bg1"/>
+              </a:solidFill>
+              <a:latin typeface="Times New Roman" panose="02020603050405020304" charset="0"/>
+              <a:cs typeface="Times New Roman" panose="02020603050405020304" charset="0"/>
+              <a:sym typeface="+mn-ea"/>
+            </a:endParaRPr>
+          </a:p>
+          <a:p>
+            <a:pPr algn="l">
+              <a:buFont typeface="Arial" panose="020B0604020202020204" pitchFamily="34" charset="0"/>
+            </a:pPr>
+            <a:r>
+              <a:rPr lang="en-IN" altLang="en-US" sz="2095">
+                <a:solidFill>
+                  <a:schemeClr val="bg1"/>
+                </a:solidFill>
+                <a:latin typeface="Times New Roman" panose="02020603050405020304" charset="0"/>
+                <a:cs typeface="Times New Roman" panose="02020603050405020304" charset="0"/>
+                <a:sym typeface="+mn-ea"/>
+              </a:rPr>
+              <a:t>				      </a:t>
+            </a:r>
+            <a:r>
+              <a:rPr lang="en-IN" altLang="en-US">
+                <a:ln w="22225">
+                  <a:solidFill>
+                    <a:schemeClr val="accent2"/>
+                  </a:solidFill>
+                  <a:prstDash val="solid"/>
+                </a:ln>
+                <a:solidFill>
+                  <a:schemeClr val="accent2">
+                    <a:lumMod val="40000"/>
+                    <a:lumOff val="60000"/>
+                  </a:schemeClr>
+                </a:solidFill>
+                <a:effectLst/>
+                <a:latin typeface="Times New Roman" panose="02020603050405020304" charset="0"/>
+                <a:cs typeface="Times New Roman" panose="02020603050405020304" charset="0"/>
+                <a:sym typeface="+mn-ea"/>
+              </a:rPr>
+              <a:t> </a:t>
+            </a:r>
+            <a:r>
+              <a:rPr lang="en-US" altLang="en-IN" sz="3600" b="1">
+                <a:solidFill>
+                  <a:schemeClr val="accent1"/>
+                </a:solidFill>
+                <a:effectLst>
+                  <a:outerShdw blurRad="38100" dist="25400" dir="5400000" algn="ctr" rotWithShape="0">
+                    <a:srgbClr val="6E747A">
+                      <a:alpha val="43000"/>
+                    </a:srgbClr>
+                  </a:outerShdw>
+                </a:effectLst>
+                <a:latin typeface="Times New Roman" panose="02020603050405020304" charset="0"/>
+                <a:cs typeface="Times New Roman" panose="02020603050405020304" charset="0"/>
+                <a:sym typeface="+mn-ea"/>
+              </a:rPr>
+              <a:t>Branch</a:t>
+            </a:r>
+            <a:endParaRPr lang="en-US" altLang="en-IN" sz="3600" b="1">
+              <a:solidFill>
+                <a:schemeClr val="accent1"/>
+              </a:solidFill>
+              <a:effectLst>
+                <a:outerShdw blurRad="38100" dist="25400" dir="5400000" algn="ctr" rotWithShape="0">
+                  <a:srgbClr val="6E747A">
+                    <a:alpha val="43000"/>
+                  </a:srgbClr>
+                </a:outerShdw>
+              </a:effectLst>
+              <a:latin typeface="Times New Roman" panose="02020603050405020304" charset="0"/>
+              <a:cs typeface="Times New Roman" panose="02020603050405020304" charset="0"/>
+              <a:sym typeface="+mn-ea"/>
+            </a:endParaRPr>
+          </a:p>
+        </p:txBody>
+      </p:sp>
+      <p:sp>
+        <p:nvSpPr>
+          <p:cNvPr id="2" name="Subtitle 6"/>
+          <p:cNvSpPr>
+            <a:spLocks noGrp="1"/>
+          </p:cNvSpPr>
+          <p:nvPr/>
+        </p:nvSpPr>
+        <p:spPr>
+          <a:xfrm>
+            <a:off x="7791450" y="2025650"/>
+            <a:ext cx="3658235" cy="4487545"/>
+          </a:xfrm>
+          <a:prstGeom prst="rect">
+            <a:avLst/>
+          </a:prstGeom>
+          <a:solidFill>
+            <a:schemeClr val="bg2">
+              <a:lumMod val="25000"/>
+            </a:schemeClr>
+          </a:solidFill>
+        </p:spPr>
+        <p:txBody>
+          <a:bodyPr vert="horz" lIns="91440" tIns="45720" rIns="91440" bIns="45720" rtlCol="0">
+            <a:normAutofit/>
+          </a:bodyPr>
+          <a:lstStyle>
+            <a:lvl1pPr marL="0" indent="0" algn="ctr" defTabSz="914400" rtl="0" eaLnBrk="1" latinLnBrk="0" hangingPunct="1">
+              <a:lnSpc>
+                <a:spcPct val="90000"/>
+              </a:lnSpc>
+              <a:spcBef>
+                <a:spcPts val="1000"/>
+              </a:spcBef>
+              <a:buFont typeface="Arial" panose="020B0604020202020204" pitchFamily="34" charset="0"/>
+              <a:buNone/>
+              <a:defRPr sz="2400" kern="1200">
+                <a:solidFill>
+                  <a:schemeClr val="tx1"/>
+                </a:solidFill>
+                <a:latin typeface="+mn-lt"/>
+                <a:ea typeface="+mn-ea"/>
+                <a:cs typeface="+mn-cs"/>
+              </a:defRPr>
+            </a:lvl1pPr>
+            <a:lvl2pPr marL="457200" indent="0" algn="ctr" defTabSz="914400" rtl="0" eaLnBrk="1" latinLnBrk="0" hangingPunct="1">
+              <a:lnSpc>
+                <a:spcPct val="90000"/>
+              </a:lnSpc>
+              <a:spcBef>
+                <a:spcPts val="500"/>
+              </a:spcBef>
+              <a:buFont typeface="Arial" panose="020B0604020202020204" pitchFamily="34" charset="0"/>
+              <a:buNone/>
+              <a:defRPr sz="2000" kern="1200">
+                <a:solidFill>
+                  <a:schemeClr val="tx1"/>
+                </a:solidFill>
+                <a:latin typeface="+mn-lt"/>
+                <a:ea typeface="+mn-ea"/>
+                <a:cs typeface="+mn-cs"/>
+              </a:defRPr>
+            </a:lvl2pPr>
+            <a:lvl3pPr marL="914400" indent="0" algn="ctr" defTabSz="914400" rtl="0" eaLnBrk="1" latinLnBrk="0" hangingPunct="1">
+              <a:lnSpc>
+                <a:spcPct val="90000"/>
+              </a:lnSpc>
+              <a:spcBef>
+                <a:spcPts val="500"/>
+              </a:spcBef>
+              <a:buFont typeface="Arial" panose="020B0604020202020204" pitchFamily="34" charset="0"/>
+              <a:buNone/>
+              <a:defRPr sz="1800" kern="1200">
+                <a:solidFill>
+                  <a:schemeClr val="tx1"/>
+                </a:solidFill>
+                <a:latin typeface="+mn-lt"/>
+                <a:ea typeface="+mn-ea"/>
+                <a:cs typeface="+mn-cs"/>
+              </a:defRPr>
+            </a:lvl3pPr>
+            <a:lvl4pPr marL="1371600" indent="0" algn="ctr" defTabSz="914400" rtl="0" eaLnBrk="1" latinLnBrk="0" hangingPunct="1">
+              <a:lnSpc>
+                <a:spcPct val="90000"/>
+              </a:lnSpc>
+              <a:spcBef>
+                <a:spcPts val="500"/>
+              </a:spcBef>
+              <a:buFont typeface="Arial" panose="020B0604020202020204" pitchFamily="34" charset="0"/>
+              <a:buNone/>
+              <a:defRPr sz="1600" kern="1200">
+                <a:solidFill>
+                  <a:schemeClr val="tx1"/>
+                </a:solidFill>
+                <a:latin typeface="+mn-lt"/>
+                <a:ea typeface="+mn-ea"/>
+                <a:cs typeface="+mn-cs"/>
+              </a:defRPr>
+            </a:lvl4pPr>
+            <a:lvl5pPr marL="1828800" indent="0" algn="ctr" defTabSz="914400" rtl="0" eaLnBrk="1" latinLnBrk="0" hangingPunct="1">
+              <a:lnSpc>
+                <a:spcPct val="90000"/>
+              </a:lnSpc>
+              <a:spcBef>
+                <a:spcPts val="500"/>
+              </a:spcBef>
+              <a:buFont typeface="Arial" panose="020B0604020202020204" pitchFamily="34" charset="0"/>
+              <a:buNone/>
+              <a:defRPr sz="1600" kern="1200">
+                <a:solidFill>
+                  <a:schemeClr val="tx1"/>
+                </a:solidFill>
+                <a:latin typeface="+mn-lt"/>
+                <a:ea typeface="+mn-ea"/>
+                <a:cs typeface="+mn-cs"/>
+              </a:defRPr>
+            </a:lvl5pPr>
+            <a:lvl6pPr marL="2286000" indent="0" algn="ctr" defTabSz="914400" rtl="0" eaLnBrk="1" latinLnBrk="0" hangingPunct="1">
+              <a:lnSpc>
+                <a:spcPct val="90000"/>
+              </a:lnSpc>
+              <a:spcBef>
+                <a:spcPts val="500"/>
+              </a:spcBef>
+              <a:buFont typeface="Arial" panose="020B0604020202020204" pitchFamily="34" charset="0"/>
+              <a:buNone/>
+              <a:defRPr sz="1600" kern="1200">
+                <a:solidFill>
+                  <a:schemeClr val="tx1"/>
+                </a:solidFill>
+                <a:latin typeface="+mn-lt"/>
+                <a:ea typeface="+mn-ea"/>
+                <a:cs typeface="+mn-cs"/>
+              </a:defRPr>
+            </a:lvl6pPr>
+            <a:lvl7pPr marL="2743200" indent="0" algn="ctr" defTabSz="914400" rtl="0" eaLnBrk="1" latinLnBrk="0" hangingPunct="1">
+              <a:lnSpc>
+                <a:spcPct val="90000"/>
+              </a:lnSpc>
+              <a:spcBef>
+                <a:spcPts val="500"/>
+              </a:spcBef>
+              <a:buFont typeface="Arial" panose="020B0604020202020204" pitchFamily="34" charset="0"/>
+              <a:buNone/>
+              <a:defRPr sz="1600" kern="1200">
+                <a:solidFill>
+                  <a:schemeClr val="tx1"/>
+                </a:solidFill>
+                <a:latin typeface="+mn-lt"/>
+                <a:ea typeface="+mn-ea"/>
+                <a:cs typeface="+mn-cs"/>
+              </a:defRPr>
+            </a:lvl7pPr>
+            <a:lvl8pPr marL="3200400" indent="0" algn="ctr" defTabSz="914400" rtl="0" eaLnBrk="1" latinLnBrk="0" hangingPunct="1">
+              <a:lnSpc>
+                <a:spcPct val="90000"/>
+              </a:lnSpc>
+              <a:spcBef>
+                <a:spcPts val="500"/>
+              </a:spcBef>
+              <a:buFont typeface="Arial" panose="020B0604020202020204" pitchFamily="34" charset="0"/>
+              <a:buNone/>
+              <a:defRPr sz="1600" kern="1200">
+                <a:solidFill>
+                  <a:schemeClr val="tx1"/>
+                </a:solidFill>
+                <a:latin typeface="+mn-lt"/>
+                <a:ea typeface="+mn-ea"/>
+                <a:cs typeface="+mn-cs"/>
+              </a:defRPr>
+            </a:lvl8pPr>
+            <a:lvl9pPr marL="3657600" indent="0" algn="ctr" defTabSz="914400" rtl="0" eaLnBrk="1" latinLnBrk="0" hangingPunct="1">
+              <a:lnSpc>
+                <a:spcPct val="90000"/>
+              </a:lnSpc>
+              <a:spcBef>
+                <a:spcPts val="500"/>
+              </a:spcBef>
+              <a:buFont typeface="Arial" panose="020B0604020202020204" pitchFamily="34" charset="0"/>
+              <a:buNone/>
+              <a:defRPr sz="1600" kern="1200">
+                <a:solidFill>
+                  <a:schemeClr val="tx1"/>
+                </a:solidFill>
+                <a:latin typeface="+mn-lt"/>
+                <a:ea typeface="+mn-ea"/>
+                <a:cs typeface="+mn-cs"/>
+              </a:defRPr>
+            </a:lvl9pPr>
+          </a:lstStyle>
+          <a:p>
+            <a:pPr algn="l">
+              <a:buFont typeface="Arial" panose="020B0604020202020204" pitchFamily="34" charset="0"/>
+            </a:pPr>
+            <a:r>
+              <a:rPr lang="en-IN" altLang="en-US" b="1">
+                <a:solidFill>
+                  <a:schemeClr val="bg1"/>
+                </a:solidFill>
+              </a:rPr>
+              <a:t>		</a:t>
+            </a:r>
+            <a:endParaRPr lang="en-IN" altLang="en-US" sz="2800" b="1">
+              <a:solidFill>
+                <a:schemeClr val="bg1"/>
+              </a:solidFill>
+            </a:endParaRPr>
+          </a:p>
+          <a:p>
+            <a:pPr marL="0" lvl="1" algn="l">
+              <a:lnSpc>
+                <a:spcPct val="150000"/>
+              </a:lnSpc>
+              <a:buFont typeface="Arial" panose="020B0604020202020204" pitchFamily="34" charset="0"/>
+            </a:pPr>
+            <a:r>
+              <a:rPr lang="en-US" altLang="en-IN" sz="2095" b="1">
+                <a:solidFill>
+                  <a:schemeClr val="accent1"/>
+                </a:solidFill>
+                <a:effectLst>
+                  <a:outerShdw blurRad="38100" dist="25400" dir="5400000" algn="ctr" rotWithShape="0">
+                    <a:srgbClr val="6E747A">
+                      <a:alpha val="43000"/>
+                    </a:srgbClr>
+                  </a:outerShdw>
+                </a:effectLst>
+                <a:latin typeface="Times New Roman" panose="02020603050405020304" charset="0"/>
+                <a:cs typeface="Times New Roman" panose="02020603050405020304" charset="0"/>
+                <a:sym typeface="+mn-ea"/>
+              </a:rPr>
+              <a:t>Uses:</a:t>
+            </a:r>
+            <a:endParaRPr lang="en-US" altLang="en-IN" sz="2095" b="1">
+              <a:solidFill>
+                <a:schemeClr val="accent1"/>
+              </a:solidFill>
+              <a:effectLst>
+                <a:outerShdw blurRad="38100" dist="25400" dir="5400000" algn="ctr" rotWithShape="0">
+                  <a:srgbClr val="6E747A">
+                    <a:alpha val="43000"/>
+                  </a:srgbClr>
+                </a:outerShdw>
+              </a:effectLst>
+              <a:latin typeface="Times New Roman" panose="02020603050405020304" charset="0"/>
+              <a:cs typeface="Times New Roman" panose="02020603050405020304" charset="0"/>
+              <a:sym typeface="+mn-ea"/>
+            </a:endParaRPr>
+          </a:p>
+          <a:p>
+            <a:pPr marL="914400" lvl="4" indent="-342900" algn="l">
+              <a:lnSpc>
+                <a:spcPct val="150000"/>
+              </a:lnSpc>
+              <a:buFont typeface="Arial" panose="020B0604020202020204" pitchFamily="34" charset="0"/>
+              <a:buChar char="•"/>
+            </a:pPr>
+            <a:r>
+              <a:rPr lang="en-US" altLang="en-IN" sz="2000">
+                <a:solidFill>
+                  <a:schemeClr val="bg1"/>
+                </a:solidFill>
+                <a:latin typeface="Calibri" panose="020F0502020204030204" charset="0"/>
+                <a:cs typeface="Calibri" panose="020F0502020204030204" charset="0"/>
+                <a:sym typeface="+mn-ea"/>
+              </a:rPr>
+              <a:t>New Features</a:t>
+            </a:r>
+            <a:endParaRPr lang="en-US" altLang="en-IN" sz="2000">
+              <a:solidFill>
+                <a:schemeClr val="bg1"/>
+              </a:solidFill>
+              <a:latin typeface="Calibri" panose="020F0502020204030204" charset="0"/>
+              <a:cs typeface="Calibri" panose="020F0502020204030204" charset="0"/>
+              <a:sym typeface="+mn-ea"/>
+            </a:endParaRPr>
+          </a:p>
+          <a:p>
+            <a:pPr marL="914400" lvl="4" indent="-342900" algn="l">
+              <a:lnSpc>
+                <a:spcPct val="150000"/>
+              </a:lnSpc>
+              <a:buFont typeface="Arial" panose="020B0604020202020204" pitchFamily="34" charset="0"/>
+              <a:buChar char="•"/>
+            </a:pPr>
+            <a:r>
+              <a:rPr lang="en-US" altLang="en-IN" sz="2000">
+                <a:solidFill>
+                  <a:schemeClr val="bg1"/>
+                </a:solidFill>
+                <a:latin typeface="Calibri" panose="020F0502020204030204" charset="0"/>
+                <a:cs typeface="Calibri" panose="020F0502020204030204" charset="0"/>
+                <a:sym typeface="+mn-ea"/>
+              </a:rPr>
+              <a:t>Bug fixes</a:t>
+            </a:r>
+            <a:endParaRPr lang="en-US" altLang="en-IN" sz="2000">
+              <a:solidFill>
+                <a:schemeClr val="bg1"/>
+              </a:solidFill>
+              <a:latin typeface="Calibri" panose="020F0502020204030204" charset="0"/>
+              <a:cs typeface="Calibri" panose="020F0502020204030204" charset="0"/>
+              <a:sym typeface="+mn-ea"/>
+            </a:endParaRPr>
+          </a:p>
+          <a:p>
+            <a:pPr marL="914400" lvl="4" indent="-342900" algn="l">
+              <a:lnSpc>
+                <a:spcPct val="150000"/>
+              </a:lnSpc>
+              <a:buFont typeface="Arial" panose="020B0604020202020204" pitchFamily="34" charset="0"/>
+              <a:buChar char="•"/>
+            </a:pPr>
+            <a:r>
+              <a:rPr lang="en-US" altLang="en-IN" sz="2000">
+                <a:solidFill>
+                  <a:schemeClr val="bg1"/>
+                </a:solidFill>
+                <a:latin typeface="Calibri" panose="020F0502020204030204" charset="0"/>
+                <a:cs typeface="Calibri" panose="020F0502020204030204" charset="0"/>
+                <a:sym typeface="+mn-ea"/>
+              </a:rPr>
+              <a:t>Safely experiment with new ideas </a:t>
+            </a:r>
+            <a:endParaRPr lang="en-US" altLang="en-IN" sz="2000" b="1">
+              <a:solidFill>
+                <a:schemeClr val="accent1"/>
+              </a:solidFill>
+              <a:effectLst>
+                <a:outerShdw blurRad="38100" dist="25400" dir="5400000" algn="ctr" rotWithShape="0">
+                  <a:srgbClr val="6E747A">
+                    <a:alpha val="43000"/>
+                  </a:srgbClr>
+                </a:outerShdw>
+              </a:effectLst>
+              <a:latin typeface="Times New Roman" panose="02020603050405020304" charset="0"/>
+              <a:cs typeface="Times New Roman" panose="02020603050405020304" charset="0"/>
+              <a:sym typeface="+mn-ea"/>
+            </a:endParaRPr>
+          </a:p>
+          <a:p>
+            <a:pPr lvl="1" algn="l">
+              <a:lnSpc>
+                <a:spcPct val="150000"/>
+              </a:lnSpc>
+              <a:buFont typeface="Arial" panose="020B0604020202020204" pitchFamily="34" charset="0"/>
+            </a:pPr>
+            <a:endParaRPr lang="en-US" altLang="en-IN" sz="2000" b="1">
+              <a:solidFill>
+                <a:schemeClr val="bg1"/>
+              </a:solidFill>
+              <a:latin typeface="Calibri" panose="020F0502020204030204" charset="0"/>
+              <a:cs typeface="Calibri" panose="020F0502020204030204" charset="0"/>
+              <a:sym typeface="+mn-ea"/>
+            </a:endParaRPr>
+          </a:p>
+        </p:txBody>
+      </p:sp>
+    </p:spTree>
+  </p:cSld>
+  <p:clrMapOvr>
+    <a:masterClrMapping/>
+  </p:clrMapOvr>
+</p:sld>
+</file>
+
+<file path=ppt/slides/slide14.xml><?xml version="1.0" encoding="utf-8"?>
+<p:sld xmlns:a="http://schemas.openxmlformats.org/drawingml/2006/main" xmlns:r="http://schemas.openxmlformats.org/officeDocument/2006/relationships" xmlns:p="http://schemas.openxmlformats.org/presentationml/2006/main">
+  <p:cSld>
+    <p:spTree>
+      <p:nvGrpSpPr>
+        <p:cNvPr id="1" name=""/>
+        <p:cNvGrpSpPr/>
+        <p:nvPr/>
+      </p:nvGrpSpPr>
+      <p:grpSpPr/>
+      <p:sp>
+        <p:nvSpPr>
+          <p:cNvPr id="6" name="Title 5"/>
+          <p:cNvSpPr>
+            <a:spLocks noGrp="1"/>
+          </p:cNvSpPr>
+          <p:nvPr>
+            <p:ph type="ctrTitle"/>
+          </p:nvPr>
+        </p:nvSpPr>
+        <p:spPr/>
+        <p:txBody>
+          <a:bodyPr/>
+          <a:p>
+            <a:r>
+              <a:rPr lang="en-US"/>
+              <a:t>A</a:t>
+            </a:r>
+            <a:endParaRPr lang="en-US"/>
+          </a:p>
+        </p:txBody>
+      </p:sp>
+      <p:sp>
+        <p:nvSpPr>
+          <p:cNvPr id="7" name="Subtitle 6"/>
+          <p:cNvSpPr>
+            <a:spLocks noGrp="1"/>
+          </p:cNvSpPr>
+          <p:nvPr>
+            <p:ph type="subTitle" idx="1"/>
+          </p:nvPr>
+        </p:nvSpPr>
+        <p:spPr>
+          <a:xfrm>
+            <a:off x="904240" y="2025650"/>
+            <a:ext cx="6751955" cy="4487545"/>
+          </a:xfrm>
+          <a:solidFill>
+            <a:schemeClr val="bg2">
+              <a:lumMod val="25000"/>
+            </a:schemeClr>
+          </a:solidFill>
+        </p:spPr>
+        <p:txBody>
+          <a:bodyPr>
+            <a:normAutofit fontScale="90000"/>
+          </a:bodyPr>
+          <a:p>
+            <a:pPr algn="l">
+              <a:buFont typeface="Arial" panose="020B0604020202020204" pitchFamily="34" charset="0"/>
+            </a:pPr>
+            <a:r>
+              <a:rPr lang="en-IN" altLang="en-US" b="1">
+                <a:solidFill>
+                  <a:schemeClr val="bg1"/>
+                </a:solidFill>
+              </a:rPr>
+              <a:t>					</a:t>
+            </a:r>
+            <a:endParaRPr lang="en-IN" altLang="en-US" sz="2800" b="1">
+              <a:solidFill>
+                <a:schemeClr val="bg1"/>
+              </a:solidFill>
+            </a:endParaRPr>
+          </a:p>
+          <a:p>
+            <a:pPr marL="914400" lvl="1" indent="-457200" algn="l">
+              <a:lnSpc>
+                <a:spcPct val="150000"/>
+              </a:lnSpc>
+              <a:buFont typeface="Arial" panose="020B0604020202020204" pitchFamily="34" charset="0"/>
+              <a:buChar char="•"/>
+            </a:pPr>
+            <a:r>
+              <a:rPr lang="en-US" altLang="en-IN" sz="2095">
+                <a:solidFill>
+                  <a:schemeClr val="bg1"/>
+                </a:solidFill>
+                <a:latin typeface="Calibri" panose="020F0502020204030204" charset="0"/>
+                <a:cs typeface="Calibri" panose="020F0502020204030204" charset="0"/>
+              </a:rPr>
+              <a:t>A Branch is a isolate development work without affecting other branches in the repository</a:t>
+            </a:r>
+            <a:endParaRPr lang="en-US" altLang="en-IN" sz="2095">
+              <a:solidFill>
+                <a:schemeClr val="bg1"/>
+              </a:solidFill>
+              <a:latin typeface="Calibri" panose="020F0502020204030204" charset="0"/>
+              <a:cs typeface="Calibri" panose="020F0502020204030204" charset="0"/>
+            </a:endParaRPr>
+          </a:p>
+          <a:p>
+            <a:pPr marL="914400" lvl="1" indent="-457200" algn="l">
+              <a:lnSpc>
+                <a:spcPct val="150000"/>
+              </a:lnSpc>
+              <a:buFont typeface="Arial" panose="020B0604020202020204" pitchFamily="34" charset="0"/>
+              <a:buChar char="•"/>
+            </a:pPr>
+            <a:r>
+              <a:rPr lang="en-US" altLang="en-IN">
+                <a:solidFill>
+                  <a:schemeClr val="bg1"/>
+                </a:solidFill>
+                <a:latin typeface="Calibri" panose="020F0502020204030204" charset="0"/>
+                <a:cs typeface="Calibri" panose="020F0502020204030204" charset="0"/>
+                <a:sym typeface="+mn-ea"/>
+              </a:rPr>
+              <a:t>We can add multiple branches to the repository</a:t>
+            </a:r>
+            <a:endParaRPr lang="en-US">
+              <a:solidFill>
+                <a:schemeClr val="bg1"/>
+              </a:solidFill>
+              <a:latin typeface="Calibri" panose="020F0502020204030204" charset="0"/>
+              <a:cs typeface="Calibri" panose="020F0502020204030204" charset="0"/>
+            </a:endParaRPr>
+          </a:p>
+          <a:p>
+            <a:pPr marL="914400" lvl="1" indent="-457200" algn="l">
+              <a:lnSpc>
+                <a:spcPct val="150000"/>
+              </a:lnSpc>
+              <a:buFont typeface="Arial" panose="020B0604020202020204" pitchFamily="34" charset="0"/>
+              <a:buChar char="•"/>
+            </a:pPr>
+            <a:r>
+              <a:rPr lang="en-US" altLang="en-IN" sz="2095">
+                <a:solidFill>
+                  <a:schemeClr val="bg1"/>
+                </a:solidFill>
+                <a:latin typeface="Calibri" panose="020F0502020204030204" charset="0"/>
+                <a:cs typeface="Calibri" panose="020F0502020204030204" charset="0"/>
+                <a:sym typeface="+mn-ea"/>
+              </a:rPr>
+              <a:t>Each repository has one default branch named Master-Main.</a:t>
+            </a:r>
+            <a:endParaRPr lang="en-US" altLang="en-IN" sz="2095">
+              <a:solidFill>
+                <a:schemeClr val="bg1"/>
+              </a:solidFill>
+              <a:latin typeface="Calibri" panose="020F0502020204030204" charset="0"/>
+              <a:cs typeface="Calibri" panose="020F0502020204030204" charset="0"/>
+              <a:sym typeface="+mn-ea"/>
+            </a:endParaRPr>
+          </a:p>
+          <a:p>
+            <a:pPr lvl="1" algn="l">
+              <a:lnSpc>
+                <a:spcPct val="150000"/>
+              </a:lnSpc>
+              <a:buFont typeface="Arial" panose="020B0604020202020204" pitchFamily="34" charset="0"/>
+            </a:pPr>
+            <a:r>
+              <a:rPr lang="en-US" altLang="en-IN" sz="2800" b="1">
+                <a:solidFill>
+                  <a:schemeClr val="accent1"/>
+                </a:solidFill>
+                <a:effectLst>
+                  <a:outerShdw blurRad="38100" dist="25400" dir="5400000" algn="ctr" rotWithShape="0">
+                    <a:srgbClr val="6E747A">
+                      <a:alpha val="43000"/>
+                    </a:srgbClr>
+                  </a:outerShdw>
+                </a:effectLst>
+                <a:latin typeface="Times New Roman" panose="02020603050405020304" charset="0"/>
+                <a:cs typeface="Times New Roman" panose="02020603050405020304" charset="0"/>
+                <a:sym typeface="+mn-ea"/>
+              </a:rPr>
+              <a:t>Example:</a:t>
+            </a:r>
+            <a:endParaRPr lang="en-US" altLang="en-IN" sz="2800" b="1">
+              <a:solidFill>
+                <a:schemeClr val="bg1"/>
+              </a:solidFill>
+              <a:latin typeface="Calibri" panose="020F0502020204030204" charset="0"/>
+              <a:cs typeface="Calibri" panose="020F0502020204030204" charset="0"/>
+              <a:sym typeface="+mn-ea"/>
+            </a:endParaRPr>
+          </a:p>
+          <a:p>
+            <a:pPr lvl="1" algn="l">
+              <a:lnSpc>
+                <a:spcPct val="150000"/>
+              </a:lnSpc>
+              <a:buFont typeface="Arial" panose="020B0604020202020204" pitchFamily="34" charset="0"/>
+            </a:pPr>
+            <a:r>
+              <a:rPr lang="en-US" altLang="en-IN" sz="2095">
+                <a:solidFill>
+                  <a:schemeClr val="bg1"/>
+                </a:solidFill>
+                <a:latin typeface="Calibri" panose="020F0502020204030204" charset="0"/>
+                <a:cs typeface="Calibri" panose="020F0502020204030204" charset="0"/>
+                <a:sym typeface="+mn-ea"/>
+              </a:rPr>
+              <a:t>Adding new features without  affecting the production code.</a:t>
+            </a:r>
+            <a:endParaRPr lang="en-US" altLang="en-IN" sz="2095">
+              <a:solidFill>
+                <a:schemeClr val="bg1"/>
+              </a:solidFill>
+              <a:latin typeface="Calibri" panose="020F0502020204030204" charset="0"/>
+              <a:cs typeface="Calibri" panose="020F0502020204030204" charset="0"/>
+              <a:sym typeface="+mn-ea"/>
+            </a:endParaRPr>
+          </a:p>
+          <a:p>
+            <a:pPr lvl="1" algn="l">
+              <a:lnSpc>
+                <a:spcPct val="150000"/>
+              </a:lnSpc>
+              <a:buFont typeface="Arial" panose="020B0604020202020204" pitchFamily="34" charset="0"/>
+            </a:pPr>
+            <a:endParaRPr lang="en-US" altLang="en-IN" sz="2400" b="1">
+              <a:solidFill>
+                <a:schemeClr val="bg1"/>
+              </a:solidFill>
+              <a:latin typeface="Calibri" panose="020F0502020204030204" charset="0"/>
+              <a:cs typeface="Calibri" panose="020F0502020204030204" charset="0"/>
+              <a:sym typeface="+mn-ea"/>
+            </a:endParaRPr>
+          </a:p>
+        </p:txBody>
+      </p:sp>
+      <p:sp>
+        <p:nvSpPr>
+          <p:cNvPr id="3" name="Subtitle 6"/>
+          <p:cNvSpPr>
+            <a:spLocks noGrp="1"/>
+          </p:cNvSpPr>
+          <p:nvPr/>
+        </p:nvSpPr>
+        <p:spPr>
+          <a:xfrm>
+            <a:off x="904240" y="855345"/>
+            <a:ext cx="10545445" cy="1040765"/>
+          </a:xfrm>
+          <a:prstGeom prst="rect">
+            <a:avLst/>
+          </a:prstGeom>
+          <a:solidFill>
+            <a:schemeClr val="bg2">
+              <a:lumMod val="25000"/>
+            </a:schemeClr>
+          </a:solidFill>
+        </p:spPr>
+        <p:txBody>
+          <a:bodyPr vert="horz" lIns="91440" tIns="45720" rIns="91440" bIns="45720" rtlCol="0">
+            <a:normAutofit/>
+          </a:bodyPr>
+          <a:lstStyle>
+            <a:lvl1pPr marL="0" indent="0" algn="ctr" defTabSz="914400" rtl="0" eaLnBrk="1" latinLnBrk="0" hangingPunct="1">
+              <a:lnSpc>
+                <a:spcPct val="90000"/>
+              </a:lnSpc>
+              <a:spcBef>
+                <a:spcPts val="1000"/>
+              </a:spcBef>
+              <a:buFont typeface="Arial" panose="020B0604020202020204" pitchFamily="34" charset="0"/>
+              <a:buNone/>
+              <a:defRPr sz="2400" kern="1200">
+                <a:solidFill>
+                  <a:schemeClr val="tx1"/>
+                </a:solidFill>
+                <a:latin typeface="+mn-lt"/>
+                <a:ea typeface="+mn-ea"/>
+                <a:cs typeface="+mn-cs"/>
+              </a:defRPr>
+            </a:lvl1pPr>
+            <a:lvl2pPr marL="457200" indent="0" algn="ctr" defTabSz="914400" rtl="0" eaLnBrk="1" latinLnBrk="0" hangingPunct="1">
+              <a:lnSpc>
+                <a:spcPct val="90000"/>
+              </a:lnSpc>
+              <a:spcBef>
+                <a:spcPts val="500"/>
+              </a:spcBef>
+              <a:buFont typeface="Arial" panose="020B0604020202020204" pitchFamily="34" charset="0"/>
+              <a:buNone/>
+              <a:defRPr sz="2000" kern="1200">
+                <a:solidFill>
+                  <a:schemeClr val="tx1"/>
+                </a:solidFill>
+                <a:latin typeface="+mn-lt"/>
+                <a:ea typeface="+mn-ea"/>
+                <a:cs typeface="+mn-cs"/>
+              </a:defRPr>
+            </a:lvl2pPr>
+            <a:lvl3pPr marL="914400" indent="0" algn="ctr" defTabSz="914400" rtl="0" eaLnBrk="1" latinLnBrk="0" hangingPunct="1">
+              <a:lnSpc>
+                <a:spcPct val="90000"/>
+              </a:lnSpc>
+              <a:spcBef>
+                <a:spcPts val="500"/>
+              </a:spcBef>
+              <a:buFont typeface="Arial" panose="020B0604020202020204" pitchFamily="34" charset="0"/>
+              <a:buNone/>
+              <a:defRPr sz="1800" kern="1200">
+                <a:solidFill>
+                  <a:schemeClr val="tx1"/>
+                </a:solidFill>
+                <a:latin typeface="+mn-lt"/>
+                <a:ea typeface="+mn-ea"/>
+                <a:cs typeface="+mn-cs"/>
+              </a:defRPr>
+            </a:lvl3pPr>
+            <a:lvl4pPr marL="1371600" indent="0" algn="ctr" defTabSz="914400" rtl="0" eaLnBrk="1" latinLnBrk="0" hangingPunct="1">
+              <a:lnSpc>
+                <a:spcPct val="90000"/>
+              </a:lnSpc>
+              <a:spcBef>
+                <a:spcPts val="500"/>
+              </a:spcBef>
+              <a:buFont typeface="Arial" panose="020B0604020202020204" pitchFamily="34" charset="0"/>
+              <a:buNone/>
+              <a:defRPr sz="1600" kern="1200">
+                <a:solidFill>
+                  <a:schemeClr val="tx1"/>
+                </a:solidFill>
+                <a:latin typeface="+mn-lt"/>
+                <a:ea typeface="+mn-ea"/>
+                <a:cs typeface="+mn-cs"/>
+              </a:defRPr>
+            </a:lvl4pPr>
+            <a:lvl5pPr marL="1828800" indent="0" algn="ctr" defTabSz="914400" rtl="0" eaLnBrk="1" latinLnBrk="0" hangingPunct="1">
+              <a:lnSpc>
+                <a:spcPct val="90000"/>
+              </a:lnSpc>
+              <a:spcBef>
+                <a:spcPts val="500"/>
+              </a:spcBef>
+              <a:buFont typeface="Arial" panose="020B0604020202020204" pitchFamily="34" charset="0"/>
+              <a:buNone/>
+              <a:defRPr sz="1600" kern="1200">
+                <a:solidFill>
+                  <a:schemeClr val="tx1"/>
+                </a:solidFill>
+                <a:latin typeface="+mn-lt"/>
+                <a:ea typeface="+mn-ea"/>
+                <a:cs typeface="+mn-cs"/>
+              </a:defRPr>
+            </a:lvl5pPr>
+            <a:lvl6pPr marL="2286000" indent="0" algn="ctr" defTabSz="914400" rtl="0" eaLnBrk="1" latinLnBrk="0" hangingPunct="1">
+              <a:lnSpc>
+                <a:spcPct val="90000"/>
+              </a:lnSpc>
+              <a:spcBef>
+                <a:spcPts val="500"/>
+              </a:spcBef>
+              <a:buFont typeface="Arial" panose="020B0604020202020204" pitchFamily="34" charset="0"/>
+              <a:buNone/>
+              <a:defRPr sz="1600" kern="1200">
+                <a:solidFill>
+                  <a:schemeClr val="tx1"/>
+                </a:solidFill>
+                <a:latin typeface="+mn-lt"/>
+                <a:ea typeface="+mn-ea"/>
+                <a:cs typeface="+mn-cs"/>
+              </a:defRPr>
+            </a:lvl6pPr>
+            <a:lvl7pPr marL="2743200" indent="0" algn="ctr" defTabSz="914400" rtl="0" eaLnBrk="1" latinLnBrk="0" hangingPunct="1">
+              <a:lnSpc>
+                <a:spcPct val="90000"/>
+              </a:lnSpc>
+              <a:spcBef>
+                <a:spcPts val="500"/>
+              </a:spcBef>
+              <a:buFont typeface="Arial" panose="020B0604020202020204" pitchFamily="34" charset="0"/>
+              <a:buNone/>
+              <a:defRPr sz="1600" kern="1200">
+                <a:solidFill>
+                  <a:schemeClr val="tx1"/>
+                </a:solidFill>
+                <a:latin typeface="+mn-lt"/>
+                <a:ea typeface="+mn-ea"/>
+                <a:cs typeface="+mn-cs"/>
+              </a:defRPr>
+            </a:lvl7pPr>
+            <a:lvl8pPr marL="3200400" indent="0" algn="ctr" defTabSz="914400" rtl="0" eaLnBrk="1" latinLnBrk="0" hangingPunct="1">
+              <a:lnSpc>
+                <a:spcPct val="90000"/>
+              </a:lnSpc>
+              <a:spcBef>
+                <a:spcPts val="500"/>
+              </a:spcBef>
+              <a:buFont typeface="Arial" panose="020B0604020202020204" pitchFamily="34" charset="0"/>
+              <a:buNone/>
+              <a:defRPr sz="1600" kern="1200">
+                <a:solidFill>
+                  <a:schemeClr val="tx1"/>
+                </a:solidFill>
+                <a:latin typeface="+mn-lt"/>
+                <a:ea typeface="+mn-ea"/>
+                <a:cs typeface="+mn-cs"/>
+              </a:defRPr>
+            </a:lvl8pPr>
+            <a:lvl9pPr marL="3657600" indent="0" algn="ctr" defTabSz="914400" rtl="0" eaLnBrk="1" latinLnBrk="0" hangingPunct="1">
+              <a:lnSpc>
+                <a:spcPct val="90000"/>
+              </a:lnSpc>
+              <a:spcBef>
+                <a:spcPts val="500"/>
+              </a:spcBef>
+              <a:buFont typeface="Arial" panose="020B0604020202020204" pitchFamily="34" charset="0"/>
+              <a:buNone/>
+              <a:defRPr sz="1600" kern="1200">
+                <a:solidFill>
+                  <a:schemeClr val="tx1"/>
+                </a:solidFill>
+                <a:latin typeface="+mn-lt"/>
+                <a:ea typeface="+mn-ea"/>
+                <a:cs typeface="+mn-cs"/>
+              </a:defRPr>
+            </a:lvl9pPr>
+          </a:lstStyle>
+          <a:p>
+            <a:pPr algn="l">
+              <a:buFont typeface="Arial" panose="020B0604020202020204" pitchFamily="34" charset="0"/>
+            </a:pPr>
+            <a:r>
+              <a:rPr lang="en-IN" altLang="en-US" sz="2095">
+                <a:solidFill>
+                  <a:schemeClr val="bg1"/>
+                </a:solidFill>
+                <a:latin typeface="Times New Roman" panose="02020603050405020304" charset="0"/>
+                <a:cs typeface="Times New Roman" panose="02020603050405020304" charset="0"/>
+                <a:sym typeface="+mn-ea"/>
+              </a:rPr>
+              <a:t>	</a:t>
+            </a:r>
+            <a:endParaRPr lang="en-IN" altLang="en-US" sz="2095">
+              <a:solidFill>
+                <a:schemeClr val="bg1"/>
+              </a:solidFill>
+              <a:latin typeface="Times New Roman" panose="02020603050405020304" charset="0"/>
+              <a:cs typeface="Times New Roman" panose="02020603050405020304" charset="0"/>
+              <a:sym typeface="+mn-ea"/>
+            </a:endParaRPr>
+          </a:p>
+          <a:p>
+            <a:pPr algn="l">
+              <a:buFont typeface="Arial" panose="020B0604020202020204" pitchFamily="34" charset="0"/>
+            </a:pPr>
+            <a:r>
+              <a:rPr lang="en-IN" altLang="en-US" sz="2095">
+                <a:solidFill>
+                  <a:schemeClr val="bg1"/>
+                </a:solidFill>
+                <a:latin typeface="Times New Roman" panose="02020603050405020304" charset="0"/>
+                <a:cs typeface="Times New Roman" panose="02020603050405020304" charset="0"/>
+                <a:sym typeface="+mn-ea"/>
+              </a:rPr>
+              <a:t>				      </a:t>
+            </a:r>
+            <a:r>
+              <a:rPr lang="en-IN" altLang="en-US">
+                <a:ln w="22225">
+                  <a:solidFill>
+                    <a:schemeClr val="accent2"/>
+                  </a:solidFill>
+                  <a:prstDash val="solid"/>
+                </a:ln>
+                <a:solidFill>
+                  <a:schemeClr val="accent2">
+                    <a:lumMod val="40000"/>
+                    <a:lumOff val="60000"/>
+                  </a:schemeClr>
+                </a:solidFill>
+                <a:effectLst/>
+                <a:latin typeface="Times New Roman" panose="02020603050405020304" charset="0"/>
+                <a:cs typeface="Times New Roman" panose="02020603050405020304" charset="0"/>
+                <a:sym typeface="+mn-ea"/>
+              </a:rPr>
+              <a:t> </a:t>
+            </a:r>
+            <a:r>
+              <a:rPr lang="en-US" altLang="en-IN" sz="3600" b="1">
+                <a:solidFill>
+                  <a:schemeClr val="accent1"/>
+                </a:solidFill>
+                <a:effectLst>
+                  <a:outerShdw blurRad="38100" dist="25400" dir="5400000" algn="ctr" rotWithShape="0">
+                    <a:srgbClr val="6E747A">
+                      <a:alpha val="43000"/>
+                    </a:srgbClr>
+                  </a:outerShdw>
+                </a:effectLst>
+                <a:latin typeface="Times New Roman" panose="02020603050405020304" charset="0"/>
+                <a:cs typeface="Times New Roman" panose="02020603050405020304" charset="0"/>
+                <a:sym typeface="+mn-ea"/>
+              </a:rPr>
+              <a:t>Branch</a:t>
+            </a:r>
+            <a:endParaRPr lang="en-US" altLang="en-IN" sz="3600" b="1">
+              <a:solidFill>
+                <a:schemeClr val="accent1"/>
+              </a:solidFill>
+              <a:effectLst>
+                <a:outerShdw blurRad="38100" dist="25400" dir="5400000" algn="ctr" rotWithShape="0">
+                  <a:srgbClr val="6E747A">
+                    <a:alpha val="43000"/>
+                  </a:srgbClr>
+                </a:outerShdw>
+              </a:effectLst>
+              <a:latin typeface="Times New Roman" panose="02020603050405020304" charset="0"/>
+              <a:cs typeface="Times New Roman" panose="02020603050405020304" charset="0"/>
+              <a:sym typeface="+mn-ea"/>
+            </a:endParaRPr>
+          </a:p>
+        </p:txBody>
+      </p:sp>
+      <p:sp>
+        <p:nvSpPr>
+          <p:cNvPr id="2" name="Subtitle 6"/>
+          <p:cNvSpPr>
+            <a:spLocks noGrp="1"/>
+          </p:cNvSpPr>
+          <p:nvPr/>
+        </p:nvSpPr>
+        <p:spPr>
+          <a:xfrm>
+            <a:off x="7791450" y="2025650"/>
+            <a:ext cx="3658235" cy="4487545"/>
+          </a:xfrm>
+          <a:prstGeom prst="rect">
+            <a:avLst/>
+          </a:prstGeom>
+          <a:solidFill>
+            <a:schemeClr val="bg2">
+              <a:lumMod val="25000"/>
+            </a:schemeClr>
+          </a:solidFill>
+        </p:spPr>
+        <p:txBody>
+          <a:bodyPr vert="horz" lIns="91440" tIns="45720" rIns="91440" bIns="45720" rtlCol="0">
+            <a:normAutofit/>
+          </a:bodyPr>
+          <a:lstStyle>
+            <a:lvl1pPr marL="0" indent="0" algn="ctr" defTabSz="914400" rtl="0" eaLnBrk="1" latinLnBrk="0" hangingPunct="1">
+              <a:lnSpc>
+                <a:spcPct val="90000"/>
+              </a:lnSpc>
+              <a:spcBef>
+                <a:spcPts val="1000"/>
+              </a:spcBef>
+              <a:buFont typeface="Arial" panose="020B0604020202020204" pitchFamily="34" charset="0"/>
+              <a:buNone/>
+              <a:defRPr sz="2400" kern="1200">
+                <a:solidFill>
+                  <a:schemeClr val="tx1"/>
+                </a:solidFill>
+                <a:latin typeface="+mn-lt"/>
+                <a:ea typeface="+mn-ea"/>
+                <a:cs typeface="+mn-cs"/>
+              </a:defRPr>
+            </a:lvl1pPr>
+            <a:lvl2pPr marL="457200" indent="0" algn="ctr" defTabSz="914400" rtl="0" eaLnBrk="1" latinLnBrk="0" hangingPunct="1">
+              <a:lnSpc>
+                <a:spcPct val="90000"/>
+              </a:lnSpc>
+              <a:spcBef>
+                <a:spcPts val="500"/>
+              </a:spcBef>
+              <a:buFont typeface="Arial" panose="020B0604020202020204" pitchFamily="34" charset="0"/>
+              <a:buNone/>
+              <a:defRPr sz="2000" kern="1200">
+                <a:solidFill>
+                  <a:schemeClr val="tx1"/>
+                </a:solidFill>
+                <a:latin typeface="+mn-lt"/>
+                <a:ea typeface="+mn-ea"/>
+                <a:cs typeface="+mn-cs"/>
+              </a:defRPr>
+            </a:lvl2pPr>
+            <a:lvl3pPr marL="914400" indent="0" algn="ctr" defTabSz="914400" rtl="0" eaLnBrk="1" latinLnBrk="0" hangingPunct="1">
+              <a:lnSpc>
+                <a:spcPct val="90000"/>
+              </a:lnSpc>
+              <a:spcBef>
+                <a:spcPts val="500"/>
+              </a:spcBef>
+              <a:buFont typeface="Arial" panose="020B0604020202020204" pitchFamily="34" charset="0"/>
+              <a:buNone/>
+              <a:defRPr sz="1800" kern="1200">
+                <a:solidFill>
+                  <a:schemeClr val="tx1"/>
+                </a:solidFill>
+                <a:latin typeface="+mn-lt"/>
+                <a:ea typeface="+mn-ea"/>
+                <a:cs typeface="+mn-cs"/>
+              </a:defRPr>
+            </a:lvl3pPr>
+            <a:lvl4pPr marL="1371600" indent="0" algn="ctr" defTabSz="914400" rtl="0" eaLnBrk="1" latinLnBrk="0" hangingPunct="1">
+              <a:lnSpc>
+                <a:spcPct val="90000"/>
+              </a:lnSpc>
+              <a:spcBef>
+                <a:spcPts val="500"/>
+              </a:spcBef>
+              <a:buFont typeface="Arial" panose="020B0604020202020204" pitchFamily="34" charset="0"/>
+              <a:buNone/>
+              <a:defRPr sz="1600" kern="1200">
+                <a:solidFill>
+                  <a:schemeClr val="tx1"/>
+                </a:solidFill>
+                <a:latin typeface="+mn-lt"/>
+                <a:ea typeface="+mn-ea"/>
+                <a:cs typeface="+mn-cs"/>
+              </a:defRPr>
+            </a:lvl4pPr>
+            <a:lvl5pPr marL="1828800" indent="0" algn="ctr" defTabSz="914400" rtl="0" eaLnBrk="1" latinLnBrk="0" hangingPunct="1">
+              <a:lnSpc>
+                <a:spcPct val="90000"/>
+              </a:lnSpc>
+              <a:spcBef>
+                <a:spcPts val="500"/>
+              </a:spcBef>
+              <a:buFont typeface="Arial" panose="020B0604020202020204" pitchFamily="34" charset="0"/>
+              <a:buNone/>
+              <a:defRPr sz="1600" kern="1200">
+                <a:solidFill>
+                  <a:schemeClr val="tx1"/>
+                </a:solidFill>
+                <a:latin typeface="+mn-lt"/>
+                <a:ea typeface="+mn-ea"/>
+                <a:cs typeface="+mn-cs"/>
+              </a:defRPr>
+            </a:lvl5pPr>
+            <a:lvl6pPr marL="2286000" indent="0" algn="ctr" defTabSz="914400" rtl="0" eaLnBrk="1" latinLnBrk="0" hangingPunct="1">
+              <a:lnSpc>
+                <a:spcPct val="90000"/>
+              </a:lnSpc>
+              <a:spcBef>
+                <a:spcPts val="500"/>
+              </a:spcBef>
+              <a:buFont typeface="Arial" panose="020B0604020202020204" pitchFamily="34" charset="0"/>
+              <a:buNone/>
+              <a:defRPr sz="1600" kern="1200">
+                <a:solidFill>
+                  <a:schemeClr val="tx1"/>
+                </a:solidFill>
+                <a:latin typeface="+mn-lt"/>
+                <a:ea typeface="+mn-ea"/>
+                <a:cs typeface="+mn-cs"/>
+              </a:defRPr>
+            </a:lvl6pPr>
+            <a:lvl7pPr marL="2743200" indent="0" algn="ctr" defTabSz="914400" rtl="0" eaLnBrk="1" latinLnBrk="0" hangingPunct="1">
+              <a:lnSpc>
+                <a:spcPct val="90000"/>
+              </a:lnSpc>
+              <a:spcBef>
+                <a:spcPts val="500"/>
+              </a:spcBef>
+              <a:buFont typeface="Arial" panose="020B0604020202020204" pitchFamily="34" charset="0"/>
+              <a:buNone/>
+              <a:defRPr sz="1600" kern="1200">
+                <a:solidFill>
+                  <a:schemeClr val="tx1"/>
+                </a:solidFill>
+                <a:latin typeface="+mn-lt"/>
+                <a:ea typeface="+mn-ea"/>
+                <a:cs typeface="+mn-cs"/>
+              </a:defRPr>
+            </a:lvl7pPr>
+            <a:lvl8pPr marL="3200400" indent="0" algn="ctr" defTabSz="914400" rtl="0" eaLnBrk="1" latinLnBrk="0" hangingPunct="1">
+              <a:lnSpc>
+                <a:spcPct val="90000"/>
+              </a:lnSpc>
+              <a:spcBef>
+                <a:spcPts val="500"/>
+              </a:spcBef>
+              <a:buFont typeface="Arial" panose="020B0604020202020204" pitchFamily="34" charset="0"/>
+              <a:buNone/>
+              <a:defRPr sz="1600" kern="1200">
+                <a:solidFill>
+                  <a:schemeClr val="tx1"/>
+                </a:solidFill>
+                <a:latin typeface="+mn-lt"/>
+                <a:ea typeface="+mn-ea"/>
+                <a:cs typeface="+mn-cs"/>
+              </a:defRPr>
+            </a:lvl8pPr>
+            <a:lvl9pPr marL="3657600" indent="0" algn="ctr" defTabSz="914400" rtl="0" eaLnBrk="1" latinLnBrk="0" hangingPunct="1">
+              <a:lnSpc>
+                <a:spcPct val="90000"/>
+              </a:lnSpc>
+              <a:spcBef>
+                <a:spcPts val="500"/>
+              </a:spcBef>
+              <a:buFont typeface="Arial" panose="020B0604020202020204" pitchFamily="34" charset="0"/>
+              <a:buNone/>
+              <a:defRPr sz="1600" kern="1200">
+                <a:solidFill>
+                  <a:schemeClr val="tx1"/>
+                </a:solidFill>
+                <a:latin typeface="+mn-lt"/>
+                <a:ea typeface="+mn-ea"/>
+                <a:cs typeface="+mn-cs"/>
+              </a:defRPr>
+            </a:lvl9pPr>
+          </a:lstStyle>
+          <a:p>
+            <a:pPr algn="l">
+              <a:buFont typeface="Arial" panose="020B0604020202020204" pitchFamily="34" charset="0"/>
+            </a:pPr>
+            <a:r>
+              <a:rPr lang="en-IN" altLang="en-US" b="1">
+                <a:solidFill>
+                  <a:schemeClr val="bg1"/>
+                </a:solidFill>
+              </a:rPr>
+              <a:t>		</a:t>
+            </a:r>
+            <a:endParaRPr lang="en-IN" altLang="en-US" sz="2800" b="1">
+              <a:solidFill>
+                <a:schemeClr val="bg1"/>
+              </a:solidFill>
+            </a:endParaRPr>
+          </a:p>
+          <a:p>
+            <a:pPr marL="0" lvl="1" algn="l">
+              <a:lnSpc>
+                <a:spcPct val="150000"/>
+              </a:lnSpc>
+              <a:buFont typeface="Arial" panose="020B0604020202020204" pitchFamily="34" charset="0"/>
+            </a:pPr>
+            <a:r>
+              <a:rPr lang="en-US" altLang="en-IN" sz="2095" b="1">
+                <a:solidFill>
+                  <a:schemeClr val="accent1"/>
+                </a:solidFill>
+                <a:effectLst>
+                  <a:outerShdw blurRad="38100" dist="25400" dir="5400000" algn="ctr" rotWithShape="0">
+                    <a:srgbClr val="6E747A">
+                      <a:alpha val="43000"/>
+                    </a:srgbClr>
+                  </a:outerShdw>
+                </a:effectLst>
+                <a:latin typeface="Times New Roman" panose="02020603050405020304" charset="0"/>
+                <a:cs typeface="Times New Roman" panose="02020603050405020304" charset="0"/>
+                <a:sym typeface="+mn-ea"/>
+              </a:rPr>
+              <a:t>Uses:</a:t>
+            </a:r>
+            <a:endParaRPr lang="en-US" altLang="en-IN" sz="2095" b="1">
+              <a:solidFill>
+                <a:schemeClr val="accent1"/>
+              </a:solidFill>
+              <a:effectLst>
+                <a:outerShdw blurRad="38100" dist="25400" dir="5400000" algn="ctr" rotWithShape="0">
+                  <a:srgbClr val="6E747A">
+                    <a:alpha val="43000"/>
+                  </a:srgbClr>
+                </a:outerShdw>
+              </a:effectLst>
+              <a:latin typeface="Times New Roman" panose="02020603050405020304" charset="0"/>
+              <a:cs typeface="Times New Roman" panose="02020603050405020304" charset="0"/>
+              <a:sym typeface="+mn-ea"/>
+            </a:endParaRPr>
+          </a:p>
+          <a:p>
+            <a:pPr marL="914400" lvl="4" indent="-342900" algn="l">
+              <a:lnSpc>
+                <a:spcPct val="150000"/>
+              </a:lnSpc>
+              <a:buFont typeface="Arial" panose="020B0604020202020204" pitchFamily="34" charset="0"/>
+              <a:buChar char="•"/>
+            </a:pPr>
+            <a:r>
+              <a:rPr lang="en-US" altLang="en-IN" sz="2000">
+                <a:solidFill>
+                  <a:schemeClr val="bg1"/>
+                </a:solidFill>
+                <a:latin typeface="Calibri" panose="020F0502020204030204" charset="0"/>
+                <a:cs typeface="Calibri" panose="020F0502020204030204" charset="0"/>
+                <a:sym typeface="+mn-ea"/>
+              </a:rPr>
+              <a:t>New Features</a:t>
+            </a:r>
+            <a:endParaRPr lang="en-US" altLang="en-IN" sz="2000">
+              <a:solidFill>
+                <a:schemeClr val="bg1"/>
+              </a:solidFill>
+              <a:latin typeface="Calibri" panose="020F0502020204030204" charset="0"/>
+              <a:cs typeface="Calibri" panose="020F0502020204030204" charset="0"/>
+              <a:sym typeface="+mn-ea"/>
+            </a:endParaRPr>
+          </a:p>
+          <a:p>
+            <a:pPr marL="914400" lvl="4" indent="-342900" algn="l">
+              <a:lnSpc>
+                <a:spcPct val="150000"/>
+              </a:lnSpc>
+              <a:buFont typeface="Arial" panose="020B0604020202020204" pitchFamily="34" charset="0"/>
+              <a:buChar char="•"/>
+            </a:pPr>
+            <a:r>
+              <a:rPr lang="en-US" altLang="en-IN" sz="2000">
+                <a:solidFill>
+                  <a:schemeClr val="bg1"/>
+                </a:solidFill>
+                <a:latin typeface="Calibri" panose="020F0502020204030204" charset="0"/>
+                <a:cs typeface="Calibri" panose="020F0502020204030204" charset="0"/>
+                <a:sym typeface="+mn-ea"/>
+              </a:rPr>
+              <a:t>Bug fixes</a:t>
+            </a:r>
+            <a:endParaRPr lang="en-US" altLang="en-IN" sz="2000">
+              <a:solidFill>
+                <a:schemeClr val="bg1"/>
+              </a:solidFill>
+              <a:latin typeface="Calibri" panose="020F0502020204030204" charset="0"/>
+              <a:cs typeface="Calibri" panose="020F0502020204030204" charset="0"/>
+              <a:sym typeface="+mn-ea"/>
+            </a:endParaRPr>
+          </a:p>
+          <a:p>
+            <a:pPr marL="914400" lvl="4" indent="-342900" algn="l">
+              <a:lnSpc>
+                <a:spcPct val="150000"/>
+              </a:lnSpc>
+              <a:buFont typeface="Arial" panose="020B0604020202020204" pitchFamily="34" charset="0"/>
+              <a:buChar char="•"/>
+            </a:pPr>
+            <a:r>
+              <a:rPr lang="en-US" altLang="en-IN" sz="2000">
+                <a:solidFill>
+                  <a:schemeClr val="bg1"/>
+                </a:solidFill>
+                <a:latin typeface="Calibri" panose="020F0502020204030204" charset="0"/>
+                <a:cs typeface="Calibri" panose="020F0502020204030204" charset="0"/>
+                <a:sym typeface="+mn-ea"/>
+              </a:rPr>
+              <a:t>Safely experiment with new ideas </a:t>
+            </a:r>
+            <a:endParaRPr lang="en-US" altLang="en-IN" sz="2000" b="1">
+              <a:solidFill>
+                <a:schemeClr val="accent1"/>
+              </a:solidFill>
+              <a:effectLst>
+                <a:outerShdw blurRad="38100" dist="25400" dir="5400000" algn="ctr" rotWithShape="0">
+                  <a:srgbClr val="6E747A">
+                    <a:alpha val="43000"/>
+                  </a:srgbClr>
+                </a:outerShdw>
+              </a:effectLst>
+              <a:latin typeface="Times New Roman" panose="02020603050405020304" charset="0"/>
+              <a:cs typeface="Times New Roman" panose="02020603050405020304" charset="0"/>
+              <a:sym typeface="+mn-ea"/>
+            </a:endParaRPr>
+          </a:p>
+          <a:p>
+            <a:pPr lvl="1" algn="l">
+              <a:lnSpc>
+                <a:spcPct val="150000"/>
+              </a:lnSpc>
+              <a:buFont typeface="Arial" panose="020B0604020202020204" pitchFamily="34" charset="0"/>
+            </a:pPr>
+            <a:endParaRPr lang="en-US" altLang="en-IN" sz="2000" b="1">
+              <a:solidFill>
+                <a:schemeClr val="bg1"/>
+              </a:solidFill>
+              <a:latin typeface="Calibri" panose="020F0502020204030204" charset="0"/>
+              <a:cs typeface="Calibri" panose="020F0502020204030204" charset="0"/>
+              <a:sym typeface="+mn-ea"/>
+            </a:endParaRPr>
+          </a:p>
+        </p:txBody>
+      </p:sp>
+    </p:spTree>
+  </p:cSld>
+  <p:clrMapOvr>
+    <a:masterClrMapping/>
+  </p:clrMapOvr>
+</p:sld>
+</file>
+
+<file path=ppt/slides/slide15.xml><?xml version="1.0" encoding="utf-8"?>
+<p:sld xmlns:a="http://schemas.openxmlformats.org/drawingml/2006/main" xmlns:r="http://schemas.openxmlformats.org/officeDocument/2006/relationships" xmlns:p="http://schemas.openxmlformats.org/presentationml/2006/main">
+  <p:cSld>
+    <p:spTree>
+      <p:nvGrpSpPr>
+        <p:cNvPr id="1" name=""/>
+        <p:cNvGrpSpPr/>
+        <p:nvPr/>
+      </p:nvGrpSpPr>
+      <p:grpSpPr/>
+      <p:sp>
+        <p:nvSpPr>
+          <p:cNvPr id="6" name="Title 5"/>
+          <p:cNvSpPr>
+            <a:spLocks noGrp="1"/>
+          </p:cNvSpPr>
+          <p:nvPr>
+            <p:ph type="ctrTitle"/>
+          </p:nvPr>
+        </p:nvSpPr>
+        <p:spPr/>
+        <p:txBody>
+          <a:bodyPr/>
+          <a:p>
+            <a:r>
+              <a:rPr lang="en-US"/>
+              <a:t>A</a:t>
+            </a:r>
+            <a:endParaRPr lang="en-US"/>
+          </a:p>
+        </p:txBody>
+      </p:sp>
+      <p:sp>
+        <p:nvSpPr>
+          <p:cNvPr id="7" name="Subtitle 6"/>
+          <p:cNvSpPr>
+            <a:spLocks noGrp="1"/>
+          </p:cNvSpPr>
+          <p:nvPr>
+            <p:ph type="subTitle" idx="1"/>
+          </p:nvPr>
+        </p:nvSpPr>
+        <p:spPr>
+          <a:xfrm>
+            <a:off x="904240" y="2025650"/>
+            <a:ext cx="6751955" cy="4487545"/>
+          </a:xfrm>
+          <a:solidFill>
+            <a:schemeClr val="bg2">
+              <a:lumMod val="25000"/>
+            </a:schemeClr>
+          </a:solidFill>
+        </p:spPr>
+        <p:txBody>
+          <a:bodyPr>
+            <a:normAutofit fontScale="90000"/>
+          </a:bodyPr>
+          <a:p>
+            <a:pPr algn="l">
+              <a:buFont typeface="Arial" panose="020B0604020202020204" pitchFamily="34" charset="0"/>
+            </a:pPr>
+            <a:r>
+              <a:rPr lang="en-IN" altLang="en-US" b="1">
+                <a:solidFill>
+                  <a:schemeClr val="bg1"/>
+                </a:solidFill>
+              </a:rPr>
+              <a:t>					</a:t>
+            </a:r>
+            <a:endParaRPr lang="en-IN" altLang="en-US" sz="2800" b="1">
+              <a:solidFill>
+                <a:schemeClr val="bg1"/>
+              </a:solidFill>
+            </a:endParaRPr>
+          </a:p>
+          <a:p>
+            <a:pPr marL="914400" lvl="1" indent="-457200" algn="l">
+              <a:lnSpc>
+                <a:spcPct val="150000"/>
+              </a:lnSpc>
+              <a:buFont typeface="Arial" panose="020B0604020202020204" pitchFamily="34" charset="0"/>
+              <a:buChar char="•"/>
+            </a:pPr>
+            <a:r>
+              <a:rPr lang="en-US" altLang="en-IN" sz="2095">
+                <a:solidFill>
+                  <a:schemeClr val="bg1"/>
+                </a:solidFill>
+                <a:latin typeface="Calibri" panose="020F0502020204030204" charset="0"/>
+                <a:cs typeface="Calibri" panose="020F0502020204030204" charset="0"/>
+              </a:rPr>
+              <a:t>A Branch is a isolate development work without affecting other branches in the repository</a:t>
+            </a:r>
+            <a:endParaRPr lang="en-US" altLang="en-IN" sz="2095">
+              <a:solidFill>
+                <a:schemeClr val="bg1"/>
+              </a:solidFill>
+              <a:latin typeface="Calibri" panose="020F0502020204030204" charset="0"/>
+              <a:cs typeface="Calibri" panose="020F0502020204030204" charset="0"/>
+            </a:endParaRPr>
+          </a:p>
+          <a:p>
+            <a:pPr marL="914400" lvl="1" indent="-457200" algn="l">
+              <a:lnSpc>
+                <a:spcPct val="150000"/>
+              </a:lnSpc>
+              <a:buFont typeface="Arial" panose="020B0604020202020204" pitchFamily="34" charset="0"/>
+              <a:buChar char="•"/>
+            </a:pPr>
+            <a:r>
+              <a:rPr lang="en-US" altLang="en-IN">
+                <a:solidFill>
+                  <a:schemeClr val="bg1"/>
+                </a:solidFill>
+                <a:latin typeface="Calibri" panose="020F0502020204030204" charset="0"/>
+                <a:cs typeface="Calibri" panose="020F0502020204030204" charset="0"/>
+                <a:sym typeface="+mn-ea"/>
+              </a:rPr>
+              <a:t>We can add multiple branches to the repository</a:t>
+            </a:r>
+            <a:endParaRPr lang="en-US">
+              <a:solidFill>
+                <a:schemeClr val="bg1"/>
+              </a:solidFill>
+              <a:latin typeface="Calibri" panose="020F0502020204030204" charset="0"/>
+              <a:cs typeface="Calibri" panose="020F0502020204030204" charset="0"/>
+            </a:endParaRPr>
+          </a:p>
+          <a:p>
+            <a:pPr marL="914400" lvl="1" indent="-457200" algn="l">
+              <a:lnSpc>
+                <a:spcPct val="150000"/>
+              </a:lnSpc>
+              <a:buFont typeface="Arial" panose="020B0604020202020204" pitchFamily="34" charset="0"/>
+              <a:buChar char="•"/>
+            </a:pPr>
+            <a:r>
+              <a:rPr lang="en-US" altLang="en-IN" sz="2095">
+                <a:solidFill>
+                  <a:schemeClr val="bg1"/>
+                </a:solidFill>
+                <a:latin typeface="Calibri" panose="020F0502020204030204" charset="0"/>
+                <a:cs typeface="Calibri" panose="020F0502020204030204" charset="0"/>
+                <a:sym typeface="+mn-ea"/>
+              </a:rPr>
+              <a:t>Each repository has one default branch named Master-Main.</a:t>
+            </a:r>
+            <a:endParaRPr lang="en-US" altLang="en-IN" sz="2095">
+              <a:solidFill>
+                <a:schemeClr val="bg1"/>
+              </a:solidFill>
+              <a:latin typeface="Calibri" panose="020F0502020204030204" charset="0"/>
+              <a:cs typeface="Calibri" panose="020F0502020204030204" charset="0"/>
+              <a:sym typeface="+mn-ea"/>
+            </a:endParaRPr>
+          </a:p>
+          <a:p>
+            <a:pPr lvl="1" algn="l">
+              <a:lnSpc>
+                <a:spcPct val="150000"/>
+              </a:lnSpc>
+              <a:buFont typeface="Arial" panose="020B0604020202020204" pitchFamily="34" charset="0"/>
+            </a:pPr>
+            <a:r>
+              <a:rPr lang="en-US" altLang="en-IN" sz="2800" b="1">
+                <a:solidFill>
+                  <a:schemeClr val="accent1"/>
+                </a:solidFill>
+                <a:effectLst>
+                  <a:outerShdw blurRad="38100" dist="25400" dir="5400000" algn="ctr" rotWithShape="0">
+                    <a:srgbClr val="6E747A">
+                      <a:alpha val="43000"/>
+                    </a:srgbClr>
+                  </a:outerShdw>
+                </a:effectLst>
+                <a:latin typeface="Times New Roman" panose="02020603050405020304" charset="0"/>
+                <a:cs typeface="Times New Roman" panose="02020603050405020304" charset="0"/>
+                <a:sym typeface="+mn-ea"/>
+              </a:rPr>
+              <a:t>Example:</a:t>
+            </a:r>
+            <a:endParaRPr lang="en-US" altLang="en-IN" sz="2800" b="1">
+              <a:solidFill>
+                <a:schemeClr val="bg1"/>
+              </a:solidFill>
+              <a:latin typeface="Calibri" panose="020F0502020204030204" charset="0"/>
+              <a:cs typeface="Calibri" panose="020F0502020204030204" charset="0"/>
+              <a:sym typeface="+mn-ea"/>
+            </a:endParaRPr>
+          </a:p>
+          <a:p>
+            <a:pPr lvl="1" algn="l">
+              <a:lnSpc>
+                <a:spcPct val="150000"/>
+              </a:lnSpc>
+              <a:buFont typeface="Arial" panose="020B0604020202020204" pitchFamily="34" charset="0"/>
+            </a:pPr>
+            <a:r>
+              <a:rPr lang="en-US" altLang="en-IN" sz="2095">
+                <a:solidFill>
+                  <a:schemeClr val="bg1"/>
+                </a:solidFill>
+                <a:latin typeface="Calibri" panose="020F0502020204030204" charset="0"/>
+                <a:cs typeface="Calibri" panose="020F0502020204030204" charset="0"/>
+                <a:sym typeface="+mn-ea"/>
+              </a:rPr>
+              <a:t>Adding new features without  affecting the production code.</a:t>
+            </a:r>
+            <a:endParaRPr lang="en-US" altLang="en-IN" sz="2095">
+              <a:solidFill>
+                <a:schemeClr val="bg1"/>
+              </a:solidFill>
+              <a:latin typeface="Calibri" panose="020F0502020204030204" charset="0"/>
+              <a:cs typeface="Calibri" panose="020F0502020204030204" charset="0"/>
+              <a:sym typeface="+mn-ea"/>
+            </a:endParaRPr>
+          </a:p>
+          <a:p>
+            <a:pPr lvl="1" algn="l">
+              <a:lnSpc>
+                <a:spcPct val="150000"/>
+              </a:lnSpc>
+              <a:buFont typeface="Arial" panose="020B0604020202020204" pitchFamily="34" charset="0"/>
+            </a:pPr>
+            <a:endParaRPr lang="en-US" altLang="en-IN" sz="2400" b="1">
+              <a:solidFill>
+                <a:schemeClr val="bg1"/>
+              </a:solidFill>
+              <a:latin typeface="Calibri" panose="020F0502020204030204" charset="0"/>
+              <a:cs typeface="Calibri" panose="020F0502020204030204" charset="0"/>
+              <a:sym typeface="+mn-ea"/>
+            </a:endParaRPr>
+          </a:p>
+        </p:txBody>
+      </p:sp>
+      <p:sp>
+        <p:nvSpPr>
+          <p:cNvPr id="3" name="Subtitle 6"/>
+          <p:cNvSpPr>
+            <a:spLocks noGrp="1"/>
+          </p:cNvSpPr>
+          <p:nvPr/>
+        </p:nvSpPr>
+        <p:spPr>
+          <a:xfrm>
+            <a:off x="904240" y="855345"/>
+            <a:ext cx="10545445" cy="1040765"/>
+          </a:xfrm>
+          <a:prstGeom prst="rect">
+            <a:avLst/>
+          </a:prstGeom>
+          <a:solidFill>
+            <a:schemeClr val="bg2">
+              <a:lumMod val="25000"/>
+            </a:schemeClr>
+          </a:solidFill>
+        </p:spPr>
+        <p:txBody>
+          <a:bodyPr vert="horz" lIns="91440" tIns="45720" rIns="91440" bIns="45720" rtlCol="0">
+            <a:normAutofit/>
+          </a:bodyPr>
+          <a:lstStyle>
+            <a:lvl1pPr marL="0" indent="0" algn="ctr" defTabSz="914400" rtl="0" eaLnBrk="1" latinLnBrk="0" hangingPunct="1">
+              <a:lnSpc>
+                <a:spcPct val="90000"/>
+              </a:lnSpc>
+              <a:spcBef>
+                <a:spcPts val="1000"/>
+              </a:spcBef>
+              <a:buFont typeface="Arial" panose="020B0604020202020204" pitchFamily="34" charset="0"/>
+              <a:buNone/>
+              <a:defRPr sz="2400" kern="1200">
+                <a:solidFill>
+                  <a:schemeClr val="tx1"/>
+                </a:solidFill>
+                <a:latin typeface="+mn-lt"/>
+                <a:ea typeface="+mn-ea"/>
+                <a:cs typeface="+mn-cs"/>
+              </a:defRPr>
+            </a:lvl1pPr>
+            <a:lvl2pPr marL="457200" indent="0" algn="ctr" defTabSz="914400" rtl="0" eaLnBrk="1" latinLnBrk="0" hangingPunct="1">
+              <a:lnSpc>
+                <a:spcPct val="90000"/>
+              </a:lnSpc>
+              <a:spcBef>
+                <a:spcPts val="500"/>
+              </a:spcBef>
+              <a:buFont typeface="Arial" panose="020B0604020202020204" pitchFamily="34" charset="0"/>
+              <a:buNone/>
+              <a:defRPr sz="2000" kern="1200">
+                <a:solidFill>
+                  <a:schemeClr val="tx1"/>
+                </a:solidFill>
+                <a:latin typeface="+mn-lt"/>
+                <a:ea typeface="+mn-ea"/>
+                <a:cs typeface="+mn-cs"/>
+              </a:defRPr>
+            </a:lvl2pPr>
+            <a:lvl3pPr marL="914400" indent="0" algn="ctr" defTabSz="914400" rtl="0" eaLnBrk="1" latinLnBrk="0" hangingPunct="1">
+              <a:lnSpc>
+                <a:spcPct val="90000"/>
+              </a:lnSpc>
+              <a:spcBef>
+                <a:spcPts val="500"/>
+              </a:spcBef>
+              <a:buFont typeface="Arial" panose="020B0604020202020204" pitchFamily="34" charset="0"/>
+              <a:buNone/>
+              <a:defRPr sz="1800" kern="1200">
+                <a:solidFill>
+                  <a:schemeClr val="tx1"/>
+                </a:solidFill>
+                <a:latin typeface="+mn-lt"/>
+                <a:ea typeface="+mn-ea"/>
+                <a:cs typeface="+mn-cs"/>
+              </a:defRPr>
+            </a:lvl3pPr>
+            <a:lvl4pPr marL="1371600" indent="0" algn="ctr" defTabSz="914400" rtl="0" eaLnBrk="1" latinLnBrk="0" hangingPunct="1">
+              <a:lnSpc>
+                <a:spcPct val="90000"/>
+              </a:lnSpc>
+              <a:spcBef>
+                <a:spcPts val="500"/>
+              </a:spcBef>
+              <a:buFont typeface="Arial" panose="020B0604020202020204" pitchFamily="34" charset="0"/>
+              <a:buNone/>
+              <a:defRPr sz="1600" kern="1200">
+                <a:solidFill>
+                  <a:schemeClr val="tx1"/>
+                </a:solidFill>
+                <a:latin typeface="+mn-lt"/>
+                <a:ea typeface="+mn-ea"/>
+                <a:cs typeface="+mn-cs"/>
+              </a:defRPr>
+            </a:lvl4pPr>
+            <a:lvl5pPr marL="1828800" indent="0" algn="ctr" defTabSz="914400" rtl="0" eaLnBrk="1" latinLnBrk="0" hangingPunct="1">
+              <a:lnSpc>
+                <a:spcPct val="90000"/>
+              </a:lnSpc>
+              <a:spcBef>
+                <a:spcPts val="500"/>
+              </a:spcBef>
+              <a:buFont typeface="Arial" panose="020B0604020202020204" pitchFamily="34" charset="0"/>
+              <a:buNone/>
+              <a:defRPr sz="1600" kern="1200">
+                <a:solidFill>
+                  <a:schemeClr val="tx1"/>
+                </a:solidFill>
+                <a:latin typeface="+mn-lt"/>
+                <a:ea typeface="+mn-ea"/>
+                <a:cs typeface="+mn-cs"/>
+              </a:defRPr>
+            </a:lvl5pPr>
+            <a:lvl6pPr marL="2286000" indent="0" algn="ctr" defTabSz="914400" rtl="0" eaLnBrk="1" latinLnBrk="0" hangingPunct="1">
+              <a:lnSpc>
+                <a:spcPct val="90000"/>
+              </a:lnSpc>
+              <a:spcBef>
+                <a:spcPts val="500"/>
+              </a:spcBef>
+              <a:buFont typeface="Arial" panose="020B0604020202020204" pitchFamily="34" charset="0"/>
+              <a:buNone/>
+              <a:defRPr sz="1600" kern="1200">
+                <a:solidFill>
+                  <a:schemeClr val="tx1"/>
+                </a:solidFill>
+                <a:latin typeface="+mn-lt"/>
+                <a:ea typeface="+mn-ea"/>
+                <a:cs typeface="+mn-cs"/>
+              </a:defRPr>
+            </a:lvl6pPr>
+            <a:lvl7pPr marL="2743200" indent="0" algn="ctr" defTabSz="914400" rtl="0" eaLnBrk="1" latinLnBrk="0" hangingPunct="1">
+              <a:lnSpc>
+                <a:spcPct val="90000"/>
+              </a:lnSpc>
+              <a:spcBef>
+                <a:spcPts val="500"/>
+              </a:spcBef>
+              <a:buFont typeface="Arial" panose="020B0604020202020204" pitchFamily="34" charset="0"/>
+              <a:buNone/>
+              <a:defRPr sz="1600" kern="1200">
+                <a:solidFill>
+                  <a:schemeClr val="tx1"/>
+                </a:solidFill>
+                <a:latin typeface="+mn-lt"/>
+                <a:ea typeface="+mn-ea"/>
+                <a:cs typeface="+mn-cs"/>
+              </a:defRPr>
+            </a:lvl7pPr>
+            <a:lvl8pPr marL="3200400" indent="0" algn="ctr" defTabSz="914400" rtl="0" eaLnBrk="1" latinLnBrk="0" hangingPunct="1">
+              <a:lnSpc>
+                <a:spcPct val="90000"/>
+              </a:lnSpc>
+              <a:spcBef>
+                <a:spcPts val="500"/>
+              </a:spcBef>
+              <a:buFont typeface="Arial" panose="020B0604020202020204" pitchFamily="34" charset="0"/>
+              <a:buNone/>
+              <a:defRPr sz="1600" kern="1200">
+                <a:solidFill>
+                  <a:schemeClr val="tx1"/>
+                </a:solidFill>
+                <a:latin typeface="+mn-lt"/>
+                <a:ea typeface="+mn-ea"/>
+                <a:cs typeface="+mn-cs"/>
+              </a:defRPr>
+            </a:lvl8pPr>
+            <a:lvl9pPr marL="3657600" indent="0" algn="ctr" defTabSz="914400" rtl="0" eaLnBrk="1" latinLnBrk="0" hangingPunct="1">
+              <a:lnSpc>
+                <a:spcPct val="90000"/>
+              </a:lnSpc>
+              <a:spcBef>
+                <a:spcPts val="500"/>
+              </a:spcBef>
+              <a:buFont typeface="Arial" panose="020B0604020202020204" pitchFamily="34" charset="0"/>
+              <a:buNone/>
+              <a:defRPr sz="1600" kern="1200">
+                <a:solidFill>
+                  <a:schemeClr val="tx1"/>
+                </a:solidFill>
+                <a:latin typeface="+mn-lt"/>
+                <a:ea typeface="+mn-ea"/>
+                <a:cs typeface="+mn-cs"/>
+              </a:defRPr>
+            </a:lvl9pPr>
+          </a:lstStyle>
+          <a:p>
+            <a:pPr algn="l">
+              <a:buFont typeface="Arial" panose="020B0604020202020204" pitchFamily="34" charset="0"/>
+            </a:pPr>
+            <a:r>
+              <a:rPr lang="en-IN" altLang="en-US" sz="2095">
+                <a:solidFill>
+                  <a:schemeClr val="bg1"/>
+                </a:solidFill>
+                <a:latin typeface="Times New Roman" panose="02020603050405020304" charset="0"/>
+                <a:cs typeface="Times New Roman" panose="02020603050405020304" charset="0"/>
+                <a:sym typeface="+mn-ea"/>
+              </a:rPr>
+              <a:t>	</a:t>
+            </a:r>
+            <a:endParaRPr lang="en-IN" altLang="en-US" sz="2095">
+              <a:solidFill>
+                <a:schemeClr val="bg1"/>
+              </a:solidFill>
+              <a:latin typeface="Times New Roman" panose="02020603050405020304" charset="0"/>
+              <a:cs typeface="Times New Roman" panose="02020603050405020304" charset="0"/>
+              <a:sym typeface="+mn-ea"/>
+            </a:endParaRPr>
+          </a:p>
+          <a:p>
+            <a:pPr algn="l">
+              <a:buFont typeface="Arial" panose="020B0604020202020204" pitchFamily="34" charset="0"/>
+            </a:pPr>
+            <a:r>
+              <a:rPr lang="en-IN" altLang="en-US" sz="2095">
+                <a:solidFill>
+                  <a:schemeClr val="bg1"/>
+                </a:solidFill>
+                <a:latin typeface="Times New Roman" panose="02020603050405020304" charset="0"/>
+                <a:cs typeface="Times New Roman" panose="02020603050405020304" charset="0"/>
+                <a:sym typeface="+mn-ea"/>
+              </a:rPr>
+              <a:t>		</a:t>
+            </a:r>
+            <a:r>
+              <a:rPr lang="en-US" altLang="en-IN" sz="2095">
+                <a:solidFill>
+                  <a:schemeClr val="bg1"/>
+                </a:solidFill>
+                <a:latin typeface="Times New Roman" panose="02020603050405020304" charset="0"/>
+                <a:cs typeface="Times New Roman" panose="02020603050405020304" charset="0"/>
+                <a:sym typeface="+mn-ea"/>
+              </a:rPr>
+              <a:t>    </a:t>
+            </a:r>
+            <a:r>
+              <a:rPr lang="en-US" altLang="en-IN" sz="3600" b="1">
+                <a:solidFill>
+                  <a:schemeClr val="accent1"/>
+                </a:solidFill>
+                <a:effectLst>
+                  <a:outerShdw blurRad="38100" dist="25400" dir="5400000" algn="ctr" rotWithShape="0">
+                    <a:srgbClr val="6E747A">
+                      <a:alpha val="43000"/>
+                    </a:srgbClr>
+                  </a:outerShdw>
+                </a:effectLst>
+                <a:latin typeface="Times New Roman" panose="02020603050405020304" charset="0"/>
+                <a:cs typeface="Times New Roman" panose="02020603050405020304" charset="0"/>
+                <a:sym typeface="+mn-ea"/>
+              </a:rPr>
+              <a:t>Merge - Pull Request - Conflict</a:t>
+            </a:r>
+            <a:endParaRPr lang="en-US" altLang="en-IN" sz="3600" b="1">
+              <a:solidFill>
+                <a:schemeClr val="accent1"/>
+              </a:solidFill>
+              <a:effectLst>
+                <a:outerShdw blurRad="38100" dist="25400" dir="5400000" algn="ctr" rotWithShape="0">
+                  <a:srgbClr val="6E747A">
+                    <a:alpha val="43000"/>
+                  </a:srgbClr>
+                </a:outerShdw>
+              </a:effectLst>
+              <a:latin typeface="Times New Roman" panose="02020603050405020304" charset="0"/>
+              <a:cs typeface="Times New Roman" panose="02020603050405020304" charset="0"/>
+              <a:sym typeface="+mn-ea"/>
+            </a:endParaRPr>
+          </a:p>
+        </p:txBody>
+      </p:sp>
+      <p:sp>
+        <p:nvSpPr>
+          <p:cNvPr id="2" name="Subtitle 6"/>
+          <p:cNvSpPr>
+            <a:spLocks noGrp="1"/>
+          </p:cNvSpPr>
+          <p:nvPr/>
+        </p:nvSpPr>
+        <p:spPr>
+          <a:xfrm>
+            <a:off x="7791450" y="2025650"/>
+            <a:ext cx="3658235" cy="4487545"/>
+          </a:xfrm>
+          <a:prstGeom prst="rect">
+            <a:avLst/>
+          </a:prstGeom>
+          <a:solidFill>
+            <a:schemeClr val="bg2">
+              <a:lumMod val="25000"/>
+            </a:schemeClr>
+          </a:solidFill>
+        </p:spPr>
+        <p:txBody>
+          <a:bodyPr vert="horz" lIns="91440" tIns="45720" rIns="91440" bIns="45720" rtlCol="0">
+            <a:normAutofit/>
+          </a:bodyPr>
+          <a:lstStyle>
+            <a:lvl1pPr marL="0" indent="0" algn="ctr" defTabSz="914400" rtl="0" eaLnBrk="1" latinLnBrk="0" hangingPunct="1">
+              <a:lnSpc>
+                <a:spcPct val="90000"/>
+              </a:lnSpc>
+              <a:spcBef>
+                <a:spcPts val="1000"/>
+              </a:spcBef>
+              <a:buFont typeface="Arial" panose="020B0604020202020204" pitchFamily="34" charset="0"/>
+              <a:buNone/>
+              <a:defRPr sz="2400" kern="1200">
+                <a:solidFill>
+                  <a:schemeClr val="tx1"/>
+                </a:solidFill>
+                <a:latin typeface="+mn-lt"/>
+                <a:ea typeface="+mn-ea"/>
+                <a:cs typeface="+mn-cs"/>
+              </a:defRPr>
+            </a:lvl1pPr>
+            <a:lvl2pPr marL="457200" indent="0" algn="ctr" defTabSz="914400" rtl="0" eaLnBrk="1" latinLnBrk="0" hangingPunct="1">
+              <a:lnSpc>
+                <a:spcPct val="90000"/>
+              </a:lnSpc>
+              <a:spcBef>
+                <a:spcPts val="500"/>
+              </a:spcBef>
+              <a:buFont typeface="Arial" panose="020B0604020202020204" pitchFamily="34" charset="0"/>
+              <a:buNone/>
+              <a:defRPr sz="2000" kern="1200">
+                <a:solidFill>
+                  <a:schemeClr val="tx1"/>
+                </a:solidFill>
+                <a:latin typeface="+mn-lt"/>
+                <a:ea typeface="+mn-ea"/>
+                <a:cs typeface="+mn-cs"/>
+              </a:defRPr>
+            </a:lvl2pPr>
+            <a:lvl3pPr marL="914400" indent="0" algn="ctr" defTabSz="914400" rtl="0" eaLnBrk="1" latinLnBrk="0" hangingPunct="1">
+              <a:lnSpc>
+                <a:spcPct val="90000"/>
+              </a:lnSpc>
+              <a:spcBef>
+                <a:spcPts val="500"/>
+              </a:spcBef>
+              <a:buFont typeface="Arial" panose="020B0604020202020204" pitchFamily="34" charset="0"/>
+              <a:buNone/>
+              <a:defRPr sz="1800" kern="1200">
+                <a:solidFill>
+                  <a:schemeClr val="tx1"/>
+                </a:solidFill>
+                <a:latin typeface="+mn-lt"/>
+                <a:ea typeface="+mn-ea"/>
+                <a:cs typeface="+mn-cs"/>
+              </a:defRPr>
+            </a:lvl3pPr>
+            <a:lvl4pPr marL="1371600" indent="0" algn="ctr" defTabSz="914400" rtl="0" eaLnBrk="1" latinLnBrk="0" hangingPunct="1">
+              <a:lnSpc>
+                <a:spcPct val="90000"/>
+              </a:lnSpc>
+              <a:spcBef>
+                <a:spcPts val="500"/>
+              </a:spcBef>
+              <a:buFont typeface="Arial" panose="020B0604020202020204" pitchFamily="34" charset="0"/>
+              <a:buNone/>
+              <a:defRPr sz="1600" kern="1200">
+                <a:solidFill>
+                  <a:schemeClr val="tx1"/>
+                </a:solidFill>
+                <a:latin typeface="+mn-lt"/>
+                <a:ea typeface="+mn-ea"/>
+                <a:cs typeface="+mn-cs"/>
+              </a:defRPr>
+            </a:lvl4pPr>
+            <a:lvl5pPr marL="1828800" indent="0" algn="ctr" defTabSz="914400" rtl="0" eaLnBrk="1" latinLnBrk="0" hangingPunct="1">
+              <a:lnSpc>
+                <a:spcPct val="90000"/>
+              </a:lnSpc>
+              <a:spcBef>
+                <a:spcPts val="500"/>
+              </a:spcBef>
+              <a:buFont typeface="Arial" panose="020B0604020202020204" pitchFamily="34" charset="0"/>
+              <a:buNone/>
+              <a:defRPr sz="1600" kern="1200">
+                <a:solidFill>
+                  <a:schemeClr val="tx1"/>
+                </a:solidFill>
+                <a:latin typeface="+mn-lt"/>
+                <a:ea typeface="+mn-ea"/>
+                <a:cs typeface="+mn-cs"/>
+              </a:defRPr>
+            </a:lvl5pPr>
+            <a:lvl6pPr marL="2286000" indent="0" algn="ctr" defTabSz="914400" rtl="0" eaLnBrk="1" latinLnBrk="0" hangingPunct="1">
+              <a:lnSpc>
+                <a:spcPct val="90000"/>
+              </a:lnSpc>
+              <a:spcBef>
+                <a:spcPts val="500"/>
+              </a:spcBef>
+              <a:buFont typeface="Arial" panose="020B0604020202020204" pitchFamily="34" charset="0"/>
+              <a:buNone/>
+              <a:defRPr sz="1600" kern="1200">
+                <a:solidFill>
+                  <a:schemeClr val="tx1"/>
+                </a:solidFill>
+                <a:latin typeface="+mn-lt"/>
+                <a:ea typeface="+mn-ea"/>
+                <a:cs typeface="+mn-cs"/>
+              </a:defRPr>
+            </a:lvl6pPr>
+            <a:lvl7pPr marL="2743200" indent="0" algn="ctr" defTabSz="914400" rtl="0" eaLnBrk="1" latinLnBrk="0" hangingPunct="1">
+              <a:lnSpc>
+                <a:spcPct val="90000"/>
+              </a:lnSpc>
+              <a:spcBef>
+                <a:spcPts val="500"/>
+              </a:spcBef>
+              <a:buFont typeface="Arial" panose="020B0604020202020204" pitchFamily="34" charset="0"/>
+              <a:buNone/>
+              <a:defRPr sz="1600" kern="1200">
+                <a:solidFill>
+                  <a:schemeClr val="tx1"/>
+                </a:solidFill>
+                <a:latin typeface="+mn-lt"/>
+                <a:ea typeface="+mn-ea"/>
+                <a:cs typeface="+mn-cs"/>
+              </a:defRPr>
+            </a:lvl7pPr>
+            <a:lvl8pPr marL="3200400" indent="0" algn="ctr" defTabSz="914400" rtl="0" eaLnBrk="1" latinLnBrk="0" hangingPunct="1">
+              <a:lnSpc>
+                <a:spcPct val="90000"/>
+              </a:lnSpc>
+              <a:spcBef>
+                <a:spcPts val="500"/>
+              </a:spcBef>
+              <a:buFont typeface="Arial" panose="020B0604020202020204" pitchFamily="34" charset="0"/>
+              <a:buNone/>
+              <a:defRPr sz="1600" kern="1200">
+                <a:solidFill>
+                  <a:schemeClr val="tx1"/>
+                </a:solidFill>
+                <a:latin typeface="+mn-lt"/>
+                <a:ea typeface="+mn-ea"/>
+                <a:cs typeface="+mn-cs"/>
+              </a:defRPr>
+            </a:lvl8pPr>
+            <a:lvl9pPr marL="3657600" indent="0" algn="ctr" defTabSz="914400" rtl="0" eaLnBrk="1" latinLnBrk="0" hangingPunct="1">
+              <a:lnSpc>
+                <a:spcPct val="90000"/>
+              </a:lnSpc>
+              <a:spcBef>
+                <a:spcPts val="500"/>
+              </a:spcBef>
+              <a:buFont typeface="Arial" panose="020B0604020202020204" pitchFamily="34" charset="0"/>
+              <a:buNone/>
+              <a:defRPr sz="1600" kern="1200">
+                <a:solidFill>
+                  <a:schemeClr val="tx1"/>
+                </a:solidFill>
+                <a:latin typeface="+mn-lt"/>
+                <a:ea typeface="+mn-ea"/>
+                <a:cs typeface="+mn-cs"/>
+              </a:defRPr>
+            </a:lvl9pPr>
+          </a:lstStyle>
+          <a:p>
+            <a:pPr algn="l">
+              <a:buFont typeface="Arial" panose="020B0604020202020204" pitchFamily="34" charset="0"/>
+            </a:pPr>
+            <a:r>
+              <a:rPr lang="en-IN" altLang="en-US" b="1">
+                <a:solidFill>
+                  <a:schemeClr val="bg1"/>
+                </a:solidFill>
+              </a:rPr>
+              <a:t>		</a:t>
+            </a:r>
+            <a:endParaRPr lang="en-IN" altLang="en-US" sz="2800" b="1">
+              <a:solidFill>
+                <a:schemeClr val="bg1"/>
+              </a:solidFill>
+            </a:endParaRPr>
+          </a:p>
+          <a:p>
+            <a:pPr marL="0" lvl="1" algn="l">
+              <a:lnSpc>
+                <a:spcPct val="150000"/>
+              </a:lnSpc>
+              <a:buFont typeface="Arial" panose="020B0604020202020204" pitchFamily="34" charset="0"/>
+            </a:pPr>
+            <a:r>
+              <a:rPr lang="en-US" altLang="en-IN" sz="2095" b="1">
+                <a:solidFill>
+                  <a:schemeClr val="accent1"/>
+                </a:solidFill>
+                <a:effectLst>
+                  <a:outerShdw blurRad="38100" dist="25400" dir="5400000" algn="ctr" rotWithShape="0">
+                    <a:srgbClr val="6E747A">
+                      <a:alpha val="43000"/>
+                    </a:srgbClr>
+                  </a:outerShdw>
+                </a:effectLst>
+                <a:latin typeface="Times New Roman" panose="02020603050405020304" charset="0"/>
+                <a:cs typeface="Times New Roman" panose="02020603050405020304" charset="0"/>
+                <a:sym typeface="+mn-ea"/>
+              </a:rPr>
+              <a:t>Uses:</a:t>
+            </a:r>
+            <a:endParaRPr lang="en-US" altLang="en-IN" sz="2095" b="1">
+              <a:solidFill>
+                <a:schemeClr val="accent1"/>
+              </a:solidFill>
+              <a:effectLst>
+                <a:outerShdw blurRad="38100" dist="25400" dir="5400000" algn="ctr" rotWithShape="0">
+                  <a:srgbClr val="6E747A">
+                    <a:alpha val="43000"/>
+                  </a:srgbClr>
+                </a:outerShdw>
+              </a:effectLst>
+              <a:latin typeface="Times New Roman" panose="02020603050405020304" charset="0"/>
+              <a:cs typeface="Times New Roman" panose="02020603050405020304" charset="0"/>
+              <a:sym typeface="+mn-ea"/>
+            </a:endParaRPr>
+          </a:p>
+          <a:p>
+            <a:pPr marL="914400" lvl="4" indent="-342900" algn="l">
+              <a:lnSpc>
+                <a:spcPct val="150000"/>
+              </a:lnSpc>
+              <a:buFont typeface="Arial" panose="020B0604020202020204" pitchFamily="34" charset="0"/>
+              <a:buChar char="•"/>
+            </a:pPr>
+            <a:r>
+              <a:rPr lang="en-US" altLang="en-IN" sz="2000">
+                <a:solidFill>
+                  <a:schemeClr val="bg1"/>
+                </a:solidFill>
+                <a:latin typeface="Calibri" panose="020F0502020204030204" charset="0"/>
+                <a:cs typeface="Calibri" panose="020F0502020204030204" charset="0"/>
+                <a:sym typeface="+mn-ea"/>
+              </a:rPr>
+              <a:t>New Features</a:t>
+            </a:r>
+            <a:endParaRPr lang="en-US" altLang="en-IN" sz="2000">
+              <a:solidFill>
+                <a:schemeClr val="bg1"/>
+              </a:solidFill>
+              <a:latin typeface="Calibri" panose="020F0502020204030204" charset="0"/>
+              <a:cs typeface="Calibri" panose="020F0502020204030204" charset="0"/>
+              <a:sym typeface="+mn-ea"/>
+            </a:endParaRPr>
+          </a:p>
+          <a:p>
+            <a:pPr marL="914400" lvl="4" indent="-342900" algn="l">
+              <a:lnSpc>
+                <a:spcPct val="150000"/>
+              </a:lnSpc>
+              <a:buFont typeface="Arial" panose="020B0604020202020204" pitchFamily="34" charset="0"/>
+              <a:buChar char="•"/>
+            </a:pPr>
+            <a:r>
+              <a:rPr lang="en-US" altLang="en-IN" sz="2000">
+                <a:solidFill>
+                  <a:schemeClr val="bg1"/>
+                </a:solidFill>
+                <a:latin typeface="Calibri" panose="020F0502020204030204" charset="0"/>
+                <a:cs typeface="Calibri" panose="020F0502020204030204" charset="0"/>
+                <a:sym typeface="+mn-ea"/>
+              </a:rPr>
+              <a:t>Bug fixes</a:t>
+            </a:r>
+            <a:endParaRPr lang="en-US" altLang="en-IN" sz="2000">
+              <a:solidFill>
+                <a:schemeClr val="bg1"/>
+              </a:solidFill>
+              <a:latin typeface="Calibri" panose="020F0502020204030204" charset="0"/>
+              <a:cs typeface="Calibri" panose="020F0502020204030204" charset="0"/>
+              <a:sym typeface="+mn-ea"/>
+            </a:endParaRPr>
+          </a:p>
+          <a:p>
+            <a:pPr marL="914400" lvl="4" indent="-342900" algn="l">
+              <a:lnSpc>
+                <a:spcPct val="150000"/>
+              </a:lnSpc>
+              <a:buFont typeface="Arial" panose="020B0604020202020204" pitchFamily="34" charset="0"/>
+              <a:buChar char="•"/>
+            </a:pPr>
+            <a:r>
+              <a:rPr lang="en-US" altLang="en-IN" sz="2000">
+                <a:solidFill>
+                  <a:schemeClr val="bg1"/>
+                </a:solidFill>
+                <a:latin typeface="Calibri" panose="020F0502020204030204" charset="0"/>
+                <a:cs typeface="Calibri" panose="020F0502020204030204" charset="0"/>
+                <a:sym typeface="+mn-ea"/>
+              </a:rPr>
+              <a:t>Safely experiment with new ideas </a:t>
+            </a:r>
+            <a:endParaRPr lang="en-US" altLang="en-IN" sz="2000" b="1">
+              <a:solidFill>
+                <a:schemeClr val="accent1"/>
+              </a:solidFill>
+              <a:effectLst>
+                <a:outerShdw blurRad="38100" dist="25400" dir="5400000" algn="ctr" rotWithShape="0">
+                  <a:srgbClr val="6E747A">
+                    <a:alpha val="43000"/>
+                  </a:srgbClr>
+                </a:outerShdw>
+              </a:effectLst>
+              <a:latin typeface="Times New Roman" panose="02020603050405020304" charset="0"/>
+              <a:cs typeface="Times New Roman" panose="02020603050405020304" charset="0"/>
+              <a:sym typeface="+mn-ea"/>
+            </a:endParaRPr>
+          </a:p>
+          <a:p>
+            <a:pPr lvl="1" algn="l">
+              <a:lnSpc>
+                <a:spcPct val="150000"/>
+              </a:lnSpc>
+              <a:buFont typeface="Arial" panose="020B0604020202020204" pitchFamily="34" charset="0"/>
+            </a:pPr>
+            <a:endParaRPr lang="en-US" altLang="en-IN" sz="2000" b="1">
+              <a:solidFill>
+                <a:schemeClr val="bg1"/>
+              </a:solidFill>
+              <a:latin typeface="Calibri" panose="020F0502020204030204" charset="0"/>
+              <a:cs typeface="Calibri" panose="020F0502020204030204" charset="0"/>
+              <a:sym typeface="+mn-ea"/>
+            </a:endParaRPr>
+          </a:p>
+        </p:txBody>
+      </p:sp>
+    </p:spTree>
+  </p:cSld>
+  <p:clrMapOvr>
+    <a:masterClrMapping/>
+  </p:clrMapOvr>
+</p:sld>
+</file>
+
+<file path=ppt/slides/slide16.xml><?xml version="1.0" encoding="utf-8"?>
+<p:sld xmlns:a="http://schemas.openxmlformats.org/drawingml/2006/main" xmlns:r="http://schemas.openxmlformats.org/officeDocument/2006/relationships" xmlns:p="http://schemas.openxmlformats.org/presentationml/2006/main">
+  <p:cSld>
+    <p:spTree>
+      <p:nvGrpSpPr>
+        <p:cNvPr id="1" name=""/>
+        <p:cNvGrpSpPr/>
+        <p:nvPr/>
+      </p:nvGrpSpPr>
+      <p:grpSpPr/>
+      <p:sp>
+        <p:nvSpPr>
+          <p:cNvPr id="6" name="Title 5"/>
+          <p:cNvSpPr>
+            <a:spLocks noGrp="1"/>
+          </p:cNvSpPr>
+          <p:nvPr>
+            <p:ph type="ctrTitle"/>
+          </p:nvPr>
+        </p:nvSpPr>
+        <p:spPr/>
+        <p:txBody>
+          <a:bodyPr/>
+          <a:p>
             <a:endParaRPr lang="en-US"/>
           </a:p>
         </p:txBody>
@@ -5439,6 +8915,222 @@
 </file>
 
 <file path=ppt/slides/slide2.xml><?xml version="1.0" encoding="utf-8"?>
+<p:sld xmlns:a="http://schemas.openxmlformats.org/drawingml/2006/main" xmlns:r="http://schemas.openxmlformats.org/officeDocument/2006/relationships" xmlns:p="http://schemas.openxmlformats.org/presentationml/2006/main">
+  <p:cSld>
+    <p:spTree>
+      <p:nvGrpSpPr>
+        <p:cNvPr id="1" name=""/>
+        <p:cNvGrpSpPr/>
+        <p:nvPr/>
+      </p:nvGrpSpPr>
+      <p:grpSpPr/>
+      <p:sp>
+        <p:nvSpPr>
+          <p:cNvPr id="6" name="Title 5"/>
+          <p:cNvSpPr>
+            <a:spLocks noGrp="1"/>
+          </p:cNvSpPr>
+          <p:nvPr>
+            <p:ph type="ctrTitle"/>
+          </p:nvPr>
+        </p:nvSpPr>
+        <p:spPr/>
+        <p:txBody>
+          <a:bodyPr/>
+          <a:p>
+            <a:endParaRPr lang="en-US"/>
+          </a:p>
+        </p:txBody>
+      </p:sp>
+      <p:sp>
+        <p:nvSpPr>
+          <p:cNvPr id="7" name="Subtitle 6"/>
+          <p:cNvSpPr>
+            <a:spLocks noGrp="1"/>
+          </p:cNvSpPr>
+          <p:nvPr>
+            <p:ph type="subTitle" idx="1"/>
+          </p:nvPr>
+        </p:nvSpPr>
+        <p:spPr>
+          <a:xfrm>
+            <a:off x="836930" y="655955"/>
+            <a:ext cx="10546080" cy="5687060"/>
+          </a:xfrm>
+          <a:solidFill>
+            <a:schemeClr val="bg2">
+              <a:lumMod val="25000"/>
+            </a:schemeClr>
+          </a:solidFill>
+        </p:spPr>
+        <p:txBody>
+          <a:bodyPr>
+            <a:normAutofit lnSpcReduction="10000"/>
+          </a:bodyPr>
+          <a:p>
+            <a:pPr algn="l">
+              <a:buFont typeface="Arial" panose="020B0604020202020204" pitchFamily="34" charset="0"/>
+            </a:pPr>
+            <a:endParaRPr lang="en-IN" altLang="en-US">
+              <a:solidFill>
+                <a:schemeClr val="bg1"/>
+              </a:solidFill>
+            </a:endParaRPr>
+          </a:p>
+          <a:p>
+            <a:pPr algn="l">
+              <a:lnSpc>
+                <a:spcPct val="150000"/>
+              </a:lnSpc>
+              <a:buFont typeface="Arial" panose="020B0604020202020204" pitchFamily="34" charset="0"/>
+            </a:pPr>
+            <a:endParaRPr lang="en-IN" altLang="en-US" sz="2800" b="1">
+              <a:solidFill>
+                <a:schemeClr val="bg1"/>
+              </a:solidFill>
+            </a:endParaRPr>
+          </a:p>
+          <a:p>
+            <a:pPr algn="l">
+              <a:buFont typeface="Arial" panose="020B0604020202020204" pitchFamily="34" charset="0"/>
+            </a:pPr>
+            <a:r>
+              <a:rPr lang="en-IN" altLang="en-US" sz="2800" b="1">
+                <a:solidFill>
+                  <a:schemeClr val="bg1"/>
+                </a:solidFill>
+              </a:rPr>
+              <a:t>				        </a:t>
+            </a:r>
+            <a:r>
+              <a:rPr lang="en-IN" altLang="en-US" sz="3200" b="1">
+                <a:solidFill>
+                  <a:schemeClr val="bg1"/>
+                </a:solidFill>
+              </a:rPr>
+              <a:t>Murali R</a:t>
+            </a:r>
+            <a:endParaRPr lang="en-IN" altLang="en-US" sz="3200" b="1">
+              <a:solidFill>
+                <a:schemeClr val="bg1"/>
+              </a:solidFill>
+            </a:endParaRPr>
+          </a:p>
+          <a:p>
+            <a:pPr algn="l">
+              <a:buFont typeface="Arial" panose="020B0604020202020204" pitchFamily="34" charset="0"/>
+            </a:pPr>
+            <a:r>
+              <a:rPr lang="en-IN" altLang="en-US" sz="2800" b="1">
+                <a:solidFill>
+                  <a:schemeClr val="bg1"/>
+                </a:solidFill>
+              </a:rPr>
+              <a:t>					</a:t>
+            </a:r>
+            <a:endParaRPr lang="en-IN" altLang="en-US" sz="2800" b="1">
+              <a:solidFill>
+                <a:schemeClr val="bg1"/>
+              </a:solidFill>
+            </a:endParaRPr>
+          </a:p>
+          <a:p>
+            <a:pPr algn="l">
+              <a:buFont typeface="Arial" panose="020B0604020202020204" pitchFamily="34" charset="0"/>
+            </a:pPr>
+            <a:r>
+              <a:rPr lang="en-IN" altLang="en-US" sz="2800" b="1">
+                <a:solidFill>
+                  <a:schemeClr val="bg1"/>
+                </a:solidFill>
+              </a:rPr>
+              <a:t>         				     </a:t>
+            </a:r>
+            <a:r>
+              <a:rPr lang="en-IN" altLang="en-US" sz="3200" b="1">
+                <a:solidFill>
+                  <a:schemeClr val="bg1"/>
+                </a:solidFill>
+              </a:rPr>
+              <a:t>QA </a:t>
+            </a:r>
+            <a:r>
+              <a:rPr lang="en-IN" altLang="en-US" sz="3200" b="1">
+                <a:solidFill>
+                  <a:schemeClr val="bg1"/>
+                </a:solidFill>
+              </a:rPr>
+              <a:t>Analyst</a:t>
+            </a:r>
+            <a:endParaRPr lang="en-IN" altLang="en-US" sz="3200" b="1">
+              <a:solidFill>
+                <a:schemeClr val="bg1"/>
+              </a:solidFill>
+            </a:endParaRPr>
+          </a:p>
+          <a:p>
+            <a:pPr algn="l">
+              <a:buFont typeface="Arial" panose="020B0604020202020204" pitchFamily="34" charset="0"/>
+            </a:pPr>
+            <a:endParaRPr lang="en-IN" altLang="en-US" sz="2800" b="1">
+              <a:solidFill>
+                <a:schemeClr val="bg1"/>
+              </a:solidFill>
+            </a:endParaRPr>
+          </a:p>
+          <a:p>
+            <a:pPr algn="l">
+              <a:buFont typeface="Arial" panose="020B0604020202020204" pitchFamily="34" charset="0"/>
+            </a:pPr>
+            <a:r>
+              <a:rPr lang="en-US" altLang="en-IN" sz="2800" b="1">
+                <a:solidFill>
+                  <a:schemeClr val="bg1"/>
+                </a:solidFill>
+              </a:rPr>
+              <a:t>           </a:t>
+            </a:r>
+            <a:r>
+              <a:rPr lang="en-IN" altLang="en-US" sz="2800" b="1">
+                <a:solidFill>
+                  <a:schemeClr val="bg1"/>
+                </a:solidFill>
+              </a:rPr>
+              <a:t>			   </a:t>
+            </a:r>
+            <a:r>
+              <a:rPr lang="en-US" altLang="en-IN" sz="2800" b="1">
+                <a:solidFill>
+                  <a:schemeClr val="bg1"/>
+                </a:solidFill>
+              </a:rPr>
+              <a:t>   </a:t>
+            </a:r>
+            <a:r>
+              <a:rPr lang="en-IN" altLang="en-US" sz="3600" b="1">
+                <a:solidFill>
+                  <a:schemeClr val="bg1"/>
+                </a:solidFill>
+              </a:rPr>
+              <a:t>Quality Assurance </a:t>
+            </a:r>
+            <a:endParaRPr lang="en-IN" altLang="en-US" sz="3600" b="1">
+              <a:solidFill>
+                <a:schemeClr val="bg1"/>
+              </a:solidFill>
+            </a:endParaRPr>
+          </a:p>
+        </p:txBody>
+      </p:sp>
+    </p:spTree>
+  </p:cSld>
+  <p:clrMapOvr>
+    <a:masterClrMapping/>
+  </p:clrMapOvr>
+</p:sld>
+</file>
+
+<file path=ppt/slides/slide3.xml><?xml version="1.0" encoding="utf-8"?>
 <p:sld xmlns:a="http://schemas.openxmlformats.org/drawingml/2006/main" xmlns:r="http://schemas.openxmlformats.org/officeDocument/2006/relationships" xmlns:p="http://schemas.openxmlformats.org/presentationml/2006/main">
   <p:cSld>
     <p:spTree>
@@ -5605,7 +9297,7 @@
 </p:sld>
 </file>
 
-<file path=ppt/slides/slide3.xml><?xml version="1.0" encoding="utf-8"?>
+<file path=ppt/slides/slide4.xml><?xml version="1.0" encoding="utf-8"?>
 <p:sld xmlns:a="http://schemas.openxmlformats.org/drawingml/2006/main" xmlns:r="http://schemas.openxmlformats.org/officeDocument/2006/relationships" xmlns:p="http://schemas.openxmlformats.org/presentationml/2006/main">
   <p:cSld>
     <p:spTree>
@@ -5854,7 +9546,7 @@
 </p:sld>
 </file>
 
-<file path=ppt/slides/slide4.xml><?xml version="1.0" encoding="utf-8"?>
+<file path=ppt/slides/slide5.xml><?xml version="1.0" encoding="utf-8"?>
 <p:sld xmlns:a="http://schemas.openxmlformats.org/drawingml/2006/main" xmlns:r="http://schemas.openxmlformats.org/officeDocument/2006/relationships" xmlns:p="http://schemas.openxmlformats.org/presentationml/2006/main">
   <p:cSld>
     <p:spTree>
@@ -6116,7 +9808,7 @@
 </p:sld>
 </file>
 
-<file path=ppt/slides/slide5.xml><?xml version="1.0" encoding="utf-8"?>
+<file path=ppt/slides/slide6.xml><?xml version="1.0" encoding="utf-8"?>
 <p:sld xmlns:a="http://schemas.openxmlformats.org/drawingml/2006/main" xmlns:r="http://schemas.openxmlformats.org/officeDocument/2006/relationships" xmlns:p="http://schemas.openxmlformats.org/presentationml/2006/main">
   <p:cSld>
     <p:spTree>
@@ -6434,7 +10126,7 @@
 </p:sld>
 </file>
 
-<file path=ppt/slides/slide6.xml><?xml version="1.0" encoding="utf-8"?>
+<file path=ppt/slides/slide7.xml><?xml version="1.0" encoding="utf-8"?>
 <p:sld xmlns:a="http://schemas.openxmlformats.org/drawingml/2006/main" xmlns:r="http://schemas.openxmlformats.org/officeDocument/2006/relationships" xmlns:p="http://schemas.openxmlformats.org/presentationml/2006/main">
   <p:cSld>
     <p:spTree>
@@ -6822,7 +10514,7 @@
 </p:sld>
 </file>
 
-<file path=ppt/slides/slide7.xml><?xml version="1.0" encoding="utf-8"?>
+<file path=ppt/slides/slide8.xml><?xml version="1.0" encoding="utf-8"?>
 <p:sld xmlns:a="http://schemas.openxmlformats.org/drawingml/2006/main" xmlns:r="http://schemas.openxmlformats.org/officeDocument/2006/relationships" xmlns:p="http://schemas.openxmlformats.org/presentationml/2006/main">
   <p:cSld>
     <p:spTree>
@@ -7181,7 +10873,7 @@
 </p:sld>
 </file>
 
-<file path=ppt/slides/slide8.xml><?xml version="1.0" encoding="utf-8"?>
+<file path=ppt/slides/slide9.xml><?xml version="1.0" encoding="utf-8"?>
 <p:sld xmlns:a="http://schemas.openxmlformats.org/drawingml/2006/main" xmlns:r="http://schemas.openxmlformats.org/officeDocument/2006/relationships" xmlns:p="http://schemas.openxmlformats.org/presentationml/2006/main">
   <p:cSld>
     <p:spTree>
@@ -7485,1111 +11177,6 @@
               <a:t>Features</a:t>
             </a:r>
             <a:endParaRPr lang="en-US" altLang="en-IN" sz="4000" b="1" u="sng">
-              <a:solidFill>
-                <a:schemeClr val="bg1"/>
-              </a:solidFill>
-            </a:endParaRPr>
-          </a:p>
-        </p:txBody>
-      </p:sp>
-    </p:spTree>
-  </p:cSld>
-  <p:clrMapOvr>
-    <a:masterClrMapping/>
-  </p:clrMapOvr>
-</p:sld>
-</file>
-
-<file path=ppt/slides/slide9.xml><?xml version="1.0" encoding="utf-8"?>
-<p:sld xmlns:a="http://schemas.openxmlformats.org/drawingml/2006/main" xmlns:r="http://schemas.openxmlformats.org/officeDocument/2006/relationships" xmlns:p="http://schemas.openxmlformats.org/presentationml/2006/main">
-  <p:cSld>
-    <p:spTree>
-      <p:nvGrpSpPr>
-        <p:cNvPr id="1" name=""/>
-        <p:cNvGrpSpPr/>
-        <p:nvPr/>
-      </p:nvGrpSpPr>
-      <p:grpSpPr/>
-      <p:sp>
-        <p:nvSpPr>
-          <p:cNvPr id="2" name="Title 1"/>
-          <p:cNvSpPr>
-            <a:spLocks noGrp="1"/>
-          </p:cNvSpPr>
-          <p:nvPr>
-            <p:ph type="title"/>
-          </p:nvPr>
-        </p:nvSpPr>
-        <p:spPr/>
-        <p:txBody>
-          <a:bodyPr/>
-          <a:p>
-            <a:endParaRPr lang="en-US"/>
-          </a:p>
-        </p:txBody>
-      </p:sp>
-      <p:sp>
-        <p:nvSpPr>
-          <p:cNvPr id="7" name="Content Placeholder 6"/>
-          <p:cNvSpPr>
-            <a:spLocks noGrp="1"/>
-          </p:cNvSpPr>
-          <p:nvPr>
-            <p:ph sz="half" idx="1"/>
-          </p:nvPr>
-        </p:nvSpPr>
-        <p:spPr>
-          <a:xfrm>
-            <a:off x="838200" y="1992630"/>
-            <a:ext cx="3439160" cy="4550410"/>
-          </a:xfrm>
-          <a:solidFill>
-            <a:schemeClr val="bg2">
-              <a:lumMod val="25000"/>
-            </a:schemeClr>
-          </a:solidFill>
-        </p:spPr>
-        <p:txBody>
-          <a:bodyPr>
-            <a:normAutofit/>
-          </a:bodyPr>
-          <a:p>
-            <a:pPr algn="l">
-              <a:buFont typeface="Arial" panose="020B0604020202020204" pitchFamily="34" charset="0"/>
-            </a:pPr>
-            <a:endParaRPr lang="en-IN" altLang="en-US">
-              <a:solidFill>
-                <a:schemeClr val="bg1"/>
-              </a:solidFill>
-            </a:endParaRPr>
-          </a:p>
-          <a:p>
-            <a:pPr marL="0" indent="0" algn="l">
-              <a:lnSpc>
-                <a:spcPct val="150000"/>
-              </a:lnSpc>
-              <a:buFont typeface="Arial" panose="020B0604020202020204" pitchFamily="34" charset="0"/>
-              <a:buNone/>
-            </a:pPr>
-            <a:r>
-              <a:rPr lang="en-IN" altLang="en-US" sz="3200" b="1">
-                <a:solidFill>
-                  <a:schemeClr val="bg1"/>
-                </a:solidFill>
-              </a:rPr>
-              <a:t>  </a:t>
-            </a:r>
-            <a:r>
-              <a:rPr lang="en-IN" altLang="en-US" sz="3200">
-                <a:solidFill>
-                  <a:schemeClr val="bg1"/>
-                </a:solidFill>
-              </a:rPr>
-              <a:t> 1.</a:t>
-            </a:r>
-            <a:r>
-              <a:rPr lang="en-IN" altLang="en-US" sz="3200" b="1">
-                <a:solidFill>
-                  <a:schemeClr val="bg1"/>
-                </a:solidFill>
-              </a:rPr>
-              <a:t> </a:t>
-            </a:r>
-            <a:r>
-              <a:rPr lang="en-IN" altLang="en-US" sz="3200">
-                <a:solidFill>
-                  <a:schemeClr val="bg1"/>
-                </a:solidFill>
-              </a:rPr>
-              <a:t> </a:t>
-            </a:r>
-            <a:r>
-              <a:rPr lang="en-US" altLang="en-IN" sz="3200">
-                <a:solidFill>
-                  <a:schemeClr val="bg1"/>
-                </a:solidFill>
-              </a:rPr>
-              <a:t>Repository</a:t>
-            </a:r>
-            <a:endParaRPr lang="en-US" altLang="en-IN" sz="3200">
-              <a:solidFill>
-                <a:schemeClr val="bg1"/>
-              </a:solidFill>
-            </a:endParaRPr>
-          </a:p>
-          <a:p>
-            <a:pPr marL="0" indent="0" algn="l">
-              <a:lnSpc>
-                <a:spcPct val="150000"/>
-              </a:lnSpc>
-              <a:buFont typeface="Arial" panose="020B0604020202020204" pitchFamily="34" charset="0"/>
-              <a:buNone/>
-            </a:pPr>
-            <a:r>
-              <a:rPr lang="en-IN" altLang="en-US" sz="3200">
-                <a:solidFill>
-                  <a:schemeClr val="bg1"/>
-                </a:solidFill>
-              </a:rPr>
-              <a:t>   2.  </a:t>
-            </a:r>
-            <a:r>
-              <a:rPr lang="en-US" altLang="en-IN" sz="3200">
-                <a:solidFill>
-                  <a:schemeClr val="bg1"/>
-                </a:solidFill>
-              </a:rPr>
-              <a:t>Commit</a:t>
-            </a:r>
-            <a:endParaRPr lang="en-US" altLang="en-IN" sz="3200">
-              <a:solidFill>
-                <a:schemeClr val="bg1"/>
-              </a:solidFill>
-            </a:endParaRPr>
-          </a:p>
-          <a:p>
-            <a:pPr marL="0" indent="0" algn="l">
-              <a:lnSpc>
-                <a:spcPct val="150000"/>
-              </a:lnSpc>
-              <a:buFont typeface="Arial" panose="020B0604020202020204" pitchFamily="34" charset="0"/>
-              <a:buNone/>
-            </a:pPr>
-            <a:r>
-              <a:rPr lang="en-IN" altLang="en-US" sz="3200">
-                <a:solidFill>
-                  <a:schemeClr val="bg1"/>
-                </a:solidFill>
-              </a:rPr>
-              <a:t>   3.  </a:t>
-            </a:r>
-            <a:r>
-              <a:rPr lang="en-US" altLang="en-IN" sz="3200">
-                <a:solidFill>
-                  <a:schemeClr val="bg1"/>
-                </a:solidFill>
-              </a:rPr>
-              <a:t>Branch</a:t>
-            </a:r>
-            <a:r>
-              <a:rPr lang="en-IN" altLang="en-US" sz="3200">
-                <a:solidFill>
-                  <a:schemeClr val="bg1"/>
-                </a:solidFill>
-              </a:rPr>
-              <a:t> </a:t>
-            </a:r>
-            <a:endParaRPr lang="en-IN" altLang="en-US" sz="3200">
-              <a:solidFill>
-                <a:schemeClr val="bg1"/>
-              </a:solidFill>
-            </a:endParaRPr>
-          </a:p>
-          <a:p>
-            <a:pPr marL="0" indent="0" algn="l">
-              <a:lnSpc>
-                <a:spcPct val="150000"/>
-              </a:lnSpc>
-              <a:buFont typeface="Arial" panose="020B0604020202020204" pitchFamily="34" charset="0"/>
-              <a:buNone/>
-            </a:pPr>
-            <a:r>
-              <a:rPr lang="en-IN" altLang="en-US" sz="3200">
-                <a:solidFill>
-                  <a:schemeClr val="bg1"/>
-                </a:solidFill>
-              </a:rPr>
-              <a:t>   4.  </a:t>
-            </a:r>
-            <a:r>
-              <a:rPr lang="en-US" altLang="en-IN" sz="3200">
-                <a:solidFill>
-                  <a:schemeClr val="bg1"/>
-                </a:solidFill>
-              </a:rPr>
-              <a:t>Merge</a:t>
-            </a:r>
-            <a:endParaRPr lang="en-US" altLang="en-IN" sz="3200">
-              <a:solidFill>
-                <a:schemeClr val="bg1"/>
-              </a:solidFill>
-            </a:endParaRPr>
-          </a:p>
-          <a:p>
-            <a:pPr marL="0" indent="0" algn="l">
-              <a:lnSpc>
-                <a:spcPct val="150000"/>
-              </a:lnSpc>
-              <a:buFont typeface="Arial" panose="020B0604020202020204" pitchFamily="34" charset="0"/>
-              <a:buNone/>
-            </a:pPr>
-            <a:endParaRPr lang="en-US" altLang="en-IN" sz="2800" b="1">
-              <a:solidFill>
-                <a:schemeClr val="bg1"/>
-              </a:solidFill>
-            </a:endParaRPr>
-          </a:p>
-          <a:p>
-            <a:pPr marL="457200" indent="-457200" algn="l">
-              <a:lnSpc>
-                <a:spcPct val="150000"/>
-              </a:lnSpc>
-              <a:buFont typeface="Arial" panose="020B0604020202020204" pitchFamily="34" charset="0"/>
-              <a:buChar char="•"/>
-            </a:pPr>
-            <a:endParaRPr lang="en-IN" altLang="en-US" sz="2800" b="1">
-              <a:solidFill>
-                <a:schemeClr val="bg1"/>
-              </a:solidFill>
-            </a:endParaRPr>
-          </a:p>
-          <a:p>
-            <a:pPr marL="342900" indent="-342900" algn="l">
-              <a:buFont typeface="Arial" panose="020B0604020202020204" pitchFamily="34" charset="0"/>
-              <a:buChar char="•"/>
-            </a:pPr>
-            <a:endParaRPr lang="en-IN" altLang="en-US" sz="2800" b="1">
-              <a:solidFill>
-                <a:schemeClr val="bg1"/>
-              </a:solidFill>
-            </a:endParaRPr>
-          </a:p>
-        </p:txBody>
-      </p:sp>
-      <p:sp>
-        <p:nvSpPr>
-          <p:cNvPr id="3" name="Content Placeholder 2"/>
-          <p:cNvSpPr>
-            <a:spLocks noGrp="1"/>
-          </p:cNvSpPr>
-          <p:nvPr>
-            <p:ph sz="half" idx="2"/>
-          </p:nvPr>
-        </p:nvSpPr>
-        <p:spPr/>
-        <p:txBody>
-          <a:bodyPr/>
-          <a:p>
-            <a:endParaRPr lang="en-US"/>
-          </a:p>
-        </p:txBody>
-      </p:sp>
-      <p:sp>
-        <p:nvSpPr>
-          <p:cNvPr id="4" name="Rectangles 3"/>
-          <p:cNvSpPr/>
-          <p:nvPr/>
-        </p:nvSpPr>
-        <p:spPr>
-          <a:xfrm>
-            <a:off x="837565" y="581025"/>
-            <a:ext cx="10545445" cy="1244600"/>
-          </a:xfrm>
-          <a:prstGeom prst="rect">
-            <a:avLst/>
-          </a:prstGeom>
-          <a:solidFill>
-            <a:schemeClr val="bg2">
-              <a:lumMod val="25000"/>
-            </a:schemeClr>
-          </a:solidFill>
-        </p:spPr>
-        <p:style>
-          <a:lnRef idx="2">
-            <a:schemeClr val="dk1">
-              <a:shade val="50000"/>
-            </a:schemeClr>
-          </a:lnRef>
-          <a:fillRef idx="1">
-            <a:schemeClr val="dk1"/>
-          </a:fillRef>
-          <a:effectRef idx="0">
-            <a:schemeClr val="dk1"/>
-          </a:effectRef>
-          <a:fontRef idx="minor">
-            <a:schemeClr val="lt1"/>
-          </a:fontRef>
-        </p:style>
-        <p:txBody>
-          <a:bodyPr rtlCol="0" anchor="ctr">
-            <a:scene3d>
-              <a:camera prst="orthographicFront"/>
-              <a:lightRig rig="threePt" dir="t"/>
-            </a:scene3d>
-          </a:bodyPr>
-          <a:p>
-            <a:pPr algn="ctr"/>
-            <a:r>
-              <a:rPr lang="en-IN" altLang="en-US" sz="4400" b="1">
-                <a:solidFill>
-                  <a:schemeClr val="accent1"/>
-                </a:solidFill>
-                <a:effectLst>
-                  <a:outerShdw blurRad="38100" dist="25400" dir="5400000" algn="ctr" rotWithShape="0">
-                    <a:srgbClr val="6E747A">
-                      <a:alpha val="43000"/>
-                    </a:srgbClr>
-                  </a:outerShdw>
-                </a:effectLst>
-                <a:latin typeface="Times New Roman" panose="02020603050405020304" charset="0"/>
-                <a:cs typeface="Times New Roman" panose="02020603050405020304" charset="0"/>
-                <a:sym typeface="+mn-ea"/>
-              </a:rPr>
-              <a:t>Important Terminologies</a:t>
-            </a:r>
-            <a:endParaRPr lang="en-IN" altLang="en-US" sz="4400" b="1" u="sng">
-              <a:ln w="10160">
-                <a:solidFill>
-                  <a:schemeClr val="accent5"/>
-                </a:solidFill>
-                <a:prstDash val="solid"/>
-              </a:ln>
-              <a:solidFill>
-                <a:schemeClr val="bg1"/>
-              </a:solidFill>
-              <a:effectLst>
-                <a:outerShdw blurRad="38100" dist="22860" dir="5400000" algn="tl" rotWithShape="0">
-                  <a:srgbClr val="000000">
-                    <a:alpha val="30000"/>
-                  </a:srgbClr>
-                </a:outerShdw>
-              </a:effectLst>
-              <a:latin typeface="Times New Roman" panose="02020603050405020304" charset="0"/>
-              <a:cs typeface="Times New Roman" panose="02020603050405020304" charset="0"/>
-              <a:sym typeface="+mn-ea"/>
-            </a:endParaRPr>
-          </a:p>
-        </p:txBody>
-      </p:sp>
-      <p:sp>
-        <p:nvSpPr>
-          <p:cNvPr id="5" name="Content Placeholder 6"/>
-          <p:cNvSpPr>
-            <a:spLocks noGrp="1"/>
-          </p:cNvSpPr>
-          <p:nvPr/>
-        </p:nvSpPr>
-        <p:spPr>
-          <a:xfrm>
-            <a:off x="4373880" y="1991995"/>
-            <a:ext cx="3366135" cy="4551680"/>
-          </a:xfrm>
-          <a:prstGeom prst="rect">
-            <a:avLst/>
-          </a:prstGeom>
-          <a:solidFill>
-            <a:schemeClr val="bg2">
-              <a:lumMod val="25000"/>
-            </a:schemeClr>
-          </a:solidFill>
-        </p:spPr>
-        <p:txBody>
-          <a:bodyPr vert="horz" lIns="91440" tIns="45720" rIns="91440" bIns="45720" rtlCol="0">
-            <a:normAutofit/>
-          </a:bodyPr>
-          <a:lstStyle>
-            <a:lvl1pPr marL="228600" indent="-228600" algn="l" defTabSz="914400" rtl="0" eaLnBrk="1" latinLnBrk="0" hangingPunct="1">
-              <a:lnSpc>
-                <a:spcPct val="90000"/>
-              </a:lnSpc>
-              <a:spcBef>
-                <a:spcPts val="1000"/>
-              </a:spcBef>
-              <a:buFont typeface="Arial" panose="020B0604020202020204" pitchFamily="34" charset="0"/>
-              <a:buChar char="•"/>
-              <a:defRPr sz="2800" kern="1200">
-                <a:solidFill>
-                  <a:schemeClr val="tx1"/>
-                </a:solidFill>
-                <a:latin typeface="+mn-lt"/>
-                <a:ea typeface="+mn-ea"/>
-                <a:cs typeface="+mn-cs"/>
-              </a:defRPr>
-            </a:lvl1pPr>
-            <a:lvl2pPr marL="685800" indent="-228600" algn="l" defTabSz="914400" rtl="0" eaLnBrk="1" latinLnBrk="0" hangingPunct="1">
-              <a:lnSpc>
-                <a:spcPct val="90000"/>
-              </a:lnSpc>
-              <a:spcBef>
-                <a:spcPts val="500"/>
-              </a:spcBef>
-              <a:buFont typeface="Arial" panose="020B0604020202020204" pitchFamily="34" charset="0"/>
-              <a:buChar char="•"/>
-              <a:defRPr sz="2400" kern="1200">
-                <a:solidFill>
-                  <a:schemeClr val="tx1"/>
-                </a:solidFill>
-                <a:latin typeface="+mn-lt"/>
-                <a:ea typeface="+mn-ea"/>
-                <a:cs typeface="+mn-cs"/>
-              </a:defRPr>
-            </a:lvl2pPr>
-            <a:lvl3pPr marL="1143000" indent="-228600" algn="l" defTabSz="914400" rtl="0" eaLnBrk="1" latinLnBrk="0" hangingPunct="1">
-              <a:lnSpc>
-                <a:spcPct val="90000"/>
-              </a:lnSpc>
-              <a:spcBef>
-                <a:spcPts val="500"/>
-              </a:spcBef>
-              <a:buFont typeface="Arial" panose="020B0604020202020204" pitchFamily="34" charset="0"/>
-              <a:buChar char="•"/>
-              <a:defRPr sz="2000" kern="1200">
-                <a:solidFill>
-                  <a:schemeClr val="tx1"/>
-                </a:solidFill>
-                <a:latin typeface="+mn-lt"/>
-                <a:ea typeface="+mn-ea"/>
-                <a:cs typeface="+mn-cs"/>
-              </a:defRPr>
-            </a:lvl3pPr>
-            <a:lvl4pPr marL="1600200" indent="-228600" algn="l" defTabSz="914400" rtl="0" eaLnBrk="1" latinLnBrk="0" hangingPunct="1">
-              <a:lnSpc>
-                <a:spcPct val="90000"/>
-              </a:lnSpc>
-              <a:spcBef>
-                <a:spcPts val="500"/>
-              </a:spcBef>
-              <a:buFont typeface="Arial" panose="020B0604020202020204" pitchFamily="34" charset="0"/>
-              <a:buChar char="•"/>
-              <a:defRPr sz="1800" kern="1200">
-                <a:solidFill>
-                  <a:schemeClr val="tx1"/>
-                </a:solidFill>
-                <a:latin typeface="+mn-lt"/>
-                <a:ea typeface="+mn-ea"/>
-                <a:cs typeface="+mn-cs"/>
-              </a:defRPr>
-            </a:lvl4pPr>
-            <a:lvl5pPr marL="2057400" indent="-228600" algn="l" defTabSz="914400" rtl="0" eaLnBrk="1" latinLnBrk="0" hangingPunct="1">
-              <a:lnSpc>
-                <a:spcPct val="90000"/>
-              </a:lnSpc>
-              <a:spcBef>
-                <a:spcPts val="500"/>
-              </a:spcBef>
-              <a:buFont typeface="Arial" panose="020B0604020202020204" pitchFamily="34" charset="0"/>
-              <a:buChar char="•"/>
-              <a:defRPr sz="1800" kern="1200">
-                <a:solidFill>
-                  <a:schemeClr val="tx1"/>
-                </a:solidFill>
-                <a:latin typeface="+mn-lt"/>
-                <a:ea typeface="+mn-ea"/>
-                <a:cs typeface="+mn-cs"/>
-              </a:defRPr>
-            </a:lvl5pPr>
-            <a:lvl6pPr marL="2514600" indent="-228600" algn="l" defTabSz="914400" rtl="0" eaLnBrk="1" latinLnBrk="0" hangingPunct="1">
-              <a:lnSpc>
-                <a:spcPct val="90000"/>
-              </a:lnSpc>
-              <a:spcBef>
-                <a:spcPts val="500"/>
-              </a:spcBef>
-              <a:buFont typeface="Arial" panose="020B0604020202020204" pitchFamily="34" charset="0"/>
-              <a:buChar char="•"/>
-              <a:defRPr sz="1800" kern="1200">
-                <a:solidFill>
-                  <a:schemeClr val="tx1"/>
-                </a:solidFill>
-                <a:latin typeface="+mn-lt"/>
-                <a:ea typeface="+mn-ea"/>
-                <a:cs typeface="+mn-cs"/>
-              </a:defRPr>
-            </a:lvl6pPr>
-            <a:lvl7pPr marL="2971800" indent="-228600" algn="l" defTabSz="914400" rtl="0" eaLnBrk="1" latinLnBrk="0" hangingPunct="1">
-              <a:lnSpc>
-                <a:spcPct val="90000"/>
-              </a:lnSpc>
-              <a:spcBef>
-                <a:spcPts val="500"/>
-              </a:spcBef>
-              <a:buFont typeface="Arial" panose="020B0604020202020204" pitchFamily="34" charset="0"/>
-              <a:buChar char="•"/>
-              <a:defRPr sz="1800" kern="1200">
-                <a:solidFill>
-                  <a:schemeClr val="tx1"/>
-                </a:solidFill>
-                <a:latin typeface="+mn-lt"/>
-                <a:ea typeface="+mn-ea"/>
-                <a:cs typeface="+mn-cs"/>
-              </a:defRPr>
-            </a:lvl7pPr>
-            <a:lvl8pPr marL="3429000" indent="-228600" algn="l" defTabSz="914400" rtl="0" eaLnBrk="1" latinLnBrk="0" hangingPunct="1">
-              <a:lnSpc>
-                <a:spcPct val="90000"/>
-              </a:lnSpc>
-              <a:spcBef>
-                <a:spcPts val="500"/>
-              </a:spcBef>
-              <a:buFont typeface="Arial" panose="020B0604020202020204" pitchFamily="34" charset="0"/>
-              <a:buChar char="•"/>
-              <a:defRPr sz="1800" kern="1200">
-                <a:solidFill>
-                  <a:schemeClr val="tx1"/>
-                </a:solidFill>
-                <a:latin typeface="+mn-lt"/>
-                <a:ea typeface="+mn-ea"/>
-                <a:cs typeface="+mn-cs"/>
-              </a:defRPr>
-            </a:lvl8pPr>
-            <a:lvl9pPr marL="3886200" indent="-228600" algn="l" defTabSz="914400" rtl="0" eaLnBrk="1" latinLnBrk="0" hangingPunct="1">
-              <a:lnSpc>
-                <a:spcPct val="90000"/>
-              </a:lnSpc>
-              <a:spcBef>
-                <a:spcPts val="500"/>
-              </a:spcBef>
-              <a:buFont typeface="Arial" panose="020B0604020202020204" pitchFamily="34" charset="0"/>
-              <a:buChar char="•"/>
-              <a:defRPr sz="1800" kern="1200">
-                <a:solidFill>
-                  <a:schemeClr val="tx1"/>
-                </a:solidFill>
-                <a:latin typeface="+mn-lt"/>
-                <a:ea typeface="+mn-ea"/>
-                <a:cs typeface="+mn-cs"/>
-              </a:defRPr>
-            </a:lvl9pPr>
-          </a:lstStyle>
-          <a:p>
-            <a:pPr marL="0" indent="0" algn="l">
-              <a:buFont typeface="Arial" panose="020B0604020202020204" pitchFamily="34" charset="0"/>
-              <a:buNone/>
-            </a:pPr>
-            <a:endParaRPr lang="en-US" altLang="en-IN" sz="2800" b="1">
-              <a:solidFill>
-                <a:schemeClr val="bg1"/>
-              </a:solidFill>
-            </a:endParaRPr>
-          </a:p>
-          <a:p>
-            <a:pPr marL="0" indent="0" algn="l">
-              <a:lnSpc>
-                <a:spcPct val="150000"/>
-              </a:lnSpc>
-              <a:buFont typeface="Arial" panose="020B0604020202020204" pitchFamily="34" charset="0"/>
-              <a:buNone/>
-            </a:pPr>
-            <a:r>
-              <a:rPr lang="en-IN" altLang="en-US" sz="3200">
-                <a:solidFill>
-                  <a:schemeClr val="bg1"/>
-                </a:solidFill>
-              </a:rPr>
-              <a:t>   5. </a:t>
-            </a:r>
-            <a:r>
-              <a:rPr lang="en-US" altLang="en-IN" sz="3200">
-                <a:solidFill>
-                  <a:schemeClr val="bg1"/>
-                </a:solidFill>
-              </a:rPr>
-              <a:t>Push</a:t>
-            </a:r>
-            <a:endParaRPr lang="en-US" altLang="en-IN" sz="3200">
-              <a:solidFill>
-                <a:schemeClr val="bg1"/>
-              </a:solidFill>
-            </a:endParaRPr>
-          </a:p>
-          <a:p>
-            <a:pPr marL="0" indent="0" algn="l">
-              <a:lnSpc>
-                <a:spcPct val="150000"/>
-              </a:lnSpc>
-              <a:buFont typeface="Arial" panose="020B0604020202020204" pitchFamily="34" charset="0"/>
-              <a:buNone/>
-            </a:pPr>
-            <a:r>
-              <a:rPr lang="en-IN" altLang="en-US" sz="3200">
-                <a:solidFill>
-                  <a:schemeClr val="bg1"/>
-                </a:solidFill>
-              </a:rPr>
-              <a:t>   6. </a:t>
-            </a:r>
-            <a:r>
-              <a:rPr lang="en-US" altLang="en-IN" sz="3200">
-                <a:solidFill>
-                  <a:schemeClr val="bg1"/>
-                </a:solidFill>
-              </a:rPr>
-              <a:t>Fetch</a:t>
-            </a:r>
-            <a:endParaRPr lang="en-US" altLang="en-IN" sz="3200">
-              <a:solidFill>
-                <a:schemeClr val="bg1"/>
-              </a:solidFill>
-            </a:endParaRPr>
-          </a:p>
-          <a:p>
-            <a:pPr marL="0" indent="0" algn="l">
-              <a:lnSpc>
-                <a:spcPct val="150000"/>
-              </a:lnSpc>
-              <a:buFont typeface="Arial" panose="020B0604020202020204" pitchFamily="34" charset="0"/>
-              <a:buNone/>
-            </a:pPr>
-            <a:r>
-              <a:rPr lang="en-IN" altLang="en-US" sz="3200">
-                <a:solidFill>
-                  <a:schemeClr val="bg1"/>
-                </a:solidFill>
-              </a:rPr>
-              <a:t>   7. </a:t>
-            </a:r>
-            <a:r>
-              <a:rPr lang="en-US" altLang="en-IN" sz="3200">
-                <a:solidFill>
-                  <a:schemeClr val="bg1"/>
-                </a:solidFill>
-              </a:rPr>
-              <a:t>Revert</a:t>
-            </a:r>
-            <a:endParaRPr lang="en-US" altLang="en-IN" sz="3200">
-              <a:solidFill>
-                <a:schemeClr val="bg1"/>
-              </a:solidFill>
-            </a:endParaRPr>
-          </a:p>
-          <a:p>
-            <a:pPr marL="0" indent="0" algn="l">
-              <a:lnSpc>
-                <a:spcPct val="150000"/>
-              </a:lnSpc>
-              <a:buFont typeface="Arial" panose="020B0604020202020204" pitchFamily="34" charset="0"/>
-              <a:buNone/>
-            </a:pPr>
-            <a:r>
-              <a:rPr lang="en-IN" altLang="en-US" sz="3200">
-                <a:solidFill>
-                  <a:schemeClr val="bg1"/>
-                </a:solidFill>
-              </a:rPr>
-              <a:t>   8.</a:t>
-            </a:r>
-            <a:r>
-              <a:rPr lang="en-US" altLang="en-IN" sz="3200">
-                <a:solidFill>
-                  <a:schemeClr val="bg1"/>
-                </a:solidFill>
-              </a:rPr>
-              <a:t> Fork</a:t>
-            </a:r>
-            <a:endParaRPr lang="en-US" altLang="en-IN" sz="3200">
-              <a:solidFill>
-                <a:schemeClr val="bg1"/>
-              </a:solidFill>
-            </a:endParaRPr>
-          </a:p>
-          <a:p>
-            <a:pPr marL="457200" indent="-457200" algn="l">
-              <a:lnSpc>
-                <a:spcPct val="150000"/>
-              </a:lnSpc>
-              <a:buFont typeface="Arial" panose="020B0604020202020204" pitchFamily="34" charset="0"/>
-              <a:buChar char="•"/>
-            </a:pPr>
-            <a:endParaRPr lang="en-US" altLang="en-IN" sz="2800" b="1">
-              <a:solidFill>
-                <a:schemeClr val="bg1"/>
-              </a:solidFill>
-            </a:endParaRPr>
-          </a:p>
-          <a:p>
-            <a:pPr marL="457200" indent="-457200" algn="l">
-              <a:lnSpc>
-                <a:spcPct val="150000"/>
-              </a:lnSpc>
-              <a:buFont typeface="Arial" panose="020B0604020202020204" pitchFamily="34" charset="0"/>
-              <a:buChar char="•"/>
-            </a:pPr>
-            <a:endParaRPr lang="en-US" altLang="en-IN" sz="2800" b="1">
-              <a:solidFill>
-                <a:schemeClr val="bg1"/>
-              </a:solidFill>
-            </a:endParaRPr>
-          </a:p>
-          <a:p>
-            <a:pPr marL="457200" indent="-457200" algn="l">
-              <a:lnSpc>
-                <a:spcPct val="150000"/>
-              </a:lnSpc>
-              <a:buFont typeface="Arial" panose="020B0604020202020204" pitchFamily="34" charset="0"/>
-              <a:buChar char="•"/>
-            </a:pPr>
-            <a:endParaRPr lang="en-IN" altLang="en-US" sz="2800" b="1">
-              <a:solidFill>
-                <a:schemeClr val="bg1"/>
-              </a:solidFill>
-            </a:endParaRPr>
-          </a:p>
-          <a:p>
-            <a:pPr marL="342900" indent="-342900" algn="l">
-              <a:buFont typeface="Arial" panose="020B0604020202020204" pitchFamily="34" charset="0"/>
-              <a:buChar char="•"/>
-            </a:pPr>
-            <a:endParaRPr lang="en-IN" altLang="en-US" sz="2800" b="1">
-              <a:solidFill>
-                <a:schemeClr val="bg1"/>
-              </a:solidFill>
-            </a:endParaRPr>
-          </a:p>
-        </p:txBody>
-      </p:sp>
-      <p:sp>
-        <p:nvSpPr>
-          <p:cNvPr id="6" name="Content Placeholder 6"/>
-          <p:cNvSpPr>
-            <a:spLocks noGrp="1"/>
-          </p:cNvSpPr>
-          <p:nvPr/>
-        </p:nvSpPr>
-        <p:spPr>
-          <a:xfrm>
-            <a:off x="7924165" y="1992630"/>
-            <a:ext cx="3429635" cy="4549775"/>
-          </a:xfrm>
-          <a:prstGeom prst="rect">
-            <a:avLst/>
-          </a:prstGeom>
-          <a:solidFill>
-            <a:schemeClr val="bg2">
-              <a:lumMod val="25000"/>
-            </a:schemeClr>
-          </a:solidFill>
-        </p:spPr>
-        <p:txBody>
-          <a:bodyPr vert="horz" lIns="91440" tIns="45720" rIns="91440" bIns="45720" rtlCol="0">
-            <a:normAutofit/>
-          </a:bodyPr>
-          <a:lstStyle>
-            <a:lvl1pPr marL="228600" indent="-228600" algn="l" defTabSz="914400" rtl="0" eaLnBrk="1" latinLnBrk="0" hangingPunct="1">
-              <a:lnSpc>
-                <a:spcPct val="90000"/>
-              </a:lnSpc>
-              <a:spcBef>
-                <a:spcPts val="1000"/>
-              </a:spcBef>
-              <a:buFont typeface="Arial" panose="020B0604020202020204" pitchFamily="34" charset="0"/>
-              <a:buChar char="•"/>
-              <a:defRPr sz="2800" kern="1200">
-                <a:solidFill>
-                  <a:schemeClr val="tx1"/>
-                </a:solidFill>
-                <a:latin typeface="+mn-lt"/>
-                <a:ea typeface="+mn-ea"/>
-                <a:cs typeface="+mn-cs"/>
-              </a:defRPr>
-            </a:lvl1pPr>
-            <a:lvl2pPr marL="685800" indent="-228600" algn="l" defTabSz="914400" rtl="0" eaLnBrk="1" latinLnBrk="0" hangingPunct="1">
-              <a:lnSpc>
-                <a:spcPct val="90000"/>
-              </a:lnSpc>
-              <a:spcBef>
-                <a:spcPts val="500"/>
-              </a:spcBef>
-              <a:buFont typeface="Arial" panose="020B0604020202020204" pitchFamily="34" charset="0"/>
-              <a:buChar char="•"/>
-              <a:defRPr sz="2400" kern="1200">
-                <a:solidFill>
-                  <a:schemeClr val="tx1"/>
-                </a:solidFill>
-                <a:latin typeface="+mn-lt"/>
-                <a:ea typeface="+mn-ea"/>
-                <a:cs typeface="+mn-cs"/>
-              </a:defRPr>
-            </a:lvl2pPr>
-            <a:lvl3pPr marL="1143000" indent="-228600" algn="l" defTabSz="914400" rtl="0" eaLnBrk="1" latinLnBrk="0" hangingPunct="1">
-              <a:lnSpc>
-                <a:spcPct val="90000"/>
-              </a:lnSpc>
-              <a:spcBef>
-                <a:spcPts val="500"/>
-              </a:spcBef>
-              <a:buFont typeface="Arial" panose="020B0604020202020204" pitchFamily="34" charset="0"/>
-              <a:buChar char="•"/>
-              <a:defRPr sz="2000" kern="1200">
-                <a:solidFill>
-                  <a:schemeClr val="tx1"/>
-                </a:solidFill>
-                <a:latin typeface="+mn-lt"/>
-                <a:ea typeface="+mn-ea"/>
-                <a:cs typeface="+mn-cs"/>
-              </a:defRPr>
-            </a:lvl3pPr>
-            <a:lvl4pPr marL="1600200" indent="-228600" algn="l" defTabSz="914400" rtl="0" eaLnBrk="1" latinLnBrk="0" hangingPunct="1">
-              <a:lnSpc>
-                <a:spcPct val="90000"/>
-              </a:lnSpc>
-              <a:spcBef>
-                <a:spcPts val="500"/>
-              </a:spcBef>
-              <a:buFont typeface="Arial" panose="020B0604020202020204" pitchFamily="34" charset="0"/>
-              <a:buChar char="•"/>
-              <a:defRPr sz="1800" kern="1200">
-                <a:solidFill>
-                  <a:schemeClr val="tx1"/>
-                </a:solidFill>
-                <a:latin typeface="+mn-lt"/>
-                <a:ea typeface="+mn-ea"/>
-                <a:cs typeface="+mn-cs"/>
-              </a:defRPr>
-            </a:lvl4pPr>
-            <a:lvl5pPr marL="2057400" indent="-228600" algn="l" defTabSz="914400" rtl="0" eaLnBrk="1" latinLnBrk="0" hangingPunct="1">
-              <a:lnSpc>
-                <a:spcPct val="90000"/>
-              </a:lnSpc>
-              <a:spcBef>
-                <a:spcPts val="500"/>
-              </a:spcBef>
-              <a:buFont typeface="Arial" panose="020B0604020202020204" pitchFamily="34" charset="0"/>
-              <a:buChar char="•"/>
-              <a:defRPr sz="1800" kern="1200">
-                <a:solidFill>
-                  <a:schemeClr val="tx1"/>
-                </a:solidFill>
-                <a:latin typeface="+mn-lt"/>
-                <a:ea typeface="+mn-ea"/>
-                <a:cs typeface="+mn-cs"/>
-              </a:defRPr>
-            </a:lvl5pPr>
-            <a:lvl6pPr marL="2514600" indent="-228600" algn="l" defTabSz="914400" rtl="0" eaLnBrk="1" latinLnBrk="0" hangingPunct="1">
-              <a:lnSpc>
-                <a:spcPct val="90000"/>
-              </a:lnSpc>
-              <a:spcBef>
-                <a:spcPts val="500"/>
-              </a:spcBef>
-              <a:buFont typeface="Arial" panose="020B0604020202020204" pitchFamily="34" charset="0"/>
-              <a:buChar char="•"/>
-              <a:defRPr sz="1800" kern="1200">
-                <a:solidFill>
-                  <a:schemeClr val="tx1"/>
-                </a:solidFill>
-                <a:latin typeface="+mn-lt"/>
-                <a:ea typeface="+mn-ea"/>
-                <a:cs typeface="+mn-cs"/>
-              </a:defRPr>
-            </a:lvl6pPr>
-            <a:lvl7pPr marL="2971800" indent="-228600" algn="l" defTabSz="914400" rtl="0" eaLnBrk="1" latinLnBrk="0" hangingPunct="1">
-              <a:lnSpc>
-                <a:spcPct val="90000"/>
-              </a:lnSpc>
-              <a:spcBef>
-                <a:spcPts val="500"/>
-              </a:spcBef>
-              <a:buFont typeface="Arial" panose="020B0604020202020204" pitchFamily="34" charset="0"/>
-              <a:buChar char="•"/>
-              <a:defRPr sz="1800" kern="1200">
-                <a:solidFill>
-                  <a:schemeClr val="tx1"/>
-                </a:solidFill>
-                <a:latin typeface="+mn-lt"/>
-                <a:ea typeface="+mn-ea"/>
-                <a:cs typeface="+mn-cs"/>
-              </a:defRPr>
-            </a:lvl7pPr>
-            <a:lvl8pPr marL="3429000" indent="-228600" algn="l" defTabSz="914400" rtl="0" eaLnBrk="1" latinLnBrk="0" hangingPunct="1">
-              <a:lnSpc>
-                <a:spcPct val="90000"/>
-              </a:lnSpc>
-              <a:spcBef>
-                <a:spcPts val="500"/>
-              </a:spcBef>
-              <a:buFont typeface="Arial" panose="020B0604020202020204" pitchFamily="34" charset="0"/>
-              <a:buChar char="•"/>
-              <a:defRPr sz="1800" kern="1200">
-                <a:solidFill>
-                  <a:schemeClr val="tx1"/>
-                </a:solidFill>
-                <a:latin typeface="+mn-lt"/>
-                <a:ea typeface="+mn-ea"/>
-                <a:cs typeface="+mn-cs"/>
-              </a:defRPr>
-            </a:lvl8pPr>
-            <a:lvl9pPr marL="3886200" indent="-228600" algn="l" defTabSz="914400" rtl="0" eaLnBrk="1" latinLnBrk="0" hangingPunct="1">
-              <a:lnSpc>
-                <a:spcPct val="90000"/>
-              </a:lnSpc>
-              <a:spcBef>
-                <a:spcPts val="500"/>
-              </a:spcBef>
-              <a:buFont typeface="Arial" panose="020B0604020202020204" pitchFamily="34" charset="0"/>
-              <a:buChar char="•"/>
-              <a:defRPr sz="1800" kern="1200">
-                <a:solidFill>
-                  <a:schemeClr val="tx1"/>
-                </a:solidFill>
-                <a:latin typeface="+mn-lt"/>
-                <a:ea typeface="+mn-ea"/>
-                <a:cs typeface="+mn-cs"/>
-              </a:defRPr>
-            </a:lvl9pPr>
-          </a:lstStyle>
-          <a:p>
-            <a:pPr marL="0" indent="0" algn="l">
-              <a:buFont typeface="Arial" panose="020B0604020202020204" pitchFamily="34" charset="0"/>
-              <a:buNone/>
-            </a:pPr>
-            <a:endParaRPr lang="en-US" altLang="en-IN" sz="2800" b="1">
-              <a:solidFill>
-                <a:schemeClr val="bg1"/>
-              </a:solidFill>
-            </a:endParaRPr>
-          </a:p>
-          <a:p>
-            <a:pPr marL="0" indent="0" algn="l">
-              <a:lnSpc>
-                <a:spcPct val="150000"/>
-              </a:lnSpc>
-              <a:buFont typeface="Arial" panose="020B0604020202020204" pitchFamily="34" charset="0"/>
-              <a:buNone/>
-            </a:pPr>
-            <a:r>
-              <a:rPr lang="en-IN" altLang="en-US" sz="3200">
-                <a:solidFill>
-                  <a:schemeClr val="bg1"/>
-                </a:solidFill>
-              </a:rPr>
-              <a:t>   9. Release</a:t>
-            </a:r>
-            <a:endParaRPr lang="en-IN" altLang="en-US" sz="3200">
-              <a:solidFill>
-                <a:schemeClr val="bg1"/>
-              </a:solidFill>
-            </a:endParaRPr>
-          </a:p>
-          <a:p>
-            <a:pPr marL="0" indent="0" algn="l">
-              <a:lnSpc>
-                <a:spcPct val="150000"/>
-              </a:lnSpc>
-              <a:buFont typeface="Arial" panose="020B0604020202020204" pitchFamily="34" charset="0"/>
-              <a:buNone/>
-            </a:pPr>
-            <a:r>
-              <a:rPr lang="en-IN" altLang="en-US" sz="3200">
-                <a:solidFill>
-                  <a:schemeClr val="bg1"/>
-                </a:solidFill>
-              </a:rPr>
-              <a:t>   10. Read me</a:t>
-            </a:r>
-            <a:endParaRPr lang="en-IN" altLang="en-US" sz="3200">
-              <a:solidFill>
-                <a:schemeClr val="bg1"/>
-              </a:solidFill>
-            </a:endParaRPr>
-          </a:p>
-          <a:p>
-            <a:pPr marL="0" indent="0" algn="l">
-              <a:lnSpc>
-                <a:spcPct val="150000"/>
-              </a:lnSpc>
-              <a:buFont typeface="Arial" panose="020B0604020202020204" pitchFamily="34" charset="0"/>
-              <a:buNone/>
-            </a:pPr>
-            <a:r>
-              <a:rPr lang="en-IN" altLang="en-US" sz="3200">
-                <a:solidFill>
-                  <a:schemeClr val="bg1"/>
-                </a:solidFill>
-              </a:rPr>
-              <a:t>   11. </a:t>
-            </a:r>
-            <a:r>
-              <a:rPr lang="en-US" altLang="en-IN" sz="3200">
-                <a:solidFill>
-                  <a:schemeClr val="bg1"/>
-                </a:solidFill>
-              </a:rPr>
-              <a:t>Revert</a:t>
-            </a:r>
-            <a:endParaRPr lang="en-US" altLang="en-IN" sz="3200">
-              <a:solidFill>
-                <a:schemeClr val="bg1"/>
-              </a:solidFill>
-            </a:endParaRPr>
-          </a:p>
-          <a:p>
-            <a:pPr marL="0" indent="0" algn="l">
-              <a:lnSpc>
-                <a:spcPct val="150000"/>
-              </a:lnSpc>
-              <a:buFont typeface="Arial" panose="020B0604020202020204" pitchFamily="34" charset="0"/>
-              <a:buNone/>
-            </a:pPr>
-            <a:r>
-              <a:rPr lang="en-IN" altLang="en-US" sz="3200">
-                <a:solidFill>
-                  <a:schemeClr val="bg1"/>
-                </a:solidFill>
-              </a:rPr>
-              <a:t>   12.</a:t>
-            </a:r>
-            <a:r>
-              <a:rPr lang="en-US" altLang="en-IN" sz="3200">
-                <a:solidFill>
-                  <a:schemeClr val="bg1"/>
-                </a:solidFill>
-              </a:rPr>
-              <a:t> Fork</a:t>
-            </a:r>
-            <a:endParaRPr lang="en-US" altLang="en-IN" sz="3200">
-              <a:solidFill>
-                <a:schemeClr val="bg1"/>
-              </a:solidFill>
-            </a:endParaRPr>
-          </a:p>
-          <a:p>
-            <a:pPr marL="457200" indent="-457200" algn="l">
-              <a:lnSpc>
-                <a:spcPct val="150000"/>
-              </a:lnSpc>
-              <a:buFont typeface="Arial" panose="020B0604020202020204" pitchFamily="34" charset="0"/>
-              <a:buChar char="•"/>
-            </a:pPr>
-            <a:endParaRPr lang="en-US" altLang="en-IN" sz="2800" b="1">
-              <a:solidFill>
-                <a:schemeClr val="bg1"/>
-              </a:solidFill>
-            </a:endParaRPr>
-          </a:p>
-          <a:p>
-            <a:pPr marL="457200" indent="-457200" algn="l">
-              <a:lnSpc>
-                <a:spcPct val="150000"/>
-              </a:lnSpc>
-              <a:buFont typeface="Arial" panose="020B0604020202020204" pitchFamily="34" charset="0"/>
-              <a:buChar char="•"/>
-            </a:pPr>
-            <a:endParaRPr lang="en-US" altLang="en-IN" sz="2800" b="1">
-              <a:solidFill>
-                <a:schemeClr val="bg1"/>
-              </a:solidFill>
-            </a:endParaRPr>
-          </a:p>
-          <a:p>
-            <a:pPr marL="457200" indent="-457200" algn="l">
-              <a:lnSpc>
-                <a:spcPct val="150000"/>
-              </a:lnSpc>
-              <a:buFont typeface="Arial" panose="020B0604020202020204" pitchFamily="34" charset="0"/>
-              <a:buChar char="•"/>
-            </a:pPr>
-            <a:endParaRPr lang="en-IN" altLang="en-US" sz="2800" b="1">
-              <a:solidFill>
-                <a:schemeClr val="bg1"/>
-              </a:solidFill>
-            </a:endParaRPr>
-          </a:p>
-          <a:p>
-            <a:pPr marL="342900" indent="-342900" algn="l">
-              <a:buFont typeface="Arial" panose="020B0604020202020204" pitchFamily="34" charset="0"/>
-              <a:buChar char="•"/>
-            </a:pPr>
-            <a:endParaRPr lang="en-IN" altLang="en-US" sz="2800" b="1">
               <a:solidFill>
                 <a:schemeClr val="bg1"/>
               </a:solidFill>

--- a/GitHub.pptx
+++ b/GitHub.pptx
@@ -21,6 +21,8 @@
     <p:sldId id="288" r:id="rId16"/>
     <p:sldId id="289" r:id="rId17"/>
     <p:sldId id="283" r:id="rId18"/>
+    <p:sldId id="302" r:id="rId19"/>
+    <p:sldId id="304" r:id="rId20"/>
   </p:sldIdLst>
   <p:sldSz cx="12192000" cy="6858000"/>
   <p:notesSz cx="6858000" cy="9144000"/>
@@ -3150,7 +3152,7 @@
         <p:spPr>
           <a:xfrm>
             <a:off x="838200" y="1992630"/>
-            <a:ext cx="3439160" cy="4550410"/>
+            <a:ext cx="5195570" cy="4550410"/>
           </a:xfrm>
           <a:solidFill>
             <a:schemeClr val="bg2">
@@ -3186,7 +3188,7 @@
                   <a:schemeClr val="bg1"/>
                 </a:solidFill>
               </a:rPr>
-              <a:t>  </a:t>
+              <a:t>      </a:t>
             </a:r>
             <a:r>
               <a:rPr lang="en-IN" altLang="en-US" sz="3200">
@@ -3240,7 +3242,7 @@
                   <a:schemeClr val="bg1"/>
                 </a:solidFill>
               </a:rPr>
-              <a:t>   2.  </a:t>
+              <a:t>       2.  </a:t>
             </a:r>
             <a:r>
               <a:rPr lang="en-US" altLang="en-IN" sz="3200">
@@ -3270,7 +3272,7 @@
                   <a:schemeClr val="bg1"/>
                 </a:solidFill>
               </a:rPr>
-              <a:t>   3.  </a:t>
+              <a:t>      3.  </a:t>
             </a:r>
             <a:r>
               <a:rPr lang="en-US" altLang="en-IN" sz="3200">
@@ -3308,7 +3310,7 @@
                   <a:schemeClr val="bg1"/>
                 </a:solidFill>
               </a:rPr>
-              <a:t>   4.  </a:t>
+              <a:t>      4.  </a:t>
             </a:r>
             <a:r>
               <a:rPr lang="en-US" altLang="en-IN" sz="3200">
@@ -3480,8 +3482,8 @@
         </p:nvSpPr>
         <p:spPr>
           <a:xfrm>
-            <a:off x="4373880" y="1991995"/>
-            <a:ext cx="3366135" cy="4551680"/>
+            <a:off x="6172200" y="1992630"/>
+            <a:ext cx="5181600" cy="4551680"/>
           </a:xfrm>
           <a:prstGeom prst="rect">
             <a:avLst/>
@@ -3685,7 +3687,7 @@
                   <a:schemeClr val="bg1"/>
                 </a:solidFill>
               </a:rPr>
-              <a:t>   5. </a:t>
+              <a:t>        5. </a:t>
             </a:r>
             <a:r>
               <a:rPr lang="en-US" altLang="en-IN" sz="3200">
@@ -3715,7 +3717,7 @@
                   <a:schemeClr val="bg1"/>
                 </a:solidFill>
               </a:rPr>
-              <a:t>   6. </a:t>
+              <a:t>       6. </a:t>
             </a:r>
             <a:r>
               <a:rPr lang="en-US" altLang="en-IN" sz="3200">
@@ -3745,17 +3747,9 @@
                   <a:schemeClr val="bg1"/>
                 </a:solidFill>
               </a:rPr>
-              <a:t>   7. </a:t>
-            </a:r>
-            <a:r>
-              <a:rPr lang="en-US" altLang="en-IN" sz="3200">
-                <a:solidFill>
-                  <a:schemeClr val="bg1"/>
-                </a:solidFill>
-              </a:rPr>
-              <a:t>Revert</a:t>
-            </a:r>
-            <a:endParaRPr lang="en-US" altLang="en-IN" sz="3200">
+              <a:t>       7. Read me</a:t>
+            </a:r>
+            <a:endParaRPr lang="en-IN" altLang="en-US" sz="3200">
               <a:solidFill>
                 <a:schemeClr val="bg1"/>
               </a:solidFill>
@@ -3775,390 +3769,8 @@
                   <a:schemeClr val="bg1"/>
                 </a:solidFill>
               </a:rPr>
-              <a:t>   8.</a:t>
-            </a:r>
-            <a:r>
-              <a:rPr lang="en-US" altLang="en-IN" sz="3200">
-                <a:solidFill>
-                  <a:schemeClr val="bg1"/>
-                </a:solidFill>
-              </a:rPr>
-              <a:t> Fork</a:t>
-            </a:r>
-            <a:endParaRPr lang="en-US" altLang="en-IN" sz="3200">
-              <a:solidFill>
-                <a:schemeClr val="bg1"/>
-              </a:solidFill>
-            </a:endParaRPr>
-          </a:p>
-          <a:p>
-            <a:pPr marL="457200" indent="-457200" algn="l">
-              <a:lnSpc>
-                <a:spcPct val="150000"/>
-              </a:lnSpc>
-              <a:buFont typeface="Arial" panose="020B0604020202020204" pitchFamily="34" charset="0"/>
-              <a:buChar char="•"/>
-            </a:pPr>
-            <a:endParaRPr lang="en-US" altLang="en-IN" sz="2800" b="1">
-              <a:solidFill>
-                <a:schemeClr val="bg1"/>
-              </a:solidFill>
-            </a:endParaRPr>
-          </a:p>
-          <a:p>
-            <a:pPr marL="457200" indent="-457200" algn="l">
-              <a:lnSpc>
-                <a:spcPct val="150000"/>
-              </a:lnSpc>
-              <a:buFont typeface="Arial" panose="020B0604020202020204" pitchFamily="34" charset="0"/>
-              <a:buChar char="•"/>
-            </a:pPr>
-            <a:endParaRPr lang="en-US" altLang="en-IN" sz="2800" b="1">
-              <a:solidFill>
-                <a:schemeClr val="bg1"/>
-              </a:solidFill>
-            </a:endParaRPr>
-          </a:p>
-          <a:p>
-            <a:pPr marL="457200" indent="-457200" algn="l">
-              <a:lnSpc>
-                <a:spcPct val="150000"/>
-              </a:lnSpc>
-              <a:buFont typeface="Arial" panose="020B0604020202020204" pitchFamily="34" charset="0"/>
-              <a:buChar char="•"/>
-            </a:pPr>
-            <a:endParaRPr lang="en-IN" altLang="en-US" sz="2800" b="1">
-              <a:solidFill>
-                <a:schemeClr val="bg1"/>
-              </a:solidFill>
-            </a:endParaRPr>
-          </a:p>
-          <a:p>
-            <a:pPr marL="342900" indent="-342900" algn="l">
-              <a:buFont typeface="Arial" panose="020B0604020202020204" pitchFamily="34" charset="0"/>
-              <a:buChar char="•"/>
-            </a:pPr>
-            <a:endParaRPr lang="en-IN" altLang="en-US" sz="2800" b="1">
-              <a:solidFill>
-                <a:schemeClr val="bg1"/>
-              </a:solidFill>
-            </a:endParaRPr>
-          </a:p>
-        </p:txBody>
-      </p:sp>
-      <p:sp>
-        <p:nvSpPr>
-          <p:cNvPr id="6" name="Content Placeholder 6"/>
-          <p:cNvSpPr>
-            <a:spLocks noGrp="1"/>
-          </p:cNvSpPr>
-          <p:nvPr/>
-        </p:nvSpPr>
-        <p:spPr>
-          <a:xfrm>
-            <a:off x="7924165" y="1992630"/>
-            <a:ext cx="3429635" cy="4549775"/>
-          </a:xfrm>
-          <a:prstGeom prst="rect">
-            <a:avLst/>
-          </a:prstGeom>
-          <a:solidFill>
-            <a:schemeClr val="bg2">
-              <a:lumMod val="25000"/>
-            </a:schemeClr>
-          </a:solidFill>
-        </p:spPr>
-        <p:txBody>
-          <a:bodyPr vert="horz" lIns="91440" tIns="45720" rIns="91440" bIns="45720" rtlCol="0">
-            <a:normAutofit/>
-          </a:bodyPr>
-          <a:lstStyle>
-            <a:lvl1pPr marL="228600" indent="-228600" algn="l" defTabSz="914400" rtl="0" eaLnBrk="1" latinLnBrk="0" hangingPunct="1">
-              <a:lnSpc>
-                <a:spcPct val="90000"/>
-              </a:lnSpc>
-              <a:spcBef>
-                <a:spcPts val="1000"/>
-              </a:spcBef>
-              <a:buFont typeface="Arial" panose="020B0604020202020204" pitchFamily="34" charset="0"/>
-              <a:buChar char="•"/>
-              <a:defRPr sz="2800" kern="1200">
-                <a:solidFill>
-                  <a:schemeClr val="tx1"/>
-                </a:solidFill>
-                <a:latin typeface="+mn-lt"/>
-                <a:ea typeface="+mn-ea"/>
-                <a:cs typeface="+mn-cs"/>
-              </a:defRPr>
-            </a:lvl1pPr>
-            <a:lvl2pPr marL="685800" indent="-228600" algn="l" defTabSz="914400" rtl="0" eaLnBrk="1" latinLnBrk="0" hangingPunct="1">
-              <a:lnSpc>
-                <a:spcPct val="90000"/>
-              </a:lnSpc>
-              <a:spcBef>
-                <a:spcPts val="500"/>
-              </a:spcBef>
-              <a:buFont typeface="Arial" panose="020B0604020202020204" pitchFamily="34" charset="0"/>
-              <a:buChar char="•"/>
-              <a:defRPr sz="2400" kern="1200">
-                <a:solidFill>
-                  <a:schemeClr val="tx1"/>
-                </a:solidFill>
-                <a:latin typeface="+mn-lt"/>
-                <a:ea typeface="+mn-ea"/>
-                <a:cs typeface="+mn-cs"/>
-              </a:defRPr>
-            </a:lvl2pPr>
-            <a:lvl3pPr marL="1143000" indent="-228600" algn="l" defTabSz="914400" rtl="0" eaLnBrk="1" latinLnBrk="0" hangingPunct="1">
-              <a:lnSpc>
-                <a:spcPct val="90000"/>
-              </a:lnSpc>
-              <a:spcBef>
-                <a:spcPts val="500"/>
-              </a:spcBef>
-              <a:buFont typeface="Arial" panose="020B0604020202020204" pitchFamily="34" charset="0"/>
-              <a:buChar char="•"/>
-              <a:defRPr sz="2000" kern="1200">
-                <a:solidFill>
-                  <a:schemeClr val="tx1"/>
-                </a:solidFill>
-                <a:latin typeface="+mn-lt"/>
-                <a:ea typeface="+mn-ea"/>
-                <a:cs typeface="+mn-cs"/>
-              </a:defRPr>
-            </a:lvl3pPr>
-            <a:lvl4pPr marL="1600200" indent="-228600" algn="l" defTabSz="914400" rtl="0" eaLnBrk="1" latinLnBrk="0" hangingPunct="1">
-              <a:lnSpc>
-                <a:spcPct val="90000"/>
-              </a:lnSpc>
-              <a:spcBef>
-                <a:spcPts val="500"/>
-              </a:spcBef>
-              <a:buFont typeface="Arial" panose="020B0604020202020204" pitchFamily="34" charset="0"/>
-              <a:buChar char="•"/>
-              <a:defRPr sz="1800" kern="1200">
-                <a:solidFill>
-                  <a:schemeClr val="tx1"/>
-                </a:solidFill>
-                <a:latin typeface="+mn-lt"/>
-                <a:ea typeface="+mn-ea"/>
-                <a:cs typeface="+mn-cs"/>
-              </a:defRPr>
-            </a:lvl4pPr>
-            <a:lvl5pPr marL="2057400" indent="-228600" algn="l" defTabSz="914400" rtl="0" eaLnBrk="1" latinLnBrk="0" hangingPunct="1">
-              <a:lnSpc>
-                <a:spcPct val="90000"/>
-              </a:lnSpc>
-              <a:spcBef>
-                <a:spcPts val="500"/>
-              </a:spcBef>
-              <a:buFont typeface="Arial" panose="020B0604020202020204" pitchFamily="34" charset="0"/>
-              <a:buChar char="•"/>
-              <a:defRPr sz="1800" kern="1200">
-                <a:solidFill>
-                  <a:schemeClr val="tx1"/>
-                </a:solidFill>
-                <a:latin typeface="+mn-lt"/>
-                <a:ea typeface="+mn-ea"/>
-                <a:cs typeface="+mn-cs"/>
-              </a:defRPr>
-            </a:lvl5pPr>
-            <a:lvl6pPr marL="2514600" indent="-228600" algn="l" defTabSz="914400" rtl="0" eaLnBrk="1" latinLnBrk="0" hangingPunct="1">
-              <a:lnSpc>
-                <a:spcPct val="90000"/>
-              </a:lnSpc>
-              <a:spcBef>
-                <a:spcPts val="500"/>
-              </a:spcBef>
-              <a:buFont typeface="Arial" panose="020B0604020202020204" pitchFamily="34" charset="0"/>
-              <a:buChar char="•"/>
-              <a:defRPr sz="1800" kern="1200">
-                <a:solidFill>
-                  <a:schemeClr val="tx1"/>
-                </a:solidFill>
-                <a:latin typeface="+mn-lt"/>
-                <a:ea typeface="+mn-ea"/>
-                <a:cs typeface="+mn-cs"/>
-              </a:defRPr>
-            </a:lvl6pPr>
-            <a:lvl7pPr marL="2971800" indent="-228600" algn="l" defTabSz="914400" rtl="0" eaLnBrk="1" latinLnBrk="0" hangingPunct="1">
-              <a:lnSpc>
-                <a:spcPct val="90000"/>
-              </a:lnSpc>
-              <a:spcBef>
-                <a:spcPts val="500"/>
-              </a:spcBef>
-              <a:buFont typeface="Arial" panose="020B0604020202020204" pitchFamily="34" charset="0"/>
-              <a:buChar char="•"/>
-              <a:defRPr sz="1800" kern="1200">
-                <a:solidFill>
-                  <a:schemeClr val="tx1"/>
-                </a:solidFill>
-                <a:latin typeface="+mn-lt"/>
-                <a:ea typeface="+mn-ea"/>
-                <a:cs typeface="+mn-cs"/>
-              </a:defRPr>
-            </a:lvl7pPr>
-            <a:lvl8pPr marL="3429000" indent="-228600" algn="l" defTabSz="914400" rtl="0" eaLnBrk="1" latinLnBrk="0" hangingPunct="1">
-              <a:lnSpc>
-                <a:spcPct val="90000"/>
-              </a:lnSpc>
-              <a:spcBef>
-                <a:spcPts val="500"/>
-              </a:spcBef>
-              <a:buFont typeface="Arial" panose="020B0604020202020204" pitchFamily="34" charset="0"/>
-              <a:buChar char="•"/>
-              <a:defRPr sz="1800" kern="1200">
-                <a:solidFill>
-                  <a:schemeClr val="tx1"/>
-                </a:solidFill>
-                <a:latin typeface="+mn-lt"/>
-                <a:ea typeface="+mn-ea"/>
-                <a:cs typeface="+mn-cs"/>
-              </a:defRPr>
-            </a:lvl8pPr>
-            <a:lvl9pPr marL="3886200" indent="-228600" algn="l" defTabSz="914400" rtl="0" eaLnBrk="1" latinLnBrk="0" hangingPunct="1">
-              <a:lnSpc>
-                <a:spcPct val="90000"/>
-              </a:lnSpc>
-              <a:spcBef>
-                <a:spcPts val="500"/>
-              </a:spcBef>
-              <a:buFont typeface="Arial" panose="020B0604020202020204" pitchFamily="34" charset="0"/>
-              <a:buChar char="•"/>
-              <a:defRPr sz="1800" kern="1200">
-                <a:solidFill>
-                  <a:schemeClr val="tx1"/>
-                </a:solidFill>
-                <a:latin typeface="+mn-lt"/>
-                <a:ea typeface="+mn-ea"/>
-                <a:cs typeface="+mn-cs"/>
-              </a:defRPr>
-            </a:lvl9pPr>
-          </a:lstStyle>
-          <a:p>
-            <a:pPr marL="0" indent="0" algn="l">
-              <a:buFont typeface="Arial" panose="020B0604020202020204" pitchFamily="34" charset="0"/>
-              <a:buNone/>
-            </a:pPr>
-            <a:endParaRPr lang="en-US" altLang="en-IN" sz="2800" b="1">
-              <a:solidFill>
-                <a:schemeClr val="bg1"/>
-              </a:solidFill>
-            </a:endParaRPr>
-          </a:p>
-          <a:p>
-            <a:pPr marL="0" indent="0" algn="l">
-              <a:lnSpc>
-                <a:spcPct val="150000"/>
-              </a:lnSpc>
-              <a:buFont typeface="Arial" panose="020B0604020202020204" pitchFamily="34" charset="0"/>
-              <a:buNone/>
-            </a:pPr>
-            <a:r>
-              <a:rPr lang="en-IN" altLang="en-US" sz="3200">
-                <a:solidFill>
-                  <a:schemeClr val="bg1"/>
-                </a:solidFill>
-              </a:rPr>
-              <a:t>   9. Release</a:t>
-            </a:r>
-            <a:endParaRPr lang="en-IN" altLang="en-US" sz="3200">
-              <a:solidFill>
-                <a:schemeClr val="bg1"/>
-              </a:solidFill>
-            </a:endParaRPr>
-          </a:p>
-          <a:p>
-            <a:pPr marL="0" indent="0" algn="l">
-              <a:lnSpc>
-                <a:spcPct val="150000"/>
-              </a:lnSpc>
-              <a:buFont typeface="Arial" panose="020B0604020202020204" pitchFamily="34" charset="0"/>
-              <a:buNone/>
-            </a:pPr>
-            <a:r>
-              <a:rPr lang="en-IN" altLang="en-US" sz="3200">
-                <a:solidFill>
-                  <a:schemeClr val="bg1"/>
-                </a:solidFill>
-              </a:rPr>
-              <a:t>   10. Read me</a:t>
-            </a:r>
-            <a:endParaRPr lang="en-IN" altLang="en-US" sz="3200">
-              <a:solidFill>
-                <a:schemeClr val="bg1"/>
-              </a:solidFill>
-            </a:endParaRPr>
-          </a:p>
-          <a:p>
-            <a:pPr marL="0" indent="0" algn="l">
-              <a:lnSpc>
-                <a:spcPct val="150000"/>
-              </a:lnSpc>
-              <a:buFont typeface="Arial" panose="020B0604020202020204" pitchFamily="34" charset="0"/>
-              <a:buNone/>
-            </a:pPr>
-            <a:r>
-              <a:rPr lang="en-IN" altLang="en-US" sz="3200">
-                <a:solidFill>
-                  <a:schemeClr val="bg1"/>
-                </a:solidFill>
-              </a:rPr>
-              <a:t>   11. </a:t>
-            </a:r>
-            <a:r>
-              <a:rPr lang="en-US" altLang="en-IN" sz="3200">
-                <a:solidFill>
-                  <a:schemeClr val="bg1"/>
-                </a:solidFill>
-              </a:rPr>
-              <a:t>Revert</a:t>
-            </a:r>
-            <a:endParaRPr lang="en-US" altLang="en-IN" sz="3200">
-              <a:solidFill>
-                <a:schemeClr val="bg1"/>
-              </a:solidFill>
-            </a:endParaRPr>
-          </a:p>
-          <a:p>
-            <a:pPr marL="0" indent="0" algn="l">
-              <a:lnSpc>
-                <a:spcPct val="150000"/>
-              </a:lnSpc>
-              <a:buFont typeface="Arial" panose="020B0604020202020204" pitchFamily="34" charset="0"/>
-              <a:buNone/>
-            </a:pPr>
-            <a:r>
-              <a:rPr lang="en-IN" altLang="en-US" sz="3200">
-                <a:solidFill>
-                  <a:schemeClr val="bg1"/>
-                </a:solidFill>
-              </a:rPr>
-              <a:t>   12.</a:t>
-            </a:r>
-            <a:r>
-              <a:rPr lang="en-US" altLang="en-IN" sz="3200">
-                <a:solidFill>
-                  <a:schemeClr val="bg1"/>
-                </a:solidFill>
-              </a:rPr>
-              <a:t> Fork</a:t>
-            </a:r>
-            <a:endParaRPr lang="en-US" altLang="en-IN" sz="3200">
-              <a:solidFill>
-                <a:schemeClr val="bg1"/>
-              </a:solidFill>
-            </a:endParaRPr>
-          </a:p>
-          <a:p>
-            <a:pPr marL="457200" indent="-457200" algn="l">
-              <a:lnSpc>
-                <a:spcPct val="150000"/>
-              </a:lnSpc>
-              <a:buFont typeface="Arial" panose="020B0604020202020204" pitchFamily="34" charset="0"/>
-              <a:buChar char="•"/>
-            </a:pPr>
+              <a:t>       8. Release</a:t>
+            </a:r>
             <a:endParaRPr lang="en-US" altLang="en-IN" sz="2800" b="1">
               <a:solidFill>
                 <a:schemeClr val="bg1"/>
@@ -7616,7 +7228,7 @@
         <p:spPr>
           <a:xfrm>
             <a:off x="904240" y="2025650"/>
-            <a:ext cx="6751955" cy="4487545"/>
+            <a:ext cx="10544810" cy="4487545"/>
           </a:xfrm>
           <a:solidFill>
             <a:schemeClr val="bg2">
@@ -7626,7 +7238,7 @@
         </p:spPr>
         <p:txBody>
           <a:bodyPr>
-            <a:normAutofit fontScale="90000"/>
+            <a:normAutofit/>
           </a:bodyPr>
           <a:p>
             <a:pPr algn="l">
@@ -7655,16 +7267,16 @@
               <a:buChar char="•"/>
             </a:pPr>
             <a:r>
-              <a:rPr lang="en-US" altLang="en-IN" sz="2095">
+              <a:rPr lang="en-IN" altLang="en-US" sz="2095">
                 <a:solidFill>
                   <a:schemeClr val="bg1"/>
                 </a:solidFill>
                 <a:latin typeface="Calibri" panose="020F0502020204030204" charset="0"/>
                 <a:cs typeface="Calibri" panose="020F0502020204030204" charset="0"/>
               </a:rPr>
-              <a:t>A Branch is a isolate development work without affecting other branches in the repository</a:t>
-            </a:r>
-            <a:endParaRPr lang="en-US" altLang="en-IN" sz="2095">
+              <a:t>Merge is nothing but merge the created branch into master branch</a:t>
+            </a:r>
+            <a:endParaRPr lang="en-IN" altLang="en-US" sz="2095">
               <a:solidFill>
                 <a:schemeClr val="bg1"/>
               </a:solidFill>
@@ -7680,18 +7292,7 @@
               <a:buFont typeface="Arial" panose="020B0604020202020204" pitchFamily="34" charset="0"/>
               <a:buChar char="•"/>
             </a:pPr>
-            <a:r>
-              <a:rPr lang="en-US" altLang="en-IN">
-                <a:solidFill>
-                  <a:schemeClr val="bg1"/>
-                </a:solidFill>
-                <a:latin typeface="Calibri" panose="020F0502020204030204" charset="0"/>
-                <a:cs typeface="Calibri" panose="020F0502020204030204" charset="0"/>
-                <a:sym typeface="+mn-ea"/>
-              </a:rPr>
-              <a:t>We can add multiple branches to the repository</a:t>
-            </a:r>
-            <a:endParaRPr lang="en-US">
+            <a:endParaRPr lang="en-IN" altLang="en-US" sz="2095">
               <a:solidFill>
                 <a:schemeClr val="bg1"/>
               </a:solidFill>
@@ -7700,31 +7301,18 @@
             </a:endParaRPr>
           </a:p>
           <a:p>
-            <a:pPr marL="914400" lvl="1" indent="-457200" algn="l">
+            <a:pPr lvl="1" algn="l">
               <a:lnSpc>
                 <a:spcPct val="150000"/>
               </a:lnSpc>
               <a:buFont typeface="Arial" panose="020B0604020202020204" pitchFamily="34" charset="0"/>
-              <a:buChar char="•"/>
-            </a:pPr>
-            <a:r>
-              <a:rPr lang="en-US" altLang="en-IN" sz="2095">
-                <a:solidFill>
-                  <a:schemeClr val="bg1"/>
-                </a:solidFill>
-                <a:latin typeface="Calibri" panose="020F0502020204030204" charset="0"/>
-                <a:cs typeface="Calibri" panose="020F0502020204030204" charset="0"/>
-                <a:sym typeface="+mn-ea"/>
-              </a:rPr>
-              <a:t>Each repository has one default branch named Master-Main.</a:t>
-            </a:r>
-            <a:endParaRPr lang="en-US" altLang="en-IN" sz="2095">
+            </a:pPr>
+            <a:endParaRPr lang="en-IN" altLang="en-US" sz="2095">
               <a:solidFill>
                 <a:schemeClr val="bg1"/>
               </a:solidFill>
               <a:latin typeface="Calibri" panose="020F0502020204030204" charset="0"/>
               <a:cs typeface="Calibri" panose="020F0502020204030204" charset="0"/>
-              <a:sym typeface="+mn-ea"/>
             </a:endParaRPr>
           </a:p>
           <a:p>
@@ -7735,7 +7323,7 @@
               <a:buFont typeface="Arial" panose="020B0604020202020204" pitchFamily="34" charset="0"/>
             </a:pPr>
             <a:r>
-              <a:rPr lang="en-US" altLang="en-IN" sz="2800" b="1">
+              <a:rPr lang="en-IN" altLang="en-US" sz="2800" b="1">
                 <a:solidFill>
                   <a:schemeClr val="accent1"/>
                 </a:solidFill>
@@ -7750,7 +7338,25 @@
                 <a:cs typeface="Times New Roman" panose="02020603050405020304" charset="0"/>
                 <a:sym typeface="+mn-ea"/>
               </a:rPr>
-              <a:t>Example:</a:t>
+              <a:t>Pull Request</a:t>
+            </a:r>
+            <a:r>
+              <a:rPr lang="en-US" altLang="en-IN" sz="2800" b="1">
+                <a:solidFill>
+                  <a:schemeClr val="accent1"/>
+                </a:solidFill>
+                <a:effectLst>
+                  <a:outerShdw blurRad="38100" dist="25400" dir="5400000" algn="ctr" rotWithShape="0">
+                    <a:srgbClr val="6E747A">
+                      <a:alpha val="43000"/>
+                    </a:srgbClr>
+                  </a:outerShdw>
+                </a:effectLst>
+                <a:latin typeface="Times New Roman" panose="02020603050405020304" charset="0"/>
+                <a:cs typeface="Times New Roman" panose="02020603050405020304" charset="0"/>
+                <a:sym typeface="+mn-ea"/>
+              </a:rPr>
+              <a:t>:</a:t>
             </a:r>
             <a:endParaRPr lang="en-US" altLang="en-IN" sz="2800" b="1">
               <a:solidFill>
@@ -7769,7 +7375,7 @@
               <a:buFont typeface="Arial" panose="020B0604020202020204" pitchFamily="34" charset="0"/>
             </a:pPr>
             <a:r>
-              <a:rPr lang="en-US" altLang="en-IN" sz="2095">
+              <a:rPr lang="en-IN" altLang="en-US" sz="2400" b="1">
                 <a:solidFill>
                   <a:schemeClr val="bg1"/>
                 </a:solidFill>
@@ -7777,25 +7383,9 @@
                 <a:cs typeface="Calibri" panose="020F0502020204030204" charset="0"/>
                 <a:sym typeface="+mn-ea"/>
               </a:rPr>
-              <a:t>Adding new features without  affecting the production code.</a:t>
-            </a:r>
-            <a:endParaRPr lang="en-US" altLang="en-IN" sz="2095">
-              <a:solidFill>
-                <a:schemeClr val="bg1"/>
-              </a:solidFill>
-              <a:latin typeface="Calibri" panose="020F0502020204030204" charset="0"/>
-              <a:cs typeface="Calibri" panose="020F0502020204030204" charset="0"/>
-              <a:sym typeface="+mn-ea"/>
-            </a:endParaRPr>
-          </a:p>
-          <a:p>
-            <a:pPr lvl="1" algn="l">
-              <a:lnSpc>
-                <a:spcPct val="150000"/>
-              </a:lnSpc>
-              <a:buFont typeface="Arial" panose="020B0604020202020204" pitchFamily="34" charset="0"/>
-            </a:pPr>
-            <a:endParaRPr lang="en-US" altLang="en-IN" sz="2400" b="1">
+              <a:t>It is a request to merge the new branch to the master branch</a:t>
+            </a:r>
+            <a:endParaRPr lang="en-IN" altLang="en-US" sz="2400" b="1">
               <a:solidFill>
                 <a:schemeClr val="bg1"/>
               </a:solidFill>
@@ -8047,6 +7637,17 @@
               <a:t>    </a:t>
             </a:r>
             <a:r>
+              <a:rPr lang="en-IN" altLang="en-US" sz="2095">
+                <a:solidFill>
+                  <a:schemeClr val="bg1"/>
+                </a:solidFill>
+                <a:latin typeface="Times New Roman" panose="02020603050405020304" charset="0"/>
+                <a:cs typeface="Times New Roman" panose="02020603050405020304" charset="0"/>
+                <a:sym typeface="+mn-ea"/>
+              </a:rPr>
+              <a:t>		</a:t>
+            </a:r>
+            <a:r>
               <a:rPr lang="en-US" altLang="en-IN" sz="3600" b="1">
                 <a:solidFill>
                   <a:schemeClr val="accent1"/>
@@ -8062,7 +7663,7 @@
                 <a:cs typeface="Times New Roman" panose="02020603050405020304" charset="0"/>
                 <a:sym typeface="+mn-ea"/>
               </a:rPr>
-              <a:t>Merge - Pull Request - Conflict</a:t>
+              <a:t>Merge - Pull Request </a:t>
             </a:r>
             <a:endParaRPr lang="en-US" altLang="en-IN" sz="3600" b="1">
               <a:solidFill>
@@ -8077,364 +7678,6 @@
               </a:effectLst>
               <a:latin typeface="Times New Roman" panose="02020603050405020304" charset="0"/>
               <a:cs typeface="Times New Roman" panose="02020603050405020304" charset="0"/>
-              <a:sym typeface="+mn-ea"/>
-            </a:endParaRPr>
-          </a:p>
-        </p:txBody>
-      </p:sp>
-      <p:sp>
-        <p:nvSpPr>
-          <p:cNvPr id="2" name="Subtitle 6"/>
-          <p:cNvSpPr>
-            <a:spLocks noGrp="1"/>
-          </p:cNvSpPr>
-          <p:nvPr/>
-        </p:nvSpPr>
-        <p:spPr>
-          <a:xfrm>
-            <a:off x="7791450" y="2025650"/>
-            <a:ext cx="3658235" cy="4487545"/>
-          </a:xfrm>
-          <a:prstGeom prst="rect">
-            <a:avLst/>
-          </a:prstGeom>
-          <a:solidFill>
-            <a:schemeClr val="bg2">
-              <a:lumMod val="25000"/>
-            </a:schemeClr>
-          </a:solidFill>
-        </p:spPr>
-        <p:txBody>
-          <a:bodyPr vert="horz" lIns="91440" tIns="45720" rIns="91440" bIns="45720" rtlCol="0">
-            <a:normAutofit/>
-          </a:bodyPr>
-          <a:lstStyle>
-            <a:lvl1pPr marL="0" indent="0" algn="ctr" defTabSz="914400" rtl="0" eaLnBrk="1" latinLnBrk="0" hangingPunct="1">
-              <a:lnSpc>
-                <a:spcPct val="90000"/>
-              </a:lnSpc>
-              <a:spcBef>
-                <a:spcPts val="1000"/>
-              </a:spcBef>
-              <a:buFont typeface="Arial" panose="020B0604020202020204" pitchFamily="34" charset="0"/>
-              <a:buNone/>
-              <a:defRPr sz="2400" kern="1200">
-                <a:solidFill>
-                  <a:schemeClr val="tx1"/>
-                </a:solidFill>
-                <a:latin typeface="+mn-lt"/>
-                <a:ea typeface="+mn-ea"/>
-                <a:cs typeface="+mn-cs"/>
-              </a:defRPr>
-            </a:lvl1pPr>
-            <a:lvl2pPr marL="457200" indent="0" algn="ctr" defTabSz="914400" rtl="0" eaLnBrk="1" latinLnBrk="0" hangingPunct="1">
-              <a:lnSpc>
-                <a:spcPct val="90000"/>
-              </a:lnSpc>
-              <a:spcBef>
-                <a:spcPts val="500"/>
-              </a:spcBef>
-              <a:buFont typeface="Arial" panose="020B0604020202020204" pitchFamily="34" charset="0"/>
-              <a:buNone/>
-              <a:defRPr sz="2000" kern="1200">
-                <a:solidFill>
-                  <a:schemeClr val="tx1"/>
-                </a:solidFill>
-                <a:latin typeface="+mn-lt"/>
-                <a:ea typeface="+mn-ea"/>
-                <a:cs typeface="+mn-cs"/>
-              </a:defRPr>
-            </a:lvl2pPr>
-            <a:lvl3pPr marL="914400" indent="0" algn="ctr" defTabSz="914400" rtl="0" eaLnBrk="1" latinLnBrk="0" hangingPunct="1">
-              <a:lnSpc>
-                <a:spcPct val="90000"/>
-              </a:lnSpc>
-              <a:spcBef>
-                <a:spcPts val="500"/>
-              </a:spcBef>
-              <a:buFont typeface="Arial" panose="020B0604020202020204" pitchFamily="34" charset="0"/>
-              <a:buNone/>
-              <a:defRPr sz="1800" kern="1200">
-                <a:solidFill>
-                  <a:schemeClr val="tx1"/>
-                </a:solidFill>
-                <a:latin typeface="+mn-lt"/>
-                <a:ea typeface="+mn-ea"/>
-                <a:cs typeface="+mn-cs"/>
-              </a:defRPr>
-            </a:lvl3pPr>
-            <a:lvl4pPr marL="1371600" indent="0" algn="ctr" defTabSz="914400" rtl="0" eaLnBrk="1" latinLnBrk="0" hangingPunct="1">
-              <a:lnSpc>
-                <a:spcPct val="90000"/>
-              </a:lnSpc>
-              <a:spcBef>
-                <a:spcPts val="500"/>
-              </a:spcBef>
-              <a:buFont typeface="Arial" panose="020B0604020202020204" pitchFamily="34" charset="0"/>
-              <a:buNone/>
-              <a:defRPr sz="1600" kern="1200">
-                <a:solidFill>
-                  <a:schemeClr val="tx1"/>
-                </a:solidFill>
-                <a:latin typeface="+mn-lt"/>
-                <a:ea typeface="+mn-ea"/>
-                <a:cs typeface="+mn-cs"/>
-              </a:defRPr>
-            </a:lvl4pPr>
-            <a:lvl5pPr marL="1828800" indent="0" algn="ctr" defTabSz="914400" rtl="0" eaLnBrk="1" latinLnBrk="0" hangingPunct="1">
-              <a:lnSpc>
-                <a:spcPct val="90000"/>
-              </a:lnSpc>
-              <a:spcBef>
-                <a:spcPts val="500"/>
-              </a:spcBef>
-              <a:buFont typeface="Arial" panose="020B0604020202020204" pitchFamily="34" charset="0"/>
-              <a:buNone/>
-              <a:defRPr sz="1600" kern="1200">
-                <a:solidFill>
-                  <a:schemeClr val="tx1"/>
-                </a:solidFill>
-                <a:latin typeface="+mn-lt"/>
-                <a:ea typeface="+mn-ea"/>
-                <a:cs typeface="+mn-cs"/>
-              </a:defRPr>
-            </a:lvl5pPr>
-            <a:lvl6pPr marL="2286000" indent="0" algn="ctr" defTabSz="914400" rtl="0" eaLnBrk="1" latinLnBrk="0" hangingPunct="1">
-              <a:lnSpc>
-                <a:spcPct val="90000"/>
-              </a:lnSpc>
-              <a:spcBef>
-                <a:spcPts val="500"/>
-              </a:spcBef>
-              <a:buFont typeface="Arial" panose="020B0604020202020204" pitchFamily="34" charset="0"/>
-              <a:buNone/>
-              <a:defRPr sz="1600" kern="1200">
-                <a:solidFill>
-                  <a:schemeClr val="tx1"/>
-                </a:solidFill>
-                <a:latin typeface="+mn-lt"/>
-                <a:ea typeface="+mn-ea"/>
-                <a:cs typeface="+mn-cs"/>
-              </a:defRPr>
-            </a:lvl6pPr>
-            <a:lvl7pPr marL="2743200" indent="0" algn="ctr" defTabSz="914400" rtl="0" eaLnBrk="1" latinLnBrk="0" hangingPunct="1">
-              <a:lnSpc>
-                <a:spcPct val="90000"/>
-              </a:lnSpc>
-              <a:spcBef>
-                <a:spcPts val="500"/>
-              </a:spcBef>
-              <a:buFont typeface="Arial" panose="020B0604020202020204" pitchFamily="34" charset="0"/>
-              <a:buNone/>
-              <a:defRPr sz="1600" kern="1200">
-                <a:solidFill>
-                  <a:schemeClr val="tx1"/>
-                </a:solidFill>
-                <a:latin typeface="+mn-lt"/>
-                <a:ea typeface="+mn-ea"/>
-                <a:cs typeface="+mn-cs"/>
-              </a:defRPr>
-            </a:lvl7pPr>
-            <a:lvl8pPr marL="3200400" indent="0" algn="ctr" defTabSz="914400" rtl="0" eaLnBrk="1" latinLnBrk="0" hangingPunct="1">
-              <a:lnSpc>
-                <a:spcPct val="90000"/>
-              </a:lnSpc>
-              <a:spcBef>
-                <a:spcPts val="500"/>
-              </a:spcBef>
-              <a:buFont typeface="Arial" panose="020B0604020202020204" pitchFamily="34" charset="0"/>
-              <a:buNone/>
-              <a:defRPr sz="1600" kern="1200">
-                <a:solidFill>
-                  <a:schemeClr val="tx1"/>
-                </a:solidFill>
-                <a:latin typeface="+mn-lt"/>
-                <a:ea typeface="+mn-ea"/>
-                <a:cs typeface="+mn-cs"/>
-              </a:defRPr>
-            </a:lvl8pPr>
-            <a:lvl9pPr marL="3657600" indent="0" algn="ctr" defTabSz="914400" rtl="0" eaLnBrk="1" latinLnBrk="0" hangingPunct="1">
-              <a:lnSpc>
-                <a:spcPct val="90000"/>
-              </a:lnSpc>
-              <a:spcBef>
-                <a:spcPts val="500"/>
-              </a:spcBef>
-              <a:buFont typeface="Arial" panose="020B0604020202020204" pitchFamily="34" charset="0"/>
-              <a:buNone/>
-              <a:defRPr sz="1600" kern="1200">
-                <a:solidFill>
-                  <a:schemeClr val="tx1"/>
-                </a:solidFill>
-                <a:latin typeface="+mn-lt"/>
-                <a:ea typeface="+mn-ea"/>
-                <a:cs typeface="+mn-cs"/>
-              </a:defRPr>
-            </a:lvl9pPr>
-          </a:lstStyle>
-          <a:p>
-            <a:pPr algn="l">
-              <a:buFont typeface="Arial" panose="020B0604020202020204" pitchFamily="34" charset="0"/>
-            </a:pPr>
-            <a:r>
-              <a:rPr lang="en-IN" altLang="en-US" b="1">
-                <a:solidFill>
-                  <a:schemeClr val="bg1"/>
-                </a:solidFill>
-              </a:rPr>
-              <a:t>		</a:t>
-            </a:r>
-            <a:endParaRPr lang="en-IN" altLang="en-US" sz="2800" b="1">
-              <a:solidFill>
-                <a:schemeClr val="bg1"/>
-              </a:solidFill>
-            </a:endParaRPr>
-          </a:p>
-          <a:p>
-            <a:pPr marL="0" lvl="1" algn="l">
-              <a:lnSpc>
-                <a:spcPct val="150000"/>
-              </a:lnSpc>
-              <a:buFont typeface="Arial" panose="020B0604020202020204" pitchFamily="34" charset="0"/>
-            </a:pPr>
-            <a:r>
-              <a:rPr lang="en-US" altLang="en-IN" sz="2095" b="1">
-                <a:solidFill>
-                  <a:schemeClr val="accent1"/>
-                </a:solidFill>
-                <a:effectLst>
-                  <a:outerShdw blurRad="38100" dist="25400" dir="5400000" algn="ctr" rotWithShape="0">
-                    <a:srgbClr val="6E747A">
-                      <a:alpha val="43000"/>
-                    </a:srgbClr>
-                  </a:outerShdw>
-                </a:effectLst>
-                <a:latin typeface="Times New Roman" panose="02020603050405020304" charset="0"/>
-                <a:cs typeface="Times New Roman" panose="02020603050405020304" charset="0"/>
-                <a:sym typeface="+mn-ea"/>
-              </a:rPr>
-              <a:t>Uses:</a:t>
-            </a:r>
-            <a:endParaRPr lang="en-US" altLang="en-IN" sz="2095" b="1">
-              <a:solidFill>
-                <a:schemeClr val="accent1"/>
-              </a:solidFill>
-              <a:effectLst>
-                <a:outerShdw blurRad="38100" dist="25400" dir="5400000" algn="ctr" rotWithShape="0">
-                  <a:srgbClr val="6E747A">
-                    <a:alpha val="43000"/>
-                  </a:srgbClr>
-                </a:outerShdw>
-              </a:effectLst>
-              <a:latin typeface="Times New Roman" panose="02020603050405020304" charset="0"/>
-              <a:cs typeface="Times New Roman" panose="02020603050405020304" charset="0"/>
-              <a:sym typeface="+mn-ea"/>
-            </a:endParaRPr>
-          </a:p>
-          <a:p>
-            <a:pPr marL="914400" lvl="4" indent="-342900" algn="l">
-              <a:lnSpc>
-                <a:spcPct val="150000"/>
-              </a:lnSpc>
-              <a:buFont typeface="Arial" panose="020B0604020202020204" pitchFamily="34" charset="0"/>
-              <a:buChar char="•"/>
-            </a:pPr>
-            <a:r>
-              <a:rPr lang="en-US" altLang="en-IN" sz="2000">
-                <a:solidFill>
-                  <a:schemeClr val="bg1"/>
-                </a:solidFill>
-                <a:latin typeface="Calibri" panose="020F0502020204030204" charset="0"/>
-                <a:cs typeface="Calibri" panose="020F0502020204030204" charset="0"/>
-                <a:sym typeface="+mn-ea"/>
-              </a:rPr>
-              <a:t>New Features</a:t>
-            </a:r>
-            <a:endParaRPr lang="en-US" altLang="en-IN" sz="2000">
-              <a:solidFill>
-                <a:schemeClr val="bg1"/>
-              </a:solidFill>
-              <a:latin typeface="Calibri" panose="020F0502020204030204" charset="0"/>
-              <a:cs typeface="Calibri" panose="020F0502020204030204" charset="0"/>
-              <a:sym typeface="+mn-ea"/>
-            </a:endParaRPr>
-          </a:p>
-          <a:p>
-            <a:pPr marL="914400" lvl="4" indent="-342900" algn="l">
-              <a:lnSpc>
-                <a:spcPct val="150000"/>
-              </a:lnSpc>
-              <a:buFont typeface="Arial" panose="020B0604020202020204" pitchFamily="34" charset="0"/>
-              <a:buChar char="•"/>
-            </a:pPr>
-            <a:r>
-              <a:rPr lang="en-US" altLang="en-IN" sz="2000">
-                <a:solidFill>
-                  <a:schemeClr val="bg1"/>
-                </a:solidFill>
-                <a:latin typeface="Calibri" panose="020F0502020204030204" charset="0"/>
-                <a:cs typeface="Calibri" panose="020F0502020204030204" charset="0"/>
-                <a:sym typeface="+mn-ea"/>
-              </a:rPr>
-              <a:t>Bug fixes</a:t>
-            </a:r>
-            <a:endParaRPr lang="en-US" altLang="en-IN" sz="2000">
-              <a:solidFill>
-                <a:schemeClr val="bg1"/>
-              </a:solidFill>
-              <a:latin typeface="Calibri" panose="020F0502020204030204" charset="0"/>
-              <a:cs typeface="Calibri" panose="020F0502020204030204" charset="0"/>
-              <a:sym typeface="+mn-ea"/>
-            </a:endParaRPr>
-          </a:p>
-          <a:p>
-            <a:pPr marL="914400" lvl="4" indent="-342900" algn="l">
-              <a:lnSpc>
-                <a:spcPct val="150000"/>
-              </a:lnSpc>
-              <a:buFont typeface="Arial" panose="020B0604020202020204" pitchFamily="34" charset="0"/>
-              <a:buChar char="•"/>
-            </a:pPr>
-            <a:r>
-              <a:rPr lang="en-US" altLang="en-IN" sz="2000">
-                <a:solidFill>
-                  <a:schemeClr val="bg1"/>
-                </a:solidFill>
-                <a:latin typeface="Calibri" panose="020F0502020204030204" charset="0"/>
-                <a:cs typeface="Calibri" panose="020F0502020204030204" charset="0"/>
-                <a:sym typeface="+mn-ea"/>
-              </a:rPr>
-              <a:t>Safely experiment with new ideas </a:t>
-            </a:r>
-            <a:endParaRPr lang="en-US" altLang="en-IN" sz="2000" b="1">
-              <a:solidFill>
-                <a:schemeClr val="accent1"/>
-              </a:solidFill>
-              <a:effectLst>
-                <a:outerShdw blurRad="38100" dist="25400" dir="5400000" algn="ctr" rotWithShape="0">
-                  <a:srgbClr val="6E747A">
-                    <a:alpha val="43000"/>
-                  </a:srgbClr>
-                </a:outerShdw>
-              </a:effectLst>
-              <a:latin typeface="Times New Roman" panose="02020603050405020304" charset="0"/>
-              <a:cs typeface="Times New Roman" panose="02020603050405020304" charset="0"/>
-              <a:sym typeface="+mn-ea"/>
-            </a:endParaRPr>
-          </a:p>
-          <a:p>
-            <a:pPr lvl="1" algn="l">
-              <a:lnSpc>
-                <a:spcPct val="150000"/>
-              </a:lnSpc>
-              <a:buFont typeface="Arial" panose="020B0604020202020204" pitchFamily="34" charset="0"/>
-            </a:pPr>
-            <a:endParaRPr lang="en-US" altLang="en-IN" sz="2000" b="1">
-              <a:solidFill>
-                <a:schemeClr val="bg1"/>
-              </a:solidFill>
-              <a:latin typeface="Calibri" panose="020F0502020204030204" charset="0"/>
-              <a:cs typeface="Calibri" panose="020F0502020204030204" charset="0"/>
               <a:sym typeface="+mn-ea"/>
             </a:endParaRPr>
           </a:p>
@@ -8906,6 +8149,1367 @@
           </a:p>
         </p:txBody>
       </p:sp>
+    </p:spTree>
+  </p:cSld>
+  <p:clrMapOvr>
+    <a:masterClrMapping/>
+  </p:clrMapOvr>
+</p:sld>
+</file>
+
+<file path=ppt/slides/slide17.xml><?xml version="1.0" encoding="utf-8"?>
+<p:sld xmlns:a="http://schemas.openxmlformats.org/drawingml/2006/main" xmlns:r="http://schemas.openxmlformats.org/officeDocument/2006/relationships" xmlns:p="http://schemas.openxmlformats.org/presentationml/2006/main">
+  <p:cSld>
+    <p:spTree>
+      <p:nvGrpSpPr>
+        <p:cNvPr id="1" name=""/>
+        <p:cNvGrpSpPr/>
+        <p:nvPr/>
+      </p:nvGrpSpPr>
+      <p:grpSpPr/>
+      <p:sp>
+        <p:nvSpPr>
+          <p:cNvPr id="6" name="Title 5"/>
+          <p:cNvSpPr>
+            <a:spLocks noGrp="1"/>
+          </p:cNvSpPr>
+          <p:nvPr>
+            <p:ph type="ctrTitle"/>
+          </p:nvPr>
+        </p:nvSpPr>
+        <p:spPr/>
+        <p:txBody>
+          <a:bodyPr/>
+          <a:p>
+            <a:endParaRPr lang="en-US"/>
+          </a:p>
+        </p:txBody>
+      </p:sp>
+      <p:sp>
+        <p:nvSpPr>
+          <p:cNvPr id="7" name="Subtitle 6"/>
+          <p:cNvSpPr>
+            <a:spLocks noGrp="1"/>
+          </p:cNvSpPr>
+          <p:nvPr>
+            <p:ph type="subTitle" idx="1"/>
+          </p:nvPr>
+        </p:nvSpPr>
+        <p:spPr>
+          <a:xfrm>
+            <a:off x="904240" y="2855595"/>
+            <a:ext cx="5123815" cy="3657600"/>
+          </a:xfrm>
+          <a:solidFill>
+            <a:schemeClr val="bg2">
+              <a:lumMod val="25000"/>
+            </a:schemeClr>
+          </a:solidFill>
+        </p:spPr>
+        <p:txBody>
+          <a:bodyPr>
+            <a:normAutofit lnSpcReduction="20000"/>
+          </a:bodyPr>
+          <a:p>
+            <a:pPr algn="l">
+              <a:buFont typeface="Arial" panose="020B0604020202020204" pitchFamily="34" charset="0"/>
+            </a:pPr>
+            <a:endParaRPr lang="en-IN" altLang="en-US" sz="2095">
+              <a:solidFill>
+                <a:schemeClr val="bg1"/>
+              </a:solidFill>
+              <a:latin typeface="Calibri" panose="020F0502020204030204" charset="0"/>
+              <a:cs typeface="Calibri" panose="020F0502020204030204" charset="0"/>
+              <a:sym typeface="+mn-ea"/>
+            </a:endParaRPr>
+          </a:p>
+          <a:p>
+            <a:pPr marL="342900" indent="-342900" algn="l">
+              <a:buFont typeface="Arial" panose="020B0604020202020204" pitchFamily="34" charset="0"/>
+              <a:buChar char="•"/>
+            </a:pPr>
+            <a:r>
+              <a:rPr lang="en-IN" altLang="en-US" sz="2800">
+                <a:solidFill>
+                  <a:schemeClr val="bg1"/>
+                </a:solidFill>
+                <a:latin typeface="Calibri" panose="020F0502020204030204" charset="0"/>
+                <a:cs typeface="Calibri" panose="020F0502020204030204" charset="0"/>
+                <a:sym typeface="+mn-ea"/>
+              </a:rPr>
+              <a:t>Not a dedicated tool to view the changes</a:t>
+            </a:r>
+            <a:endParaRPr lang="en-IN" altLang="en-US" sz="2800">
+              <a:solidFill>
+                <a:schemeClr val="bg1"/>
+              </a:solidFill>
+              <a:latin typeface="Calibri" panose="020F0502020204030204" charset="0"/>
+              <a:cs typeface="Calibri" panose="020F0502020204030204" charset="0"/>
+              <a:sym typeface="+mn-ea"/>
+            </a:endParaRPr>
+          </a:p>
+          <a:p>
+            <a:pPr marL="342900" indent="-342900" algn="l">
+              <a:buFont typeface="Arial" panose="020B0604020202020204" pitchFamily="34" charset="0"/>
+              <a:buChar char="•"/>
+            </a:pPr>
+            <a:endParaRPr lang="en-IN" altLang="en-US" sz="2800">
+              <a:solidFill>
+                <a:schemeClr val="bg1"/>
+              </a:solidFill>
+              <a:latin typeface="Calibri" panose="020F0502020204030204" charset="0"/>
+              <a:cs typeface="Calibri" panose="020F0502020204030204" charset="0"/>
+              <a:sym typeface="+mn-ea"/>
+            </a:endParaRPr>
+          </a:p>
+          <a:p>
+            <a:pPr marL="342900" indent="-342900" algn="l">
+              <a:buFont typeface="Arial" panose="020B0604020202020204" pitchFamily="34" charset="0"/>
+              <a:buChar char="•"/>
+            </a:pPr>
+            <a:r>
+              <a:rPr lang="en-IN" altLang="en-US" sz="2800">
+                <a:solidFill>
+                  <a:schemeClr val="bg1"/>
+                </a:solidFill>
+                <a:latin typeface="Calibri" panose="020F0502020204030204" charset="0"/>
+                <a:cs typeface="Calibri" panose="020F0502020204030204" charset="0"/>
+                <a:sym typeface="+mn-ea"/>
+              </a:rPr>
+              <a:t>Not a User friendly GUI</a:t>
+            </a:r>
+            <a:endParaRPr lang="en-IN" altLang="en-US" sz="2800">
+              <a:solidFill>
+                <a:schemeClr val="bg1"/>
+              </a:solidFill>
+              <a:latin typeface="Calibri" panose="020F0502020204030204" charset="0"/>
+              <a:cs typeface="Calibri" panose="020F0502020204030204" charset="0"/>
+              <a:sym typeface="+mn-ea"/>
+            </a:endParaRPr>
+          </a:p>
+          <a:p>
+            <a:pPr marL="342900" indent="-342900" algn="l">
+              <a:buFont typeface="Arial" panose="020B0604020202020204" pitchFamily="34" charset="0"/>
+              <a:buChar char="•"/>
+            </a:pPr>
+            <a:r>
+              <a:rPr lang="en-IN" altLang="en-US" sz="2800">
+                <a:solidFill>
+                  <a:schemeClr val="bg1"/>
+                </a:solidFill>
+                <a:latin typeface="Calibri" panose="020F0502020204030204" charset="0"/>
+                <a:cs typeface="Calibri" panose="020F0502020204030204" charset="0"/>
+                <a:sym typeface="+mn-ea"/>
+              </a:rPr>
+              <a:t>Unable to view the changes before commit</a:t>
+            </a:r>
+            <a:endParaRPr lang="en-IN" altLang="en-US" sz="2800">
+              <a:solidFill>
+                <a:schemeClr val="bg1"/>
+              </a:solidFill>
+              <a:latin typeface="Calibri" panose="020F0502020204030204" charset="0"/>
+              <a:cs typeface="Calibri" panose="020F0502020204030204" charset="0"/>
+              <a:sym typeface="+mn-ea"/>
+            </a:endParaRPr>
+          </a:p>
+          <a:p>
+            <a:pPr marL="342900" indent="-342900" algn="l">
+              <a:buFont typeface="Arial" panose="020B0604020202020204" pitchFamily="34" charset="0"/>
+              <a:buChar char="•"/>
+            </a:pPr>
+            <a:r>
+              <a:rPr lang="en-IN" altLang="en-US" sz="2800">
+                <a:solidFill>
+                  <a:schemeClr val="bg1"/>
+                </a:solidFill>
+                <a:latin typeface="Calibri" panose="020F0502020204030204" charset="0"/>
+                <a:cs typeface="Calibri" panose="020F0502020204030204" charset="0"/>
+                <a:sym typeface="+mn-ea"/>
+              </a:rPr>
+              <a:t>Don’t have Mobile app</a:t>
+            </a:r>
+            <a:endParaRPr lang="en-IN" altLang="en-US" sz="2800">
+              <a:solidFill>
+                <a:schemeClr val="bg1"/>
+              </a:solidFill>
+              <a:latin typeface="Calibri" panose="020F0502020204030204" charset="0"/>
+              <a:cs typeface="Calibri" panose="020F0502020204030204" charset="0"/>
+              <a:sym typeface="+mn-ea"/>
+            </a:endParaRPr>
+          </a:p>
+          <a:p>
+            <a:pPr marL="342900" indent="-342900" algn="l">
+              <a:buFont typeface="Arial" panose="020B0604020202020204" pitchFamily="34" charset="0"/>
+              <a:buChar char="•"/>
+            </a:pPr>
+            <a:endParaRPr lang="en-IN" altLang="en-US" sz="2800">
+              <a:solidFill>
+                <a:schemeClr val="bg1"/>
+              </a:solidFill>
+              <a:latin typeface="Calibri" panose="020F0502020204030204" charset="0"/>
+              <a:cs typeface="Calibri" panose="020F0502020204030204" charset="0"/>
+              <a:sym typeface="+mn-ea"/>
+            </a:endParaRPr>
+          </a:p>
+        </p:txBody>
+      </p:sp>
+      <p:sp>
+        <p:nvSpPr>
+          <p:cNvPr id="3" name="Subtitle 6"/>
+          <p:cNvSpPr>
+            <a:spLocks noGrp="1"/>
+          </p:cNvSpPr>
+          <p:nvPr/>
+        </p:nvSpPr>
+        <p:spPr>
+          <a:xfrm>
+            <a:off x="904240" y="855345"/>
+            <a:ext cx="10545445" cy="1082675"/>
+          </a:xfrm>
+          <a:prstGeom prst="rect">
+            <a:avLst/>
+          </a:prstGeom>
+          <a:solidFill>
+            <a:schemeClr val="bg2">
+              <a:lumMod val="25000"/>
+            </a:schemeClr>
+          </a:solidFill>
+        </p:spPr>
+        <p:txBody>
+          <a:bodyPr vert="horz" lIns="91440" tIns="45720" rIns="91440" bIns="45720" rtlCol="0">
+            <a:normAutofit/>
+          </a:bodyPr>
+          <a:lstStyle>
+            <a:lvl1pPr marL="0" indent="0" algn="ctr" defTabSz="914400" rtl="0" eaLnBrk="1" latinLnBrk="0" hangingPunct="1">
+              <a:lnSpc>
+                <a:spcPct val="90000"/>
+              </a:lnSpc>
+              <a:spcBef>
+                <a:spcPts val="1000"/>
+              </a:spcBef>
+              <a:buFont typeface="Arial" panose="020B0604020202020204" pitchFamily="34" charset="0"/>
+              <a:buNone/>
+              <a:defRPr sz="2400" kern="1200">
+                <a:solidFill>
+                  <a:schemeClr val="tx1"/>
+                </a:solidFill>
+                <a:latin typeface="+mn-lt"/>
+                <a:ea typeface="+mn-ea"/>
+                <a:cs typeface="+mn-cs"/>
+              </a:defRPr>
+            </a:lvl1pPr>
+            <a:lvl2pPr marL="457200" indent="0" algn="ctr" defTabSz="914400" rtl="0" eaLnBrk="1" latinLnBrk="0" hangingPunct="1">
+              <a:lnSpc>
+                <a:spcPct val="90000"/>
+              </a:lnSpc>
+              <a:spcBef>
+                <a:spcPts val="500"/>
+              </a:spcBef>
+              <a:buFont typeface="Arial" panose="020B0604020202020204" pitchFamily="34" charset="0"/>
+              <a:buNone/>
+              <a:defRPr sz="2000" kern="1200">
+                <a:solidFill>
+                  <a:schemeClr val="tx1"/>
+                </a:solidFill>
+                <a:latin typeface="+mn-lt"/>
+                <a:ea typeface="+mn-ea"/>
+                <a:cs typeface="+mn-cs"/>
+              </a:defRPr>
+            </a:lvl2pPr>
+            <a:lvl3pPr marL="914400" indent="0" algn="ctr" defTabSz="914400" rtl="0" eaLnBrk="1" latinLnBrk="0" hangingPunct="1">
+              <a:lnSpc>
+                <a:spcPct val="90000"/>
+              </a:lnSpc>
+              <a:spcBef>
+                <a:spcPts val="500"/>
+              </a:spcBef>
+              <a:buFont typeface="Arial" panose="020B0604020202020204" pitchFamily="34" charset="0"/>
+              <a:buNone/>
+              <a:defRPr sz="1800" kern="1200">
+                <a:solidFill>
+                  <a:schemeClr val="tx1"/>
+                </a:solidFill>
+                <a:latin typeface="+mn-lt"/>
+                <a:ea typeface="+mn-ea"/>
+                <a:cs typeface="+mn-cs"/>
+              </a:defRPr>
+            </a:lvl3pPr>
+            <a:lvl4pPr marL="1371600" indent="0" algn="ctr" defTabSz="914400" rtl="0" eaLnBrk="1" latinLnBrk="0" hangingPunct="1">
+              <a:lnSpc>
+                <a:spcPct val="90000"/>
+              </a:lnSpc>
+              <a:spcBef>
+                <a:spcPts val="500"/>
+              </a:spcBef>
+              <a:buFont typeface="Arial" panose="020B0604020202020204" pitchFamily="34" charset="0"/>
+              <a:buNone/>
+              <a:defRPr sz="1600" kern="1200">
+                <a:solidFill>
+                  <a:schemeClr val="tx1"/>
+                </a:solidFill>
+                <a:latin typeface="+mn-lt"/>
+                <a:ea typeface="+mn-ea"/>
+                <a:cs typeface="+mn-cs"/>
+              </a:defRPr>
+            </a:lvl4pPr>
+            <a:lvl5pPr marL="1828800" indent="0" algn="ctr" defTabSz="914400" rtl="0" eaLnBrk="1" latinLnBrk="0" hangingPunct="1">
+              <a:lnSpc>
+                <a:spcPct val="90000"/>
+              </a:lnSpc>
+              <a:spcBef>
+                <a:spcPts val="500"/>
+              </a:spcBef>
+              <a:buFont typeface="Arial" panose="020B0604020202020204" pitchFamily="34" charset="0"/>
+              <a:buNone/>
+              <a:defRPr sz="1600" kern="1200">
+                <a:solidFill>
+                  <a:schemeClr val="tx1"/>
+                </a:solidFill>
+                <a:latin typeface="+mn-lt"/>
+                <a:ea typeface="+mn-ea"/>
+                <a:cs typeface="+mn-cs"/>
+              </a:defRPr>
+            </a:lvl5pPr>
+            <a:lvl6pPr marL="2286000" indent="0" algn="ctr" defTabSz="914400" rtl="0" eaLnBrk="1" latinLnBrk="0" hangingPunct="1">
+              <a:lnSpc>
+                <a:spcPct val="90000"/>
+              </a:lnSpc>
+              <a:spcBef>
+                <a:spcPts val="500"/>
+              </a:spcBef>
+              <a:buFont typeface="Arial" panose="020B0604020202020204" pitchFamily="34" charset="0"/>
+              <a:buNone/>
+              <a:defRPr sz="1600" kern="1200">
+                <a:solidFill>
+                  <a:schemeClr val="tx1"/>
+                </a:solidFill>
+                <a:latin typeface="+mn-lt"/>
+                <a:ea typeface="+mn-ea"/>
+                <a:cs typeface="+mn-cs"/>
+              </a:defRPr>
+            </a:lvl6pPr>
+            <a:lvl7pPr marL="2743200" indent="0" algn="ctr" defTabSz="914400" rtl="0" eaLnBrk="1" latinLnBrk="0" hangingPunct="1">
+              <a:lnSpc>
+                <a:spcPct val="90000"/>
+              </a:lnSpc>
+              <a:spcBef>
+                <a:spcPts val="500"/>
+              </a:spcBef>
+              <a:buFont typeface="Arial" panose="020B0604020202020204" pitchFamily="34" charset="0"/>
+              <a:buNone/>
+              <a:defRPr sz="1600" kern="1200">
+                <a:solidFill>
+                  <a:schemeClr val="tx1"/>
+                </a:solidFill>
+                <a:latin typeface="+mn-lt"/>
+                <a:ea typeface="+mn-ea"/>
+                <a:cs typeface="+mn-cs"/>
+              </a:defRPr>
+            </a:lvl7pPr>
+            <a:lvl8pPr marL="3200400" indent="0" algn="ctr" defTabSz="914400" rtl="0" eaLnBrk="1" latinLnBrk="0" hangingPunct="1">
+              <a:lnSpc>
+                <a:spcPct val="90000"/>
+              </a:lnSpc>
+              <a:spcBef>
+                <a:spcPts val="500"/>
+              </a:spcBef>
+              <a:buFont typeface="Arial" panose="020B0604020202020204" pitchFamily="34" charset="0"/>
+              <a:buNone/>
+              <a:defRPr sz="1600" kern="1200">
+                <a:solidFill>
+                  <a:schemeClr val="tx1"/>
+                </a:solidFill>
+                <a:latin typeface="+mn-lt"/>
+                <a:ea typeface="+mn-ea"/>
+                <a:cs typeface="+mn-cs"/>
+              </a:defRPr>
+            </a:lvl8pPr>
+            <a:lvl9pPr marL="3657600" indent="0" algn="ctr" defTabSz="914400" rtl="0" eaLnBrk="1" latinLnBrk="0" hangingPunct="1">
+              <a:lnSpc>
+                <a:spcPct val="90000"/>
+              </a:lnSpc>
+              <a:spcBef>
+                <a:spcPts val="500"/>
+              </a:spcBef>
+              <a:buFont typeface="Arial" panose="020B0604020202020204" pitchFamily="34" charset="0"/>
+              <a:buNone/>
+              <a:defRPr sz="1600" kern="1200">
+                <a:solidFill>
+                  <a:schemeClr val="tx1"/>
+                </a:solidFill>
+                <a:latin typeface="+mn-lt"/>
+                <a:ea typeface="+mn-ea"/>
+                <a:cs typeface="+mn-cs"/>
+              </a:defRPr>
+            </a:lvl9pPr>
+          </a:lstStyle>
+          <a:p>
+            <a:pPr algn="l">
+              <a:buFont typeface="Arial" panose="020B0604020202020204" pitchFamily="34" charset="0"/>
+            </a:pPr>
+            <a:r>
+              <a:rPr lang="en-IN" altLang="en-US" sz="2095">
+                <a:solidFill>
+                  <a:schemeClr val="bg1"/>
+                </a:solidFill>
+                <a:latin typeface="Times New Roman" panose="02020603050405020304" charset="0"/>
+                <a:cs typeface="Times New Roman" panose="02020603050405020304" charset="0"/>
+                <a:sym typeface="+mn-ea"/>
+              </a:rPr>
+              <a:t>	</a:t>
+            </a:r>
+            <a:endParaRPr lang="en-IN" altLang="en-US" sz="2095">
+              <a:solidFill>
+                <a:schemeClr val="bg1"/>
+              </a:solidFill>
+              <a:latin typeface="Times New Roman" panose="02020603050405020304" charset="0"/>
+              <a:cs typeface="Times New Roman" panose="02020603050405020304" charset="0"/>
+              <a:sym typeface="+mn-ea"/>
+            </a:endParaRPr>
+          </a:p>
+          <a:p>
+            <a:pPr algn="l">
+              <a:buFont typeface="Arial" panose="020B0604020202020204" pitchFamily="34" charset="0"/>
+            </a:pPr>
+            <a:r>
+              <a:rPr lang="en-IN" altLang="en-US" sz="2095">
+                <a:solidFill>
+                  <a:schemeClr val="bg1"/>
+                </a:solidFill>
+                <a:latin typeface="Times New Roman" panose="02020603050405020304" charset="0"/>
+                <a:cs typeface="Times New Roman" panose="02020603050405020304" charset="0"/>
+                <a:sym typeface="+mn-ea"/>
+              </a:rPr>
+              <a:t>				      </a:t>
+            </a:r>
+            <a:r>
+              <a:rPr lang="en-IN" altLang="en-US" b="1">
+                <a:solidFill>
+                  <a:schemeClr val="accent1"/>
+                </a:solidFill>
+                <a:effectLst>
+                  <a:outerShdw blurRad="38100" dist="25400" dir="5400000" algn="ctr" rotWithShape="0">
+                    <a:srgbClr val="6E747A">
+                      <a:alpha val="43000"/>
+                    </a:srgbClr>
+                  </a:outerShdw>
+                </a:effectLst>
+                <a:latin typeface="Times New Roman" panose="02020603050405020304" charset="0"/>
+                <a:cs typeface="Times New Roman" panose="02020603050405020304" charset="0"/>
+                <a:sym typeface="+mn-ea"/>
+              </a:rPr>
+              <a:t>DIFFERENTS</a:t>
+            </a:r>
+            <a:endParaRPr lang="en-IN" altLang="en-US" sz="3600" b="1">
+              <a:solidFill>
+                <a:schemeClr val="accent1"/>
+              </a:solidFill>
+              <a:effectLst>
+                <a:outerShdw blurRad="38100" dist="25400" dir="5400000" algn="ctr" rotWithShape="0">
+                  <a:srgbClr val="6E747A">
+                    <a:alpha val="43000"/>
+                  </a:srgbClr>
+                </a:outerShdw>
+              </a:effectLst>
+              <a:latin typeface="Times New Roman" panose="02020603050405020304" charset="0"/>
+              <a:cs typeface="Times New Roman" panose="02020603050405020304" charset="0"/>
+              <a:sym typeface="+mn-ea"/>
+            </a:endParaRPr>
+          </a:p>
+        </p:txBody>
+      </p:sp>
+      <p:sp>
+        <p:nvSpPr>
+          <p:cNvPr id="4" name="Subtitle 6"/>
+          <p:cNvSpPr>
+            <a:spLocks noGrp="1"/>
+          </p:cNvSpPr>
+          <p:nvPr/>
+        </p:nvSpPr>
+        <p:spPr>
+          <a:xfrm>
+            <a:off x="6259195" y="2855595"/>
+            <a:ext cx="5274310" cy="3658235"/>
+          </a:xfrm>
+          <a:prstGeom prst="rect">
+            <a:avLst/>
+          </a:prstGeom>
+          <a:solidFill>
+            <a:schemeClr val="bg2">
+              <a:lumMod val="25000"/>
+            </a:schemeClr>
+          </a:solidFill>
+        </p:spPr>
+        <p:txBody>
+          <a:bodyPr vert="horz" lIns="91440" tIns="45720" rIns="91440" bIns="45720" rtlCol="0">
+            <a:normAutofit/>
+          </a:bodyPr>
+          <a:lstStyle>
+            <a:lvl1pPr marL="0" indent="0" algn="ctr" defTabSz="914400" rtl="0" eaLnBrk="1" latinLnBrk="0" hangingPunct="1">
+              <a:lnSpc>
+                <a:spcPct val="90000"/>
+              </a:lnSpc>
+              <a:spcBef>
+                <a:spcPts val="1000"/>
+              </a:spcBef>
+              <a:buFont typeface="Arial" panose="020B0604020202020204" pitchFamily="34" charset="0"/>
+              <a:buNone/>
+              <a:defRPr sz="2400" kern="1200">
+                <a:solidFill>
+                  <a:schemeClr val="tx1"/>
+                </a:solidFill>
+                <a:latin typeface="+mn-lt"/>
+                <a:ea typeface="+mn-ea"/>
+                <a:cs typeface="+mn-cs"/>
+              </a:defRPr>
+            </a:lvl1pPr>
+            <a:lvl2pPr marL="457200" indent="0" algn="ctr" defTabSz="914400" rtl="0" eaLnBrk="1" latinLnBrk="0" hangingPunct="1">
+              <a:lnSpc>
+                <a:spcPct val="90000"/>
+              </a:lnSpc>
+              <a:spcBef>
+                <a:spcPts val="500"/>
+              </a:spcBef>
+              <a:buFont typeface="Arial" panose="020B0604020202020204" pitchFamily="34" charset="0"/>
+              <a:buNone/>
+              <a:defRPr sz="2000" kern="1200">
+                <a:solidFill>
+                  <a:schemeClr val="tx1"/>
+                </a:solidFill>
+                <a:latin typeface="+mn-lt"/>
+                <a:ea typeface="+mn-ea"/>
+                <a:cs typeface="+mn-cs"/>
+              </a:defRPr>
+            </a:lvl2pPr>
+            <a:lvl3pPr marL="914400" indent="0" algn="ctr" defTabSz="914400" rtl="0" eaLnBrk="1" latinLnBrk="0" hangingPunct="1">
+              <a:lnSpc>
+                <a:spcPct val="90000"/>
+              </a:lnSpc>
+              <a:spcBef>
+                <a:spcPts val="500"/>
+              </a:spcBef>
+              <a:buFont typeface="Arial" panose="020B0604020202020204" pitchFamily="34" charset="0"/>
+              <a:buNone/>
+              <a:defRPr sz="1800" kern="1200">
+                <a:solidFill>
+                  <a:schemeClr val="tx1"/>
+                </a:solidFill>
+                <a:latin typeface="+mn-lt"/>
+                <a:ea typeface="+mn-ea"/>
+                <a:cs typeface="+mn-cs"/>
+              </a:defRPr>
+            </a:lvl3pPr>
+            <a:lvl4pPr marL="1371600" indent="0" algn="ctr" defTabSz="914400" rtl="0" eaLnBrk="1" latinLnBrk="0" hangingPunct="1">
+              <a:lnSpc>
+                <a:spcPct val="90000"/>
+              </a:lnSpc>
+              <a:spcBef>
+                <a:spcPts val="500"/>
+              </a:spcBef>
+              <a:buFont typeface="Arial" panose="020B0604020202020204" pitchFamily="34" charset="0"/>
+              <a:buNone/>
+              <a:defRPr sz="1600" kern="1200">
+                <a:solidFill>
+                  <a:schemeClr val="tx1"/>
+                </a:solidFill>
+                <a:latin typeface="+mn-lt"/>
+                <a:ea typeface="+mn-ea"/>
+                <a:cs typeface="+mn-cs"/>
+              </a:defRPr>
+            </a:lvl4pPr>
+            <a:lvl5pPr marL="1828800" indent="0" algn="ctr" defTabSz="914400" rtl="0" eaLnBrk="1" latinLnBrk="0" hangingPunct="1">
+              <a:lnSpc>
+                <a:spcPct val="90000"/>
+              </a:lnSpc>
+              <a:spcBef>
+                <a:spcPts val="500"/>
+              </a:spcBef>
+              <a:buFont typeface="Arial" panose="020B0604020202020204" pitchFamily="34" charset="0"/>
+              <a:buNone/>
+              <a:defRPr sz="1600" kern="1200">
+                <a:solidFill>
+                  <a:schemeClr val="tx1"/>
+                </a:solidFill>
+                <a:latin typeface="+mn-lt"/>
+                <a:ea typeface="+mn-ea"/>
+                <a:cs typeface="+mn-cs"/>
+              </a:defRPr>
+            </a:lvl5pPr>
+            <a:lvl6pPr marL="2286000" indent="0" algn="ctr" defTabSz="914400" rtl="0" eaLnBrk="1" latinLnBrk="0" hangingPunct="1">
+              <a:lnSpc>
+                <a:spcPct val="90000"/>
+              </a:lnSpc>
+              <a:spcBef>
+                <a:spcPts val="500"/>
+              </a:spcBef>
+              <a:buFont typeface="Arial" panose="020B0604020202020204" pitchFamily="34" charset="0"/>
+              <a:buNone/>
+              <a:defRPr sz="1600" kern="1200">
+                <a:solidFill>
+                  <a:schemeClr val="tx1"/>
+                </a:solidFill>
+                <a:latin typeface="+mn-lt"/>
+                <a:ea typeface="+mn-ea"/>
+                <a:cs typeface="+mn-cs"/>
+              </a:defRPr>
+            </a:lvl6pPr>
+            <a:lvl7pPr marL="2743200" indent="0" algn="ctr" defTabSz="914400" rtl="0" eaLnBrk="1" latinLnBrk="0" hangingPunct="1">
+              <a:lnSpc>
+                <a:spcPct val="90000"/>
+              </a:lnSpc>
+              <a:spcBef>
+                <a:spcPts val="500"/>
+              </a:spcBef>
+              <a:buFont typeface="Arial" panose="020B0604020202020204" pitchFamily="34" charset="0"/>
+              <a:buNone/>
+              <a:defRPr sz="1600" kern="1200">
+                <a:solidFill>
+                  <a:schemeClr val="tx1"/>
+                </a:solidFill>
+                <a:latin typeface="+mn-lt"/>
+                <a:ea typeface="+mn-ea"/>
+                <a:cs typeface="+mn-cs"/>
+              </a:defRPr>
+            </a:lvl7pPr>
+            <a:lvl8pPr marL="3200400" indent="0" algn="ctr" defTabSz="914400" rtl="0" eaLnBrk="1" latinLnBrk="0" hangingPunct="1">
+              <a:lnSpc>
+                <a:spcPct val="90000"/>
+              </a:lnSpc>
+              <a:spcBef>
+                <a:spcPts val="500"/>
+              </a:spcBef>
+              <a:buFont typeface="Arial" panose="020B0604020202020204" pitchFamily="34" charset="0"/>
+              <a:buNone/>
+              <a:defRPr sz="1600" kern="1200">
+                <a:solidFill>
+                  <a:schemeClr val="tx1"/>
+                </a:solidFill>
+                <a:latin typeface="+mn-lt"/>
+                <a:ea typeface="+mn-ea"/>
+                <a:cs typeface="+mn-cs"/>
+              </a:defRPr>
+            </a:lvl8pPr>
+            <a:lvl9pPr marL="3657600" indent="0" algn="ctr" defTabSz="914400" rtl="0" eaLnBrk="1" latinLnBrk="0" hangingPunct="1">
+              <a:lnSpc>
+                <a:spcPct val="90000"/>
+              </a:lnSpc>
+              <a:spcBef>
+                <a:spcPts val="500"/>
+              </a:spcBef>
+              <a:buFont typeface="Arial" panose="020B0604020202020204" pitchFamily="34" charset="0"/>
+              <a:buNone/>
+              <a:defRPr sz="1600" kern="1200">
+                <a:solidFill>
+                  <a:schemeClr val="tx1"/>
+                </a:solidFill>
+                <a:latin typeface="+mn-lt"/>
+                <a:ea typeface="+mn-ea"/>
+                <a:cs typeface="+mn-cs"/>
+              </a:defRPr>
+            </a:lvl9pPr>
+          </a:lstStyle>
+          <a:p>
+            <a:pPr marL="342900" indent="-342900" algn="l">
+              <a:buFont typeface="Arial" panose="020B0604020202020204" pitchFamily="34" charset="0"/>
+              <a:buChar char="•"/>
+            </a:pPr>
+            <a:endParaRPr lang="en-IN" altLang="en-US" sz="2800">
+              <a:solidFill>
+                <a:schemeClr val="bg1"/>
+              </a:solidFill>
+              <a:latin typeface="Calibri" panose="020F0502020204030204" charset="0"/>
+              <a:cs typeface="Calibri" panose="020F0502020204030204" charset="0"/>
+              <a:sym typeface="+mn-ea"/>
+            </a:endParaRPr>
+          </a:p>
+          <a:p>
+            <a:pPr marL="342900" indent="-342900" algn="l">
+              <a:buFont typeface="Arial" panose="020B0604020202020204" pitchFamily="34" charset="0"/>
+              <a:buChar char="•"/>
+            </a:pPr>
+            <a:r>
+              <a:rPr lang="en-IN" altLang="en-US" sz="2800">
+                <a:solidFill>
+                  <a:schemeClr val="bg1"/>
+                </a:solidFill>
+                <a:latin typeface="Calibri" panose="020F0502020204030204" charset="0"/>
+                <a:cs typeface="Calibri" panose="020F0502020204030204" charset="0"/>
+                <a:sym typeface="+mn-ea"/>
+              </a:rPr>
+              <a:t>Dedicated tool named Github Desktop</a:t>
+            </a:r>
+            <a:endParaRPr lang="en-IN" altLang="en-US" sz="2800">
+              <a:solidFill>
+                <a:schemeClr val="bg1"/>
+              </a:solidFill>
+              <a:latin typeface="Calibri" panose="020F0502020204030204" charset="0"/>
+              <a:cs typeface="Calibri" panose="020F0502020204030204" charset="0"/>
+              <a:sym typeface="+mn-ea"/>
+            </a:endParaRPr>
+          </a:p>
+          <a:p>
+            <a:pPr marL="342900" indent="-342900" algn="l">
+              <a:buFont typeface="Arial" panose="020B0604020202020204" pitchFamily="34" charset="0"/>
+              <a:buChar char="•"/>
+            </a:pPr>
+            <a:r>
+              <a:rPr lang="en-IN" altLang="en-US" sz="2800">
+                <a:solidFill>
+                  <a:schemeClr val="bg1"/>
+                </a:solidFill>
+                <a:latin typeface="Calibri" panose="020F0502020204030204" charset="0"/>
+                <a:cs typeface="Calibri" panose="020F0502020204030204" charset="0"/>
+                <a:sym typeface="+mn-ea"/>
+              </a:rPr>
+              <a:t>User friendly GUI</a:t>
+            </a:r>
+            <a:endParaRPr lang="en-IN" altLang="en-US" sz="2800">
+              <a:solidFill>
+                <a:schemeClr val="bg1"/>
+              </a:solidFill>
+              <a:latin typeface="Calibri" panose="020F0502020204030204" charset="0"/>
+              <a:cs typeface="Calibri" panose="020F0502020204030204" charset="0"/>
+              <a:sym typeface="+mn-ea"/>
+            </a:endParaRPr>
+          </a:p>
+          <a:p>
+            <a:pPr marL="342900" indent="-342900" algn="l">
+              <a:buFont typeface="Arial" panose="020B0604020202020204" pitchFamily="34" charset="0"/>
+              <a:buChar char="•"/>
+            </a:pPr>
+            <a:r>
+              <a:rPr lang="en-IN" altLang="en-US" sz="2800">
+                <a:solidFill>
+                  <a:schemeClr val="bg1"/>
+                </a:solidFill>
+                <a:latin typeface="Calibri" panose="020F0502020204030204" charset="0"/>
+                <a:cs typeface="Calibri" panose="020F0502020204030204" charset="0"/>
+                <a:sym typeface="+mn-ea"/>
+              </a:rPr>
+              <a:t>We can view the changes before commit</a:t>
+            </a:r>
+            <a:endParaRPr lang="en-IN" altLang="en-US" sz="2800">
+              <a:solidFill>
+                <a:schemeClr val="bg1"/>
+              </a:solidFill>
+              <a:latin typeface="Calibri" panose="020F0502020204030204" charset="0"/>
+              <a:cs typeface="Calibri" panose="020F0502020204030204" charset="0"/>
+              <a:sym typeface="+mn-ea"/>
+            </a:endParaRPr>
+          </a:p>
+          <a:p>
+            <a:pPr marL="342900" indent="-342900" algn="l">
+              <a:buFont typeface="Arial" panose="020B0604020202020204" pitchFamily="34" charset="0"/>
+              <a:buChar char="•"/>
+            </a:pPr>
+            <a:r>
+              <a:rPr lang="en-IN" altLang="en-US" sz="2800">
+                <a:solidFill>
+                  <a:schemeClr val="bg1"/>
+                </a:solidFill>
+                <a:latin typeface="Calibri" panose="020F0502020204030204" charset="0"/>
+                <a:cs typeface="Calibri" panose="020F0502020204030204" charset="0"/>
+                <a:sym typeface="+mn-ea"/>
+              </a:rPr>
+              <a:t>We can use in Mobile</a:t>
+            </a:r>
+            <a:endParaRPr lang="en-IN" altLang="en-US" sz="2800">
+              <a:solidFill>
+                <a:schemeClr val="bg1"/>
+              </a:solidFill>
+              <a:latin typeface="Calibri" panose="020F0502020204030204" charset="0"/>
+              <a:cs typeface="Calibri" panose="020F0502020204030204" charset="0"/>
+              <a:sym typeface="+mn-ea"/>
+            </a:endParaRPr>
+          </a:p>
+        </p:txBody>
+      </p:sp>
+      <p:sp>
+        <p:nvSpPr>
+          <p:cNvPr id="5" name="Subtitle 6"/>
+          <p:cNvSpPr>
+            <a:spLocks noGrp="1"/>
+          </p:cNvSpPr>
+          <p:nvPr/>
+        </p:nvSpPr>
+        <p:spPr>
+          <a:xfrm>
+            <a:off x="6259195" y="2007235"/>
+            <a:ext cx="5123815" cy="763270"/>
+          </a:xfrm>
+          <a:prstGeom prst="rect">
+            <a:avLst/>
+          </a:prstGeom>
+          <a:solidFill>
+            <a:schemeClr val="bg2">
+              <a:lumMod val="25000"/>
+            </a:schemeClr>
+          </a:solidFill>
+        </p:spPr>
+        <p:txBody>
+          <a:bodyPr vert="horz" lIns="91440" tIns="45720" rIns="91440" bIns="45720" rtlCol="0">
+            <a:normAutofit fontScale="60000"/>
+          </a:bodyPr>
+          <a:lstStyle>
+            <a:lvl1pPr marL="0" indent="0" algn="ctr" defTabSz="914400" rtl="0" eaLnBrk="1" latinLnBrk="0" hangingPunct="1">
+              <a:lnSpc>
+                <a:spcPct val="90000"/>
+              </a:lnSpc>
+              <a:spcBef>
+                <a:spcPts val="1000"/>
+              </a:spcBef>
+              <a:buFont typeface="Arial" panose="020B0604020202020204" pitchFamily="34" charset="0"/>
+              <a:buNone/>
+              <a:defRPr sz="2400" kern="1200">
+                <a:solidFill>
+                  <a:schemeClr val="tx1"/>
+                </a:solidFill>
+                <a:latin typeface="+mn-lt"/>
+                <a:ea typeface="+mn-ea"/>
+                <a:cs typeface="+mn-cs"/>
+              </a:defRPr>
+            </a:lvl1pPr>
+            <a:lvl2pPr marL="457200" indent="0" algn="ctr" defTabSz="914400" rtl="0" eaLnBrk="1" latinLnBrk="0" hangingPunct="1">
+              <a:lnSpc>
+                <a:spcPct val="90000"/>
+              </a:lnSpc>
+              <a:spcBef>
+                <a:spcPts val="500"/>
+              </a:spcBef>
+              <a:buFont typeface="Arial" panose="020B0604020202020204" pitchFamily="34" charset="0"/>
+              <a:buNone/>
+              <a:defRPr sz="2000" kern="1200">
+                <a:solidFill>
+                  <a:schemeClr val="tx1"/>
+                </a:solidFill>
+                <a:latin typeface="+mn-lt"/>
+                <a:ea typeface="+mn-ea"/>
+                <a:cs typeface="+mn-cs"/>
+              </a:defRPr>
+            </a:lvl2pPr>
+            <a:lvl3pPr marL="914400" indent="0" algn="ctr" defTabSz="914400" rtl="0" eaLnBrk="1" latinLnBrk="0" hangingPunct="1">
+              <a:lnSpc>
+                <a:spcPct val="90000"/>
+              </a:lnSpc>
+              <a:spcBef>
+                <a:spcPts val="500"/>
+              </a:spcBef>
+              <a:buFont typeface="Arial" panose="020B0604020202020204" pitchFamily="34" charset="0"/>
+              <a:buNone/>
+              <a:defRPr sz="1800" kern="1200">
+                <a:solidFill>
+                  <a:schemeClr val="tx1"/>
+                </a:solidFill>
+                <a:latin typeface="+mn-lt"/>
+                <a:ea typeface="+mn-ea"/>
+                <a:cs typeface="+mn-cs"/>
+              </a:defRPr>
+            </a:lvl3pPr>
+            <a:lvl4pPr marL="1371600" indent="0" algn="ctr" defTabSz="914400" rtl="0" eaLnBrk="1" latinLnBrk="0" hangingPunct="1">
+              <a:lnSpc>
+                <a:spcPct val="90000"/>
+              </a:lnSpc>
+              <a:spcBef>
+                <a:spcPts val="500"/>
+              </a:spcBef>
+              <a:buFont typeface="Arial" panose="020B0604020202020204" pitchFamily="34" charset="0"/>
+              <a:buNone/>
+              <a:defRPr sz="1600" kern="1200">
+                <a:solidFill>
+                  <a:schemeClr val="tx1"/>
+                </a:solidFill>
+                <a:latin typeface="+mn-lt"/>
+                <a:ea typeface="+mn-ea"/>
+                <a:cs typeface="+mn-cs"/>
+              </a:defRPr>
+            </a:lvl4pPr>
+            <a:lvl5pPr marL="1828800" indent="0" algn="ctr" defTabSz="914400" rtl="0" eaLnBrk="1" latinLnBrk="0" hangingPunct="1">
+              <a:lnSpc>
+                <a:spcPct val="90000"/>
+              </a:lnSpc>
+              <a:spcBef>
+                <a:spcPts val="500"/>
+              </a:spcBef>
+              <a:buFont typeface="Arial" panose="020B0604020202020204" pitchFamily="34" charset="0"/>
+              <a:buNone/>
+              <a:defRPr sz="1600" kern="1200">
+                <a:solidFill>
+                  <a:schemeClr val="tx1"/>
+                </a:solidFill>
+                <a:latin typeface="+mn-lt"/>
+                <a:ea typeface="+mn-ea"/>
+                <a:cs typeface="+mn-cs"/>
+              </a:defRPr>
+            </a:lvl5pPr>
+            <a:lvl6pPr marL="2286000" indent="0" algn="ctr" defTabSz="914400" rtl="0" eaLnBrk="1" latinLnBrk="0" hangingPunct="1">
+              <a:lnSpc>
+                <a:spcPct val="90000"/>
+              </a:lnSpc>
+              <a:spcBef>
+                <a:spcPts val="500"/>
+              </a:spcBef>
+              <a:buFont typeface="Arial" panose="020B0604020202020204" pitchFamily="34" charset="0"/>
+              <a:buNone/>
+              <a:defRPr sz="1600" kern="1200">
+                <a:solidFill>
+                  <a:schemeClr val="tx1"/>
+                </a:solidFill>
+                <a:latin typeface="+mn-lt"/>
+                <a:ea typeface="+mn-ea"/>
+                <a:cs typeface="+mn-cs"/>
+              </a:defRPr>
+            </a:lvl6pPr>
+            <a:lvl7pPr marL="2743200" indent="0" algn="ctr" defTabSz="914400" rtl="0" eaLnBrk="1" latinLnBrk="0" hangingPunct="1">
+              <a:lnSpc>
+                <a:spcPct val="90000"/>
+              </a:lnSpc>
+              <a:spcBef>
+                <a:spcPts val="500"/>
+              </a:spcBef>
+              <a:buFont typeface="Arial" panose="020B0604020202020204" pitchFamily="34" charset="0"/>
+              <a:buNone/>
+              <a:defRPr sz="1600" kern="1200">
+                <a:solidFill>
+                  <a:schemeClr val="tx1"/>
+                </a:solidFill>
+                <a:latin typeface="+mn-lt"/>
+                <a:ea typeface="+mn-ea"/>
+                <a:cs typeface="+mn-cs"/>
+              </a:defRPr>
+            </a:lvl7pPr>
+            <a:lvl8pPr marL="3200400" indent="0" algn="ctr" defTabSz="914400" rtl="0" eaLnBrk="1" latinLnBrk="0" hangingPunct="1">
+              <a:lnSpc>
+                <a:spcPct val="90000"/>
+              </a:lnSpc>
+              <a:spcBef>
+                <a:spcPts val="500"/>
+              </a:spcBef>
+              <a:buFont typeface="Arial" panose="020B0604020202020204" pitchFamily="34" charset="0"/>
+              <a:buNone/>
+              <a:defRPr sz="1600" kern="1200">
+                <a:solidFill>
+                  <a:schemeClr val="tx1"/>
+                </a:solidFill>
+                <a:latin typeface="+mn-lt"/>
+                <a:ea typeface="+mn-ea"/>
+                <a:cs typeface="+mn-cs"/>
+              </a:defRPr>
+            </a:lvl8pPr>
+            <a:lvl9pPr marL="3657600" indent="0" algn="ctr" defTabSz="914400" rtl="0" eaLnBrk="1" latinLnBrk="0" hangingPunct="1">
+              <a:lnSpc>
+                <a:spcPct val="90000"/>
+              </a:lnSpc>
+              <a:spcBef>
+                <a:spcPts val="500"/>
+              </a:spcBef>
+              <a:buFont typeface="Arial" panose="020B0604020202020204" pitchFamily="34" charset="0"/>
+              <a:buNone/>
+              <a:defRPr sz="1600" kern="1200">
+                <a:solidFill>
+                  <a:schemeClr val="tx1"/>
+                </a:solidFill>
+                <a:latin typeface="+mn-lt"/>
+                <a:ea typeface="+mn-ea"/>
+                <a:cs typeface="+mn-cs"/>
+              </a:defRPr>
+            </a:lvl9pPr>
+          </a:lstStyle>
+          <a:p>
+            <a:pPr algn="l">
+              <a:buFont typeface="Arial" panose="020B0604020202020204" pitchFamily="34" charset="0"/>
+            </a:pPr>
+            <a:r>
+              <a:rPr lang="en-IN" altLang="en-US" b="1">
+                <a:solidFill>
+                  <a:schemeClr val="bg1"/>
+                </a:solidFill>
+              </a:rPr>
+              <a:t>		</a:t>
+            </a:r>
+            <a:endParaRPr lang="en-IN" altLang="en-US" b="1">
+              <a:solidFill>
+                <a:schemeClr val="bg1"/>
+              </a:solidFill>
+            </a:endParaRPr>
+          </a:p>
+          <a:p>
+            <a:pPr algn="l">
+              <a:buFont typeface="Arial" panose="020B0604020202020204" pitchFamily="34" charset="0"/>
+            </a:pPr>
+            <a:r>
+              <a:rPr lang="en-IN" altLang="en-US" b="1">
+                <a:solidFill>
+                  <a:schemeClr val="bg1"/>
+                </a:solidFill>
+              </a:rPr>
+              <a:t>		    </a:t>
+            </a:r>
+            <a:r>
+              <a:rPr lang="en-IN" altLang="en-US" sz="3400" b="1">
+                <a:solidFill>
+                  <a:schemeClr val="accent1"/>
+                </a:solidFill>
+                <a:effectLst>
+                  <a:outerShdw blurRad="38100" dist="25400" dir="5400000" algn="ctr" rotWithShape="0">
+                    <a:srgbClr val="6E747A">
+                      <a:alpha val="43000"/>
+                    </a:srgbClr>
+                  </a:outerShdw>
+                </a:effectLst>
+                <a:latin typeface="Times New Roman" panose="02020603050405020304" charset="0"/>
+                <a:cs typeface="Times New Roman" panose="02020603050405020304" charset="0"/>
+                <a:sym typeface="+mn-ea"/>
+              </a:rPr>
+              <a:t>GitHub</a:t>
+            </a:r>
+            <a:endParaRPr lang="en-IN" altLang="en-US" sz="3400" b="1">
+              <a:solidFill>
+                <a:schemeClr val="accent1"/>
+              </a:solidFill>
+              <a:effectLst>
+                <a:outerShdw blurRad="38100" dist="25400" dir="5400000" algn="ctr" rotWithShape="0">
+                  <a:srgbClr val="6E747A">
+                    <a:alpha val="43000"/>
+                  </a:srgbClr>
+                </a:outerShdw>
+              </a:effectLst>
+              <a:latin typeface="Times New Roman" panose="02020603050405020304" charset="0"/>
+              <a:cs typeface="Times New Roman" panose="02020603050405020304" charset="0"/>
+              <a:sym typeface="+mn-ea"/>
+            </a:endParaRPr>
+          </a:p>
+        </p:txBody>
+      </p:sp>
+      <p:sp>
+        <p:nvSpPr>
+          <p:cNvPr id="8" name="Subtitle 6"/>
+          <p:cNvSpPr>
+            <a:spLocks noGrp="1"/>
+          </p:cNvSpPr>
+          <p:nvPr/>
+        </p:nvSpPr>
+        <p:spPr>
+          <a:xfrm>
+            <a:off x="904240" y="2007235"/>
+            <a:ext cx="5123815" cy="779780"/>
+          </a:xfrm>
+          <a:prstGeom prst="rect">
+            <a:avLst/>
+          </a:prstGeom>
+          <a:solidFill>
+            <a:schemeClr val="bg2">
+              <a:lumMod val="25000"/>
+            </a:schemeClr>
+          </a:solidFill>
+        </p:spPr>
+        <p:txBody>
+          <a:bodyPr vert="horz" lIns="91440" tIns="45720" rIns="91440" bIns="45720" rtlCol="0">
+            <a:normAutofit fontScale="60000"/>
+          </a:bodyPr>
+          <a:lstStyle>
+            <a:lvl1pPr marL="0" indent="0" algn="ctr" defTabSz="914400" rtl="0" eaLnBrk="1" latinLnBrk="0" hangingPunct="1">
+              <a:lnSpc>
+                <a:spcPct val="90000"/>
+              </a:lnSpc>
+              <a:spcBef>
+                <a:spcPts val="1000"/>
+              </a:spcBef>
+              <a:buFont typeface="Arial" panose="020B0604020202020204" pitchFamily="34" charset="0"/>
+              <a:buNone/>
+              <a:defRPr sz="2400" kern="1200">
+                <a:solidFill>
+                  <a:schemeClr val="tx1"/>
+                </a:solidFill>
+                <a:latin typeface="+mn-lt"/>
+                <a:ea typeface="+mn-ea"/>
+                <a:cs typeface="+mn-cs"/>
+              </a:defRPr>
+            </a:lvl1pPr>
+            <a:lvl2pPr marL="457200" indent="0" algn="ctr" defTabSz="914400" rtl="0" eaLnBrk="1" latinLnBrk="0" hangingPunct="1">
+              <a:lnSpc>
+                <a:spcPct val="90000"/>
+              </a:lnSpc>
+              <a:spcBef>
+                <a:spcPts val="500"/>
+              </a:spcBef>
+              <a:buFont typeface="Arial" panose="020B0604020202020204" pitchFamily="34" charset="0"/>
+              <a:buNone/>
+              <a:defRPr sz="2000" kern="1200">
+                <a:solidFill>
+                  <a:schemeClr val="tx1"/>
+                </a:solidFill>
+                <a:latin typeface="+mn-lt"/>
+                <a:ea typeface="+mn-ea"/>
+                <a:cs typeface="+mn-cs"/>
+              </a:defRPr>
+            </a:lvl2pPr>
+            <a:lvl3pPr marL="914400" indent="0" algn="ctr" defTabSz="914400" rtl="0" eaLnBrk="1" latinLnBrk="0" hangingPunct="1">
+              <a:lnSpc>
+                <a:spcPct val="90000"/>
+              </a:lnSpc>
+              <a:spcBef>
+                <a:spcPts val="500"/>
+              </a:spcBef>
+              <a:buFont typeface="Arial" panose="020B0604020202020204" pitchFamily="34" charset="0"/>
+              <a:buNone/>
+              <a:defRPr sz="1800" kern="1200">
+                <a:solidFill>
+                  <a:schemeClr val="tx1"/>
+                </a:solidFill>
+                <a:latin typeface="+mn-lt"/>
+                <a:ea typeface="+mn-ea"/>
+                <a:cs typeface="+mn-cs"/>
+              </a:defRPr>
+            </a:lvl3pPr>
+            <a:lvl4pPr marL="1371600" indent="0" algn="ctr" defTabSz="914400" rtl="0" eaLnBrk="1" latinLnBrk="0" hangingPunct="1">
+              <a:lnSpc>
+                <a:spcPct val="90000"/>
+              </a:lnSpc>
+              <a:spcBef>
+                <a:spcPts val="500"/>
+              </a:spcBef>
+              <a:buFont typeface="Arial" panose="020B0604020202020204" pitchFamily="34" charset="0"/>
+              <a:buNone/>
+              <a:defRPr sz="1600" kern="1200">
+                <a:solidFill>
+                  <a:schemeClr val="tx1"/>
+                </a:solidFill>
+                <a:latin typeface="+mn-lt"/>
+                <a:ea typeface="+mn-ea"/>
+                <a:cs typeface="+mn-cs"/>
+              </a:defRPr>
+            </a:lvl4pPr>
+            <a:lvl5pPr marL="1828800" indent="0" algn="ctr" defTabSz="914400" rtl="0" eaLnBrk="1" latinLnBrk="0" hangingPunct="1">
+              <a:lnSpc>
+                <a:spcPct val="90000"/>
+              </a:lnSpc>
+              <a:spcBef>
+                <a:spcPts val="500"/>
+              </a:spcBef>
+              <a:buFont typeface="Arial" panose="020B0604020202020204" pitchFamily="34" charset="0"/>
+              <a:buNone/>
+              <a:defRPr sz="1600" kern="1200">
+                <a:solidFill>
+                  <a:schemeClr val="tx1"/>
+                </a:solidFill>
+                <a:latin typeface="+mn-lt"/>
+                <a:ea typeface="+mn-ea"/>
+                <a:cs typeface="+mn-cs"/>
+              </a:defRPr>
+            </a:lvl5pPr>
+            <a:lvl6pPr marL="2286000" indent="0" algn="ctr" defTabSz="914400" rtl="0" eaLnBrk="1" latinLnBrk="0" hangingPunct="1">
+              <a:lnSpc>
+                <a:spcPct val="90000"/>
+              </a:lnSpc>
+              <a:spcBef>
+                <a:spcPts val="500"/>
+              </a:spcBef>
+              <a:buFont typeface="Arial" panose="020B0604020202020204" pitchFamily="34" charset="0"/>
+              <a:buNone/>
+              <a:defRPr sz="1600" kern="1200">
+                <a:solidFill>
+                  <a:schemeClr val="tx1"/>
+                </a:solidFill>
+                <a:latin typeface="+mn-lt"/>
+                <a:ea typeface="+mn-ea"/>
+                <a:cs typeface="+mn-cs"/>
+              </a:defRPr>
+            </a:lvl6pPr>
+            <a:lvl7pPr marL="2743200" indent="0" algn="ctr" defTabSz="914400" rtl="0" eaLnBrk="1" latinLnBrk="0" hangingPunct="1">
+              <a:lnSpc>
+                <a:spcPct val="90000"/>
+              </a:lnSpc>
+              <a:spcBef>
+                <a:spcPts val="500"/>
+              </a:spcBef>
+              <a:buFont typeface="Arial" panose="020B0604020202020204" pitchFamily="34" charset="0"/>
+              <a:buNone/>
+              <a:defRPr sz="1600" kern="1200">
+                <a:solidFill>
+                  <a:schemeClr val="tx1"/>
+                </a:solidFill>
+                <a:latin typeface="+mn-lt"/>
+                <a:ea typeface="+mn-ea"/>
+                <a:cs typeface="+mn-cs"/>
+              </a:defRPr>
+            </a:lvl7pPr>
+            <a:lvl8pPr marL="3200400" indent="0" algn="ctr" defTabSz="914400" rtl="0" eaLnBrk="1" latinLnBrk="0" hangingPunct="1">
+              <a:lnSpc>
+                <a:spcPct val="90000"/>
+              </a:lnSpc>
+              <a:spcBef>
+                <a:spcPts val="500"/>
+              </a:spcBef>
+              <a:buFont typeface="Arial" panose="020B0604020202020204" pitchFamily="34" charset="0"/>
+              <a:buNone/>
+              <a:defRPr sz="1600" kern="1200">
+                <a:solidFill>
+                  <a:schemeClr val="tx1"/>
+                </a:solidFill>
+                <a:latin typeface="+mn-lt"/>
+                <a:ea typeface="+mn-ea"/>
+                <a:cs typeface="+mn-cs"/>
+              </a:defRPr>
+            </a:lvl8pPr>
+            <a:lvl9pPr marL="3657600" indent="0" algn="ctr" defTabSz="914400" rtl="0" eaLnBrk="1" latinLnBrk="0" hangingPunct="1">
+              <a:lnSpc>
+                <a:spcPct val="90000"/>
+              </a:lnSpc>
+              <a:spcBef>
+                <a:spcPts val="500"/>
+              </a:spcBef>
+              <a:buFont typeface="Arial" panose="020B0604020202020204" pitchFamily="34" charset="0"/>
+              <a:buNone/>
+              <a:defRPr sz="1600" kern="1200">
+                <a:solidFill>
+                  <a:schemeClr val="tx1"/>
+                </a:solidFill>
+                <a:latin typeface="+mn-lt"/>
+                <a:ea typeface="+mn-ea"/>
+                <a:cs typeface="+mn-cs"/>
+              </a:defRPr>
+            </a:lvl9pPr>
+          </a:lstStyle>
+          <a:p>
+            <a:pPr algn="l">
+              <a:buFont typeface="Arial" panose="020B0604020202020204" pitchFamily="34" charset="0"/>
+            </a:pPr>
+            <a:endParaRPr lang="en-IN" altLang="en-US" b="1">
+              <a:solidFill>
+                <a:schemeClr val="accent1"/>
+              </a:solidFill>
+              <a:effectLst>
+                <a:outerShdw blurRad="38100" dist="25400" dir="5400000" algn="ctr" rotWithShape="0">
+                  <a:srgbClr val="6E747A">
+                    <a:alpha val="43000"/>
+                  </a:srgbClr>
+                </a:outerShdw>
+              </a:effectLst>
+              <a:latin typeface="Times New Roman" panose="02020603050405020304" charset="0"/>
+              <a:cs typeface="Times New Roman" panose="02020603050405020304" charset="0"/>
+              <a:sym typeface="+mn-ea"/>
+            </a:endParaRPr>
+          </a:p>
+          <a:p>
+            <a:pPr algn="l">
+              <a:buFont typeface="Arial" panose="020B0604020202020204" pitchFamily="34" charset="0"/>
+            </a:pPr>
+            <a:r>
+              <a:rPr lang="en-IN" altLang="en-US" b="1">
+                <a:solidFill>
+                  <a:schemeClr val="accent1"/>
+                </a:solidFill>
+                <a:effectLst>
+                  <a:outerShdw blurRad="38100" dist="25400" dir="5400000" algn="ctr" rotWithShape="0">
+                    <a:srgbClr val="6E747A">
+                      <a:alpha val="43000"/>
+                    </a:srgbClr>
+                  </a:outerShdw>
+                </a:effectLst>
+                <a:latin typeface="Times New Roman" panose="02020603050405020304" charset="0"/>
+                <a:cs typeface="Times New Roman" panose="02020603050405020304" charset="0"/>
+                <a:sym typeface="+mn-ea"/>
+              </a:rPr>
+              <a:t>		     </a:t>
+            </a:r>
+            <a:r>
+              <a:rPr lang="en-IN" altLang="en-US" sz="4000" b="1">
+                <a:solidFill>
+                  <a:schemeClr val="accent1"/>
+                </a:solidFill>
+                <a:effectLst>
+                  <a:outerShdw blurRad="38100" dist="25400" dir="5400000" algn="ctr" rotWithShape="0">
+                    <a:srgbClr val="6E747A">
+                      <a:alpha val="43000"/>
+                    </a:srgbClr>
+                  </a:outerShdw>
+                </a:effectLst>
+                <a:latin typeface="Times New Roman" panose="02020603050405020304" charset="0"/>
+                <a:cs typeface="Times New Roman" panose="02020603050405020304" charset="0"/>
+                <a:sym typeface="+mn-ea"/>
+              </a:rPr>
+              <a:t>SVN</a:t>
+            </a:r>
+            <a:endParaRPr lang="en-IN" altLang="en-US" sz="4000" b="1">
+              <a:solidFill>
+                <a:schemeClr val="accent1"/>
+              </a:solidFill>
+              <a:effectLst>
+                <a:outerShdw blurRad="38100" dist="25400" dir="5400000" algn="ctr" rotWithShape="0">
+                  <a:srgbClr val="6E747A">
+                    <a:alpha val="43000"/>
+                  </a:srgbClr>
+                </a:outerShdw>
+              </a:effectLst>
+              <a:latin typeface="Times New Roman" panose="02020603050405020304" charset="0"/>
+              <a:cs typeface="Times New Roman" panose="02020603050405020304" charset="0"/>
+              <a:sym typeface="+mn-ea"/>
+            </a:endParaRPr>
+          </a:p>
+        </p:txBody>
+      </p:sp>
+    </p:spTree>
+  </p:cSld>
+  <p:clrMapOvr>
+    <a:masterClrMapping/>
+  </p:clrMapOvr>
+</p:sld>
+</file>
+
+<file path=ppt/slides/slide18.xml><?xml version="1.0" encoding="utf-8"?>
+<p:sld xmlns:a="http://schemas.openxmlformats.org/drawingml/2006/main" xmlns:r="http://schemas.openxmlformats.org/officeDocument/2006/relationships" xmlns:p="http://schemas.openxmlformats.org/presentationml/2006/main">
+  <p:cSld>
+    <p:spTree>
+      <p:nvGrpSpPr>
+        <p:cNvPr id="1" name=""/>
+        <p:cNvGrpSpPr/>
+        <p:nvPr/>
+      </p:nvGrpSpPr>
+      <p:grpSpPr/>
+      <p:sp>
+        <p:nvSpPr>
+          <p:cNvPr id="5" name="Title 4"/>
+          <p:cNvSpPr>
+            <a:spLocks noGrp="1"/>
+          </p:cNvSpPr>
+          <p:nvPr>
+            <p:ph type="title"/>
+          </p:nvPr>
+        </p:nvSpPr>
+        <p:spPr/>
+        <p:txBody>
+          <a:bodyPr/>
+          <a:p>
+            <a:endParaRPr lang="en-US"/>
+          </a:p>
+        </p:txBody>
+      </p:sp>
+      <p:pic>
+        <p:nvPicPr>
+          <p:cNvPr id="4" name="Content Placeholder 3" descr="TricolorFlag-LinksInd"/>
+          <p:cNvPicPr>
+            <a:picLocks noChangeAspect="1"/>
+          </p:cNvPicPr>
+          <p:nvPr>
+            <p:ph idx="1"/>
+          </p:nvPr>
+        </p:nvPicPr>
+        <p:blipFill>
+          <a:blip r:embed="rId1"/>
+          <a:stretch>
+            <a:fillRect/>
+          </a:stretch>
+        </p:blipFill>
+        <p:spPr>
+          <a:xfrm>
+            <a:off x="2950845" y="908685"/>
+            <a:ext cx="5579110" cy="4351655"/>
+          </a:xfrm>
+          <a:prstGeom prst="rect">
+            <a:avLst/>
+          </a:prstGeom>
+        </p:spPr>
+      </p:pic>
     </p:spTree>
   </p:cSld>
   <p:clrMapOvr>
